--- a/CPE Electives (1 - 3)/01. Lectures Notebook/000. Presentations & Text Books/01. Presentation Slides/06.8 Measuring Forecasting Errors.pptx
+++ b/CPE Electives (1 - 3)/01. Lectures Notebook/000. Presentations & Text Books/01. Presentation Slides/06.8 Measuring Forecasting Errors.pptx
@@ -5,10 +5,10 @@
     <p:sldMasterId id="2147483684" r:id="rId1"/>
   </p:sldMasterIdLst>
   <p:notesMasterIdLst>
-    <p:notesMasterId r:id="rId17"/>
+    <p:notesMasterId r:id="rId34"/>
   </p:notesMasterIdLst>
   <p:handoutMasterIdLst>
-    <p:handoutMasterId r:id="rId18"/>
+    <p:handoutMasterId r:id="rId35"/>
   </p:handoutMasterIdLst>
   <p:sldIdLst>
     <p:sldId id="258" r:id="rId2"/>
@@ -24,8 +24,25 @@
     <p:sldId id="472" r:id="rId12"/>
     <p:sldId id="473" r:id="rId13"/>
     <p:sldId id="474" r:id="rId14"/>
-    <p:sldId id="392" r:id="rId15"/>
-    <p:sldId id="314" r:id="rId16"/>
+    <p:sldId id="475" r:id="rId15"/>
+    <p:sldId id="476" r:id="rId16"/>
+    <p:sldId id="477" r:id="rId17"/>
+    <p:sldId id="478" r:id="rId18"/>
+    <p:sldId id="479" r:id="rId19"/>
+    <p:sldId id="480" r:id="rId20"/>
+    <p:sldId id="481" r:id="rId21"/>
+    <p:sldId id="484" r:id="rId22"/>
+    <p:sldId id="482" r:id="rId23"/>
+    <p:sldId id="392" r:id="rId24"/>
+    <p:sldId id="485" r:id="rId25"/>
+    <p:sldId id="486" r:id="rId26"/>
+    <p:sldId id="487" r:id="rId27"/>
+    <p:sldId id="488" r:id="rId28"/>
+    <p:sldId id="489" r:id="rId29"/>
+    <p:sldId id="490" r:id="rId30"/>
+    <p:sldId id="491" r:id="rId31"/>
+    <p:sldId id="483" r:id="rId32"/>
+    <p:sldId id="314" r:id="rId33"/>
   </p:sldIdLst>
   <p:sldSz cx="12192000" cy="6858000"/>
   <p:notesSz cx="6858000" cy="9144000"/>
@@ -126,7 +143,7 @@
   </p:defaultTextStyle>
   <p:extLst>
     <p:ext uri="{EFAFB233-063F-42B5-8137-9DF3F51BA10A}">
-      <p15:sldGuideLst xmlns:p15="http://schemas.microsoft.com/office/powerpoint/2012/main">
+      <p15:sldGuideLst xmlns="" xmlns:p15="http://schemas.microsoft.com/office/powerpoint/2012/main">
         <p15:guide id="1" orient="horz" pos="2160">
           <p15:clr>
             <a:srgbClr val="A4A3A4"/>
@@ -140,7 +157,7 @@
       </p15:sldGuideLst>
     </p:ext>
     <p:ext uri="{2D200454-40CA-4A62-9FC3-DE9A4176ACB9}">
-      <p15:notesGuideLst xmlns:p15="http://schemas.microsoft.com/office/powerpoint/2012/main">
+      <p15:notesGuideLst xmlns="" xmlns:p15="http://schemas.microsoft.com/office/powerpoint/2012/main">
         <p15:guide id="1" orient="horz" pos="2880">
           <p15:clr>
             <a:srgbClr val="A4A3A4"/>
@@ -239,7 +256,7 @@
           <a:p>
             <a:fld id="{3B6B94FD-5702-4F25-9A4D-07294FF3292C}" type="datetimeFigureOut">
               <a:rPr lang="en-PH" smtClean="0"/>
-              <a:t>14 Mar 2025</a:t>
+              <a:t>3/15/2025</a:t>
             </a:fld>
             <a:endParaRPr lang="en-PH"/>
           </a:p>
@@ -404,7 +421,7 @@
           <a:p>
             <a:fld id="{8365AC51-C568-4371-A28D-D14CF2BCF8BA}" type="datetimeFigureOut">
               <a:rPr lang="en-US" smtClean="0"/>
-              <a:t>3/14/2025</a:t>
+              <a:t>3/15/2025</a:t>
             </a:fld>
             <a:endParaRPr lang="en-US"/>
           </a:p>
@@ -1221,7 +1238,7 @@
           <p:cNvPr id="7" name="Footer Placeholder 4">
             <a:extLst>
               <a:ext uri="{FF2B5EF4-FFF2-40B4-BE49-F238E27FC236}">
-                <a16:creationId xmlns:a16="http://schemas.microsoft.com/office/drawing/2014/main" id="{D057E4A9-8BC1-4D03-B0CD-00353C3D487D}"/>
+                <a16:creationId xmlns="" xmlns:a16="http://schemas.microsoft.com/office/drawing/2014/main" id="{D057E4A9-8BC1-4D03-B0CD-00353C3D487D}"/>
               </a:ext>
             </a:extLst>
           </p:cNvPr>
@@ -4284,8 +4301,8 @@
           <a:chExt cx="0" cy="0"/>
         </a:xfrm>
       </p:grpSpPr>
-      <mc:AlternateContent xmlns:mc="http://schemas.openxmlformats.org/markup-compatibility/2006">
-        <mc:Choice xmlns:a14="http://schemas.microsoft.com/office/drawing/2010/main" Requires="a14">
+      <mc:AlternateContent xmlns:mc="http://schemas.openxmlformats.org/markup-compatibility/2006" xmlns:a14="http://schemas.microsoft.com/office/drawing/2010/main">
+        <mc:Choice Requires="a14">
           <p:sp>
             <p:nvSpPr>
               <p:cNvPr id="4" name="TextBox 3"/>
@@ -4363,7 +4380,7 @@
                       <m:fPr>
                         <m:ctrlPr>
                           <a:rPr lang="en-US" sz="3600" i="1">
-                            <a:latin typeface="Cambria Math" panose="02040503050406030204" pitchFamily="18" charset="0"/>
+                            <a:latin typeface="Cambria Math"/>
                           </a:rPr>
                         </m:ctrlPr>
                       </m:fPr>
@@ -4389,7 +4406,7 @@
                         <m:chr m:val="∑"/>
                         <m:ctrlPr>
                           <a:rPr lang="en-US" sz="3600" i="1">
-                            <a:latin typeface="Cambria Math" panose="02040503050406030204" pitchFamily="18" charset="0"/>
+                            <a:latin typeface="Cambria Math"/>
                           </a:rPr>
                         </m:ctrlPr>
                       </m:naryPr>
@@ -4425,7 +4442,7 @@
                             <m:endChr m:val="|"/>
                             <m:ctrlPr>
                               <a:rPr lang="en-US" sz="3600" i="1" smtClean="0">
-                                <a:latin typeface="Cambria Math" panose="02040503050406030204" pitchFamily="18" charset="0"/>
+                                <a:latin typeface="Cambria Math"/>
                               </a:rPr>
                             </m:ctrlPr>
                           </m:dPr>
@@ -4434,7 +4451,7 @@
                               <m:fPr>
                                 <m:ctrlPr>
                                   <a:rPr lang="en-US" sz="3600" i="1" smtClean="0">
-                                    <a:latin typeface="Cambria Math" panose="02040503050406030204" pitchFamily="18" charset="0"/>
+                                    <a:latin typeface="Cambria Math"/>
                                   </a:rPr>
                                 </m:ctrlPr>
                               </m:fPr>
@@ -4443,7 +4460,7 @@
                                   <m:sSubPr>
                                     <m:ctrlPr>
                                       <a:rPr lang="en-US" sz="3600" i="1">
-                                        <a:latin typeface="Cambria Math" panose="02040503050406030204" pitchFamily="18" charset="0"/>
+                                        <a:latin typeface="Cambria Math"/>
                                       </a:rPr>
                                     </m:ctrlPr>
                                   </m:sSubPr>
@@ -4474,7 +4491,7 @@
                                   <m:sSubPr>
                                     <m:ctrlPr>
                                       <a:rPr lang="en-US" sz="3600" i="1">
-                                        <a:latin typeface="Cambria Math" panose="02040503050406030204" pitchFamily="18" charset="0"/>
+                                        <a:latin typeface="Cambria Math"/>
                                       </a:rPr>
                                     </m:ctrlPr>
                                   </m:sSubPr>
@@ -4484,7 +4501,7 @@
                                         <m:chr m:val="̂"/>
                                         <m:ctrlPr>
                                           <a:rPr lang="en-US" sz="3600" i="1">
-                                            <a:latin typeface="Cambria Math" panose="02040503050406030204" pitchFamily="18" charset="0"/>
+                                            <a:latin typeface="Cambria Math"/>
                                           </a:rPr>
                                         </m:ctrlPr>
                                       </m:accPr>
@@ -4513,7 +4530,7 @@
                                   <m:sSubPr>
                                     <m:ctrlPr>
                                       <a:rPr lang="en-US" sz="3600" i="1">
-                                        <a:latin typeface="Cambria Math" panose="02040503050406030204" pitchFamily="18" charset="0"/>
+                                        <a:latin typeface="Cambria Math"/>
                                       </a:rPr>
                                     </m:ctrlPr>
                                   </m:sSubPr>
@@ -4547,7 +4564,7 @@
             </p:txBody>
           </p:sp>
         </mc:Choice>
-        <mc:Fallback>
+        <mc:Fallback xmlns="">
           <p:sp>
             <p:nvSpPr>
               <p:cNvPr id="4" name="TextBox 3"/>
@@ -4616,8 +4633,8 @@
           <a:chExt cx="0" cy="0"/>
         </a:xfrm>
       </p:grpSpPr>
-      <mc:AlternateContent xmlns:mc="http://schemas.openxmlformats.org/markup-compatibility/2006">
-        <mc:Choice xmlns:a14="http://schemas.microsoft.com/office/drawing/2010/main" Requires="a14">
+      <mc:AlternateContent xmlns:mc="http://schemas.openxmlformats.org/markup-compatibility/2006" xmlns:a14="http://schemas.microsoft.com/office/drawing/2010/main">
+        <mc:Choice Requires="a14">
           <p:sp>
             <p:nvSpPr>
               <p:cNvPr id="4" name="TextBox 3"/>
@@ -4698,7 +4715,7 @@
                         <m:degHide m:val="on"/>
                         <m:ctrlPr>
                           <a:rPr lang="en-US" sz="3600" b="0" i="1" smtClean="0">
-                            <a:latin typeface="Cambria Math" panose="02040503050406030204" pitchFamily="18" charset="0"/>
+                            <a:latin typeface="Cambria Math"/>
                           </a:rPr>
                         </m:ctrlPr>
                       </m:radPr>
@@ -4708,7 +4725,7 @@
                           <m:fPr>
                             <m:ctrlPr>
                               <a:rPr lang="en-US" sz="3600" i="1">
-                                <a:latin typeface="Cambria Math" panose="02040503050406030204" pitchFamily="18" charset="0"/>
+                                <a:latin typeface="Cambria Math"/>
                               </a:rPr>
                             </m:ctrlPr>
                           </m:fPr>
@@ -4734,7 +4751,7 @@
                             <m:chr m:val="∑"/>
                             <m:ctrlPr>
                               <a:rPr lang="en-US" sz="3600" i="1">
-                                <a:latin typeface="Cambria Math" panose="02040503050406030204" pitchFamily="18" charset="0"/>
+                                <a:latin typeface="Cambria Math"/>
                               </a:rPr>
                             </m:ctrlPr>
                           </m:naryPr>
@@ -4768,7 +4785,7 @@
                               <m:sSupPr>
                                 <m:ctrlPr>
                                   <a:rPr lang="en-US" sz="3600" i="1">
-                                    <a:latin typeface="Cambria Math" panose="02040503050406030204" pitchFamily="18" charset="0"/>
+                                    <a:latin typeface="Cambria Math"/>
                                   </a:rPr>
                                 </m:ctrlPr>
                               </m:sSupPr>
@@ -4777,7 +4794,7 @@
                                   <m:dPr>
                                     <m:ctrlPr>
                                       <a:rPr lang="en-US" sz="3600" i="1">
-                                        <a:latin typeface="Cambria Math" panose="02040503050406030204" pitchFamily="18" charset="0"/>
+                                        <a:latin typeface="Cambria Math"/>
                                       </a:rPr>
                                     </m:ctrlPr>
                                   </m:dPr>
@@ -4786,7 +4803,7 @@
                                       <m:sSubPr>
                                         <m:ctrlPr>
                                           <a:rPr lang="en-US" sz="3600" i="1">
-                                            <a:latin typeface="Cambria Math" panose="02040503050406030204" pitchFamily="18" charset="0"/>
+                                            <a:latin typeface="Cambria Math"/>
                                           </a:rPr>
                                         </m:ctrlPr>
                                       </m:sSubPr>
@@ -4817,7 +4834,7 @@
                                       <m:sSubPr>
                                         <m:ctrlPr>
                                           <a:rPr lang="en-US" sz="3600" i="1">
-                                            <a:latin typeface="Cambria Math" panose="02040503050406030204" pitchFamily="18" charset="0"/>
+                                            <a:latin typeface="Cambria Math"/>
                                           </a:rPr>
                                         </m:ctrlPr>
                                       </m:sSubPr>
@@ -4827,7 +4844,7 @@
                                             <m:chr m:val="̂"/>
                                             <m:ctrlPr>
                                               <a:rPr lang="en-US" sz="3600" i="1">
-                                                <a:latin typeface="Cambria Math" panose="02040503050406030204" pitchFamily="18" charset="0"/>
+                                                <a:latin typeface="Cambria Math"/>
                                               </a:rPr>
                                             </m:ctrlPr>
                                           </m:accPr>
@@ -4873,7 +4890,7 @@
             </p:txBody>
           </p:sp>
         </mc:Choice>
-        <mc:Fallback>
+        <mc:Fallback xmlns="">
           <p:sp>
             <p:nvSpPr>
               <p:cNvPr id="4" name="TextBox 3"/>
@@ -4947,7 +4964,7 @@
           <p:cNvPr id="4" name="Slide Number Placeholder 3">
             <a:extLst>
               <a:ext uri="{FF2B5EF4-FFF2-40B4-BE49-F238E27FC236}">
-                <a16:creationId xmlns:a16="http://schemas.microsoft.com/office/drawing/2014/main" id="{62E7B5B2-C921-4EA7-A2E9-CC1D800412DA}"/>
+                <a16:creationId xmlns="" xmlns:a16="http://schemas.microsoft.com/office/drawing/2014/main" id="{62E7B5B2-C921-4EA7-A2E9-CC1D800412DA}"/>
               </a:ext>
             </a:extLst>
           </p:cNvPr>
@@ -4976,7 +4993,7 @@
           <p:cNvPr id="5" name="TextBox 4">
             <a:extLst>
               <a:ext uri="{FF2B5EF4-FFF2-40B4-BE49-F238E27FC236}">
-                <a16:creationId xmlns:a16="http://schemas.microsoft.com/office/drawing/2014/main" id="{3984CB54-17A6-4F9C-BC6F-202D8A01035C}"/>
+                <a16:creationId xmlns="" xmlns:a16="http://schemas.microsoft.com/office/drawing/2014/main" id="{3984CB54-17A6-4F9C-BC6F-202D8A01035C}"/>
               </a:ext>
             </a:extLst>
           </p:cNvPr>
@@ -5037,14 +5054,14 @@
           <a:chExt cx="0" cy="0"/>
         </a:xfrm>
       </p:grpSpPr>
-      <mc:AlternateContent xmlns:mc="http://schemas.openxmlformats.org/markup-compatibility/2006">
-        <mc:Choice xmlns:a14="http://schemas.microsoft.com/office/drawing/2010/main" Requires="a14">
+      <mc:AlternateContent xmlns:mc="http://schemas.openxmlformats.org/markup-compatibility/2006" xmlns:a14="http://schemas.microsoft.com/office/drawing/2010/main">
+        <mc:Choice Requires="a14">
           <p:graphicFrame>
             <p:nvGraphicFramePr>
               <p:cNvPr id="2" name="Table 2">
                 <a:extLst>
                   <a:ext uri="{FF2B5EF4-FFF2-40B4-BE49-F238E27FC236}">
-                    <a16:creationId xmlns:a16="http://schemas.microsoft.com/office/drawing/2014/main" id="{D5550273-5528-43BD-8412-7F8D06306A14}"/>
+                    <a16:creationId xmlns="" xmlns:a16="http://schemas.microsoft.com/office/drawing/2014/main" id="{D5550273-5528-43BD-8412-7F8D06306A14}"/>
                   </a:ext>
                 </a:extLst>
               </p:cNvPr>
@@ -5054,7 +5071,7 @@
               <p:nvPr>
                 <p:extLst>
                   <p:ext uri="{D42A27DB-BD31-4B8C-83A1-F6EECF244321}">
-                    <p14:modId xmlns:p14="http://schemas.microsoft.com/office/powerpoint/2010/main" val="1334539130"/>
+                    <p14:modId xmlns:p14="http://schemas.microsoft.com/office/powerpoint/2010/main" val="725915724"/>
                   </p:ext>
                 </p:extLst>
               </p:nvPr>
@@ -5073,21 +5090,21 @@
                     <a:gridCol w="1075093">
                       <a:extLst>
                         <a:ext uri="{9D8B030D-6E8A-4147-A177-3AD203B41FA5}">
-                          <a16:colId xmlns:a16="http://schemas.microsoft.com/office/drawing/2014/main" val="2590844336"/>
+                          <a16:colId xmlns="" xmlns:a16="http://schemas.microsoft.com/office/drawing/2014/main" val="2590844336"/>
                         </a:ext>
                       </a:extLst>
                     </a:gridCol>
                     <a:gridCol w="3331028">
                       <a:extLst>
                         <a:ext uri="{9D8B030D-6E8A-4147-A177-3AD203B41FA5}">
-                          <a16:colId xmlns:a16="http://schemas.microsoft.com/office/drawing/2014/main" val="2133703778"/>
+                          <a16:colId xmlns="" xmlns:a16="http://schemas.microsoft.com/office/drawing/2014/main" val="2133703778"/>
                         </a:ext>
                       </a:extLst>
                     </a:gridCol>
                     <a:gridCol w="3721878">
                       <a:extLst>
                         <a:ext uri="{9D8B030D-6E8A-4147-A177-3AD203B41FA5}">
-                          <a16:colId xmlns:a16="http://schemas.microsoft.com/office/drawing/2014/main" val="4072587226"/>
+                          <a16:colId xmlns="" xmlns:a16="http://schemas.microsoft.com/office/drawing/2014/main" val="4072587226"/>
                         </a:ext>
                       </a:extLst>
                     </a:gridCol>
@@ -5124,7 +5141,7 @@
                                 <m:sSubPr>
                                   <m:ctrlPr>
                                     <a:rPr lang="en-US" sz="2400" b="1" i="1" smtClean="0">
-                                      <a:latin typeface="Cambria Math" panose="02040503050406030204" pitchFamily="18" charset="0"/>
+                                      <a:latin typeface="Cambria Math"/>
                                     </a:rPr>
                                   </m:ctrlPr>
                                 </m:sSubPr>
@@ -5188,7 +5205,7 @@
                                 <m:sSubPr>
                                   <m:ctrlPr>
                                     <a:rPr lang="en-US" sz="2400" b="1" i="1" smtClean="0">
-                                      <a:latin typeface="Cambria Math" panose="02040503050406030204" pitchFamily="18" charset="0"/>
+                                      <a:latin typeface="Cambria Math"/>
                                     </a:rPr>
                                   </m:ctrlPr>
                                 </m:sSubPr>
@@ -5198,7 +5215,7 @@
                                       <m:chr m:val="̂"/>
                                       <m:ctrlPr>
                                         <a:rPr lang="en-US" sz="2400" b="1" i="1" smtClean="0">
-                                          <a:latin typeface="Cambria Math" panose="02040503050406030204" pitchFamily="18" charset="0"/>
+                                          <a:latin typeface="Cambria Math"/>
                                         </a:rPr>
                                       </m:ctrlPr>
                                     </m:accPr>
@@ -5234,7 +5251,7 @@
                     </a:tc>
                     <a:extLst>
                       <a:ext uri="{0D108BD9-81ED-4DB2-BD59-A6C34878D82A}">
-                        <a16:rowId xmlns:a16="http://schemas.microsoft.com/office/drawing/2014/main" val="1798310828"/>
+                        <a16:rowId xmlns="" xmlns:a16="http://schemas.microsoft.com/office/drawing/2014/main" val="1798310828"/>
                       </a:ext>
                     </a:extLst>
                   </a:tr>
@@ -5246,10 +5263,10 @@
                         <a:p>
                           <a:pPr algn="ctr"/>
                           <a:r>
-                            <a:rPr lang="en-US" sz="2400" b="1" dirty="0"/>
+                            <a:rPr lang="en-US" sz="2400" b="0" dirty="0"/>
                             <a:t>1</a:t>
                           </a:r>
-                          <a:endParaRPr lang="en-PH" sz="2400" b="1" dirty="0"/>
+                          <a:endParaRPr lang="en-PH" sz="2400" b="0" dirty="0"/>
                         </a:p>
                       </a:txBody>
                       <a:tcPr/>
@@ -5261,10 +5278,10 @@
                         <a:p>
                           <a:pPr algn="ctr"/>
                           <a:r>
-                            <a:rPr lang="en-US" sz="2400" b="1" dirty="0"/>
+                            <a:rPr lang="en-US" sz="2400" b="0" dirty="0"/>
                             <a:t>100</a:t>
                           </a:r>
-                          <a:endParaRPr lang="en-PH" sz="2400" b="1" dirty="0"/>
+                          <a:endParaRPr lang="en-PH" sz="2400" b="0" dirty="0"/>
                         </a:p>
                       </a:txBody>
                       <a:tcPr/>
@@ -5292,17 +5309,17 @@
                             <a:defRPr/>
                           </a:pPr>
                           <a:r>
-                            <a:rPr lang="en-US" sz="2400" b="1" dirty="0"/>
+                            <a:rPr lang="en-US" sz="2400" b="0" dirty="0"/>
                             <a:t>110</a:t>
                           </a:r>
-                          <a:endParaRPr lang="en-PH" sz="2400" b="1" dirty="0"/>
+                          <a:endParaRPr lang="en-PH" sz="2400" b="0" dirty="0"/>
                         </a:p>
                       </a:txBody>
                       <a:tcPr/>
                     </a:tc>
                     <a:extLst>
                       <a:ext uri="{0D108BD9-81ED-4DB2-BD59-A6C34878D82A}">
-                        <a16:rowId xmlns:a16="http://schemas.microsoft.com/office/drawing/2014/main" val="1404954822"/>
+                        <a16:rowId xmlns="" xmlns:a16="http://schemas.microsoft.com/office/drawing/2014/main" val="1404954822"/>
                       </a:ext>
                     </a:extLst>
                   </a:tr>
@@ -5314,10 +5331,10 @@
                         <a:p>
                           <a:pPr algn="ctr"/>
                           <a:r>
-                            <a:rPr lang="en-US" sz="2400" b="1" dirty="0"/>
+                            <a:rPr lang="en-US" sz="2400" b="0" dirty="0"/>
                             <a:t>2</a:t>
                           </a:r>
-                          <a:endParaRPr lang="en-PH" sz="2400" b="1" dirty="0"/>
+                          <a:endParaRPr lang="en-PH" sz="2400" b="0" dirty="0"/>
                         </a:p>
                       </a:txBody>
                       <a:tcPr/>
@@ -5329,10 +5346,10 @@
                         <a:p>
                           <a:pPr algn="ctr"/>
                           <a:r>
-                            <a:rPr lang="en-US" sz="2400" b="1" dirty="0"/>
+                            <a:rPr lang="en-US" sz="2400" b="0" dirty="0"/>
                             <a:t>150</a:t>
                           </a:r>
-                          <a:endParaRPr lang="en-PH" sz="2400" b="1" dirty="0"/>
+                          <a:endParaRPr lang="en-PH" sz="2400" b="0" dirty="0"/>
                         </a:p>
                       </a:txBody>
                       <a:tcPr/>
@@ -5360,17 +5377,17 @@
                             <a:defRPr/>
                           </a:pPr>
                           <a:r>
-                            <a:rPr lang="en-US" sz="2400" b="1" dirty="0"/>
+                            <a:rPr lang="en-US" sz="2400" b="0" dirty="0"/>
                             <a:t>140</a:t>
                           </a:r>
-                          <a:endParaRPr lang="en-PH" sz="2400" b="1" dirty="0"/>
+                          <a:endParaRPr lang="en-PH" sz="2400" b="0" dirty="0"/>
                         </a:p>
                       </a:txBody>
                       <a:tcPr/>
                     </a:tc>
                     <a:extLst>
                       <a:ext uri="{0D108BD9-81ED-4DB2-BD59-A6C34878D82A}">
-                        <a16:rowId xmlns:a16="http://schemas.microsoft.com/office/drawing/2014/main" val="3148427475"/>
+                        <a16:rowId xmlns="" xmlns:a16="http://schemas.microsoft.com/office/drawing/2014/main" val="3148427475"/>
                       </a:ext>
                     </a:extLst>
                   </a:tr>
@@ -5382,10 +5399,10 @@
                         <a:p>
                           <a:pPr algn="ctr"/>
                           <a:r>
-                            <a:rPr lang="en-US" sz="2400" b="1" dirty="0"/>
+                            <a:rPr lang="en-US" sz="2400" b="0" dirty="0"/>
                             <a:t>3</a:t>
                           </a:r>
-                          <a:endParaRPr lang="en-PH" sz="2400" b="1" dirty="0"/>
+                          <a:endParaRPr lang="en-PH" sz="2400" b="0" dirty="0"/>
                         </a:p>
                       </a:txBody>
                       <a:tcPr/>
@@ -5397,10 +5414,10 @@
                         <a:p>
                           <a:pPr algn="ctr"/>
                           <a:r>
-                            <a:rPr lang="en-US" sz="2400" b="1" dirty="0"/>
+                            <a:rPr lang="en-US" sz="2400" b="0" dirty="0"/>
                             <a:t>200</a:t>
                           </a:r>
-                          <a:endParaRPr lang="en-PH" sz="2400" b="1" dirty="0"/>
+                          <a:endParaRPr lang="en-PH" sz="2400" b="0" dirty="0"/>
                         </a:p>
                       </a:txBody>
                       <a:tcPr/>
@@ -5428,17 +5445,17 @@
                             <a:defRPr/>
                           </a:pPr>
                           <a:r>
-                            <a:rPr lang="en-US" sz="2400" b="1" dirty="0"/>
+                            <a:rPr lang="en-US" sz="2400" b="0" dirty="0"/>
                             <a:t>210</a:t>
                           </a:r>
-                          <a:endParaRPr lang="en-PH" sz="2400" b="1" dirty="0"/>
+                          <a:endParaRPr lang="en-PH" sz="2400" b="0" dirty="0"/>
                         </a:p>
                       </a:txBody>
                       <a:tcPr/>
                     </a:tc>
                     <a:extLst>
                       <a:ext uri="{0D108BD9-81ED-4DB2-BD59-A6C34878D82A}">
-                        <a16:rowId xmlns:a16="http://schemas.microsoft.com/office/drawing/2014/main" val="1935952499"/>
+                        <a16:rowId xmlns="" xmlns:a16="http://schemas.microsoft.com/office/drawing/2014/main" val="1935952499"/>
                       </a:ext>
                     </a:extLst>
                   </a:tr>
@@ -5450,10 +5467,10 @@
                         <a:p>
                           <a:pPr algn="ctr"/>
                           <a:r>
-                            <a:rPr lang="en-US" sz="2400" b="1" dirty="0"/>
+                            <a:rPr lang="en-US" sz="2400" b="0" dirty="0"/>
                             <a:t>4</a:t>
                           </a:r>
-                          <a:endParaRPr lang="en-PH" sz="2400" b="1" dirty="0"/>
+                          <a:endParaRPr lang="en-PH" sz="2400" b="0" dirty="0"/>
                         </a:p>
                       </a:txBody>
                       <a:tcPr/>
@@ -5465,10 +5482,10 @@
                         <a:p>
                           <a:pPr algn="ctr"/>
                           <a:r>
-                            <a:rPr lang="en-US" sz="2400" b="1" dirty="0"/>
+                            <a:rPr lang="en-US" sz="2400" b="0" dirty="0"/>
                             <a:t>250</a:t>
                           </a:r>
-                          <a:endParaRPr lang="en-PH" sz="2400" b="1" dirty="0"/>
+                          <a:endParaRPr lang="en-PH" sz="2400" b="0" dirty="0"/>
                         </a:p>
                       </a:txBody>
                       <a:tcPr/>
@@ -5496,17 +5513,17 @@
                             <a:defRPr/>
                           </a:pPr>
                           <a:r>
-                            <a:rPr lang="en-US" sz="2400" b="1" dirty="0"/>
+                            <a:rPr lang="en-US" sz="2400" b="0" dirty="0"/>
                             <a:t>240</a:t>
                           </a:r>
-                          <a:endParaRPr lang="en-PH" sz="2400" b="1" dirty="0"/>
+                          <a:endParaRPr lang="en-PH" sz="2400" b="0" dirty="0"/>
                         </a:p>
                       </a:txBody>
                       <a:tcPr/>
                     </a:tc>
                     <a:extLst>
                       <a:ext uri="{0D108BD9-81ED-4DB2-BD59-A6C34878D82A}">
-                        <a16:rowId xmlns:a16="http://schemas.microsoft.com/office/drawing/2014/main" val="1310842188"/>
+                        <a16:rowId xmlns="" xmlns:a16="http://schemas.microsoft.com/office/drawing/2014/main" val="1310842188"/>
                       </a:ext>
                     </a:extLst>
                   </a:tr>
@@ -5515,13 +5532,13 @@
             </a:graphic>
           </p:graphicFrame>
         </mc:Choice>
-        <mc:Fallback>
+        <mc:Fallback xmlns="">
           <p:graphicFrame>
             <p:nvGraphicFramePr>
               <p:cNvPr id="2" name="Table 2">
                 <a:extLst>
                   <a:ext uri="{FF2B5EF4-FFF2-40B4-BE49-F238E27FC236}">
-                    <a16:creationId xmlns:a16="http://schemas.microsoft.com/office/drawing/2014/main" id="{D5550273-5528-43BD-8412-7F8D06306A14}"/>
+                    <a16:creationId xmlns:a16="http://schemas.microsoft.com/office/drawing/2014/main" xmlns:a14="http://schemas.microsoft.com/office/drawing/2010/main" xmlns="" id="{D5550273-5528-43BD-8412-7F8D06306A14}"/>
                   </a:ext>
                 </a:extLst>
               </p:cNvPr>
@@ -5531,7 +5548,7 @@
               <p:nvPr>
                 <p:extLst>
                   <p:ext uri="{D42A27DB-BD31-4B8C-83A1-F6EECF244321}">
-                    <p14:modId xmlns:p14="http://schemas.microsoft.com/office/powerpoint/2010/main" val="1334539130"/>
+                    <p14:modId xmlns:p14="http://schemas.microsoft.com/office/powerpoint/2010/main" val="725915724"/>
                   </p:ext>
                 </p:extLst>
               </p:nvPr>
@@ -5550,21 +5567,21 @@
                     <a:gridCol w="1075093">
                       <a:extLst>
                         <a:ext uri="{9D8B030D-6E8A-4147-A177-3AD203B41FA5}">
-                          <a16:colId xmlns:a16="http://schemas.microsoft.com/office/drawing/2014/main" val="2590844336"/>
+                          <a16:colId xmlns:a16="http://schemas.microsoft.com/office/drawing/2014/main" xmlns:a14="http://schemas.microsoft.com/office/drawing/2010/main" xmlns="" val="2590844336"/>
                         </a:ext>
                       </a:extLst>
                     </a:gridCol>
                     <a:gridCol w="3331028">
                       <a:extLst>
                         <a:ext uri="{9D8B030D-6E8A-4147-A177-3AD203B41FA5}">
-                          <a16:colId xmlns:a16="http://schemas.microsoft.com/office/drawing/2014/main" val="2133703778"/>
+                          <a16:colId xmlns:a16="http://schemas.microsoft.com/office/drawing/2014/main" xmlns:a14="http://schemas.microsoft.com/office/drawing/2010/main" xmlns="" val="2133703778"/>
                         </a:ext>
                       </a:extLst>
                     </a:gridCol>
                     <a:gridCol w="3721878">
                       <a:extLst>
                         <a:ext uri="{9D8B030D-6E8A-4147-A177-3AD203B41FA5}">
-                          <a16:colId xmlns:a16="http://schemas.microsoft.com/office/drawing/2014/main" val="4072587226"/>
+                          <a16:colId xmlns:a16="http://schemas.microsoft.com/office/drawing/2014/main" xmlns:a14="http://schemas.microsoft.com/office/drawing/2010/main" xmlns="" val="4072587226"/>
                         </a:ext>
                       </a:extLst>
                     </a:gridCol>
@@ -5594,10 +5611,10 @@
                         </a:p>
                       </a:txBody>
                       <a:tcPr>
-                        <a:blipFill>
+                        <a:blipFill rotWithShape="1">
                           <a:blip r:embed="rId2"/>
                           <a:stretch>
-                            <a:fillRect l="-32358" t="-9333" r="-112066" b="-432000"/>
+                            <a:fillRect l="-32176" t="-10667" r="-111700" b="-430667"/>
                           </a:stretch>
                         </a:blipFill>
                       </a:tcPr>
@@ -5611,17 +5628,17 @@
                         </a:p>
                       </a:txBody>
                       <a:tcPr>
-                        <a:blipFill>
+                        <a:blipFill rotWithShape="1">
                           <a:blip r:embed="rId2"/>
                           <a:stretch>
-                            <a:fillRect l="-118494" t="-9333" r="-327" b="-432000"/>
+                            <a:fillRect l="-118331" t="-10667" b="-430667"/>
                           </a:stretch>
                         </a:blipFill>
                       </a:tcPr>
                     </a:tc>
                     <a:extLst>
                       <a:ext uri="{0D108BD9-81ED-4DB2-BD59-A6C34878D82A}">
-                        <a16:rowId xmlns:a16="http://schemas.microsoft.com/office/drawing/2014/main" val="1798310828"/>
+                        <a16:rowId xmlns:a16="http://schemas.microsoft.com/office/drawing/2014/main" xmlns:a14="http://schemas.microsoft.com/office/drawing/2010/main" xmlns="" val="1798310828"/>
                       </a:ext>
                     </a:extLst>
                   </a:tr>
@@ -5633,10 +5650,10 @@
                         <a:p>
                           <a:pPr algn="ctr"/>
                           <a:r>
-                            <a:rPr lang="en-US" sz="2400" b="1" dirty="0"/>
+                            <a:rPr lang="en-US" sz="2400" b="0" dirty="0"/>
                             <a:t>1</a:t>
                           </a:r>
-                          <a:endParaRPr lang="en-PH" sz="2400" b="1" dirty="0"/>
+                          <a:endParaRPr lang="en-PH" sz="2400" b="0" dirty="0"/>
                         </a:p>
                       </a:txBody>
                       <a:tcPr/>
@@ -5648,10 +5665,10 @@
                         <a:p>
                           <a:pPr algn="ctr"/>
                           <a:r>
-                            <a:rPr lang="en-US" sz="2400" b="1" dirty="0"/>
+                            <a:rPr lang="en-US" sz="2400" b="0" dirty="0"/>
                             <a:t>100</a:t>
                           </a:r>
-                          <a:endParaRPr lang="en-PH" sz="2400" b="1" dirty="0"/>
+                          <a:endParaRPr lang="en-PH" sz="2400" b="0" dirty="0"/>
                         </a:p>
                       </a:txBody>
                       <a:tcPr/>
@@ -5679,17 +5696,17 @@
                             <a:defRPr/>
                           </a:pPr>
                           <a:r>
-                            <a:rPr lang="en-US" sz="2400" b="1" dirty="0"/>
+                            <a:rPr lang="en-US" sz="2400" b="0" dirty="0"/>
                             <a:t>110</a:t>
                           </a:r>
-                          <a:endParaRPr lang="en-PH" sz="2400" b="1" dirty="0"/>
+                          <a:endParaRPr lang="en-PH" sz="2400" b="0" dirty="0"/>
                         </a:p>
                       </a:txBody>
                       <a:tcPr/>
                     </a:tc>
                     <a:extLst>
                       <a:ext uri="{0D108BD9-81ED-4DB2-BD59-A6C34878D82A}">
-                        <a16:rowId xmlns:a16="http://schemas.microsoft.com/office/drawing/2014/main" val="1404954822"/>
+                        <a16:rowId xmlns:a16="http://schemas.microsoft.com/office/drawing/2014/main" xmlns:a14="http://schemas.microsoft.com/office/drawing/2010/main" xmlns="" val="1404954822"/>
                       </a:ext>
                     </a:extLst>
                   </a:tr>
@@ -5701,10 +5718,10 @@
                         <a:p>
                           <a:pPr algn="ctr"/>
                           <a:r>
-                            <a:rPr lang="en-US" sz="2400" b="1" dirty="0"/>
+                            <a:rPr lang="en-US" sz="2400" b="0" dirty="0"/>
                             <a:t>2</a:t>
                           </a:r>
-                          <a:endParaRPr lang="en-PH" sz="2400" b="1" dirty="0"/>
+                          <a:endParaRPr lang="en-PH" sz="2400" b="0" dirty="0"/>
                         </a:p>
                       </a:txBody>
                       <a:tcPr/>
@@ -5716,10 +5733,10 @@
                         <a:p>
                           <a:pPr algn="ctr"/>
                           <a:r>
-                            <a:rPr lang="en-US" sz="2400" b="1" dirty="0"/>
+                            <a:rPr lang="en-US" sz="2400" b="0" dirty="0"/>
                             <a:t>150</a:t>
                           </a:r>
-                          <a:endParaRPr lang="en-PH" sz="2400" b="1" dirty="0"/>
+                          <a:endParaRPr lang="en-PH" sz="2400" b="0" dirty="0"/>
                         </a:p>
                       </a:txBody>
                       <a:tcPr/>
@@ -5747,17 +5764,17 @@
                             <a:defRPr/>
                           </a:pPr>
                           <a:r>
-                            <a:rPr lang="en-US" sz="2400" b="1" dirty="0"/>
+                            <a:rPr lang="en-US" sz="2400" b="0" dirty="0"/>
                             <a:t>140</a:t>
                           </a:r>
-                          <a:endParaRPr lang="en-PH" sz="2400" b="1" dirty="0"/>
+                          <a:endParaRPr lang="en-PH" sz="2400" b="0" dirty="0"/>
                         </a:p>
                       </a:txBody>
                       <a:tcPr/>
                     </a:tc>
                     <a:extLst>
                       <a:ext uri="{0D108BD9-81ED-4DB2-BD59-A6C34878D82A}">
-                        <a16:rowId xmlns:a16="http://schemas.microsoft.com/office/drawing/2014/main" val="3148427475"/>
+                        <a16:rowId xmlns:a16="http://schemas.microsoft.com/office/drawing/2014/main" xmlns:a14="http://schemas.microsoft.com/office/drawing/2010/main" xmlns="" val="3148427475"/>
                       </a:ext>
                     </a:extLst>
                   </a:tr>
@@ -5769,10 +5786,10 @@
                         <a:p>
                           <a:pPr algn="ctr"/>
                           <a:r>
-                            <a:rPr lang="en-US" sz="2400" b="1" dirty="0"/>
+                            <a:rPr lang="en-US" sz="2400" b="0" dirty="0"/>
                             <a:t>3</a:t>
                           </a:r>
-                          <a:endParaRPr lang="en-PH" sz="2400" b="1" dirty="0"/>
+                          <a:endParaRPr lang="en-PH" sz="2400" b="0" dirty="0"/>
                         </a:p>
                       </a:txBody>
                       <a:tcPr/>
@@ -5784,10 +5801,10 @@
                         <a:p>
                           <a:pPr algn="ctr"/>
                           <a:r>
-                            <a:rPr lang="en-US" sz="2400" b="1" dirty="0"/>
+                            <a:rPr lang="en-US" sz="2400" b="0" dirty="0"/>
                             <a:t>200</a:t>
                           </a:r>
-                          <a:endParaRPr lang="en-PH" sz="2400" b="1" dirty="0"/>
+                          <a:endParaRPr lang="en-PH" sz="2400" b="0" dirty="0"/>
                         </a:p>
                       </a:txBody>
                       <a:tcPr/>
@@ -5815,17 +5832,17 @@
                             <a:defRPr/>
                           </a:pPr>
                           <a:r>
-                            <a:rPr lang="en-US" sz="2400" b="1" dirty="0"/>
+                            <a:rPr lang="en-US" sz="2400" b="0" dirty="0"/>
                             <a:t>210</a:t>
                           </a:r>
-                          <a:endParaRPr lang="en-PH" sz="2400" b="1" dirty="0"/>
+                          <a:endParaRPr lang="en-PH" sz="2400" b="0" dirty="0"/>
                         </a:p>
                       </a:txBody>
                       <a:tcPr/>
                     </a:tc>
                     <a:extLst>
                       <a:ext uri="{0D108BD9-81ED-4DB2-BD59-A6C34878D82A}">
-                        <a16:rowId xmlns:a16="http://schemas.microsoft.com/office/drawing/2014/main" val="1935952499"/>
+                        <a16:rowId xmlns:a16="http://schemas.microsoft.com/office/drawing/2014/main" xmlns:a14="http://schemas.microsoft.com/office/drawing/2010/main" xmlns="" val="1935952499"/>
                       </a:ext>
                     </a:extLst>
                   </a:tr>
@@ -5837,10 +5854,10 @@
                         <a:p>
                           <a:pPr algn="ctr"/>
                           <a:r>
-                            <a:rPr lang="en-US" sz="2400" b="1" dirty="0"/>
+                            <a:rPr lang="en-US" sz="2400" b="0" dirty="0"/>
                             <a:t>4</a:t>
                           </a:r>
-                          <a:endParaRPr lang="en-PH" sz="2400" b="1" dirty="0"/>
+                          <a:endParaRPr lang="en-PH" sz="2400" b="0" dirty="0"/>
                         </a:p>
                       </a:txBody>
                       <a:tcPr/>
@@ -5852,10 +5869,10 @@
                         <a:p>
                           <a:pPr algn="ctr"/>
                           <a:r>
-                            <a:rPr lang="en-US" sz="2400" b="1" dirty="0"/>
+                            <a:rPr lang="en-US" sz="2400" b="0" dirty="0"/>
                             <a:t>250</a:t>
                           </a:r>
-                          <a:endParaRPr lang="en-PH" sz="2400" b="1" dirty="0"/>
+                          <a:endParaRPr lang="en-PH" sz="2400" b="0" dirty="0"/>
                         </a:p>
                       </a:txBody>
                       <a:tcPr/>
@@ -5883,17 +5900,17 @@
                             <a:defRPr/>
                           </a:pPr>
                           <a:r>
-                            <a:rPr lang="en-US" sz="2400" b="1" dirty="0"/>
+                            <a:rPr lang="en-US" sz="2400" b="0" dirty="0"/>
                             <a:t>240</a:t>
                           </a:r>
-                          <a:endParaRPr lang="en-PH" sz="2400" b="1" dirty="0"/>
+                          <a:endParaRPr lang="en-PH" sz="2400" b="0" dirty="0"/>
                         </a:p>
                       </a:txBody>
                       <a:tcPr/>
                     </a:tc>
                     <a:extLst>
                       <a:ext uri="{0D108BD9-81ED-4DB2-BD59-A6C34878D82A}">
-                        <a16:rowId xmlns:a16="http://schemas.microsoft.com/office/drawing/2014/main" val="1310842188"/>
+                        <a16:rowId xmlns:a16="http://schemas.microsoft.com/office/drawing/2014/main" xmlns:a14="http://schemas.microsoft.com/office/drawing/2010/main" xmlns="" val="1310842188"/>
                       </a:ext>
                     </a:extLst>
                   </a:tr>
@@ -5908,7 +5925,7 @@
           <p:cNvPr id="6" name="Rectangle 5">
             <a:extLst>
               <a:ext uri="{FF2B5EF4-FFF2-40B4-BE49-F238E27FC236}">
-                <a16:creationId xmlns:a16="http://schemas.microsoft.com/office/drawing/2014/main" id="{42C03F5E-E3ED-4350-9B3B-87690671BF01}"/>
+                <a16:creationId xmlns="" xmlns:a16="http://schemas.microsoft.com/office/drawing/2014/main" id="{42C03F5E-E3ED-4350-9B3B-87690671BF01}"/>
               </a:ext>
             </a:extLst>
           </p:cNvPr>
@@ -6019,14 +6036,14 @@
           </a:p>
         </p:txBody>
       </p:sp>
-      <mc:AlternateContent xmlns:mc="http://schemas.openxmlformats.org/markup-compatibility/2006">
-        <mc:Choice xmlns:a14="http://schemas.microsoft.com/office/drawing/2010/main" Requires="a14">
+      <mc:AlternateContent xmlns:mc="http://schemas.openxmlformats.org/markup-compatibility/2006" xmlns:a14="http://schemas.microsoft.com/office/drawing/2010/main">
+        <mc:Choice Requires="a14">
           <p:sp>
             <p:nvSpPr>
               <p:cNvPr id="7" name="Rectangle 6">
                 <a:extLst>
                   <a:ext uri="{FF2B5EF4-FFF2-40B4-BE49-F238E27FC236}">
-                    <a16:creationId xmlns:a16="http://schemas.microsoft.com/office/drawing/2014/main" id="{CA0A9E09-F04C-4419-ACA0-624D88A33C16}"/>
+                    <a16:creationId xmlns="" xmlns:a16="http://schemas.microsoft.com/office/drawing/2014/main" id="{CA0A9E09-F04C-4419-ACA0-624D88A33C16}"/>
                   </a:ext>
                 </a:extLst>
               </p:cNvPr>
@@ -6048,7 +6065,6 @@
               </a:bodyPr>
               <a:lstStyle/>
               <a:p>
-                <a:pPr/>
                 <a14:m>
                   <m:oMath xmlns:m="http://schemas.openxmlformats.org/officeDocument/2006/math">
                     <m:r>
@@ -6067,7 +6083,7 @@
                       <m:fPr>
                         <m:ctrlPr>
                           <a:rPr lang="en-US" sz="3200" i="1" smtClean="0">
-                            <a:latin typeface="Cambria Math" panose="02040503050406030204" pitchFamily="18" charset="0"/>
+                            <a:latin typeface="Cambria Math"/>
                           </a:rPr>
                         </m:ctrlPr>
                       </m:fPr>
@@ -6155,7 +6171,7 @@
                       <m:fPr>
                         <m:ctrlPr>
                           <a:rPr lang="en-US" sz="3200" b="0" i="1" smtClean="0">
-                            <a:latin typeface="Cambria Math" panose="02040503050406030204" pitchFamily="18" charset="0"/>
+                            <a:latin typeface="Cambria Math"/>
                           </a:rPr>
                         </m:ctrlPr>
                       </m:fPr>
@@ -6200,7 +6216,7 @@
             </p:txBody>
           </p:sp>
         </mc:Choice>
-        <mc:Fallback>
+        <mc:Fallback xmlns="">
           <p:sp>
             <p:nvSpPr>
               <p:cNvPr id="7" name="Rectangle 6">
@@ -6250,7 +6266,7 @@
           <p:cNvPr id="8" name="Rectangle 7">
             <a:extLst>
               <a:ext uri="{FF2B5EF4-FFF2-40B4-BE49-F238E27FC236}">
-                <a16:creationId xmlns:a16="http://schemas.microsoft.com/office/drawing/2014/main" id="{994885C2-2BFE-4F3E-9587-E977A16051D6}"/>
+                <a16:creationId xmlns="" xmlns:a16="http://schemas.microsoft.com/office/drawing/2014/main" id="{994885C2-2BFE-4F3E-9587-E977A16051D6}"/>
               </a:ext>
             </a:extLst>
           </p:cNvPr>
@@ -6329,50 +6345,1561 @@
           <a:chExt cx="0" cy="0"/>
         </a:xfrm>
       </p:grpSpPr>
+      <mc:AlternateContent xmlns:mc="http://schemas.openxmlformats.org/markup-compatibility/2006" xmlns:a14="http://schemas.microsoft.com/office/drawing/2010/main">
+        <mc:Choice Requires="a14">
+          <p:graphicFrame>
+            <p:nvGraphicFramePr>
+              <p:cNvPr id="2" name="Table 2">
+                <a:extLst>
+                  <a:ext uri="{FF2B5EF4-FFF2-40B4-BE49-F238E27FC236}">
+                    <a16:creationId xmlns="" xmlns:a16="http://schemas.microsoft.com/office/drawing/2014/main" id="{D5550273-5528-43BD-8412-7F8D06306A14}"/>
+                  </a:ext>
+                </a:extLst>
+              </p:cNvPr>
+              <p:cNvGraphicFramePr>
+                <a:graphicFrameLocks noGrp="1"/>
+              </p:cNvGraphicFramePr>
+              <p:nvPr>
+                <p:extLst>
+                  <p:ext uri="{D42A27DB-BD31-4B8C-83A1-F6EECF244321}">
+                    <p14:modId xmlns:p14="http://schemas.microsoft.com/office/powerpoint/2010/main" val="1044597388"/>
+                  </p:ext>
+                </p:extLst>
+              </p:nvPr>
+            </p:nvGraphicFramePr>
+            <p:xfrm>
+              <a:off x="2032001" y="980923"/>
+              <a:ext cx="8127999" cy="2286000"/>
+            </p:xfrm>
+            <a:graphic>
+              <a:graphicData uri="http://schemas.openxmlformats.org/drawingml/2006/table">
+                <a:tbl>
+                  <a:tblPr firstRow="1" bandRow="1">
+                    <a:tableStyleId>{5940675A-B579-460E-94D1-54222C63F5DA}</a:tableStyleId>
+                  </a:tblPr>
+                  <a:tblGrid>
+                    <a:gridCol w="1075093">
+                      <a:extLst>
+                        <a:ext uri="{9D8B030D-6E8A-4147-A177-3AD203B41FA5}">
+                          <a16:colId xmlns="" xmlns:a16="http://schemas.microsoft.com/office/drawing/2014/main" val="2590844336"/>
+                        </a:ext>
+                      </a:extLst>
+                    </a:gridCol>
+                    <a:gridCol w="3331028">
+                      <a:extLst>
+                        <a:ext uri="{9D8B030D-6E8A-4147-A177-3AD203B41FA5}">
+                          <a16:colId xmlns="" xmlns:a16="http://schemas.microsoft.com/office/drawing/2014/main" val="2133703778"/>
+                        </a:ext>
+                      </a:extLst>
+                    </a:gridCol>
+                    <a:gridCol w="3721878">
+                      <a:extLst>
+                        <a:ext uri="{9D8B030D-6E8A-4147-A177-3AD203B41FA5}">
+                          <a16:colId xmlns="" xmlns:a16="http://schemas.microsoft.com/office/drawing/2014/main" val="4072587226"/>
+                        </a:ext>
+                      </a:extLst>
+                    </a:gridCol>
+                  </a:tblGrid>
+                  <a:tr h="370840">
+                    <a:tc>
+                      <a:txBody>
+                        <a:bodyPr/>
+                        <a:lstStyle/>
+                        <a:p>
+                          <a:pPr algn="ctr"/>
+                          <a:r>
+                            <a:rPr lang="en-US" sz="2400" b="1" dirty="0"/>
+                            <a:t>Month</a:t>
+                          </a:r>
+                          <a:endParaRPr lang="en-PH" sz="2400" b="1" dirty="0"/>
+                        </a:p>
+                      </a:txBody>
+                      <a:tcPr/>
+                    </a:tc>
+                    <a:tc>
+                      <a:txBody>
+                        <a:bodyPr/>
+                        <a:lstStyle/>
+                        <a:p>
+                          <a:pPr algn="ctr"/>
+                          <a:r>
+                            <a:rPr lang="en-US" sz="2400" b="1" dirty="0"/>
+                            <a:t>Actual (</a:t>
+                          </a:r>
+                          <a14:m>
+                            <m:oMath xmlns:m="http://schemas.openxmlformats.org/officeDocument/2006/math">
+                              <m:sSub>
+                                <m:sSubPr>
+                                  <m:ctrlPr>
+                                    <a:rPr lang="en-US" sz="2400" b="1" i="1" smtClean="0">
+                                      <a:latin typeface="Cambria Math"/>
+                                    </a:rPr>
+                                  </m:ctrlPr>
+                                </m:sSubPr>
+                                <m:e>
+                                  <m:r>
+                                    <a:rPr lang="en-US" sz="2400" b="1" i="1" smtClean="0">
+                                      <a:latin typeface="Cambria Math" panose="02040503050406030204" pitchFamily="18" charset="0"/>
+                                    </a:rPr>
+                                    <m:t>𝒚</m:t>
+                                  </m:r>
+                                </m:e>
+                                <m:sub>
+                                  <m:r>
+                                    <a:rPr lang="en-US" sz="2400" b="1" i="1" smtClean="0">
+                                      <a:latin typeface="Cambria Math" panose="02040503050406030204" pitchFamily="18" charset="0"/>
+                                    </a:rPr>
+                                    <m:t>𝒊</m:t>
+                                  </m:r>
+                                </m:sub>
+                              </m:sSub>
+                            </m:oMath>
+                          </a14:m>
+                          <a:r>
+                            <a:rPr lang="en-US" sz="2400" b="1" dirty="0"/>
+                            <a:t>)</a:t>
+                          </a:r>
+                          <a:endParaRPr lang="en-PH" sz="2400" b="1" dirty="0"/>
+                        </a:p>
+                      </a:txBody>
+                      <a:tcPr/>
+                    </a:tc>
+                    <a:tc>
+                      <a:txBody>
+                        <a:bodyPr/>
+                        <a:lstStyle/>
+                        <a:p>
+                          <a:pPr marL="0" marR="0" lvl="0" indent="0" algn="ctr" defTabSz="914400" rtl="0" eaLnBrk="1" fontAlgn="auto" latinLnBrk="0" hangingPunct="1">
+                            <a:lnSpc>
+                              <a:spcPct val="100000"/>
+                            </a:lnSpc>
+                            <a:spcBef>
+                              <a:spcPts val="0"/>
+                            </a:spcBef>
+                            <a:spcAft>
+                              <a:spcPts val="0"/>
+                            </a:spcAft>
+                            <a:buClrTx/>
+                            <a:buSzTx/>
+                            <a:buFontTx/>
+                            <a:buNone/>
+                            <a:tabLst/>
+                            <a:defRPr/>
+                          </a:pPr>
+                          <a:r>
+                            <a:rPr lang="en-US" sz="2400" b="1" dirty="0"/>
+                            <a:t>Forecast (</a:t>
+                          </a:r>
+                          <a14:m>
+                            <m:oMath xmlns:m="http://schemas.openxmlformats.org/officeDocument/2006/math">
+                              <m:sSub>
+                                <m:sSubPr>
+                                  <m:ctrlPr>
+                                    <a:rPr lang="en-US" sz="2400" b="1" i="1" smtClean="0">
+                                      <a:latin typeface="Cambria Math"/>
+                                    </a:rPr>
+                                  </m:ctrlPr>
+                                </m:sSubPr>
+                                <m:e>
+                                  <m:acc>
+                                    <m:accPr>
+                                      <m:chr m:val="̂"/>
+                                      <m:ctrlPr>
+                                        <a:rPr lang="en-US" sz="2400" b="1" i="1" smtClean="0">
+                                          <a:latin typeface="Cambria Math"/>
+                                        </a:rPr>
+                                      </m:ctrlPr>
+                                    </m:accPr>
+                                    <m:e>
+                                      <m:r>
+                                        <a:rPr lang="en-US" sz="2400" b="1" i="1" smtClean="0">
+                                          <a:latin typeface="Cambria Math" panose="02040503050406030204" pitchFamily="18" charset="0"/>
+                                        </a:rPr>
+                                        <m:t>𝒚</m:t>
+                                      </m:r>
+                                    </m:e>
+                                  </m:acc>
+                                </m:e>
+                                <m:sub>
+                                  <m:r>
+                                    <a:rPr lang="en-US" sz="2400" b="1" i="1" smtClean="0">
+                                      <a:latin typeface="Cambria Math" panose="02040503050406030204" pitchFamily="18" charset="0"/>
+                                    </a:rPr>
+                                    <m:t>𝒊</m:t>
+                                  </m:r>
+                                </m:sub>
+                              </m:sSub>
+                            </m:oMath>
+                          </a14:m>
+                          <a:r>
+                            <a:rPr lang="en-US" sz="2400" b="1" dirty="0"/>
+                            <a:t>)</a:t>
+                          </a:r>
+                          <a:endParaRPr lang="en-PH" sz="2400" b="1" dirty="0"/>
+                        </a:p>
+                      </a:txBody>
+                      <a:tcPr/>
+                    </a:tc>
+                    <a:extLst>
+                      <a:ext uri="{0D108BD9-81ED-4DB2-BD59-A6C34878D82A}">
+                        <a16:rowId xmlns="" xmlns:a16="http://schemas.microsoft.com/office/drawing/2014/main" val="1798310828"/>
+                      </a:ext>
+                    </a:extLst>
+                  </a:tr>
+                  <a:tr h="370840">
+                    <a:tc>
+                      <a:txBody>
+                        <a:bodyPr/>
+                        <a:lstStyle/>
+                        <a:p>
+                          <a:pPr algn="ctr"/>
+                          <a:r>
+                            <a:rPr lang="en-US" sz="2400" b="0" dirty="0"/>
+                            <a:t>1</a:t>
+                          </a:r>
+                          <a:endParaRPr lang="en-PH" sz="2400" b="0" dirty="0"/>
+                        </a:p>
+                      </a:txBody>
+                      <a:tcPr/>
+                    </a:tc>
+                    <a:tc>
+                      <a:txBody>
+                        <a:bodyPr/>
+                        <a:lstStyle/>
+                        <a:p>
+                          <a:pPr algn="ctr"/>
+                          <a:r>
+                            <a:rPr lang="en-US" sz="2400" b="0" dirty="0"/>
+                            <a:t>100</a:t>
+                          </a:r>
+                          <a:endParaRPr lang="en-PH" sz="2400" b="0" dirty="0"/>
+                        </a:p>
+                      </a:txBody>
+                      <a:tcPr/>
+                    </a:tc>
+                    <a:tc>
+                      <a:txBody>
+                        <a:bodyPr/>
+                        <a:lstStyle/>
+                        <a:p>
+                          <a:pPr marL="0" marR="0" lvl="0" indent="0" algn="ctr" defTabSz="914400" rtl="0" eaLnBrk="1" fontAlgn="auto" latinLnBrk="0" hangingPunct="1">
+                            <a:lnSpc>
+                              <a:spcPct val="100000"/>
+                            </a:lnSpc>
+                            <a:spcBef>
+                              <a:spcPts val="0"/>
+                            </a:spcBef>
+                            <a:spcAft>
+                              <a:spcPts val="0"/>
+                            </a:spcAft>
+                            <a:buClrTx/>
+                            <a:buSzTx/>
+                            <a:buFontTx/>
+                            <a:buNone/>
+                            <a:tabLst/>
+                            <a:defRPr/>
+                          </a:pPr>
+                          <a:r>
+                            <a:rPr lang="en-US" sz="2400" b="0" dirty="0"/>
+                            <a:t>110</a:t>
+                          </a:r>
+                          <a:endParaRPr lang="en-PH" sz="2400" b="0" dirty="0"/>
+                        </a:p>
+                      </a:txBody>
+                      <a:tcPr/>
+                    </a:tc>
+                    <a:extLst>
+                      <a:ext uri="{0D108BD9-81ED-4DB2-BD59-A6C34878D82A}">
+                        <a16:rowId xmlns="" xmlns:a16="http://schemas.microsoft.com/office/drawing/2014/main" val="1404954822"/>
+                      </a:ext>
+                    </a:extLst>
+                  </a:tr>
+                  <a:tr h="370840">
+                    <a:tc>
+                      <a:txBody>
+                        <a:bodyPr/>
+                        <a:lstStyle/>
+                        <a:p>
+                          <a:pPr algn="ctr"/>
+                          <a:r>
+                            <a:rPr lang="en-US" sz="2400" b="0" dirty="0"/>
+                            <a:t>2</a:t>
+                          </a:r>
+                          <a:endParaRPr lang="en-PH" sz="2400" b="0" dirty="0"/>
+                        </a:p>
+                      </a:txBody>
+                      <a:tcPr/>
+                    </a:tc>
+                    <a:tc>
+                      <a:txBody>
+                        <a:bodyPr/>
+                        <a:lstStyle/>
+                        <a:p>
+                          <a:pPr algn="ctr"/>
+                          <a:r>
+                            <a:rPr lang="en-US" sz="2400" b="0" dirty="0"/>
+                            <a:t>150</a:t>
+                          </a:r>
+                          <a:endParaRPr lang="en-PH" sz="2400" b="0" dirty="0"/>
+                        </a:p>
+                      </a:txBody>
+                      <a:tcPr/>
+                    </a:tc>
+                    <a:tc>
+                      <a:txBody>
+                        <a:bodyPr/>
+                        <a:lstStyle/>
+                        <a:p>
+                          <a:pPr marL="0" marR="0" lvl="0" indent="0" algn="ctr" defTabSz="914400" rtl="0" eaLnBrk="1" fontAlgn="auto" latinLnBrk="0" hangingPunct="1">
+                            <a:lnSpc>
+                              <a:spcPct val="100000"/>
+                            </a:lnSpc>
+                            <a:spcBef>
+                              <a:spcPts val="0"/>
+                            </a:spcBef>
+                            <a:spcAft>
+                              <a:spcPts val="0"/>
+                            </a:spcAft>
+                            <a:buClrTx/>
+                            <a:buSzTx/>
+                            <a:buFontTx/>
+                            <a:buNone/>
+                            <a:tabLst/>
+                            <a:defRPr/>
+                          </a:pPr>
+                          <a:r>
+                            <a:rPr lang="en-US" sz="2400" b="0" dirty="0"/>
+                            <a:t>140</a:t>
+                          </a:r>
+                          <a:endParaRPr lang="en-PH" sz="2400" b="0" dirty="0"/>
+                        </a:p>
+                      </a:txBody>
+                      <a:tcPr/>
+                    </a:tc>
+                    <a:extLst>
+                      <a:ext uri="{0D108BD9-81ED-4DB2-BD59-A6C34878D82A}">
+                        <a16:rowId xmlns="" xmlns:a16="http://schemas.microsoft.com/office/drawing/2014/main" val="3148427475"/>
+                      </a:ext>
+                    </a:extLst>
+                  </a:tr>
+                  <a:tr h="370840">
+                    <a:tc>
+                      <a:txBody>
+                        <a:bodyPr/>
+                        <a:lstStyle/>
+                        <a:p>
+                          <a:pPr algn="ctr"/>
+                          <a:r>
+                            <a:rPr lang="en-US" sz="2400" b="0" dirty="0"/>
+                            <a:t>3</a:t>
+                          </a:r>
+                          <a:endParaRPr lang="en-PH" sz="2400" b="0" dirty="0"/>
+                        </a:p>
+                      </a:txBody>
+                      <a:tcPr/>
+                    </a:tc>
+                    <a:tc>
+                      <a:txBody>
+                        <a:bodyPr/>
+                        <a:lstStyle/>
+                        <a:p>
+                          <a:pPr algn="ctr"/>
+                          <a:r>
+                            <a:rPr lang="en-US" sz="2400" b="0" dirty="0"/>
+                            <a:t>200</a:t>
+                          </a:r>
+                          <a:endParaRPr lang="en-PH" sz="2400" b="0" dirty="0"/>
+                        </a:p>
+                      </a:txBody>
+                      <a:tcPr/>
+                    </a:tc>
+                    <a:tc>
+                      <a:txBody>
+                        <a:bodyPr/>
+                        <a:lstStyle/>
+                        <a:p>
+                          <a:pPr marL="0" marR="0" lvl="0" indent="0" algn="ctr" defTabSz="914400" rtl="0" eaLnBrk="1" fontAlgn="auto" latinLnBrk="0" hangingPunct="1">
+                            <a:lnSpc>
+                              <a:spcPct val="100000"/>
+                            </a:lnSpc>
+                            <a:spcBef>
+                              <a:spcPts val="0"/>
+                            </a:spcBef>
+                            <a:spcAft>
+                              <a:spcPts val="0"/>
+                            </a:spcAft>
+                            <a:buClrTx/>
+                            <a:buSzTx/>
+                            <a:buFontTx/>
+                            <a:buNone/>
+                            <a:tabLst/>
+                            <a:defRPr/>
+                          </a:pPr>
+                          <a:r>
+                            <a:rPr lang="en-US" sz="2400" b="0" dirty="0"/>
+                            <a:t>210</a:t>
+                          </a:r>
+                          <a:endParaRPr lang="en-PH" sz="2400" b="0" dirty="0"/>
+                        </a:p>
+                      </a:txBody>
+                      <a:tcPr/>
+                    </a:tc>
+                    <a:extLst>
+                      <a:ext uri="{0D108BD9-81ED-4DB2-BD59-A6C34878D82A}">
+                        <a16:rowId xmlns="" xmlns:a16="http://schemas.microsoft.com/office/drawing/2014/main" val="1935952499"/>
+                      </a:ext>
+                    </a:extLst>
+                  </a:tr>
+                  <a:tr h="370840">
+                    <a:tc>
+                      <a:txBody>
+                        <a:bodyPr/>
+                        <a:lstStyle/>
+                        <a:p>
+                          <a:pPr algn="ctr"/>
+                          <a:r>
+                            <a:rPr lang="en-US" sz="2400" b="0" dirty="0"/>
+                            <a:t>4</a:t>
+                          </a:r>
+                          <a:endParaRPr lang="en-PH" sz="2400" b="0" dirty="0"/>
+                        </a:p>
+                      </a:txBody>
+                      <a:tcPr/>
+                    </a:tc>
+                    <a:tc>
+                      <a:txBody>
+                        <a:bodyPr/>
+                        <a:lstStyle/>
+                        <a:p>
+                          <a:pPr algn="ctr"/>
+                          <a:r>
+                            <a:rPr lang="en-US" sz="2400" b="0" dirty="0"/>
+                            <a:t>250</a:t>
+                          </a:r>
+                          <a:endParaRPr lang="en-PH" sz="2400" b="0" dirty="0"/>
+                        </a:p>
+                      </a:txBody>
+                      <a:tcPr/>
+                    </a:tc>
+                    <a:tc>
+                      <a:txBody>
+                        <a:bodyPr/>
+                        <a:lstStyle/>
+                        <a:p>
+                          <a:pPr marL="0" marR="0" lvl="0" indent="0" algn="ctr" defTabSz="914400" rtl="0" eaLnBrk="1" fontAlgn="auto" latinLnBrk="0" hangingPunct="1">
+                            <a:lnSpc>
+                              <a:spcPct val="100000"/>
+                            </a:lnSpc>
+                            <a:spcBef>
+                              <a:spcPts val="0"/>
+                            </a:spcBef>
+                            <a:spcAft>
+                              <a:spcPts val="0"/>
+                            </a:spcAft>
+                            <a:buClrTx/>
+                            <a:buSzTx/>
+                            <a:buFontTx/>
+                            <a:buNone/>
+                            <a:tabLst/>
+                            <a:defRPr/>
+                          </a:pPr>
+                          <a:r>
+                            <a:rPr lang="en-US" sz="2400" b="0" dirty="0"/>
+                            <a:t>240</a:t>
+                          </a:r>
+                          <a:endParaRPr lang="en-PH" sz="2400" b="0" dirty="0"/>
+                        </a:p>
+                      </a:txBody>
+                      <a:tcPr/>
+                    </a:tc>
+                    <a:extLst>
+                      <a:ext uri="{0D108BD9-81ED-4DB2-BD59-A6C34878D82A}">
+                        <a16:rowId xmlns="" xmlns:a16="http://schemas.microsoft.com/office/drawing/2014/main" val="1310842188"/>
+                      </a:ext>
+                    </a:extLst>
+                  </a:tr>
+                </a:tbl>
+              </a:graphicData>
+            </a:graphic>
+          </p:graphicFrame>
+        </mc:Choice>
+        <mc:Fallback xmlns="">
+          <p:graphicFrame>
+            <p:nvGraphicFramePr>
+              <p:cNvPr id="2" name="Table 2">
+                <a:extLst>
+                  <a:ext uri="{FF2B5EF4-FFF2-40B4-BE49-F238E27FC236}">
+                    <a16:creationId xmlns:a16="http://schemas.microsoft.com/office/drawing/2014/main" xmlns:a14="http://schemas.microsoft.com/office/drawing/2010/main" xmlns="" id="{D5550273-5528-43BD-8412-7F8D06306A14}"/>
+                  </a:ext>
+                </a:extLst>
+              </p:cNvPr>
+              <p:cNvGraphicFramePr>
+                <a:graphicFrameLocks noGrp="1"/>
+              </p:cNvGraphicFramePr>
+              <p:nvPr>
+                <p:extLst>
+                  <p:ext uri="{D42A27DB-BD31-4B8C-83A1-F6EECF244321}">
+                    <p14:modId xmlns:p14="http://schemas.microsoft.com/office/powerpoint/2010/main" val="1044597388"/>
+                  </p:ext>
+                </p:extLst>
+              </p:nvPr>
+            </p:nvGraphicFramePr>
+            <p:xfrm>
+              <a:off x="2032001" y="980923"/>
+              <a:ext cx="8127999" cy="2286000"/>
+            </p:xfrm>
+            <a:graphic>
+              <a:graphicData uri="http://schemas.openxmlformats.org/drawingml/2006/table">
+                <a:tbl>
+                  <a:tblPr firstRow="1" bandRow="1">
+                    <a:tableStyleId>{5940675A-B579-460E-94D1-54222C63F5DA}</a:tableStyleId>
+                  </a:tblPr>
+                  <a:tblGrid>
+                    <a:gridCol w="1075093">
+                      <a:extLst>
+                        <a:ext uri="{9D8B030D-6E8A-4147-A177-3AD203B41FA5}">
+                          <a16:colId xmlns:a16="http://schemas.microsoft.com/office/drawing/2014/main" xmlns:a14="http://schemas.microsoft.com/office/drawing/2010/main" xmlns="" val="2590844336"/>
+                        </a:ext>
+                      </a:extLst>
+                    </a:gridCol>
+                    <a:gridCol w="3331028">
+                      <a:extLst>
+                        <a:ext uri="{9D8B030D-6E8A-4147-A177-3AD203B41FA5}">
+                          <a16:colId xmlns:a16="http://schemas.microsoft.com/office/drawing/2014/main" xmlns:a14="http://schemas.microsoft.com/office/drawing/2010/main" xmlns="" val="2133703778"/>
+                        </a:ext>
+                      </a:extLst>
+                    </a:gridCol>
+                    <a:gridCol w="3721878">
+                      <a:extLst>
+                        <a:ext uri="{9D8B030D-6E8A-4147-A177-3AD203B41FA5}">
+                          <a16:colId xmlns:a16="http://schemas.microsoft.com/office/drawing/2014/main" xmlns:a14="http://schemas.microsoft.com/office/drawing/2010/main" xmlns="" val="4072587226"/>
+                        </a:ext>
+                      </a:extLst>
+                    </a:gridCol>
+                  </a:tblGrid>
+                  <a:tr h="457200">
+                    <a:tc>
+                      <a:txBody>
+                        <a:bodyPr/>
+                        <a:lstStyle/>
+                        <a:p>
+                          <a:pPr algn="ctr"/>
+                          <a:r>
+                            <a:rPr lang="en-US" sz="2400" b="1" dirty="0"/>
+                            <a:t>Month</a:t>
+                          </a:r>
+                          <a:endParaRPr lang="en-PH" sz="2400" b="1" dirty="0"/>
+                        </a:p>
+                      </a:txBody>
+                      <a:tcPr/>
+                    </a:tc>
+                    <a:tc>
+                      <a:txBody>
+                        <a:bodyPr/>
+                        <a:lstStyle/>
+                        <a:p>
+                          <a:endParaRPr lang="en-US"/>
+                        </a:p>
+                      </a:txBody>
+                      <a:tcPr>
+                        <a:blipFill rotWithShape="1">
+                          <a:blip r:embed="rId2"/>
+                          <a:stretch>
+                            <a:fillRect l="-32176" t="-10667" r="-111700" b="-430667"/>
+                          </a:stretch>
+                        </a:blipFill>
+                      </a:tcPr>
+                    </a:tc>
+                    <a:tc>
+                      <a:txBody>
+                        <a:bodyPr/>
+                        <a:lstStyle/>
+                        <a:p>
+                          <a:endParaRPr lang="en-US"/>
+                        </a:p>
+                      </a:txBody>
+                      <a:tcPr>
+                        <a:blipFill rotWithShape="1">
+                          <a:blip r:embed="rId2"/>
+                          <a:stretch>
+                            <a:fillRect l="-118331" t="-10667" b="-430667"/>
+                          </a:stretch>
+                        </a:blipFill>
+                      </a:tcPr>
+                    </a:tc>
+                    <a:extLst>
+                      <a:ext uri="{0D108BD9-81ED-4DB2-BD59-A6C34878D82A}">
+                        <a16:rowId xmlns:a16="http://schemas.microsoft.com/office/drawing/2014/main" xmlns:a14="http://schemas.microsoft.com/office/drawing/2010/main" xmlns="" val="1798310828"/>
+                      </a:ext>
+                    </a:extLst>
+                  </a:tr>
+                  <a:tr h="457200">
+                    <a:tc>
+                      <a:txBody>
+                        <a:bodyPr/>
+                        <a:lstStyle/>
+                        <a:p>
+                          <a:pPr algn="ctr"/>
+                          <a:r>
+                            <a:rPr lang="en-US" sz="2400" b="0" dirty="0"/>
+                            <a:t>1</a:t>
+                          </a:r>
+                          <a:endParaRPr lang="en-PH" sz="2400" b="0" dirty="0"/>
+                        </a:p>
+                      </a:txBody>
+                      <a:tcPr/>
+                    </a:tc>
+                    <a:tc>
+                      <a:txBody>
+                        <a:bodyPr/>
+                        <a:lstStyle/>
+                        <a:p>
+                          <a:pPr algn="ctr"/>
+                          <a:r>
+                            <a:rPr lang="en-US" sz="2400" b="0" dirty="0"/>
+                            <a:t>100</a:t>
+                          </a:r>
+                          <a:endParaRPr lang="en-PH" sz="2400" b="0" dirty="0"/>
+                        </a:p>
+                      </a:txBody>
+                      <a:tcPr/>
+                    </a:tc>
+                    <a:tc>
+                      <a:txBody>
+                        <a:bodyPr/>
+                        <a:lstStyle/>
+                        <a:p>
+                          <a:pPr marL="0" marR="0" lvl="0" indent="0" algn="ctr" defTabSz="914400" rtl="0" eaLnBrk="1" fontAlgn="auto" latinLnBrk="0" hangingPunct="1">
+                            <a:lnSpc>
+                              <a:spcPct val="100000"/>
+                            </a:lnSpc>
+                            <a:spcBef>
+                              <a:spcPts val="0"/>
+                            </a:spcBef>
+                            <a:spcAft>
+                              <a:spcPts val="0"/>
+                            </a:spcAft>
+                            <a:buClrTx/>
+                            <a:buSzTx/>
+                            <a:buFontTx/>
+                            <a:buNone/>
+                            <a:tabLst/>
+                            <a:defRPr/>
+                          </a:pPr>
+                          <a:r>
+                            <a:rPr lang="en-US" sz="2400" b="0" dirty="0"/>
+                            <a:t>110</a:t>
+                          </a:r>
+                          <a:endParaRPr lang="en-PH" sz="2400" b="0" dirty="0"/>
+                        </a:p>
+                      </a:txBody>
+                      <a:tcPr/>
+                    </a:tc>
+                    <a:extLst>
+                      <a:ext uri="{0D108BD9-81ED-4DB2-BD59-A6C34878D82A}">
+                        <a16:rowId xmlns:a16="http://schemas.microsoft.com/office/drawing/2014/main" xmlns:a14="http://schemas.microsoft.com/office/drawing/2010/main" xmlns="" val="1404954822"/>
+                      </a:ext>
+                    </a:extLst>
+                  </a:tr>
+                  <a:tr h="457200">
+                    <a:tc>
+                      <a:txBody>
+                        <a:bodyPr/>
+                        <a:lstStyle/>
+                        <a:p>
+                          <a:pPr algn="ctr"/>
+                          <a:r>
+                            <a:rPr lang="en-US" sz="2400" b="0" dirty="0"/>
+                            <a:t>2</a:t>
+                          </a:r>
+                          <a:endParaRPr lang="en-PH" sz="2400" b="0" dirty="0"/>
+                        </a:p>
+                      </a:txBody>
+                      <a:tcPr/>
+                    </a:tc>
+                    <a:tc>
+                      <a:txBody>
+                        <a:bodyPr/>
+                        <a:lstStyle/>
+                        <a:p>
+                          <a:pPr algn="ctr"/>
+                          <a:r>
+                            <a:rPr lang="en-US" sz="2400" b="0" dirty="0"/>
+                            <a:t>150</a:t>
+                          </a:r>
+                          <a:endParaRPr lang="en-PH" sz="2400" b="0" dirty="0"/>
+                        </a:p>
+                      </a:txBody>
+                      <a:tcPr/>
+                    </a:tc>
+                    <a:tc>
+                      <a:txBody>
+                        <a:bodyPr/>
+                        <a:lstStyle/>
+                        <a:p>
+                          <a:pPr marL="0" marR="0" lvl="0" indent="0" algn="ctr" defTabSz="914400" rtl="0" eaLnBrk="1" fontAlgn="auto" latinLnBrk="0" hangingPunct="1">
+                            <a:lnSpc>
+                              <a:spcPct val="100000"/>
+                            </a:lnSpc>
+                            <a:spcBef>
+                              <a:spcPts val="0"/>
+                            </a:spcBef>
+                            <a:spcAft>
+                              <a:spcPts val="0"/>
+                            </a:spcAft>
+                            <a:buClrTx/>
+                            <a:buSzTx/>
+                            <a:buFontTx/>
+                            <a:buNone/>
+                            <a:tabLst/>
+                            <a:defRPr/>
+                          </a:pPr>
+                          <a:r>
+                            <a:rPr lang="en-US" sz="2400" b="0" dirty="0"/>
+                            <a:t>140</a:t>
+                          </a:r>
+                          <a:endParaRPr lang="en-PH" sz="2400" b="0" dirty="0"/>
+                        </a:p>
+                      </a:txBody>
+                      <a:tcPr/>
+                    </a:tc>
+                    <a:extLst>
+                      <a:ext uri="{0D108BD9-81ED-4DB2-BD59-A6C34878D82A}">
+                        <a16:rowId xmlns:a16="http://schemas.microsoft.com/office/drawing/2014/main" xmlns:a14="http://schemas.microsoft.com/office/drawing/2010/main" xmlns="" val="3148427475"/>
+                      </a:ext>
+                    </a:extLst>
+                  </a:tr>
+                  <a:tr h="457200">
+                    <a:tc>
+                      <a:txBody>
+                        <a:bodyPr/>
+                        <a:lstStyle/>
+                        <a:p>
+                          <a:pPr algn="ctr"/>
+                          <a:r>
+                            <a:rPr lang="en-US" sz="2400" b="0" dirty="0"/>
+                            <a:t>3</a:t>
+                          </a:r>
+                          <a:endParaRPr lang="en-PH" sz="2400" b="0" dirty="0"/>
+                        </a:p>
+                      </a:txBody>
+                      <a:tcPr/>
+                    </a:tc>
+                    <a:tc>
+                      <a:txBody>
+                        <a:bodyPr/>
+                        <a:lstStyle/>
+                        <a:p>
+                          <a:pPr algn="ctr"/>
+                          <a:r>
+                            <a:rPr lang="en-US" sz="2400" b="0" dirty="0"/>
+                            <a:t>200</a:t>
+                          </a:r>
+                          <a:endParaRPr lang="en-PH" sz="2400" b="0" dirty="0"/>
+                        </a:p>
+                      </a:txBody>
+                      <a:tcPr/>
+                    </a:tc>
+                    <a:tc>
+                      <a:txBody>
+                        <a:bodyPr/>
+                        <a:lstStyle/>
+                        <a:p>
+                          <a:pPr marL="0" marR="0" lvl="0" indent="0" algn="ctr" defTabSz="914400" rtl="0" eaLnBrk="1" fontAlgn="auto" latinLnBrk="0" hangingPunct="1">
+                            <a:lnSpc>
+                              <a:spcPct val="100000"/>
+                            </a:lnSpc>
+                            <a:spcBef>
+                              <a:spcPts val="0"/>
+                            </a:spcBef>
+                            <a:spcAft>
+                              <a:spcPts val="0"/>
+                            </a:spcAft>
+                            <a:buClrTx/>
+                            <a:buSzTx/>
+                            <a:buFontTx/>
+                            <a:buNone/>
+                            <a:tabLst/>
+                            <a:defRPr/>
+                          </a:pPr>
+                          <a:r>
+                            <a:rPr lang="en-US" sz="2400" b="0" dirty="0"/>
+                            <a:t>210</a:t>
+                          </a:r>
+                          <a:endParaRPr lang="en-PH" sz="2400" b="0" dirty="0"/>
+                        </a:p>
+                      </a:txBody>
+                      <a:tcPr/>
+                    </a:tc>
+                    <a:extLst>
+                      <a:ext uri="{0D108BD9-81ED-4DB2-BD59-A6C34878D82A}">
+                        <a16:rowId xmlns:a16="http://schemas.microsoft.com/office/drawing/2014/main" xmlns:a14="http://schemas.microsoft.com/office/drawing/2010/main" xmlns="" val="1935952499"/>
+                      </a:ext>
+                    </a:extLst>
+                  </a:tr>
+                  <a:tr h="457200">
+                    <a:tc>
+                      <a:txBody>
+                        <a:bodyPr/>
+                        <a:lstStyle/>
+                        <a:p>
+                          <a:pPr algn="ctr"/>
+                          <a:r>
+                            <a:rPr lang="en-US" sz="2400" b="0" dirty="0"/>
+                            <a:t>4</a:t>
+                          </a:r>
+                          <a:endParaRPr lang="en-PH" sz="2400" b="0" dirty="0"/>
+                        </a:p>
+                      </a:txBody>
+                      <a:tcPr/>
+                    </a:tc>
+                    <a:tc>
+                      <a:txBody>
+                        <a:bodyPr/>
+                        <a:lstStyle/>
+                        <a:p>
+                          <a:pPr algn="ctr"/>
+                          <a:r>
+                            <a:rPr lang="en-US" sz="2400" b="0" dirty="0"/>
+                            <a:t>250</a:t>
+                          </a:r>
+                          <a:endParaRPr lang="en-PH" sz="2400" b="0" dirty="0"/>
+                        </a:p>
+                      </a:txBody>
+                      <a:tcPr/>
+                    </a:tc>
+                    <a:tc>
+                      <a:txBody>
+                        <a:bodyPr/>
+                        <a:lstStyle/>
+                        <a:p>
+                          <a:pPr marL="0" marR="0" lvl="0" indent="0" algn="ctr" defTabSz="914400" rtl="0" eaLnBrk="1" fontAlgn="auto" latinLnBrk="0" hangingPunct="1">
+                            <a:lnSpc>
+                              <a:spcPct val="100000"/>
+                            </a:lnSpc>
+                            <a:spcBef>
+                              <a:spcPts val="0"/>
+                            </a:spcBef>
+                            <a:spcAft>
+                              <a:spcPts val="0"/>
+                            </a:spcAft>
+                            <a:buClrTx/>
+                            <a:buSzTx/>
+                            <a:buFontTx/>
+                            <a:buNone/>
+                            <a:tabLst/>
+                            <a:defRPr/>
+                          </a:pPr>
+                          <a:r>
+                            <a:rPr lang="en-US" sz="2400" b="0" dirty="0"/>
+                            <a:t>240</a:t>
+                          </a:r>
+                          <a:endParaRPr lang="en-PH" sz="2400" b="0" dirty="0"/>
+                        </a:p>
+                      </a:txBody>
+                      <a:tcPr/>
+                    </a:tc>
+                    <a:extLst>
+                      <a:ext uri="{0D108BD9-81ED-4DB2-BD59-A6C34878D82A}">
+                        <a16:rowId xmlns:a16="http://schemas.microsoft.com/office/drawing/2014/main" xmlns:a14="http://schemas.microsoft.com/office/drawing/2010/main" xmlns="" val="1310842188"/>
+                      </a:ext>
+                    </a:extLst>
+                  </a:tr>
+                </a:tbl>
+              </a:graphicData>
+            </a:graphic>
+          </p:graphicFrame>
+        </mc:Fallback>
+      </mc:AlternateContent>
       <p:sp>
         <p:nvSpPr>
-          <p:cNvPr id="6" name="TextBox 5"/>
-          <p:cNvSpPr txBox="1"/>
+          <p:cNvPr id="6" name="Rectangle 5">
+            <a:extLst>
+              <a:ext uri="{FF2B5EF4-FFF2-40B4-BE49-F238E27FC236}">
+                <a16:creationId xmlns="" xmlns:a16="http://schemas.microsoft.com/office/drawing/2014/main" id="{42C03F5E-E3ED-4350-9B3B-87690671BF01}"/>
+              </a:ext>
+            </a:extLst>
+          </p:cNvPr>
+          <p:cNvSpPr/>
           <p:nvPr/>
         </p:nvSpPr>
         <p:spPr>
           <a:xfrm>
-            <a:off x="721364" y="2562078"/>
-            <a:ext cx="10749281" cy="769441"/>
+            <a:off x="503853" y="3482340"/>
+            <a:ext cx="6727371" cy="1569660"/>
           </a:xfrm>
           <a:prstGeom prst="rect">
             <a:avLst/>
           </a:prstGeom>
-          <a:noFill/>
         </p:spPr>
         <p:txBody>
-          <a:bodyPr wrap="square" rtlCol="0">
+          <a:bodyPr wrap="square">
             <a:spAutoFit/>
           </a:bodyPr>
           <a:lstStyle/>
           <a:p>
-            <a:pPr algn="ctr"/>
-            <a:r>
-              <a:rPr lang="en-US" sz="4400" b="1" dirty="0">
-                <a:latin typeface="Arial" pitchFamily="34" charset="0"/>
-                <a:cs typeface="Arial" pitchFamily="34" charset="0"/>
+            <a:r>
+              <a:rPr lang="en-PH" sz="2400" i="1" dirty="0"/>
+              <a:t>Month 1: </a:t>
+            </a:r>
+            <a:r>
+              <a:rPr lang="en-PH" sz="2400" dirty="0"/>
+              <a:t>100 − 110 =  </a:t>
+            </a:r>
+            <a:r>
+              <a:rPr lang="en-PH" sz="2400" dirty="0" smtClean="0"/>
+              <a:t>-</a:t>
+            </a:r>
+            <a:r>
+              <a:rPr lang="en-PH" sz="2400" dirty="0" smtClean="0">
+                <a:solidFill>
+                  <a:srgbClr val="0070C0"/>
+                </a:solidFill>
               </a:rPr>
-              <a:t>[Code Demo]</a:t>
-            </a:r>
-            <a:endParaRPr lang="en-US" sz="2800" b="1" dirty="0">
-              <a:solidFill>
-                <a:schemeClr val="accent2"/>
-              </a:solidFill>
-              <a:latin typeface="Arial" pitchFamily="34" charset="0"/>
-              <a:cs typeface="Arial" pitchFamily="34" charset="0"/>
-            </a:endParaRPr>
+              <a:t>10</a:t>
+            </a:r>
+            <a:r>
+              <a:rPr lang="en-PH" sz="2400" dirty="0" smtClean="0"/>
+              <a:t> </a:t>
+            </a:r>
+          </a:p>
+          <a:p>
+            <a:r>
+              <a:rPr lang="en-PH" sz="2400" i="1" dirty="0" smtClean="0"/>
+              <a:t>Month </a:t>
+            </a:r>
+            <a:r>
+              <a:rPr lang="en-PH" sz="2400" i="1" dirty="0"/>
+              <a:t>2: </a:t>
+            </a:r>
+            <a:r>
+              <a:rPr lang="en-PH" sz="2400" dirty="0"/>
+              <a:t>150 − 140 =  </a:t>
+            </a:r>
+            <a:r>
+              <a:rPr lang="en-PH" sz="2400" dirty="0">
+                <a:solidFill>
+                  <a:srgbClr val="0070C0"/>
+                </a:solidFill>
+              </a:rPr>
+              <a:t>10</a:t>
+            </a:r>
+            <a:r>
+              <a:rPr lang="en-PH" sz="2400" dirty="0"/>
+              <a:t> </a:t>
+            </a:r>
+            <a:endParaRPr lang="en-PH" sz="2400" dirty="0" smtClean="0"/>
+          </a:p>
+          <a:p>
+            <a:r>
+              <a:rPr lang="en-PH" sz="2400" i="1" dirty="0" smtClean="0"/>
+              <a:t>Month </a:t>
+            </a:r>
+            <a:r>
+              <a:rPr lang="en-PH" sz="2400" i="1" dirty="0"/>
+              <a:t>3: </a:t>
+            </a:r>
+            <a:r>
+              <a:rPr lang="en-PH" sz="2400" dirty="0"/>
+              <a:t>200 − 210 = </a:t>
+            </a:r>
+            <a:r>
+              <a:rPr lang="en-PH" sz="2400" dirty="0" smtClean="0"/>
+              <a:t>-</a:t>
+            </a:r>
+            <a:r>
+              <a:rPr lang="en-PH" sz="2400" dirty="0" smtClean="0">
+                <a:solidFill>
+                  <a:srgbClr val="0070C0"/>
+                </a:solidFill>
+              </a:rPr>
+              <a:t>10</a:t>
+            </a:r>
+            <a:endParaRPr lang="en-PH" sz="2400" dirty="0"/>
+          </a:p>
+          <a:p>
+            <a:r>
+              <a:rPr lang="en-PH" sz="2400" i="1" dirty="0"/>
+              <a:t>Month 4: </a:t>
+            </a:r>
+            <a:r>
+              <a:rPr lang="en-PH" sz="2400" dirty="0"/>
+              <a:t>250 − 240 = </a:t>
+            </a:r>
+            <a:r>
+              <a:rPr lang="en-PH" sz="2400" dirty="0" smtClean="0">
+                <a:solidFill>
+                  <a:srgbClr val="0070C0"/>
+                </a:solidFill>
+              </a:rPr>
+              <a:t>10</a:t>
+            </a:r>
+            <a:endParaRPr lang="en-PH" sz="2400" dirty="0"/>
           </a:p>
         </p:txBody>
       </p:sp>
+      <mc:AlternateContent xmlns:mc="http://schemas.openxmlformats.org/markup-compatibility/2006" xmlns:a14="http://schemas.microsoft.com/office/drawing/2010/main">
+        <mc:Choice Requires="a14">
+          <p:sp>
+            <p:nvSpPr>
+              <p:cNvPr id="7" name="Rectangle 6">
+                <a:extLst>
+                  <a:ext uri="{FF2B5EF4-FFF2-40B4-BE49-F238E27FC236}">
+                    <a16:creationId xmlns="" xmlns:a16="http://schemas.microsoft.com/office/drawing/2014/main" id="{CA0A9E09-F04C-4419-ACA0-624D88A33C16}"/>
+                  </a:ext>
+                </a:extLst>
+              </p:cNvPr>
+              <p:cNvSpPr/>
+              <p:nvPr/>
+            </p:nvSpPr>
+            <p:spPr>
+              <a:xfrm>
+                <a:off x="4235930" y="3482340"/>
+                <a:ext cx="6354098" cy="831061"/>
+              </a:xfrm>
+              <a:prstGeom prst="rect">
+                <a:avLst/>
+              </a:prstGeom>
+            </p:spPr>
+            <p:txBody>
+              <a:bodyPr wrap="square">
+                <a:spAutoFit/>
+              </a:bodyPr>
+              <a:lstStyle/>
+              <a:p>
+                <a:pPr/>
+                <a14:m>
+                  <m:oMathPara xmlns:m="http://schemas.openxmlformats.org/officeDocument/2006/math">
+                    <m:oMathParaPr>
+                      <m:jc m:val="centerGroup"/>
+                    </m:oMathParaPr>
+                    <m:oMath xmlns:m="http://schemas.openxmlformats.org/officeDocument/2006/math">
+                      <m:r>
+                        <a:rPr lang="en-US" sz="2400" i="1" smtClean="0">
+                          <a:latin typeface="Cambria Math" panose="02040503050406030204" pitchFamily="18" charset="0"/>
+                        </a:rPr>
+                        <m:t>𝑀</m:t>
+                      </m:r>
+                      <m:r>
+                        <a:rPr lang="en-US" sz="2400" b="0" i="1" smtClean="0">
+                          <a:latin typeface="Cambria Math"/>
+                        </a:rPr>
+                        <m:t>𝑆</m:t>
+                      </m:r>
+                      <m:r>
+                        <a:rPr lang="en-US" sz="2400" i="1" smtClean="0">
+                          <a:latin typeface="Cambria Math" panose="02040503050406030204" pitchFamily="18" charset="0"/>
+                        </a:rPr>
+                        <m:t>𝐸</m:t>
+                      </m:r>
+                      <m:r>
+                        <a:rPr lang="en-US" sz="2400" i="1" smtClean="0">
+                          <a:latin typeface="Cambria Math" panose="02040503050406030204" pitchFamily="18" charset="0"/>
+                        </a:rPr>
+                        <m:t>= </m:t>
+                      </m:r>
+                      <m:f>
+                        <m:fPr>
+                          <m:ctrlPr>
+                            <a:rPr lang="en-US" sz="2400" i="1" smtClean="0">
+                              <a:latin typeface="Cambria Math"/>
+                            </a:rPr>
+                          </m:ctrlPr>
+                        </m:fPr>
+                        <m:num>
+                          <m:sSup>
+                            <m:sSupPr>
+                              <m:ctrlPr>
+                                <a:rPr lang="en-US" sz="2400" i="1" smtClean="0">
+                                  <a:latin typeface="Cambria Math"/>
+                                </a:rPr>
+                              </m:ctrlPr>
+                            </m:sSupPr>
+                            <m:e>
+                              <m:r>
+                                <a:rPr lang="en-US" sz="2400" b="0" i="1" smtClean="0">
+                                  <a:latin typeface="Cambria Math"/>
+                                </a:rPr>
+                                <m:t>(−10)</m:t>
+                              </m:r>
+                            </m:e>
+                            <m:sup>
+                              <m:r>
+                                <a:rPr lang="en-US" sz="2400" b="0" i="1" smtClean="0">
+                                  <a:latin typeface="Cambria Math"/>
+                                </a:rPr>
+                                <m:t>2</m:t>
+                              </m:r>
+                            </m:sup>
+                          </m:sSup>
+                          <m:r>
+                            <a:rPr lang="en-US" sz="2400" b="1" i="1" smtClean="0">
+                              <a:latin typeface="Cambria Math"/>
+                            </a:rPr>
+                            <m:t>+</m:t>
+                          </m:r>
+                          <m:sSup>
+                            <m:sSupPr>
+                              <m:ctrlPr>
+                                <a:rPr lang="en-US" sz="2400" i="1">
+                                  <a:latin typeface="Cambria Math"/>
+                                </a:rPr>
+                              </m:ctrlPr>
+                            </m:sSupPr>
+                            <m:e>
+                              <m:r>
+                                <a:rPr lang="en-US" sz="2400" i="1">
+                                  <a:latin typeface="Cambria Math"/>
+                                </a:rPr>
+                                <m:t>10</m:t>
+                              </m:r>
+                            </m:e>
+                            <m:sup>
+                              <m:r>
+                                <a:rPr lang="en-US" sz="2400" i="1">
+                                  <a:latin typeface="Cambria Math"/>
+                                </a:rPr>
+                                <m:t>2</m:t>
+                              </m:r>
+                            </m:sup>
+                          </m:sSup>
+                          <m:r>
+                            <a:rPr lang="en-US" sz="2400" b="1" i="1" smtClean="0">
+                              <a:latin typeface="Cambria Math"/>
+                            </a:rPr>
+                            <m:t>+</m:t>
+                          </m:r>
+                          <m:sSup>
+                            <m:sSupPr>
+                              <m:ctrlPr>
+                                <a:rPr lang="en-US" sz="2400" i="1">
+                                  <a:latin typeface="Cambria Math"/>
+                                </a:rPr>
+                              </m:ctrlPr>
+                            </m:sSupPr>
+                            <m:e>
+                              <m:r>
+                                <a:rPr lang="en-US" sz="2400" i="1">
+                                  <a:latin typeface="Cambria Math"/>
+                                </a:rPr>
+                                <m:t>(−10)</m:t>
+                              </m:r>
+                            </m:e>
+                            <m:sup>
+                              <m:r>
+                                <a:rPr lang="en-US" sz="2400" i="1">
+                                  <a:latin typeface="Cambria Math"/>
+                                </a:rPr>
+                                <m:t>2</m:t>
+                              </m:r>
+                            </m:sup>
+                          </m:sSup>
+                          <m:r>
+                            <a:rPr lang="en-US" sz="2400" b="1" i="1" smtClean="0">
+                              <a:latin typeface="Cambria Math"/>
+                            </a:rPr>
+                            <m:t>+</m:t>
+                          </m:r>
+                          <m:sSup>
+                            <m:sSupPr>
+                              <m:ctrlPr>
+                                <a:rPr lang="en-US" sz="2400" i="1">
+                                  <a:latin typeface="Cambria Math"/>
+                                </a:rPr>
+                              </m:ctrlPr>
+                            </m:sSupPr>
+                            <m:e>
+                              <m:r>
+                                <a:rPr lang="en-US" sz="2400" i="1">
+                                  <a:latin typeface="Cambria Math"/>
+                                </a:rPr>
+                                <m:t>10</m:t>
+                              </m:r>
+                            </m:e>
+                            <m:sup>
+                              <m:r>
+                                <a:rPr lang="en-US" sz="2400" i="1">
+                                  <a:latin typeface="Cambria Math"/>
+                                </a:rPr>
+                                <m:t>2</m:t>
+                              </m:r>
+                            </m:sup>
+                          </m:sSup>
+                        </m:num>
+                        <m:den>
+                          <m:r>
+                            <a:rPr lang="en-US" sz="2400" b="0" i="1" smtClean="0">
+                              <a:latin typeface="Cambria Math" panose="02040503050406030204" pitchFamily="18" charset="0"/>
+                            </a:rPr>
+                            <m:t>4</m:t>
+                          </m:r>
+                        </m:den>
+                      </m:f>
+                    </m:oMath>
+                  </m:oMathPara>
+                </a14:m>
+                <a:endParaRPr lang="en-US" sz="2400" b="1" dirty="0">
+                  <a:solidFill>
+                    <a:srgbClr val="C00000"/>
+                  </a:solidFill>
+                </a:endParaRPr>
+              </a:p>
+            </p:txBody>
+          </p:sp>
+        </mc:Choice>
+        <mc:Fallback xmlns="">
+          <p:sp>
+            <p:nvSpPr>
+              <p:cNvPr id="7" name="Rectangle 6">
+                <a:extLst>
+                  <a:ext uri="{FF2B5EF4-FFF2-40B4-BE49-F238E27FC236}">
+                    <a16:creationId xmlns:a16="http://schemas.microsoft.com/office/drawing/2014/main" xmlns:a14="http://schemas.microsoft.com/office/drawing/2010/main" xmlns="" id="{CA0A9E09-F04C-4419-ACA0-624D88A33C16}"/>
+                  </a:ext>
+                </a:extLst>
+              </p:cNvPr>
+              <p:cNvSpPr>
+                <a:spLocks noRot="1" noChangeAspect="1" noMove="1" noResize="1" noEditPoints="1" noAdjustHandles="1" noChangeArrowheads="1" noChangeShapeType="1" noTextEdit="1"/>
+              </p:cNvSpPr>
+              <p:nvPr/>
+            </p:nvSpPr>
+            <p:spPr>
+              <a:xfrm>
+                <a:off x="4235930" y="3482340"/>
+                <a:ext cx="6354098" cy="831061"/>
+              </a:xfrm>
+              <a:prstGeom prst="rect">
+                <a:avLst/>
+              </a:prstGeom>
+              <a:blipFill rotWithShape="1">
+                <a:blip r:embed="rId3"/>
+                <a:stretch>
+                  <a:fillRect/>
+                </a:stretch>
+              </a:blipFill>
+            </p:spPr>
+            <p:txBody>
+              <a:bodyPr/>
+              <a:lstStyle/>
+              <a:p>
+                <a:r>
+                  <a:rPr lang="en-PH">
+                    <a:noFill/>
+                  </a:rPr>
+                  <a:t> </a:t>
+                </a:r>
+              </a:p>
+            </p:txBody>
+          </p:sp>
+        </mc:Fallback>
+      </mc:AlternateContent>
+      <p:sp>
+        <p:nvSpPr>
+          <p:cNvPr id="8" name="Rectangle 7">
+            <a:extLst>
+              <a:ext uri="{FF2B5EF4-FFF2-40B4-BE49-F238E27FC236}">
+                <a16:creationId xmlns="" xmlns:a16="http://schemas.microsoft.com/office/drawing/2014/main" id="{994885C2-2BFE-4F3E-9587-E977A16051D6}"/>
+              </a:ext>
+            </a:extLst>
+          </p:cNvPr>
+          <p:cNvSpPr/>
+          <p:nvPr/>
+        </p:nvSpPr>
+        <p:spPr>
+          <a:xfrm>
+            <a:off x="503853" y="5415412"/>
+            <a:ext cx="11287654" cy="461665"/>
+          </a:xfrm>
+          <a:prstGeom prst="rect">
+            <a:avLst/>
+          </a:prstGeom>
+        </p:spPr>
+        <p:txBody>
+          <a:bodyPr wrap="square">
+            <a:spAutoFit/>
+          </a:bodyPr>
+          <a:lstStyle/>
+          <a:p>
+            <a:r>
+              <a:rPr lang="en-PH" sz="2400" dirty="0">
+                <a:solidFill>
+                  <a:srgbClr val="C00000"/>
+                </a:solidFill>
+              </a:rPr>
+              <a:t>Interpretation: </a:t>
+            </a:r>
+            <a:r>
+              <a:rPr lang="en-PH" sz="2400" dirty="0"/>
+              <a:t>On average, </a:t>
+            </a:r>
+            <a:r>
+              <a:rPr lang="en-PH" sz="2400" dirty="0" smtClean="0"/>
+              <a:t>the square of the error is 100, emphasizing larger errors.</a:t>
+            </a:r>
+            <a:endParaRPr lang="en-PH" sz="2400" dirty="0"/>
+          </a:p>
+        </p:txBody>
+      </p:sp>
+      <mc:AlternateContent xmlns:mc="http://schemas.openxmlformats.org/markup-compatibility/2006" xmlns:a14="http://schemas.microsoft.com/office/drawing/2010/main">
+        <mc:Choice Requires="a14">
+          <p:sp>
+            <p:nvSpPr>
+              <p:cNvPr id="9" name="Rectangle 8">
+                <a:extLst>
+                  <a:ext uri="{FF2B5EF4-FFF2-40B4-BE49-F238E27FC236}">
+                    <a16:creationId xmlns="" xmlns:a16="http://schemas.microsoft.com/office/drawing/2014/main" id="{CA0A9E09-F04C-4419-ACA0-624D88A33C16}"/>
+                  </a:ext>
+                </a:extLst>
+              </p:cNvPr>
+              <p:cNvSpPr/>
+              <p:nvPr/>
+            </p:nvSpPr>
+            <p:spPr>
+              <a:xfrm>
+                <a:off x="4868799" y="4472400"/>
+                <a:ext cx="6369815" cy="712631"/>
+              </a:xfrm>
+              <a:prstGeom prst="rect">
+                <a:avLst/>
+              </a:prstGeom>
+            </p:spPr>
+            <p:txBody>
+              <a:bodyPr wrap="square">
+                <a:spAutoFit/>
+              </a:bodyPr>
+              <a:lstStyle/>
+              <a:p>
+                <a14:m>
+                  <m:oMath xmlns:m="http://schemas.openxmlformats.org/officeDocument/2006/math">
+                    <m:r>
+                      <a:rPr lang="en-US" sz="2800" i="1" smtClean="0">
+                        <a:latin typeface="Cambria Math" panose="02040503050406030204" pitchFamily="18" charset="0"/>
+                      </a:rPr>
+                      <m:t>𝑀</m:t>
+                    </m:r>
+                    <m:r>
+                      <a:rPr lang="en-US" sz="2800" b="0" i="1" smtClean="0">
+                        <a:latin typeface="Cambria Math"/>
+                      </a:rPr>
+                      <m:t>𝑆</m:t>
+                    </m:r>
+                    <m:r>
+                      <a:rPr lang="en-US" sz="2800" i="1" smtClean="0">
+                        <a:latin typeface="Cambria Math" panose="02040503050406030204" pitchFamily="18" charset="0"/>
+                      </a:rPr>
+                      <m:t>𝐸</m:t>
+                    </m:r>
+                    <m:r>
+                      <a:rPr lang="en-US" sz="2800" i="1" smtClean="0">
+                        <a:latin typeface="Cambria Math" panose="02040503050406030204" pitchFamily="18" charset="0"/>
+                      </a:rPr>
+                      <m:t>= </m:t>
+                    </m:r>
+                    <m:f>
+                      <m:fPr>
+                        <m:ctrlPr>
+                          <a:rPr lang="en-US" sz="2800" i="1" smtClean="0">
+                            <a:latin typeface="Cambria Math"/>
+                          </a:rPr>
+                        </m:ctrlPr>
+                      </m:fPr>
+                      <m:num>
+                        <m:r>
+                          <a:rPr lang="en-US" sz="2800" b="1" i="1" smtClean="0">
+                            <a:solidFill>
+                              <a:srgbClr val="0070C0"/>
+                            </a:solidFill>
+                            <a:latin typeface="Cambria Math" panose="02040503050406030204" pitchFamily="18" charset="0"/>
+                          </a:rPr>
+                          <m:t>𝟏𝟎</m:t>
+                        </m:r>
+                        <m:r>
+                          <a:rPr lang="en-US" sz="2800" b="1" i="1" smtClean="0">
+                            <a:solidFill>
+                              <a:srgbClr val="0070C0"/>
+                            </a:solidFill>
+                            <a:latin typeface="Cambria Math"/>
+                          </a:rPr>
+                          <m:t>𝟎</m:t>
+                        </m:r>
+                        <m:r>
+                          <a:rPr lang="en-US" sz="2800" b="1" i="1" smtClean="0">
+                            <a:solidFill>
+                              <a:srgbClr val="0070C0"/>
+                            </a:solidFill>
+                            <a:latin typeface="Cambria Math" panose="02040503050406030204" pitchFamily="18" charset="0"/>
+                          </a:rPr>
+                          <m:t>+</m:t>
+                        </m:r>
+                        <m:r>
+                          <a:rPr lang="en-US" sz="2800" b="1" i="1" smtClean="0">
+                            <a:solidFill>
+                              <a:srgbClr val="0070C0"/>
+                            </a:solidFill>
+                            <a:latin typeface="Cambria Math" panose="02040503050406030204" pitchFamily="18" charset="0"/>
+                          </a:rPr>
+                          <m:t>𝟏𝟎𝟎</m:t>
+                        </m:r>
+                        <m:r>
+                          <a:rPr lang="en-US" sz="2800" b="1" i="1" smtClean="0">
+                            <a:solidFill>
+                              <a:srgbClr val="0070C0"/>
+                            </a:solidFill>
+                            <a:latin typeface="Cambria Math" panose="02040503050406030204" pitchFamily="18" charset="0"/>
+                          </a:rPr>
+                          <m:t>+</m:t>
+                        </m:r>
+                        <m:r>
+                          <a:rPr lang="en-US" sz="2800" b="1" i="1" smtClean="0">
+                            <a:solidFill>
+                              <a:srgbClr val="0070C0"/>
+                            </a:solidFill>
+                            <a:latin typeface="Cambria Math" panose="02040503050406030204" pitchFamily="18" charset="0"/>
+                          </a:rPr>
+                          <m:t>𝟏𝟎𝟎</m:t>
+                        </m:r>
+                        <m:r>
+                          <a:rPr lang="en-US" sz="2800" b="1" i="1" smtClean="0">
+                            <a:solidFill>
+                              <a:srgbClr val="0070C0"/>
+                            </a:solidFill>
+                            <a:latin typeface="Cambria Math" panose="02040503050406030204" pitchFamily="18" charset="0"/>
+                          </a:rPr>
+                          <m:t>+</m:t>
+                        </m:r>
+                        <m:r>
+                          <a:rPr lang="en-US" sz="2800" b="1" i="1" smtClean="0">
+                            <a:solidFill>
+                              <a:srgbClr val="0070C0"/>
+                            </a:solidFill>
+                            <a:latin typeface="Cambria Math" panose="02040503050406030204" pitchFamily="18" charset="0"/>
+                          </a:rPr>
+                          <m:t>𝟏𝟎𝟎</m:t>
+                        </m:r>
+                      </m:num>
+                      <m:den>
+                        <m:r>
+                          <a:rPr lang="en-US" sz="2800" b="0" i="1" smtClean="0">
+                            <a:latin typeface="Cambria Math" panose="02040503050406030204" pitchFamily="18" charset="0"/>
+                          </a:rPr>
+                          <m:t>4</m:t>
+                        </m:r>
+                      </m:den>
+                    </m:f>
+                    <m:r>
+                      <a:rPr lang="en-US" sz="2800" b="0" i="0" smtClean="0">
+                        <a:latin typeface="Cambria Math" panose="02040503050406030204" pitchFamily="18" charset="0"/>
+                      </a:rPr>
+                      <m:t>= </m:t>
+                    </m:r>
+                    <m:f>
+                      <m:fPr>
+                        <m:ctrlPr>
+                          <a:rPr lang="en-US" sz="2800" b="0" i="1" smtClean="0">
+                            <a:latin typeface="Cambria Math"/>
+                          </a:rPr>
+                        </m:ctrlPr>
+                      </m:fPr>
+                      <m:num>
+                        <m:r>
+                          <a:rPr lang="en-US" sz="2800" b="0" i="1" smtClean="0">
+                            <a:latin typeface="Cambria Math" panose="02040503050406030204" pitchFamily="18" charset="0"/>
+                          </a:rPr>
+                          <m:t>40</m:t>
+                        </m:r>
+                        <m:r>
+                          <a:rPr lang="en-US" sz="2800" b="0" i="1" smtClean="0">
+                            <a:latin typeface="Cambria Math"/>
+                          </a:rPr>
+                          <m:t>0</m:t>
+                        </m:r>
+                      </m:num>
+                      <m:den>
+                        <m:r>
+                          <a:rPr lang="en-US" sz="2800" b="0" i="1" smtClean="0">
+                            <a:latin typeface="Cambria Math" panose="02040503050406030204" pitchFamily="18" charset="0"/>
+                          </a:rPr>
+                          <m:t>4</m:t>
+                        </m:r>
+                      </m:den>
+                    </m:f>
+                    <m:r>
+                      <a:rPr lang="en-US" sz="2800">
+                        <a:latin typeface="Cambria Math" panose="02040503050406030204" pitchFamily="18" charset="0"/>
+                      </a:rPr>
+                      <m:t>=</m:t>
+                    </m:r>
+                  </m:oMath>
+                </a14:m>
+                <a:r>
+                  <a:rPr lang="en-US" sz="2800" dirty="0"/>
+                  <a:t> </a:t>
+                </a:r>
+                <a:r>
+                  <a:rPr lang="en-US" sz="2800" b="1" dirty="0" smtClean="0">
+                    <a:solidFill>
+                      <a:srgbClr val="C00000"/>
+                    </a:solidFill>
+                  </a:rPr>
+                  <a:t>100</a:t>
+                </a:r>
+                <a:endParaRPr lang="en-US" sz="2800" b="1" dirty="0">
+                  <a:solidFill>
+                    <a:srgbClr val="C00000"/>
+                  </a:solidFill>
+                </a:endParaRPr>
+              </a:p>
+            </p:txBody>
+          </p:sp>
+        </mc:Choice>
+        <mc:Fallback xmlns="">
+          <p:sp>
+            <p:nvSpPr>
+              <p:cNvPr id="9" name="Rectangle 8">
+                <a:extLst>
+                  <a:ext uri="{FF2B5EF4-FFF2-40B4-BE49-F238E27FC236}">
+                    <a16:creationId xmlns:a16="http://schemas.microsoft.com/office/drawing/2014/main" xmlns:a14="http://schemas.microsoft.com/office/drawing/2010/main" xmlns="" id="{CA0A9E09-F04C-4419-ACA0-624D88A33C16}"/>
+                  </a:ext>
+                </a:extLst>
+              </p:cNvPr>
+              <p:cNvSpPr>
+                <a:spLocks noRot="1" noChangeAspect="1" noMove="1" noResize="1" noEditPoints="1" noAdjustHandles="1" noChangeArrowheads="1" noChangeShapeType="1" noTextEdit="1"/>
+              </p:cNvSpPr>
+              <p:nvPr/>
+            </p:nvSpPr>
+            <p:spPr>
+              <a:xfrm>
+                <a:off x="4868799" y="4472400"/>
+                <a:ext cx="6369815" cy="712631"/>
+              </a:xfrm>
+              <a:prstGeom prst="rect">
+                <a:avLst/>
+              </a:prstGeom>
+              <a:blipFill rotWithShape="1">
+                <a:blip r:embed="rId4"/>
+                <a:stretch>
+                  <a:fillRect b="-11111"/>
+                </a:stretch>
+              </a:blipFill>
+            </p:spPr>
+            <p:txBody>
+              <a:bodyPr/>
+              <a:lstStyle/>
+              <a:p>
+                <a:r>
+                  <a:rPr lang="en-PH">
+                    <a:noFill/>
+                  </a:rPr>
+                  <a:t> </a:t>
+                </a:r>
+              </a:p>
+            </p:txBody>
+          </p:sp>
+        </mc:Fallback>
+      </mc:AlternateContent>
     </p:spTree>
     <p:extLst>
       <p:ext uri="{BB962C8B-B14F-4D97-AF65-F5344CB8AC3E}">
-        <p14:creationId xmlns:p14="http://schemas.microsoft.com/office/powerpoint/2010/main" val="1237728439"/>
+        <p14:creationId xmlns:p14="http://schemas.microsoft.com/office/powerpoint/2010/main" val="1667929393"/>
       </p:ext>
     </p:extLst>
   </p:cSld>
@@ -6399,16 +7926,3284 @@
           <a:chExt cx="0" cy="0"/>
         </a:xfrm>
       </p:grpSpPr>
+      <mc:AlternateContent xmlns:mc="http://schemas.openxmlformats.org/markup-compatibility/2006" xmlns:a14="http://schemas.microsoft.com/office/drawing/2010/main">
+        <mc:Choice Requires="a14">
+          <p:graphicFrame>
+            <p:nvGraphicFramePr>
+              <p:cNvPr id="2" name="Table 2">
+                <a:extLst>
+                  <a:ext uri="{FF2B5EF4-FFF2-40B4-BE49-F238E27FC236}">
+                    <a16:creationId xmlns="" xmlns:a16="http://schemas.microsoft.com/office/drawing/2014/main" id="{D5550273-5528-43BD-8412-7F8D06306A14}"/>
+                  </a:ext>
+                </a:extLst>
+              </p:cNvPr>
+              <p:cNvGraphicFramePr>
+                <a:graphicFrameLocks noGrp="1"/>
+              </p:cNvGraphicFramePr>
+              <p:nvPr>
+                <p:extLst>
+                  <p:ext uri="{D42A27DB-BD31-4B8C-83A1-F6EECF244321}">
+                    <p14:modId xmlns:p14="http://schemas.microsoft.com/office/powerpoint/2010/main" val="4119176559"/>
+                  </p:ext>
+                </p:extLst>
+              </p:nvPr>
+            </p:nvGraphicFramePr>
+            <p:xfrm>
+              <a:off x="2032001" y="980923"/>
+              <a:ext cx="8127999" cy="2286000"/>
+            </p:xfrm>
+            <a:graphic>
+              <a:graphicData uri="http://schemas.openxmlformats.org/drawingml/2006/table">
+                <a:tbl>
+                  <a:tblPr firstRow="1" bandRow="1">
+                    <a:tableStyleId>{5940675A-B579-460E-94D1-54222C63F5DA}</a:tableStyleId>
+                  </a:tblPr>
+                  <a:tblGrid>
+                    <a:gridCol w="1075093">
+                      <a:extLst>
+                        <a:ext uri="{9D8B030D-6E8A-4147-A177-3AD203B41FA5}">
+                          <a16:colId xmlns="" xmlns:a16="http://schemas.microsoft.com/office/drawing/2014/main" val="2590844336"/>
+                        </a:ext>
+                      </a:extLst>
+                    </a:gridCol>
+                    <a:gridCol w="3331028">
+                      <a:extLst>
+                        <a:ext uri="{9D8B030D-6E8A-4147-A177-3AD203B41FA5}">
+                          <a16:colId xmlns="" xmlns:a16="http://schemas.microsoft.com/office/drawing/2014/main" val="2133703778"/>
+                        </a:ext>
+                      </a:extLst>
+                    </a:gridCol>
+                    <a:gridCol w="3721878">
+                      <a:extLst>
+                        <a:ext uri="{9D8B030D-6E8A-4147-A177-3AD203B41FA5}">
+                          <a16:colId xmlns="" xmlns:a16="http://schemas.microsoft.com/office/drawing/2014/main" val="4072587226"/>
+                        </a:ext>
+                      </a:extLst>
+                    </a:gridCol>
+                  </a:tblGrid>
+                  <a:tr h="370840">
+                    <a:tc>
+                      <a:txBody>
+                        <a:bodyPr/>
+                        <a:lstStyle/>
+                        <a:p>
+                          <a:pPr algn="ctr"/>
+                          <a:r>
+                            <a:rPr lang="en-US" sz="2400" b="1" dirty="0"/>
+                            <a:t>Month</a:t>
+                          </a:r>
+                          <a:endParaRPr lang="en-PH" sz="2400" b="1" dirty="0"/>
+                        </a:p>
+                      </a:txBody>
+                      <a:tcPr/>
+                    </a:tc>
+                    <a:tc>
+                      <a:txBody>
+                        <a:bodyPr/>
+                        <a:lstStyle/>
+                        <a:p>
+                          <a:pPr algn="ctr"/>
+                          <a:r>
+                            <a:rPr lang="en-US" sz="2400" b="1" dirty="0"/>
+                            <a:t>Actual (</a:t>
+                          </a:r>
+                          <a14:m>
+                            <m:oMath xmlns:m="http://schemas.openxmlformats.org/officeDocument/2006/math">
+                              <m:sSub>
+                                <m:sSubPr>
+                                  <m:ctrlPr>
+                                    <a:rPr lang="en-US" sz="2400" b="1" i="1" smtClean="0">
+                                      <a:latin typeface="Cambria Math"/>
+                                    </a:rPr>
+                                  </m:ctrlPr>
+                                </m:sSubPr>
+                                <m:e>
+                                  <m:r>
+                                    <a:rPr lang="en-US" sz="2400" b="1" i="1" smtClean="0">
+                                      <a:latin typeface="Cambria Math" panose="02040503050406030204" pitchFamily="18" charset="0"/>
+                                    </a:rPr>
+                                    <m:t>𝒚</m:t>
+                                  </m:r>
+                                </m:e>
+                                <m:sub>
+                                  <m:r>
+                                    <a:rPr lang="en-US" sz="2400" b="1" i="1" smtClean="0">
+                                      <a:latin typeface="Cambria Math" panose="02040503050406030204" pitchFamily="18" charset="0"/>
+                                    </a:rPr>
+                                    <m:t>𝒊</m:t>
+                                  </m:r>
+                                </m:sub>
+                              </m:sSub>
+                            </m:oMath>
+                          </a14:m>
+                          <a:r>
+                            <a:rPr lang="en-US" sz="2400" b="1" dirty="0"/>
+                            <a:t>)</a:t>
+                          </a:r>
+                          <a:endParaRPr lang="en-PH" sz="2400" b="1" dirty="0"/>
+                        </a:p>
+                      </a:txBody>
+                      <a:tcPr/>
+                    </a:tc>
+                    <a:tc>
+                      <a:txBody>
+                        <a:bodyPr/>
+                        <a:lstStyle/>
+                        <a:p>
+                          <a:pPr marL="0" marR="0" lvl="0" indent="0" algn="ctr" defTabSz="914400" rtl="0" eaLnBrk="1" fontAlgn="auto" latinLnBrk="0" hangingPunct="1">
+                            <a:lnSpc>
+                              <a:spcPct val="100000"/>
+                            </a:lnSpc>
+                            <a:spcBef>
+                              <a:spcPts val="0"/>
+                            </a:spcBef>
+                            <a:spcAft>
+                              <a:spcPts val="0"/>
+                            </a:spcAft>
+                            <a:buClrTx/>
+                            <a:buSzTx/>
+                            <a:buFontTx/>
+                            <a:buNone/>
+                            <a:tabLst/>
+                            <a:defRPr/>
+                          </a:pPr>
+                          <a:r>
+                            <a:rPr lang="en-US" sz="2400" b="1" dirty="0"/>
+                            <a:t>Forecast (</a:t>
+                          </a:r>
+                          <a14:m>
+                            <m:oMath xmlns:m="http://schemas.openxmlformats.org/officeDocument/2006/math">
+                              <m:sSub>
+                                <m:sSubPr>
+                                  <m:ctrlPr>
+                                    <a:rPr lang="en-US" sz="2400" b="1" i="1" smtClean="0">
+                                      <a:latin typeface="Cambria Math"/>
+                                    </a:rPr>
+                                  </m:ctrlPr>
+                                </m:sSubPr>
+                                <m:e>
+                                  <m:acc>
+                                    <m:accPr>
+                                      <m:chr m:val="̂"/>
+                                      <m:ctrlPr>
+                                        <a:rPr lang="en-US" sz="2400" b="1" i="1" smtClean="0">
+                                          <a:latin typeface="Cambria Math"/>
+                                        </a:rPr>
+                                      </m:ctrlPr>
+                                    </m:accPr>
+                                    <m:e>
+                                      <m:r>
+                                        <a:rPr lang="en-US" sz="2400" b="1" i="1" smtClean="0">
+                                          <a:latin typeface="Cambria Math" panose="02040503050406030204" pitchFamily="18" charset="0"/>
+                                        </a:rPr>
+                                        <m:t>𝒚</m:t>
+                                      </m:r>
+                                    </m:e>
+                                  </m:acc>
+                                </m:e>
+                                <m:sub>
+                                  <m:r>
+                                    <a:rPr lang="en-US" sz="2400" b="1" i="1" smtClean="0">
+                                      <a:latin typeface="Cambria Math" panose="02040503050406030204" pitchFamily="18" charset="0"/>
+                                    </a:rPr>
+                                    <m:t>𝒊</m:t>
+                                  </m:r>
+                                </m:sub>
+                              </m:sSub>
+                            </m:oMath>
+                          </a14:m>
+                          <a:r>
+                            <a:rPr lang="en-US" sz="2400" b="1" dirty="0"/>
+                            <a:t>)</a:t>
+                          </a:r>
+                          <a:endParaRPr lang="en-PH" sz="2400" b="1" dirty="0"/>
+                        </a:p>
+                      </a:txBody>
+                      <a:tcPr/>
+                    </a:tc>
+                    <a:extLst>
+                      <a:ext uri="{0D108BD9-81ED-4DB2-BD59-A6C34878D82A}">
+                        <a16:rowId xmlns="" xmlns:a16="http://schemas.microsoft.com/office/drawing/2014/main" val="1798310828"/>
+                      </a:ext>
+                    </a:extLst>
+                  </a:tr>
+                  <a:tr h="370840">
+                    <a:tc>
+                      <a:txBody>
+                        <a:bodyPr/>
+                        <a:lstStyle/>
+                        <a:p>
+                          <a:pPr algn="ctr"/>
+                          <a:r>
+                            <a:rPr lang="en-US" sz="2400" b="0" dirty="0"/>
+                            <a:t>1</a:t>
+                          </a:r>
+                          <a:endParaRPr lang="en-PH" sz="2400" b="0" dirty="0"/>
+                        </a:p>
+                      </a:txBody>
+                      <a:tcPr/>
+                    </a:tc>
+                    <a:tc>
+                      <a:txBody>
+                        <a:bodyPr/>
+                        <a:lstStyle/>
+                        <a:p>
+                          <a:pPr algn="ctr"/>
+                          <a:r>
+                            <a:rPr lang="en-US" sz="2400" b="0" dirty="0"/>
+                            <a:t>100</a:t>
+                          </a:r>
+                          <a:endParaRPr lang="en-PH" sz="2400" b="0" dirty="0"/>
+                        </a:p>
+                      </a:txBody>
+                      <a:tcPr/>
+                    </a:tc>
+                    <a:tc>
+                      <a:txBody>
+                        <a:bodyPr/>
+                        <a:lstStyle/>
+                        <a:p>
+                          <a:pPr marL="0" marR="0" lvl="0" indent="0" algn="ctr" defTabSz="914400" rtl="0" eaLnBrk="1" fontAlgn="auto" latinLnBrk="0" hangingPunct="1">
+                            <a:lnSpc>
+                              <a:spcPct val="100000"/>
+                            </a:lnSpc>
+                            <a:spcBef>
+                              <a:spcPts val="0"/>
+                            </a:spcBef>
+                            <a:spcAft>
+                              <a:spcPts val="0"/>
+                            </a:spcAft>
+                            <a:buClrTx/>
+                            <a:buSzTx/>
+                            <a:buFontTx/>
+                            <a:buNone/>
+                            <a:tabLst/>
+                            <a:defRPr/>
+                          </a:pPr>
+                          <a:r>
+                            <a:rPr lang="en-US" sz="2400" b="0" dirty="0"/>
+                            <a:t>110</a:t>
+                          </a:r>
+                          <a:endParaRPr lang="en-PH" sz="2400" b="0" dirty="0"/>
+                        </a:p>
+                      </a:txBody>
+                      <a:tcPr/>
+                    </a:tc>
+                    <a:extLst>
+                      <a:ext uri="{0D108BD9-81ED-4DB2-BD59-A6C34878D82A}">
+                        <a16:rowId xmlns="" xmlns:a16="http://schemas.microsoft.com/office/drawing/2014/main" val="1404954822"/>
+                      </a:ext>
+                    </a:extLst>
+                  </a:tr>
+                  <a:tr h="370840">
+                    <a:tc>
+                      <a:txBody>
+                        <a:bodyPr/>
+                        <a:lstStyle/>
+                        <a:p>
+                          <a:pPr algn="ctr"/>
+                          <a:r>
+                            <a:rPr lang="en-US" sz="2400" b="0" dirty="0"/>
+                            <a:t>2</a:t>
+                          </a:r>
+                          <a:endParaRPr lang="en-PH" sz="2400" b="0" dirty="0"/>
+                        </a:p>
+                      </a:txBody>
+                      <a:tcPr/>
+                    </a:tc>
+                    <a:tc>
+                      <a:txBody>
+                        <a:bodyPr/>
+                        <a:lstStyle/>
+                        <a:p>
+                          <a:pPr algn="ctr"/>
+                          <a:r>
+                            <a:rPr lang="en-US" sz="2400" b="0" dirty="0"/>
+                            <a:t>150</a:t>
+                          </a:r>
+                          <a:endParaRPr lang="en-PH" sz="2400" b="0" dirty="0"/>
+                        </a:p>
+                      </a:txBody>
+                      <a:tcPr/>
+                    </a:tc>
+                    <a:tc>
+                      <a:txBody>
+                        <a:bodyPr/>
+                        <a:lstStyle/>
+                        <a:p>
+                          <a:pPr marL="0" marR="0" lvl="0" indent="0" algn="ctr" defTabSz="914400" rtl="0" eaLnBrk="1" fontAlgn="auto" latinLnBrk="0" hangingPunct="1">
+                            <a:lnSpc>
+                              <a:spcPct val="100000"/>
+                            </a:lnSpc>
+                            <a:spcBef>
+                              <a:spcPts val="0"/>
+                            </a:spcBef>
+                            <a:spcAft>
+                              <a:spcPts val="0"/>
+                            </a:spcAft>
+                            <a:buClrTx/>
+                            <a:buSzTx/>
+                            <a:buFontTx/>
+                            <a:buNone/>
+                            <a:tabLst/>
+                            <a:defRPr/>
+                          </a:pPr>
+                          <a:r>
+                            <a:rPr lang="en-US" sz="2400" b="0" dirty="0"/>
+                            <a:t>140</a:t>
+                          </a:r>
+                          <a:endParaRPr lang="en-PH" sz="2400" b="0" dirty="0"/>
+                        </a:p>
+                      </a:txBody>
+                      <a:tcPr/>
+                    </a:tc>
+                    <a:extLst>
+                      <a:ext uri="{0D108BD9-81ED-4DB2-BD59-A6C34878D82A}">
+                        <a16:rowId xmlns="" xmlns:a16="http://schemas.microsoft.com/office/drawing/2014/main" val="3148427475"/>
+                      </a:ext>
+                    </a:extLst>
+                  </a:tr>
+                  <a:tr h="370840">
+                    <a:tc>
+                      <a:txBody>
+                        <a:bodyPr/>
+                        <a:lstStyle/>
+                        <a:p>
+                          <a:pPr algn="ctr"/>
+                          <a:r>
+                            <a:rPr lang="en-US" sz="2400" b="0" dirty="0"/>
+                            <a:t>3</a:t>
+                          </a:r>
+                          <a:endParaRPr lang="en-PH" sz="2400" b="0" dirty="0"/>
+                        </a:p>
+                      </a:txBody>
+                      <a:tcPr/>
+                    </a:tc>
+                    <a:tc>
+                      <a:txBody>
+                        <a:bodyPr/>
+                        <a:lstStyle/>
+                        <a:p>
+                          <a:pPr algn="ctr"/>
+                          <a:r>
+                            <a:rPr lang="en-US" sz="2400" b="0" dirty="0"/>
+                            <a:t>200</a:t>
+                          </a:r>
+                          <a:endParaRPr lang="en-PH" sz="2400" b="0" dirty="0"/>
+                        </a:p>
+                      </a:txBody>
+                      <a:tcPr/>
+                    </a:tc>
+                    <a:tc>
+                      <a:txBody>
+                        <a:bodyPr/>
+                        <a:lstStyle/>
+                        <a:p>
+                          <a:pPr marL="0" marR="0" lvl="0" indent="0" algn="ctr" defTabSz="914400" rtl="0" eaLnBrk="1" fontAlgn="auto" latinLnBrk="0" hangingPunct="1">
+                            <a:lnSpc>
+                              <a:spcPct val="100000"/>
+                            </a:lnSpc>
+                            <a:spcBef>
+                              <a:spcPts val="0"/>
+                            </a:spcBef>
+                            <a:spcAft>
+                              <a:spcPts val="0"/>
+                            </a:spcAft>
+                            <a:buClrTx/>
+                            <a:buSzTx/>
+                            <a:buFontTx/>
+                            <a:buNone/>
+                            <a:tabLst/>
+                            <a:defRPr/>
+                          </a:pPr>
+                          <a:r>
+                            <a:rPr lang="en-US" sz="2400" b="0" dirty="0"/>
+                            <a:t>210</a:t>
+                          </a:r>
+                          <a:endParaRPr lang="en-PH" sz="2400" b="0" dirty="0"/>
+                        </a:p>
+                      </a:txBody>
+                      <a:tcPr/>
+                    </a:tc>
+                    <a:extLst>
+                      <a:ext uri="{0D108BD9-81ED-4DB2-BD59-A6C34878D82A}">
+                        <a16:rowId xmlns="" xmlns:a16="http://schemas.microsoft.com/office/drawing/2014/main" val="1935952499"/>
+                      </a:ext>
+                    </a:extLst>
+                  </a:tr>
+                  <a:tr h="370840">
+                    <a:tc>
+                      <a:txBody>
+                        <a:bodyPr/>
+                        <a:lstStyle/>
+                        <a:p>
+                          <a:pPr algn="ctr"/>
+                          <a:r>
+                            <a:rPr lang="en-US" sz="2400" b="0" dirty="0"/>
+                            <a:t>4</a:t>
+                          </a:r>
+                          <a:endParaRPr lang="en-PH" sz="2400" b="0" dirty="0"/>
+                        </a:p>
+                      </a:txBody>
+                      <a:tcPr/>
+                    </a:tc>
+                    <a:tc>
+                      <a:txBody>
+                        <a:bodyPr/>
+                        <a:lstStyle/>
+                        <a:p>
+                          <a:pPr algn="ctr"/>
+                          <a:r>
+                            <a:rPr lang="en-US" sz="2400" b="0" dirty="0"/>
+                            <a:t>250</a:t>
+                          </a:r>
+                          <a:endParaRPr lang="en-PH" sz="2400" b="0" dirty="0"/>
+                        </a:p>
+                      </a:txBody>
+                      <a:tcPr/>
+                    </a:tc>
+                    <a:tc>
+                      <a:txBody>
+                        <a:bodyPr/>
+                        <a:lstStyle/>
+                        <a:p>
+                          <a:pPr marL="0" marR="0" lvl="0" indent="0" algn="ctr" defTabSz="914400" rtl="0" eaLnBrk="1" fontAlgn="auto" latinLnBrk="0" hangingPunct="1">
+                            <a:lnSpc>
+                              <a:spcPct val="100000"/>
+                            </a:lnSpc>
+                            <a:spcBef>
+                              <a:spcPts val="0"/>
+                            </a:spcBef>
+                            <a:spcAft>
+                              <a:spcPts val="0"/>
+                            </a:spcAft>
+                            <a:buClrTx/>
+                            <a:buSzTx/>
+                            <a:buFontTx/>
+                            <a:buNone/>
+                            <a:tabLst/>
+                            <a:defRPr/>
+                          </a:pPr>
+                          <a:r>
+                            <a:rPr lang="en-US" sz="2400" b="0" dirty="0"/>
+                            <a:t>240</a:t>
+                          </a:r>
+                          <a:endParaRPr lang="en-PH" sz="2400" b="0" dirty="0"/>
+                        </a:p>
+                      </a:txBody>
+                      <a:tcPr/>
+                    </a:tc>
+                    <a:extLst>
+                      <a:ext uri="{0D108BD9-81ED-4DB2-BD59-A6C34878D82A}">
+                        <a16:rowId xmlns="" xmlns:a16="http://schemas.microsoft.com/office/drawing/2014/main" val="1310842188"/>
+                      </a:ext>
+                    </a:extLst>
+                  </a:tr>
+                </a:tbl>
+              </a:graphicData>
+            </a:graphic>
+          </p:graphicFrame>
+        </mc:Choice>
+        <mc:Fallback xmlns="">
+          <p:graphicFrame>
+            <p:nvGraphicFramePr>
+              <p:cNvPr id="2" name="Table 2">
+                <a:extLst>
+                  <a:ext uri="{FF2B5EF4-FFF2-40B4-BE49-F238E27FC236}">
+                    <a16:creationId xmlns:a16="http://schemas.microsoft.com/office/drawing/2014/main" xmlns:a14="http://schemas.microsoft.com/office/drawing/2010/main" xmlns="" id="{D5550273-5528-43BD-8412-7F8D06306A14}"/>
+                  </a:ext>
+                </a:extLst>
+              </p:cNvPr>
+              <p:cNvGraphicFramePr>
+                <a:graphicFrameLocks noGrp="1"/>
+              </p:cNvGraphicFramePr>
+              <p:nvPr>
+                <p:extLst>
+                  <p:ext uri="{D42A27DB-BD31-4B8C-83A1-F6EECF244321}">
+                    <p14:modId xmlns:p14="http://schemas.microsoft.com/office/powerpoint/2010/main" val="4119176559"/>
+                  </p:ext>
+                </p:extLst>
+              </p:nvPr>
+            </p:nvGraphicFramePr>
+            <p:xfrm>
+              <a:off x="2032001" y="980923"/>
+              <a:ext cx="8127999" cy="2286000"/>
+            </p:xfrm>
+            <a:graphic>
+              <a:graphicData uri="http://schemas.openxmlformats.org/drawingml/2006/table">
+                <a:tbl>
+                  <a:tblPr firstRow="1" bandRow="1">
+                    <a:tableStyleId>{5940675A-B579-460E-94D1-54222C63F5DA}</a:tableStyleId>
+                  </a:tblPr>
+                  <a:tblGrid>
+                    <a:gridCol w="1075093">
+                      <a:extLst>
+                        <a:ext uri="{9D8B030D-6E8A-4147-A177-3AD203B41FA5}">
+                          <a16:colId xmlns:a16="http://schemas.microsoft.com/office/drawing/2014/main" xmlns:a14="http://schemas.microsoft.com/office/drawing/2010/main" xmlns="" val="2590844336"/>
+                        </a:ext>
+                      </a:extLst>
+                    </a:gridCol>
+                    <a:gridCol w="3331028">
+                      <a:extLst>
+                        <a:ext uri="{9D8B030D-6E8A-4147-A177-3AD203B41FA5}">
+                          <a16:colId xmlns:a16="http://schemas.microsoft.com/office/drawing/2014/main" xmlns:a14="http://schemas.microsoft.com/office/drawing/2010/main" xmlns="" val="2133703778"/>
+                        </a:ext>
+                      </a:extLst>
+                    </a:gridCol>
+                    <a:gridCol w="3721878">
+                      <a:extLst>
+                        <a:ext uri="{9D8B030D-6E8A-4147-A177-3AD203B41FA5}">
+                          <a16:colId xmlns:a16="http://schemas.microsoft.com/office/drawing/2014/main" xmlns:a14="http://schemas.microsoft.com/office/drawing/2010/main" xmlns="" val="4072587226"/>
+                        </a:ext>
+                      </a:extLst>
+                    </a:gridCol>
+                  </a:tblGrid>
+                  <a:tr h="457200">
+                    <a:tc>
+                      <a:txBody>
+                        <a:bodyPr/>
+                        <a:lstStyle/>
+                        <a:p>
+                          <a:pPr algn="ctr"/>
+                          <a:r>
+                            <a:rPr lang="en-US" sz="2400" b="1" dirty="0"/>
+                            <a:t>Month</a:t>
+                          </a:r>
+                          <a:endParaRPr lang="en-PH" sz="2400" b="1" dirty="0"/>
+                        </a:p>
+                      </a:txBody>
+                      <a:tcPr/>
+                    </a:tc>
+                    <a:tc>
+                      <a:txBody>
+                        <a:bodyPr/>
+                        <a:lstStyle/>
+                        <a:p>
+                          <a:endParaRPr lang="en-US"/>
+                        </a:p>
+                      </a:txBody>
+                      <a:tcPr>
+                        <a:blipFill rotWithShape="1">
+                          <a:blip r:embed="rId2"/>
+                          <a:stretch>
+                            <a:fillRect l="-32176" t="-10667" r="-111700" b="-430667"/>
+                          </a:stretch>
+                        </a:blipFill>
+                      </a:tcPr>
+                    </a:tc>
+                    <a:tc>
+                      <a:txBody>
+                        <a:bodyPr/>
+                        <a:lstStyle/>
+                        <a:p>
+                          <a:endParaRPr lang="en-US"/>
+                        </a:p>
+                      </a:txBody>
+                      <a:tcPr>
+                        <a:blipFill rotWithShape="1">
+                          <a:blip r:embed="rId2"/>
+                          <a:stretch>
+                            <a:fillRect l="-118331" t="-10667" b="-430667"/>
+                          </a:stretch>
+                        </a:blipFill>
+                      </a:tcPr>
+                    </a:tc>
+                    <a:extLst>
+                      <a:ext uri="{0D108BD9-81ED-4DB2-BD59-A6C34878D82A}">
+                        <a16:rowId xmlns:a16="http://schemas.microsoft.com/office/drawing/2014/main" xmlns:a14="http://schemas.microsoft.com/office/drawing/2010/main" xmlns="" val="1798310828"/>
+                      </a:ext>
+                    </a:extLst>
+                  </a:tr>
+                  <a:tr h="457200">
+                    <a:tc>
+                      <a:txBody>
+                        <a:bodyPr/>
+                        <a:lstStyle/>
+                        <a:p>
+                          <a:pPr algn="ctr"/>
+                          <a:r>
+                            <a:rPr lang="en-US" sz="2400" b="0" dirty="0"/>
+                            <a:t>1</a:t>
+                          </a:r>
+                          <a:endParaRPr lang="en-PH" sz="2400" b="0" dirty="0"/>
+                        </a:p>
+                      </a:txBody>
+                      <a:tcPr/>
+                    </a:tc>
+                    <a:tc>
+                      <a:txBody>
+                        <a:bodyPr/>
+                        <a:lstStyle/>
+                        <a:p>
+                          <a:pPr algn="ctr"/>
+                          <a:r>
+                            <a:rPr lang="en-US" sz="2400" b="0" dirty="0"/>
+                            <a:t>100</a:t>
+                          </a:r>
+                          <a:endParaRPr lang="en-PH" sz="2400" b="0" dirty="0"/>
+                        </a:p>
+                      </a:txBody>
+                      <a:tcPr/>
+                    </a:tc>
+                    <a:tc>
+                      <a:txBody>
+                        <a:bodyPr/>
+                        <a:lstStyle/>
+                        <a:p>
+                          <a:pPr marL="0" marR="0" lvl="0" indent="0" algn="ctr" defTabSz="914400" rtl="0" eaLnBrk="1" fontAlgn="auto" latinLnBrk="0" hangingPunct="1">
+                            <a:lnSpc>
+                              <a:spcPct val="100000"/>
+                            </a:lnSpc>
+                            <a:spcBef>
+                              <a:spcPts val="0"/>
+                            </a:spcBef>
+                            <a:spcAft>
+                              <a:spcPts val="0"/>
+                            </a:spcAft>
+                            <a:buClrTx/>
+                            <a:buSzTx/>
+                            <a:buFontTx/>
+                            <a:buNone/>
+                            <a:tabLst/>
+                            <a:defRPr/>
+                          </a:pPr>
+                          <a:r>
+                            <a:rPr lang="en-US" sz="2400" b="0" dirty="0"/>
+                            <a:t>110</a:t>
+                          </a:r>
+                          <a:endParaRPr lang="en-PH" sz="2400" b="0" dirty="0"/>
+                        </a:p>
+                      </a:txBody>
+                      <a:tcPr/>
+                    </a:tc>
+                    <a:extLst>
+                      <a:ext uri="{0D108BD9-81ED-4DB2-BD59-A6C34878D82A}">
+                        <a16:rowId xmlns:a16="http://schemas.microsoft.com/office/drawing/2014/main" xmlns:a14="http://schemas.microsoft.com/office/drawing/2010/main" xmlns="" val="1404954822"/>
+                      </a:ext>
+                    </a:extLst>
+                  </a:tr>
+                  <a:tr h="457200">
+                    <a:tc>
+                      <a:txBody>
+                        <a:bodyPr/>
+                        <a:lstStyle/>
+                        <a:p>
+                          <a:pPr algn="ctr"/>
+                          <a:r>
+                            <a:rPr lang="en-US" sz="2400" b="0" dirty="0"/>
+                            <a:t>2</a:t>
+                          </a:r>
+                          <a:endParaRPr lang="en-PH" sz="2400" b="0" dirty="0"/>
+                        </a:p>
+                      </a:txBody>
+                      <a:tcPr/>
+                    </a:tc>
+                    <a:tc>
+                      <a:txBody>
+                        <a:bodyPr/>
+                        <a:lstStyle/>
+                        <a:p>
+                          <a:pPr algn="ctr"/>
+                          <a:r>
+                            <a:rPr lang="en-US" sz="2400" b="0" dirty="0"/>
+                            <a:t>150</a:t>
+                          </a:r>
+                          <a:endParaRPr lang="en-PH" sz="2400" b="0" dirty="0"/>
+                        </a:p>
+                      </a:txBody>
+                      <a:tcPr/>
+                    </a:tc>
+                    <a:tc>
+                      <a:txBody>
+                        <a:bodyPr/>
+                        <a:lstStyle/>
+                        <a:p>
+                          <a:pPr marL="0" marR="0" lvl="0" indent="0" algn="ctr" defTabSz="914400" rtl="0" eaLnBrk="1" fontAlgn="auto" latinLnBrk="0" hangingPunct="1">
+                            <a:lnSpc>
+                              <a:spcPct val="100000"/>
+                            </a:lnSpc>
+                            <a:spcBef>
+                              <a:spcPts val="0"/>
+                            </a:spcBef>
+                            <a:spcAft>
+                              <a:spcPts val="0"/>
+                            </a:spcAft>
+                            <a:buClrTx/>
+                            <a:buSzTx/>
+                            <a:buFontTx/>
+                            <a:buNone/>
+                            <a:tabLst/>
+                            <a:defRPr/>
+                          </a:pPr>
+                          <a:r>
+                            <a:rPr lang="en-US" sz="2400" b="0" dirty="0"/>
+                            <a:t>140</a:t>
+                          </a:r>
+                          <a:endParaRPr lang="en-PH" sz="2400" b="0" dirty="0"/>
+                        </a:p>
+                      </a:txBody>
+                      <a:tcPr/>
+                    </a:tc>
+                    <a:extLst>
+                      <a:ext uri="{0D108BD9-81ED-4DB2-BD59-A6C34878D82A}">
+                        <a16:rowId xmlns:a16="http://schemas.microsoft.com/office/drawing/2014/main" xmlns:a14="http://schemas.microsoft.com/office/drawing/2010/main" xmlns="" val="3148427475"/>
+                      </a:ext>
+                    </a:extLst>
+                  </a:tr>
+                  <a:tr h="457200">
+                    <a:tc>
+                      <a:txBody>
+                        <a:bodyPr/>
+                        <a:lstStyle/>
+                        <a:p>
+                          <a:pPr algn="ctr"/>
+                          <a:r>
+                            <a:rPr lang="en-US" sz="2400" b="0" dirty="0"/>
+                            <a:t>3</a:t>
+                          </a:r>
+                          <a:endParaRPr lang="en-PH" sz="2400" b="0" dirty="0"/>
+                        </a:p>
+                      </a:txBody>
+                      <a:tcPr/>
+                    </a:tc>
+                    <a:tc>
+                      <a:txBody>
+                        <a:bodyPr/>
+                        <a:lstStyle/>
+                        <a:p>
+                          <a:pPr algn="ctr"/>
+                          <a:r>
+                            <a:rPr lang="en-US" sz="2400" b="0" dirty="0"/>
+                            <a:t>200</a:t>
+                          </a:r>
+                          <a:endParaRPr lang="en-PH" sz="2400" b="0" dirty="0"/>
+                        </a:p>
+                      </a:txBody>
+                      <a:tcPr/>
+                    </a:tc>
+                    <a:tc>
+                      <a:txBody>
+                        <a:bodyPr/>
+                        <a:lstStyle/>
+                        <a:p>
+                          <a:pPr marL="0" marR="0" lvl="0" indent="0" algn="ctr" defTabSz="914400" rtl="0" eaLnBrk="1" fontAlgn="auto" latinLnBrk="0" hangingPunct="1">
+                            <a:lnSpc>
+                              <a:spcPct val="100000"/>
+                            </a:lnSpc>
+                            <a:spcBef>
+                              <a:spcPts val="0"/>
+                            </a:spcBef>
+                            <a:spcAft>
+                              <a:spcPts val="0"/>
+                            </a:spcAft>
+                            <a:buClrTx/>
+                            <a:buSzTx/>
+                            <a:buFontTx/>
+                            <a:buNone/>
+                            <a:tabLst/>
+                            <a:defRPr/>
+                          </a:pPr>
+                          <a:r>
+                            <a:rPr lang="en-US" sz="2400" b="0" dirty="0"/>
+                            <a:t>210</a:t>
+                          </a:r>
+                          <a:endParaRPr lang="en-PH" sz="2400" b="0" dirty="0"/>
+                        </a:p>
+                      </a:txBody>
+                      <a:tcPr/>
+                    </a:tc>
+                    <a:extLst>
+                      <a:ext uri="{0D108BD9-81ED-4DB2-BD59-A6C34878D82A}">
+                        <a16:rowId xmlns:a16="http://schemas.microsoft.com/office/drawing/2014/main" xmlns:a14="http://schemas.microsoft.com/office/drawing/2010/main" xmlns="" val="1935952499"/>
+                      </a:ext>
+                    </a:extLst>
+                  </a:tr>
+                  <a:tr h="457200">
+                    <a:tc>
+                      <a:txBody>
+                        <a:bodyPr/>
+                        <a:lstStyle/>
+                        <a:p>
+                          <a:pPr algn="ctr"/>
+                          <a:r>
+                            <a:rPr lang="en-US" sz="2400" b="0" dirty="0"/>
+                            <a:t>4</a:t>
+                          </a:r>
+                          <a:endParaRPr lang="en-PH" sz="2400" b="0" dirty="0"/>
+                        </a:p>
+                      </a:txBody>
+                      <a:tcPr/>
+                    </a:tc>
+                    <a:tc>
+                      <a:txBody>
+                        <a:bodyPr/>
+                        <a:lstStyle/>
+                        <a:p>
+                          <a:pPr algn="ctr"/>
+                          <a:r>
+                            <a:rPr lang="en-US" sz="2400" b="0" dirty="0"/>
+                            <a:t>250</a:t>
+                          </a:r>
+                          <a:endParaRPr lang="en-PH" sz="2400" b="0" dirty="0"/>
+                        </a:p>
+                      </a:txBody>
+                      <a:tcPr/>
+                    </a:tc>
+                    <a:tc>
+                      <a:txBody>
+                        <a:bodyPr/>
+                        <a:lstStyle/>
+                        <a:p>
+                          <a:pPr marL="0" marR="0" lvl="0" indent="0" algn="ctr" defTabSz="914400" rtl="0" eaLnBrk="1" fontAlgn="auto" latinLnBrk="0" hangingPunct="1">
+                            <a:lnSpc>
+                              <a:spcPct val="100000"/>
+                            </a:lnSpc>
+                            <a:spcBef>
+                              <a:spcPts val="0"/>
+                            </a:spcBef>
+                            <a:spcAft>
+                              <a:spcPts val="0"/>
+                            </a:spcAft>
+                            <a:buClrTx/>
+                            <a:buSzTx/>
+                            <a:buFontTx/>
+                            <a:buNone/>
+                            <a:tabLst/>
+                            <a:defRPr/>
+                          </a:pPr>
+                          <a:r>
+                            <a:rPr lang="en-US" sz="2400" b="0" dirty="0"/>
+                            <a:t>240</a:t>
+                          </a:r>
+                          <a:endParaRPr lang="en-PH" sz="2400" b="0" dirty="0"/>
+                        </a:p>
+                      </a:txBody>
+                      <a:tcPr/>
+                    </a:tc>
+                    <a:extLst>
+                      <a:ext uri="{0D108BD9-81ED-4DB2-BD59-A6C34878D82A}">
+                        <a16:rowId xmlns:a16="http://schemas.microsoft.com/office/drawing/2014/main" xmlns:a14="http://schemas.microsoft.com/office/drawing/2010/main" xmlns="" val="1310842188"/>
+                      </a:ext>
+                    </a:extLst>
+                  </a:tr>
+                </a:tbl>
+              </a:graphicData>
+            </a:graphic>
+          </p:graphicFrame>
+        </mc:Fallback>
+      </mc:AlternateContent>
       <p:sp>
         <p:nvSpPr>
-          <p:cNvPr id="6" name="TextBox 5"/>
+          <p:cNvPr id="6" name="Rectangle 5">
+            <a:extLst>
+              <a:ext uri="{FF2B5EF4-FFF2-40B4-BE49-F238E27FC236}">
+                <a16:creationId xmlns="" xmlns:a16="http://schemas.microsoft.com/office/drawing/2014/main" id="{42C03F5E-E3ED-4350-9B3B-87690671BF01}"/>
+              </a:ext>
+            </a:extLst>
+          </p:cNvPr>
+          <p:cNvSpPr/>
+          <p:nvPr/>
+        </p:nvSpPr>
+        <p:spPr>
+          <a:xfrm>
+            <a:off x="503853" y="3482340"/>
+            <a:ext cx="6727371" cy="1569660"/>
+          </a:xfrm>
+          <a:prstGeom prst="rect">
+            <a:avLst/>
+          </a:prstGeom>
+        </p:spPr>
+        <p:txBody>
+          <a:bodyPr wrap="square">
+            <a:spAutoFit/>
+          </a:bodyPr>
+          <a:lstStyle/>
+          <a:p>
+            <a:r>
+              <a:rPr lang="en-PH" sz="2400" i="1" dirty="0"/>
+              <a:t>Month 1: </a:t>
+            </a:r>
+            <a:r>
+              <a:rPr lang="en-PH" sz="2400" dirty="0"/>
+              <a:t>100 − 110 =  </a:t>
+            </a:r>
+            <a:r>
+              <a:rPr lang="en-PH" sz="2400" dirty="0" smtClean="0"/>
+              <a:t>-</a:t>
+            </a:r>
+            <a:r>
+              <a:rPr lang="en-PH" sz="2400" dirty="0" smtClean="0">
+                <a:solidFill>
+                  <a:srgbClr val="0070C0"/>
+                </a:solidFill>
+              </a:rPr>
+              <a:t>10</a:t>
+            </a:r>
+            <a:r>
+              <a:rPr lang="en-PH" sz="2400" dirty="0" smtClean="0"/>
+              <a:t> </a:t>
+            </a:r>
+          </a:p>
+          <a:p>
+            <a:r>
+              <a:rPr lang="en-PH" sz="2400" i="1" dirty="0" smtClean="0"/>
+              <a:t>Month </a:t>
+            </a:r>
+            <a:r>
+              <a:rPr lang="en-PH" sz="2400" i="1" dirty="0"/>
+              <a:t>2: </a:t>
+            </a:r>
+            <a:r>
+              <a:rPr lang="en-PH" sz="2400" dirty="0"/>
+              <a:t>150 − 140 =  </a:t>
+            </a:r>
+            <a:r>
+              <a:rPr lang="en-PH" sz="2400" dirty="0">
+                <a:solidFill>
+                  <a:srgbClr val="0070C0"/>
+                </a:solidFill>
+              </a:rPr>
+              <a:t>10</a:t>
+            </a:r>
+            <a:r>
+              <a:rPr lang="en-PH" sz="2400" dirty="0"/>
+              <a:t> </a:t>
+            </a:r>
+            <a:endParaRPr lang="en-PH" sz="2400" dirty="0" smtClean="0"/>
+          </a:p>
+          <a:p>
+            <a:r>
+              <a:rPr lang="en-PH" sz="2400" i="1" dirty="0" smtClean="0"/>
+              <a:t>Month </a:t>
+            </a:r>
+            <a:r>
+              <a:rPr lang="en-PH" sz="2400" i="1" dirty="0"/>
+              <a:t>3: </a:t>
+            </a:r>
+            <a:r>
+              <a:rPr lang="en-PH" sz="2400" dirty="0"/>
+              <a:t>200 − 210 = </a:t>
+            </a:r>
+            <a:r>
+              <a:rPr lang="en-PH" sz="2400" dirty="0" smtClean="0"/>
+              <a:t>-</a:t>
+            </a:r>
+            <a:r>
+              <a:rPr lang="en-PH" sz="2400" dirty="0" smtClean="0">
+                <a:solidFill>
+                  <a:srgbClr val="0070C0"/>
+                </a:solidFill>
+              </a:rPr>
+              <a:t>10</a:t>
+            </a:r>
+            <a:endParaRPr lang="en-PH" sz="2400" dirty="0"/>
+          </a:p>
+          <a:p>
+            <a:r>
+              <a:rPr lang="en-PH" sz="2400" i="1" dirty="0"/>
+              <a:t>Month 4: </a:t>
+            </a:r>
+            <a:r>
+              <a:rPr lang="en-PH" sz="2400" dirty="0"/>
+              <a:t>250 − 240 = </a:t>
+            </a:r>
+            <a:r>
+              <a:rPr lang="en-PH" sz="2400" dirty="0" smtClean="0">
+                <a:solidFill>
+                  <a:srgbClr val="0070C0"/>
+                </a:solidFill>
+              </a:rPr>
+              <a:t>10</a:t>
+            </a:r>
+            <a:endParaRPr lang="en-PH" sz="2400" dirty="0"/>
+          </a:p>
+        </p:txBody>
+      </p:sp>
+      <mc:AlternateContent xmlns:mc="http://schemas.openxmlformats.org/markup-compatibility/2006" xmlns:a14="http://schemas.microsoft.com/office/drawing/2010/main">
+        <mc:Choice Requires="a14">
+          <p:sp>
+            <p:nvSpPr>
+              <p:cNvPr id="7" name="Rectangle 6">
+                <a:extLst>
+                  <a:ext uri="{FF2B5EF4-FFF2-40B4-BE49-F238E27FC236}">
+                    <a16:creationId xmlns="" xmlns:a16="http://schemas.microsoft.com/office/drawing/2014/main" id="{CA0A9E09-F04C-4419-ACA0-624D88A33C16}"/>
+                  </a:ext>
+                </a:extLst>
+              </p:cNvPr>
+              <p:cNvSpPr/>
+              <p:nvPr/>
+            </p:nvSpPr>
+            <p:spPr>
+              <a:xfrm>
+                <a:off x="4661232" y="3349605"/>
+                <a:ext cx="6354098" cy="1092671"/>
+              </a:xfrm>
+              <a:prstGeom prst="rect">
+                <a:avLst/>
+              </a:prstGeom>
+            </p:spPr>
+            <p:txBody>
+              <a:bodyPr wrap="square">
+                <a:spAutoFit/>
+              </a:bodyPr>
+              <a:lstStyle/>
+              <a:p>
+                <a:pPr/>
+                <a14:m>
+                  <m:oMathPara xmlns:m="http://schemas.openxmlformats.org/officeDocument/2006/math">
+                    <m:oMathParaPr>
+                      <m:jc m:val="left"/>
+                    </m:oMathParaPr>
+                    <m:oMath xmlns:m="http://schemas.openxmlformats.org/officeDocument/2006/math">
+                      <m:r>
+                        <a:rPr lang="en-US" sz="2200" b="0" i="1" smtClean="0">
+                          <a:latin typeface="Cambria Math"/>
+                        </a:rPr>
+                        <m:t>𝑅</m:t>
+                      </m:r>
+                      <m:r>
+                        <a:rPr lang="en-US" sz="2200" i="1" smtClean="0">
+                          <a:latin typeface="Cambria Math" panose="02040503050406030204" pitchFamily="18" charset="0"/>
+                        </a:rPr>
+                        <m:t>𝑀</m:t>
+                      </m:r>
+                      <m:r>
+                        <a:rPr lang="en-US" sz="2200" b="0" i="1" smtClean="0">
+                          <a:latin typeface="Cambria Math"/>
+                        </a:rPr>
+                        <m:t>𝑆</m:t>
+                      </m:r>
+                      <m:r>
+                        <a:rPr lang="en-US" sz="2200" i="1" smtClean="0">
+                          <a:latin typeface="Cambria Math" panose="02040503050406030204" pitchFamily="18" charset="0"/>
+                        </a:rPr>
+                        <m:t>𝐸</m:t>
+                      </m:r>
+                      <m:r>
+                        <a:rPr lang="en-US" sz="2200" i="1" smtClean="0">
+                          <a:latin typeface="Cambria Math" panose="02040503050406030204" pitchFamily="18" charset="0"/>
+                        </a:rPr>
+                        <m:t>= </m:t>
+                      </m:r>
+                      <m:rad>
+                        <m:radPr>
+                          <m:degHide m:val="on"/>
+                          <m:ctrlPr>
+                            <a:rPr lang="en-US" sz="2200" i="1" smtClean="0">
+                              <a:latin typeface="Cambria Math"/>
+                            </a:rPr>
+                          </m:ctrlPr>
+                        </m:radPr>
+                        <m:deg/>
+                        <m:e>
+                          <m:f>
+                            <m:fPr>
+                              <m:ctrlPr>
+                                <a:rPr lang="en-US" sz="2200" i="1">
+                                  <a:latin typeface="Cambria Math"/>
+                                </a:rPr>
+                              </m:ctrlPr>
+                            </m:fPr>
+                            <m:num>
+                              <m:sSup>
+                                <m:sSupPr>
+                                  <m:ctrlPr>
+                                    <a:rPr lang="en-US" sz="2200" i="1">
+                                      <a:latin typeface="Cambria Math"/>
+                                    </a:rPr>
+                                  </m:ctrlPr>
+                                </m:sSupPr>
+                                <m:e>
+                                  <m:r>
+                                    <a:rPr lang="en-US" sz="2200" i="1">
+                                      <a:latin typeface="Cambria Math"/>
+                                    </a:rPr>
+                                    <m:t>(−10)</m:t>
+                                  </m:r>
+                                </m:e>
+                                <m:sup>
+                                  <m:r>
+                                    <a:rPr lang="en-US" sz="2200" i="1">
+                                      <a:latin typeface="Cambria Math"/>
+                                    </a:rPr>
+                                    <m:t>2</m:t>
+                                  </m:r>
+                                </m:sup>
+                              </m:sSup>
+                              <m:r>
+                                <a:rPr lang="en-US" sz="2200" b="1" i="1">
+                                  <a:latin typeface="Cambria Math"/>
+                                </a:rPr>
+                                <m:t>+</m:t>
+                              </m:r>
+                              <m:sSup>
+                                <m:sSupPr>
+                                  <m:ctrlPr>
+                                    <a:rPr lang="en-US" sz="2200" i="1">
+                                      <a:latin typeface="Cambria Math"/>
+                                    </a:rPr>
+                                  </m:ctrlPr>
+                                </m:sSupPr>
+                                <m:e>
+                                  <m:r>
+                                    <a:rPr lang="en-US" sz="2200" i="1">
+                                      <a:latin typeface="Cambria Math"/>
+                                    </a:rPr>
+                                    <m:t>10</m:t>
+                                  </m:r>
+                                </m:e>
+                                <m:sup>
+                                  <m:r>
+                                    <a:rPr lang="en-US" sz="2200" i="1">
+                                      <a:latin typeface="Cambria Math"/>
+                                    </a:rPr>
+                                    <m:t>2</m:t>
+                                  </m:r>
+                                </m:sup>
+                              </m:sSup>
+                              <m:r>
+                                <a:rPr lang="en-US" sz="2200" b="1" i="1">
+                                  <a:latin typeface="Cambria Math"/>
+                                </a:rPr>
+                                <m:t>+</m:t>
+                              </m:r>
+                              <m:sSup>
+                                <m:sSupPr>
+                                  <m:ctrlPr>
+                                    <a:rPr lang="en-US" sz="2200" i="1">
+                                      <a:latin typeface="Cambria Math"/>
+                                    </a:rPr>
+                                  </m:ctrlPr>
+                                </m:sSupPr>
+                                <m:e>
+                                  <m:r>
+                                    <a:rPr lang="en-US" sz="2200" i="1">
+                                      <a:latin typeface="Cambria Math"/>
+                                    </a:rPr>
+                                    <m:t>(−10)</m:t>
+                                  </m:r>
+                                </m:e>
+                                <m:sup>
+                                  <m:r>
+                                    <a:rPr lang="en-US" sz="2200" i="1">
+                                      <a:latin typeface="Cambria Math"/>
+                                    </a:rPr>
+                                    <m:t>2</m:t>
+                                  </m:r>
+                                </m:sup>
+                              </m:sSup>
+                              <m:r>
+                                <a:rPr lang="en-US" sz="2200" b="1" i="1">
+                                  <a:latin typeface="Cambria Math"/>
+                                </a:rPr>
+                                <m:t>+</m:t>
+                              </m:r>
+                              <m:sSup>
+                                <m:sSupPr>
+                                  <m:ctrlPr>
+                                    <a:rPr lang="en-US" sz="2200" i="1">
+                                      <a:latin typeface="Cambria Math"/>
+                                    </a:rPr>
+                                  </m:ctrlPr>
+                                </m:sSupPr>
+                                <m:e>
+                                  <m:r>
+                                    <a:rPr lang="en-US" sz="2200" i="1">
+                                      <a:latin typeface="Cambria Math"/>
+                                    </a:rPr>
+                                    <m:t>10</m:t>
+                                  </m:r>
+                                </m:e>
+                                <m:sup>
+                                  <m:r>
+                                    <a:rPr lang="en-US" sz="2200" i="1">
+                                      <a:latin typeface="Cambria Math"/>
+                                    </a:rPr>
+                                    <m:t>2</m:t>
+                                  </m:r>
+                                </m:sup>
+                              </m:sSup>
+                            </m:num>
+                            <m:den>
+                              <m:r>
+                                <a:rPr lang="en-US" sz="2200" i="1">
+                                  <a:latin typeface="Cambria Math" panose="02040503050406030204" pitchFamily="18" charset="0"/>
+                                </a:rPr>
+                                <m:t>4</m:t>
+                              </m:r>
+                            </m:den>
+                          </m:f>
+                        </m:e>
+                      </m:rad>
+                    </m:oMath>
+                  </m:oMathPara>
+                </a14:m>
+                <a:endParaRPr lang="en-US" sz="2200" b="1" dirty="0">
+                  <a:solidFill>
+                    <a:srgbClr val="C00000"/>
+                  </a:solidFill>
+                </a:endParaRPr>
+              </a:p>
+            </p:txBody>
+          </p:sp>
+        </mc:Choice>
+        <mc:Fallback xmlns="">
+          <p:sp>
+            <p:nvSpPr>
+              <p:cNvPr id="7" name="Rectangle 6">
+                <a:extLst>
+                  <a:ext uri="{FF2B5EF4-FFF2-40B4-BE49-F238E27FC236}">
+                    <a16:creationId xmlns:a16="http://schemas.microsoft.com/office/drawing/2014/main" xmlns:a14="http://schemas.microsoft.com/office/drawing/2010/main" xmlns="" id="{CA0A9E09-F04C-4419-ACA0-624D88A33C16}"/>
+                  </a:ext>
+                </a:extLst>
+              </p:cNvPr>
+              <p:cNvSpPr>
+                <a:spLocks noRot="1" noChangeAspect="1" noMove="1" noResize="1" noEditPoints="1" noAdjustHandles="1" noChangeArrowheads="1" noChangeShapeType="1" noTextEdit="1"/>
+              </p:cNvSpPr>
+              <p:nvPr/>
+            </p:nvSpPr>
+            <p:spPr>
+              <a:xfrm>
+                <a:off x="4661232" y="3349605"/>
+                <a:ext cx="6354098" cy="1092671"/>
+              </a:xfrm>
+              <a:prstGeom prst="rect">
+                <a:avLst/>
+              </a:prstGeom>
+              <a:blipFill rotWithShape="1">
+                <a:blip r:embed="rId3"/>
+                <a:stretch>
+                  <a:fillRect/>
+                </a:stretch>
+              </a:blipFill>
+            </p:spPr>
+            <p:txBody>
+              <a:bodyPr/>
+              <a:lstStyle/>
+              <a:p>
+                <a:r>
+                  <a:rPr lang="en-PH">
+                    <a:noFill/>
+                  </a:rPr>
+                  <a:t> </a:t>
+                </a:r>
+              </a:p>
+            </p:txBody>
+          </p:sp>
+        </mc:Fallback>
+      </mc:AlternateContent>
+      <p:sp>
+        <p:nvSpPr>
+          <p:cNvPr id="8" name="Rectangle 7">
+            <a:extLst>
+              <a:ext uri="{FF2B5EF4-FFF2-40B4-BE49-F238E27FC236}">
+                <a16:creationId xmlns="" xmlns:a16="http://schemas.microsoft.com/office/drawing/2014/main" id="{994885C2-2BFE-4F3E-9587-E977A16051D6}"/>
+              </a:ext>
+            </a:extLst>
+          </p:cNvPr>
+          <p:cNvSpPr/>
+          <p:nvPr/>
+        </p:nvSpPr>
+        <p:spPr>
+          <a:xfrm>
+            <a:off x="495306" y="5646244"/>
+            <a:ext cx="11287654" cy="461665"/>
+          </a:xfrm>
+          <a:prstGeom prst="rect">
+            <a:avLst/>
+          </a:prstGeom>
+        </p:spPr>
+        <p:txBody>
+          <a:bodyPr wrap="square">
+            <a:spAutoFit/>
+          </a:bodyPr>
+          <a:lstStyle/>
+          <a:p>
+            <a:r>
+              <a:rPr lang="en-PH" sz="2400" dirty="0">
+                <a:solidFill>
+                  <a:srgbClr val="C00000"/>
+                </a:solidFill>
+              </a:rPr>
+              <a:t>Interpretation: </a:t>
+            </a:r>
+            <a:r>
+              <a:rPr lang="en-PH" sz="2400" dirty="0" smtClean="0"/>
+              <a:t>The RMSE is 10, matching the MAE</a:t>
+            </a:r>
+            <a:endParaRPr lang="en-PH" sz="2400" dirty="0"/>
+          </a:p>
+        </p:txBody>
+      </p:sp>
+      <mc:AlternateContent xmlns:mc="http://schemas.openxmlformats.org/markup-compatibility/2006" xmlns:a14="http://schemas.microsoft.com/office/drawing/2010/main">
+        <mc:Choice Requires="a14">
+          <p:sp>
+            <p:nvSpPr>
+              <p:cNvPr id="9" name="Rectangle 8">
+                <a:extLst>
+                  <a:ext uri="{FF2B5EF4-FFF2-40B4-BE49-F238E27FC236}">
+                    <a16:creationId xmlns="" xmlns:a16="http://schemas.microsoft.com/office/drawing/2014/main" id="{CA0A9E09-F04C-4419-ACA0-624D88A33C16}"/>
+                  </a:ext>
+                </a:extLst>
+              </p:cNvPr>
+              <p:cNvSpPr/>
+              <p:nvPr/>
+            </p:nvSpPr>
+            <p:spPr>
+              <a:xfrm>
+                <a:off x="4661232" y="4572420"/>
+                <a:ext cx="7427987" cy="781304"/>
+              </a:xfrm>
+              <a:prstGeom prst="rect">
+                <a:avLst/>
+              </a:prstGeom>
+            </p:spPr>
+            <p:txBody>
+              <a:bodyPr wrap="square">
+                <a:spAutoFit/>
+              </a:bodyPr>
+              <a:lstStyle/>
+              <a:p>
+                <a14:m>
+                  <m:oMath xmlns:m="http://schemas.openxmlformats.org/officeDocument/2006/math">
+                    <m:r>
+                      <a:rPr lang="en-US" sz="2200" b="0" i="1" smtClean="0">
+                        <a:latin typeface="Cambria Math"/>
+                      </a:rPr>
+                      <m:t>𝑅</m:t>
+                    </m:r>
+                    <m:r>
+                      <a:rPr lang="en-US" sz="2200" i="1" smtClean="0">
+                        <a:latin typeface="Cambria Math" panose="02040503050406030204" pitchFamily="18" charset="0"/>
+                      </a:rPr>
+                      <m:t>𝑀</m:t>
+                    </m:r>
+                    <m:r>
+                      <a:rPr lang="en-US" sz="2200" b="0" i="1" smtClean="0">
+                        <a:latin typeface="Cambria Math"/>
+                      </a:rPr>
+                      <m:t>𝑆</m:t>
+                    </m:r>
+                    <m:r>
+                      <a:rPr lang="en-US" sz="2200" i="1" smtClean="0">
+                        <a:latin typeface="Cambria Math" panose="02040503050406030204" pitchFamily="18" charset="0"/>
+                      </a:rPr>
+                      <m:t>𝐸</m:t>
+                    </m:r>
+                    <m:r>
+                      <a:rPr lang="en-US" sz="2200" i="1" smtClean="0">
+                        <a:latin typeface="Cambria Math" panose="02040503050406030204" pitchFamily="18" charset="0"/>
+                      </a:rPr>
+                      <m:t>= </m:t>
+                    </m:r>
+                    <m:rad>
+                      <m:radPr>
+                        <m:degHide m:val="on"/>
+                        <m:ctrlPr>
+                          <a:rPr lang="en-US" sz="2200" i="1" smtClean="0">
+                            <a:latin typeface="Cambria Math"/>
+                          </a:rPr>
+                        </m:ctrlPr>
+                      </m:radPr>
+                      <m:deg/>
+                      <m:e>
+                        <m:f>
+                          <m:fPr>
+                            <m:ctrlPr>
+                              <a:rPr lang="en-US" sz="2200" i="1">
+                                <a:latin typeface="Cambria Math"/>
+                              </a:rPr>
+                            </m:ctrlPr>
+                          </m:fPr>
+                          <m:num>
+                            <m:r>
+                              <a:rPr lang="en-US" sz="2200" b="1" i="1">
+                                <a:solidFill>
+                                  <a:srgbClr val="0070C0"/>
+                                </a:solidFill>
+                                <a:latin typeface="Cambria Math" panose="02040503050406030204" pitchFamily="18" charset="0"/>
+                              </a:rPr>
+                              <m:t>𝟏𝟎</m:t>
+                            </m:r>
+                            <m:r>
+                              <a:rPr lang="en-US" sz="2200" b="1" i="1">
+                                <a:solidFill>
+                                  <a:srgbClr val="0070C0"/>
+                                </a:solidFill>
+                                <a:latin typeface="Cambria Math"/>
+                              </a:rPr>
+                              <m:t>𝟎</m:t>
+                            </m:r>
+                            <m:r>
+                              <a:rPr lang="en-US" sz="2200" b="1" i="1">
+                                <a:solidFill>
+                                  <a:srgbClr val="0070C0"/>
+                                </a:solidFill>
+                                <a:latin typeface="Cambria Math" panose="02040503050406030204" pitchFamily="18" charset="0"/>
+                              </a:rPr>
+                              <m:t>+</m:t>
+                            </m:r>
+                            <m:r>
+                              <a:rPr lang="en-US" sz="2200" b="1" i="1">
+                                <a:solidFill>
+                                  <a:srgbClr val="0070C0"/>
+                                </a:solidFill>
+                                <a:latin typeface="Cambria Math" panose="02040503050406030204" pitchFamily="18" charset="0"/>
+                              </a:rPr>
+                              <m:t>𝟏𝟎𝟎</m:t>
+                            </m:r>
+                            <m:r>
+                              <a:rPr lang="en-US" sz="2200" b="1" i="1">
+                                <a:solidFill>
+                                  <a:srgbClr val="0070C0"/>
+                                </a:solidFill>
+                                <a:latin typeface="Cambria Math" panose="02040503050406030204" pitchFamily="18" charset="0"/>
+                              </a:rPr>
+                              <m:t>+</m:t>
+                            </m:r>
+                            <m:r>
+                              <a:rPr lang="en-US" sz="2200" b="1" i="1">
+                                <a:solidFill>
+                                  <a:srgbClr val="0070C0"/>
+                                </a:solidFill>
+                                <a:latin typeface="Cambria Math" panose="02040503050406030204" pitchFamily="18" charset="0"/>
+                              </a:rPr>
+                              <m:t>𝟏𝟎𝟎</m:t>
+                            </m:r>
+                            <m:r>
+                              <a:rPr lang="en-US" sz="2200" b="1" i="1">
+                                <a:solidFill>
+                                  <a:srgbClr val="0070C0"/>
+                                </a:solidFill>
+                                <a:latin typeface="Cambria Math" panose="02040503050406030204" pitchFamily="18" charset="0"/>
+                              </a:rPr>
+                              <m:t>+</m:t>
+                            </m:r>
+                            <m:r>
+                              <a:rPr lang="en-US" sz="2200" b="1" i="1">
+                                <a:solidFill>
+                                  <a:srgbClr val="0070C0"/>
+                                </a:solidFill>
+                                <a:latin typeface="Cambria Math" panose="02040503050406030204" pitchFamily="18" charset="0"/>
+                              </a:rPr>
+                              <m:t>𝟏𝟎𝟎</m:t>
+                            </m:r>
+                          </m:num>
+                          <m:den>
+                            <m:r>
+                              <a:rPr lang="en-US" sz="2200" i="1">
+                                <a:latin typeface="Cambria Math" panose="02040503050406030204" pitchFamily="18" charset="0"/>
+                              </a:rPr>
+                              <m:t>4</m:t>
+                            </m:r>
+                          </m:den>
+                        </m:f>
+                      </m:e>
+                    </m:rad>
+                    <m:r>
+                      <a:rPr lang="en-US" sz="2200" b="0" i="0" smtClean="0">
+                        <a:latin typeface="Cambria Math" panose="02040503050406030204" pitchFamily="18" charset="0"/>
+                      </a:rPr>
+                      <m:t>= </m:t>
+                    </m:r>
+                    <m:f>
+                      <m:fPr>
+                        <m:ctrlPr>
+                          <a:rPr lang="en-US" sz="2200" b="0" i="1" smtClean="0">
+                            <a:latin typeface="Cambria Math"/>
+                          </a:rPr>
+                        </m:ctrlPr>
+                      </m:fPr>
+                      <m:num>
+                        <m:r>
+                          <a:rPr lang="en-US" sz="2200" b="0" i="1" smtClean="0">
+                            <a:latin typeface="Cambria Math" panose="02040503050406030204" pitchFamily="18" charset="0"/>
+                          </a:rPr>
+                          <m:t>40</m:t>
+                        </m:r>
+                        <m:r>
+                          <a:rPr lang="en-US" sz="2200" b="0" i="1" smtClean="0">
+                            <a:latin typeface="Cambria Math"/>
+                          </a:rPr>
+                          <m:t>0</m:t>
+                        </m:r>
+                      </m:num>
+                      <m:den>
+                        <m:r>
+                          <a:rPr lang="en-US" sz="2200" b="0" i="1" smtClean="0">
+                            <a:latin typeface="Cambria Math" panose="02040503050406030204" pitchFamily="18" charset="0"/>
+                          </a:rPr>
+                          <m:t>4</m:t>
+                        </m:r>
+                      </m:den>
+                    </m:f>
+                    <m:r>
+                      <a:rPr lang="en-US" sz="2200">
+                        <a:latin typeface="Cambria Math" panose="02040503050406030204" pitchFamily="18" charset="0"/>
+                      </a:rPr>
+                      <m:t>=</m:t>
+                    </m:r>
+                    <m:rad>
+                      <m:radPr>
+                        <m:degHide m:val="on"/>
+                        <m:ctrlPr>
+                          <a:rPr lang="en-US" sz="2200" i="1" smtClean="0">
+                            <a:latin typeface="Cambria Math"/>
+                          </a:rPr>
+                        </m:ctrlPr>
+                      </m:radPr>
+                      <m:deg/>
+                      <m:e>
+                        <m:r>
+                          <m:rPr>
+                            <m:nor/>
+                          </m:rPr>
+                          <a:rPr lang="en-US" sz="2200" b="1" dirty="0" smtClean="0">
+                            <a:solidFill>
+                              <a:schemeClr val="tx1"/>
+                            </a:solidFill>
+                          </a:rPr>
+                          <m:t>100</m:t>
+                        </m:r>
+                        <m:r>
+                          <m:rPr>
+                            <m:nor/>
+                          </m:rPr>
+                          <a:rPr lang="en-US" sz="2200" b="1" dirty="0">
+                            <a:solidFill>
+                              <a:srgbClr val="C00000"/>
+                            </a:solidFill>
+                          </a:rPr>
+                          <m:t> </m:t>
+                        </m:r>
+                      </m:e>
+                    </m:rad>
+                  </m:oMath>
+                </a14:m>
+                <a:r>
+                  <a:rPr lang="en-US" sz="2200" b="1" dirty="0" smtClean="0">
+                    <a:solidFill>
+                      <a:srgbClr val="C00000"/>
+                    </a:solidFill>
+                  </a:rPr>
+                  <a:t> = 10</a:t>
+                </a:r>
+                <a:endParaRPr lang="en-US" sz="2200" b="1" dirty="0">
+                  <a:solidFill>
+                    <a:srgbClr val="C00000"/>
+                  </a:solidFill>
+                </a:endParaRPr>
+              </a:p>
+            </p:txBody>
+          </p:sp>
+        </mc:Choice>
+        <mc:Fallback xmlns="">
+          <p:sp>
+            <p:nvSpPr>
+              <p:cNvPr id="9" name="Rectangle 8">
+                <a:extLst>
+                  <a:ext uri="{FF2B5EF4-FFF2-40B4-BE49-F238E27FC236}">
+                    <a16:creationId xmlns:a16="http://schemas.microsoft.com/office/drawing/2014/main" xmlns:a14="http://schemas.microsoft.com/office/drawing/2010/main" xmlns="" id="{CA0A9E09-F04C-4419-ACA0-624D88A33C16}"/>
+                  </a:ext>
+                </a:extLst>
+              </p:cNvPr>
+              <p:cNvSpPr>
+                <a:spLocks noRot="1" noChangeAspect="1" noMove="1" noResize="1" noEditPoints="1" noAdjustHandles="1" noChangeArrowheads="1" noChangeShapeType="1" noTextEdit="1"/>
+              </p:cNvSpPr>
+              <p:nvPr/>
+            </p:nvSpPr>
+            <p:spPr>
+              <a:xfrm>
+                <a:off x="4661232" y="4572420"/>
+                <a:ext cx="7427987" cy="781304"/>
+              </a:xfrm>
+              <a:prstGeom prst="rect">
+                <a:avLst/>
+              </a:prstGeom>
+              <a:blipFill rotWithShape="1">
+                <a:blip r:embed="rId4"/>
+                <a:stretch>
+                  <a:fillRect/>
+                </a:stretch>
+              </a:blipFill>
+            </p:spPr>
+            <p:txBody>
+              <a:bodyPr/>
+              <a:lstStyle/>
+              <a:p>
+                <a:r>
+                  <a:rPr lang="en-PH">
+                    <a:noFill/>
+                  </a:rPr>
+                  <a:t> </a:t>
+                </a:r>
+              </a:p>
+            </p:txBody>
+          </p:sp>
+        </mc:Fallback>
+      </mc:AlternateContent>
+    </p:spTree>
+    <p:extLst>
+      <p:ext uri="{BB962C8B-B14F-4D97-AF65-F5344CB8AC3E}">
+        <p14:creationId xmlns:p14="http://schemas.microsoft.com/office/powerpoint/2010/main" val="644459092"/>
+      </p:ext>
+    </p:extLst>
+  </p:cSld>
+  <p:clrMapOvr>
+    <a:masterClrMapping/>
+  </p:clrMapOvr>
+</p:sld>
+</file>
+
+<file path=ppt/slides/slide16.xml><?xml version="1.0" encoding="utf-8"?>
+<p:sld xmlns:a="http://schemas.openxmlformats.org/drawingml/2006/main" xmlns:r="http://schemas.openxmlformats.org/officeDocument/2006/relationships" xmlns:p="http://schemas.openxmlformats.org/presentationml/2006/main">
+  <p:cSld>
+    <p:spTree>
+      <p:nvGrpSpPr>
+        <p:cNvPr id="1" name=""/>
+        <p:cNvGrpSpPr/>
+        <p:nvPr/>
+      </p:nvGrpSpPr>
+      <p:grpSpPr>
+        <a:xfrm>
+          <a:off x="0" y="0"/>
+          <a:ext cx="0" cy="0"/>
+          <a:chOff x="0" y="0"/>
+          <a:chExt cx="0" cy="0"/>
+        </a:xfrm>
+      </p:grpSpPr>
+      <mc:AlternateContent xmlns:mc="http://schemas.openxmlformats.org/markup-compatibility/2006" xmlns:a14="http://schemas.microsoft.com/office/drawing/2010/main">
+        <mc:Choice Requires="a14">
+          <p:graphicFrame>
+            <p:nvGraphicFramePr>
+              <p:cNvPr id="2" name="Table 2">
+                <a:extLst>
+                  <a:ext uri="{FF2B5EF4-FFF2-40B4-BE49-F238E27FC236}">
+                    <a16:creationId xmlns="" xmlns:a16="http://schemas.microsoft.com/office/drawing/2014/main" id="{D5550273-5528-43BD-8412-7F8D06306A14}"/>
+                  </a:ext>
+                </a:extLst>
+              </p:cNvPr>
+              <p:cNvGraphicFramePr>
+                <a:graphicFrameLocks noGrp="1"/>
+              </p:cNvGraphicFramePr>
+              <p:nvPr>
+                <p:extLst>
+                  <p:ext uri="{D42A27DB-BD31-4B8C-83A1-F6EECF244321}">
+                    <p14:modId xmlns:p14="http://schemas.microsoft.com/office/powerpoint/2010/main" val="2883084757"/>
+                  </p:ext>
+                </p:extLst>
+              </p:nvPr>
+            </p:nvGraphicFramePr>
+            <p:xfrm>
+              <a:off x="2032001" y="980923"/>
+              <a:ext cx="8127999" cy="2286000"/>
+            </p:xfrm>
+            <a:graphic>
+              <a:graphicData uri="http://schemas.openxmlformats.org/drawingml/2006/table">
+                <a:tbl>
+                  <a:tblPr firstRow="1" bandRow="1">
+                    <a:tableStyleId>{5940675A-B579-460E-94D1-54222C63F5DA}</a:tableStyleId>
+                  </a:tblPr>
+                  <a:tblGrid>
+                    <a:gridCol w="1075093">
+                      <a:extLst>
+                        <a:ext uri="{9D8B030D-6E8A-4147-A177-3AD203B41FA5}">
+                          <a16:colId xmlns="" xmlns:a16="http://schemas.microsoft.com/office/drawing/2014/main" val="2590844336"/>
+                        </a:ext>
+                      </a:extLst>
+                    </a:gridCol>
+                    <a:gridCol w="3331028">
+                      <a:extLst>
+                        <a:ext uri="{9D8B030D-6E8A-4147-A177-3AD203B41FA5}">
+                          <a16:colId xmlns="" xmlns:a16="http://schemas.microsoft.com/office/drawing/2014/main" val="2133703778"/>
+                        </a:ext>
+                      </a:extLst>
+                    </a:gridCol>
+                    <a:gridCol w="3721878">
+                      <a:extLst>
+                        <a:ext uri="{9D8B030D-6E8A-4147-A177-3AD203B41FA5}">
+                          <a16:colId xmlns="" xmlns:a16="http://schemas.microsoft.com/office/drawing/2014/main" val="4072587226"/>
+                        </a:ext>
+                      </a:extLst>
+                    </a:gridCol>
+                  </a:tblGrid>
+                  <a:tr h="370840">
+                    <a:tc>
+                      <a:txBody>
+                        <a:bodyPr/>
+                        <a:lstStyle/>
+                        <a:p>
+                          <a:pPr algn="ctr"/>
+                          <a:r>
+                            <a:rPr lang="en-US" sz="2400" b="1" dirty="0"/>
+                            <a:t>Month</a:t>
+                          </a:r>
+                          <a:endParaRPr lang="en-PH" sz="2400" b="1" dirty="0"/>
+                        </a:p>
+                      </a:txBody>
+                      <a:tcPr/>
+                    </a:tc>
+                    <a:tc>
+                      <a:txBody>
+                        <a:bodyPr/>
+                        <a:lstStyle/>
+                        <a:p>
+                          <a:pPr algn="ctr"/>
+                          <a:r>
+                            <a:rPr lang="en-US" sz="2400" b="1" dirty="0"/>
+                            <a:t>Actual (</a:t>
+                          </a:r>
+                          <a14:m>
+                            <m:oMath xmlns:m="http://schemas.openxmlformats.org/officeDocument/2006/math">
+                              <m:sSub>
+                                <m:sSubPr>
+                                  <m:ctrlPr>
+                                    <a:rPr lang="en-US" sz="2400" b="1" i="1" smtClean="0">
+                                      <a:latin typeface="Cambria Math"/>
+                                    </a:rPr>
+                                  </m:ctrlPr>
+                                </m:sSubPr>
+                                <m:e>
+                                  <m:r>
+                                    <a:rPr lang="en-US" sz="2400" b="1" i="1" smtClean="0">
+                                      <a:latin typeface="Cambria Math" panose="02040503050406030204" pitchFamily="18" charset="0"/>
+                                    </a:rPr>
+                                    <m:t>𝒚</m:t>
+                                  </m:r>
+                                </m:e>
+                                <m:sub>
+                                  <m:r>
+                                    <a:rPr lang="en-US" sz="2400" b="1" i="1" smtClean="0">
+                                      <a:latin typeface="Cambria Math" panose="02040503050406030204" pitchFamily="18" charset="0"/>
+                                    </a:rPr>
+                                    <m:t>𝒊</m:t>
+                                  </m:r>
+                                </m:sub>
+                              </m:sSub>
+                            </m:oMath>
+                          </a14:m>
+                          <a:r>
+                            <a:rPr lang="en-US" sz="2400" b="1" dirty="0"/>
+                            <a:t>)</a:t>
+                          </a:r>
+                          <a:endParaRPr lang="en-PH" sz="2400" b="1" dirty="0"/>
+                        </a:p>
+                      </a:txBody>
+                      <a:tcPr/>
+                    </a:tc>
+                    <a:tc>
+                      <a:txBody>
+                        <a:bodyPr/>
+                        <a:lstStyle/>
+                        <a:p>
+                          <a:pPr marL="0" marR="0" lvl="0" indent="0" algn="ctr" defTabSz="914400" rtl="0" eaLnBrk="1" fontAlgn="auto" latinLnBrk="0" hangingPunct="1">
+                            <a:lnSpc>
+                              <a:spcPct val="100000"/>
+                            </a:lnSpc>
+                            <a:spcBef>
+                              <a:spcPts val="0"/>
+                            </a:spcBef>
+                            <a:spcAft>
+                              <a:spcPts val="0"/>
+                            </a:spcAft>
+                            <a:buClrTx/>
+                            <a:buSzTx/>
+                            <a:buFontTx/>
+                            <a:buNone/>
+                            <a:tabLst/>
+                            <a:defRPr/>
+                          </a:pPr>
+                          <a:r>
+                            <a:rPr lang="en-US" sz="2400" b="1" dirty="0"/>
+                            <a:t>Forecast (</a:t>
+                          </a:r>
+                          <a14:m>
+                            <m:oMath xmlns:m="http://schemas.openxmlformats.org/officeDocument/2006/math">
+                              <m:sSub>
+                                <m:sSubPr>
+                                  <m:ctrlPr>
+                                    <a:rPr lang="en-US" sz="2400" b="1" i="1" smtClean="0">
+                                      <a:latin typeface="Cambria Math"/>
+                                    </a:rPr>
+                                  </m:ctrlPr>
+                                </m:sSubPr>
+                                <m:e>
+                                  <m:acc>
+                                    <m:accPr>
+                                      <m:chr m:val="̂"/>
+                                      <m:ctrlPr>
+                                        <a:rPr lang="en-US" sz="2400" b="1" i="1" smtClean="0">
+                                          <a:latin typeface="Cambria Math"/>
+                                        </a:rPr>
+                                      </m:ctrlPr>
+                                    </m:accPr>
+                                    <m:e>
+                                      <m:r>
+                                        <a:rPr lang="en-US" sz="2400" b="1" i="1" smtClean="0">
+                                          <a:latin typeface="Cambria Math" panose="02040503050406030204" pitchFamily="18" charset="0"/>
+                                        </a:rPr>
+                                        <m:t>𝒚</m:t>
+                                      </m:r>
+                                    </m:e>
+                                  </m:acc>
+                                </m:e>
+                                <m:sub>
+                                  <m:r>
+                                    <a:rPr lang="en-US" sz="2400" b="1" i="1" smtClean="0">
+                                      <a:latin typeface="Cambria Math" panose="02040503050406030204" pitchFamily="18" charset="0"/>
+                                    </a:rPr>
+                                    <m:t>𝒊</m:t>
+                                  </m:r>
+                                </m:sub>
+                              </m:sSub>
+                            </m:oMath>
+                          </a14:m>
+                          <a:r>
+                            <a:rPr lang="en-US" sz="2400" b="1" dirty="0"/>
+                            <a:t>)</a:t>
+                          </a:r>
+                          <a:endParaRPr lang="en-PH" sz="2400" b="1" dirty="0"/>
+                        </a:p>
+                      </a:txBody>
+                      <a:tcPr/>
+                    </a:tc>
+                    <a:extLst>
+                      <a:ext uri="{0D108BD9-81ED-4DB2-BD59-A6C34878D82A}">
+                        <a16:rowId xmlns="" xmlns:a16="http://schemas.microsoft.com/office/drawing/2014/main" val="1798310828"/>
+                      </a:ext>
+                    </a:extLst>
+                  </a:tr>
+                  <a:tr h="370840">
+                    <a:tc>
+                      <a:txBody>
+                        <a:bodyPr/>
+                        <a:lstStyle/>
+                        <a:p>
+                          <a:pPr algn="ctr"/>
+                          <a:r>
+                            <a:rPr lang="en-US" sz="2400" b="0" dirty="0"/>
+                            <a:t>1</a:t>
+                          </a:r>
+                          <a:endParaRPr lang="en-PH" sz="2400" b="0" dirty="0"/>
+                        </a:p>
+                      </a:txBody>
+                      <a:tcPr/>
+                    </a:tc>
+                    <a:tc>
+                      <a:txBody>
+                        <a:bodyPr/>
+                        <a:lstStyle/>
+                        <a:p>
+                          <a:pPr algn="ctr"/>
+                          <a:r>
+                            <a:rPr lang="en-US" sz="2400" b="0" dirty="0"/>
+                            <a:t>100</a:t>
+                          </a:r>
+                          <a:endParaRPr lang="en-PH" sz="2400" b="0" dirty="0"/>
+                        </a:p>
+                      </a:txBody>
+                      <a:tcPr/>
+                    </a:tc>
+                    <a:tc>
+                      <a:txBody>
+                        <a:bodyPr/>
+                        <a:lstStyle/>
+                        <a:p>
+                          <a:pPr marL="0" marR="0" lvl="0" indent="0" algn="ctr" defTabSz="914400" rtl="0" eaLnBrk="1" fontAlgn="auto" latinLnBrk="0" hangingPunct="1">
+                            <a:lnSpc>
+                              <a:spcPct val="100000"/>
+                            </a:lnSpc>
+                            <a:spcBef>
+                              <a:spcPts val="0"/>
+                            </a:spcBef>
+                            <a:spcAft>
+                              <a:spcPts val="0"/>
+                            </a:spcAft>
+                            <a:buClrTx/>
+                            <a:buSzTx/>
+                            <a:buFontTx/>
+                            <a:buNone/>
+                            <a:tabLst/>
+                            <a:defRPr/>
+                          </a:pPr>
+                          <a:r>
+                            <a:rPr lang="en-US" sz="2400" b="0" dirty="0"/>
+                            <a:t>110</a:t>
+                          </a:r>
+                          <a:endParaRPr lang="en-PH" sz="2400" b="0" dirty="0"/>
+                        </a:p>
+                      </a:txBody>
+                      <a:tcPr/>
+                    </a:tc>
+                    <a:extLst>
+                      <a:ext uri="{0D108BD9-81ED-4DB2-BD59-A6C34878D82A}">
+                        <a16:rowId xmlns="" xmlns:a16="http://schemas.microsoft.com/office/drawing/2014/main" val="1404954822"/>
+                      </a:ext>
+                    </a:extLst>
+                  </a:tr>
+                  <a:tr h="370840">
+                    <a:tc>
+                      <a:txBody>
+                        <a:bodyPr/>
+                        <a:lstStyle/>
+                        <a:p>
+                          <a:pPr algn="ctr"/>
+                          <a:r>
+                            <a:rPr lang="en-US" sz="2400" b="0" dirty="0"/>
+                            <a:t>2</a:t>
+                          </a:r>
+                          <a:endParaRPr lang="en-PH" sz="2400" b="0" dirty="0"/>
+                        </a:p>
+                      </a:txBody>
+                      <a:tcPr/>
+                    </a:tc>
+                    <a:tc>
+                      <a:txBody>
+                        <a:bodyPr/>
+                        <a:lstStyle/>
+                        <a:p>
+                          <a:pPr algn="ctr"/>
+                          <a:r>
+                            <a:rPr lang="en-US" sz="2400" b="0" dirty="0"/>
+                            <a:t>150</a:t>
+                          </a:r>
+                          <a:endParaRPr lang="en-PH" sz="2400" b="0" dirty="0"/>
+                        </a:p>
+                      </a:txBody>
+                      <a:tcPr/>
+                    </a:tc>
+                    <a:tc>
+                      <a:txBody>
+                        <a:bodyPr/>
+                        <a:lstStyle/>
+                        <a:p>
+                          <a:pPr marL="0" marR="0" lvl="0" indent="0" algn="ctr" defTabSz="914400" rtl="0" eaLnBrk="1" fontAlgn="auto" latinLnBrk="0" hangingPunct="1">
+                            <a:lnSpc>
+                              <a:spcPct val="100000"/>
+                            </a:lnSpc>
+                            <a:spcBef>
+                              <a:spcPts val="0"/>
+                            </a:spcBef>
+                            <a:spcAft>
+                              <a:spcPts val="0"/>
+                            </a:spcAft>
+                            <a:buClrTx/>
+                            <a:buSzTx/>
+                            <a:buFontTx/>
+                            <a:buNone/>
+                            <a:tabLst/>
+                            <a:defRPr/>
+                          </a:pPr>
+                          <a:r>
+                            <a:rPr lang="en-US" sz="2400" b="0" dirty="0"/>
+                            <a:t>140</a:t>
+                          </a:r>
+                          <a:endParaRPr lang="en-PH" sz="2400" b="0" dirty="0"/>
+                        </a:p>
+                      </a:txBody>
+                      <a:tcPr/>
+                    </a:tc>
+                    <a:extLst>
+                      <a:ext uri="{0D108BD9-81ED-4DB2-BD59-A6C34878D82A}">
+                        <a16:rowId xmlns="" xmlns:a16="http://schemas.microsoft.com/office/drawing/2014/main" val="3148427475"/>
+                      </a:ext>
+                    </a:extLst>
+                  </a:tr>
+                  <a:tr h="370840">
+                    <a:tc>
+                      <a:txBody>
+                        <a:bodyPr/>
+                        <a:lstStyle/>
+                        <a:p>
+                          <a:pPr algn="ctr"/>
+                          <a:r>
+                            <a:rPr lang="en-US" sz="2400" b="0" dirty="0"/>
+                            <a:t>3</a:t>
+                          </a:r>
+                          <a:endParaRPr lang="en-PH" sz="2400" b="0" dirty="0"/>
+                        </a:p>
+                      </a:txBody>
+                      <a:tcPr/>
+                    </a:tc>
+                    <a:tc>
+                      <a:txBody>
+                        <a:bodyPr/>
+                        <a:lstStyle/>
+                        <a:p>
+                          <a:pPr algn="ctr"/>
+                          <a:r>
+                            <a:rPr lang="en-US" sz="2400" b="0" dirty="0"/>
+                            <a:t>200</a:t>
+                          </a:r>
+                          <a:endParaRPr lang="en-PH" sz="2400" b="0" dirty="0"/>
+                        </a:p>
+                      </a:txBody>
+                      <a:tcPr/>
+                    </a:tc>
+                    <a:tc>
+                      <a:txBody>
+                        <a:bodyPr/>
+                        <a:lstStyle/>
+                        <a:p>
+                          <a:pPr marL="0" marR="0" lvl="0" indent="0" algn="ctr" defTabSz="914400" rtl="0" eaLnBrk="1" fontAlgn="auto" latinLnBrk="0" hangingPunct="1">
+                            <a:lnSpc>
+                              <a:spcPct val="100000"/>
+                            </a:lnSpc>
+                            <a:spcBef>
+                              <a:spcPts val="0"/>
+                            </a:spcBef>
+                            <a:spcAft>
+                              <a:spcPts val="0"/>
+                            </a:spcAft>
+                            <a:buClrTx/>
+                            <a:buSzTx/>
+                            <a:buFontTx/>
+                            <a:buNone/>
+                            <a:tabLst/>
+                            <a:defRPr/>
+                          </a:pPr>
+                          <a:r>
+                            <a:rPr lang="en-US" sz="2400" b="0" dirty="0"/>
+                            <a:t>210</a:t>
+                          </a:r>
+                          <a:endParaRPr lang="en-PH" sz="2400" b="0" dirty="0"/>
+                        </a:p>
+                      </a:txBody>
+                      <a:tcPr/>
+                    </a:tc>
+                    <a:extLst>
+                      <a:ext uri="{0D108BD9-81ED-4DB2-BD59-A6C34878D82A}">
+                        <a16:rowId xmlns="" xmlns:a16="http://schemas.microsoft.com/office/drawing/2014/main" val="1935952499"/>
+                      </a:ext>
+                    </a:extLst>
+                  </a:tr>
+                  <a:tr h="370840">
+                    <a:tc>
+                      <a:txBody>
+                        <a:bodyPr/>
+                        <a:lstStyle/>
+                        <a:p>
+                          <a:pPr algn="ctr"/>
+                          <a:r>
+                            <a:rPr lang="en-US" sz="2400" b="0" dirty="0"/>
+                            <a:t>4</a:t>
+                          </a:r>
+                          <a:endParaRPr lang="en-PH" sz="2400" b="0" dirty="0"/>
+                        </a:p>
+                      </a:txBody>
+                      <a:tcPr/>
+                    </a:tc>
+                    <a:tc>
+                      <a:txBody>
+                        <a:bodyPr/>
+                        <a:lstStyle/>
+                        <a:p>
+                          <a:pPr algn="ctr"/>
+                          <a:r>
+                            <a:rPr lang="en-US" sz="2400" b="0" dirty="0"/>
+                            <a:t>250</a:t>
+                          </a:r>
+                          <a:endParaRPr lang="en-PH" sz="2400" b="0" dirty="0"/>
+                        </a:p>
+                      </a:txBody>
+                      <a:tcPr/>
+                    </a:tc>
+                    <a:tc>
+                      <a:txBody>
+                        <a:bodyPr/>
+                        <a:lstStyle/>
+                        <a:p>
+                          <a:pPr marL="0" marR="0" lvl="0" indent="0" algn="ctr" defTabSz="914400" rtl="0" eaLnBrk="1" fontAlgn="auto" latinLnBrk="0" hangingPunct="1">
+                            <a:lnSpc>
+                              <a:spcPct val="100000"/>
+                            </a:lnSpc>
+                            <a:spcBef>
+                              <a:spcPts val="0"/>
+                            </a:spcBef>
+                            <a:spcAft>
+                              <a:spcPts val="0"/>
+                            </a:spcAft>
+                            <a:buClrTx/>
+                            <a:buSzTx/>
+                            <a:buFontTx/>
+                            <a:buNone/>
+                            <a:tabLst/>
+                            <a:defRPr/>
+                          </a:pPr>
+                          <a:r>
+                            <a:rPr lang="en-US" sz="2400" b="0" dirty="0"/>
+                            <a:t>240</a:t>
+                          </a:r>
+                          <a:endParaRPr lang="en-PH" sz="2400" b="0" dirty="0"/>
+                        </a:p>
+                      </a:txBody>
+                      <a:tcPr/>
+                    </a:tc>
+                    <a:extLst>
+                      <a:ext uri="{0D108BD9-81ED-4DB2-BD59-A6C34878D82A}">
+                        <a16:rowId xmlns="" xmlns:a16="http://schemas.microsoft.com/office/drawing/2014/main" val="1310842188"/>
+                      </a:ext>
+                    </a:extLst>
+                  </a:tr>
+                </a:tbl>
+              </a:graphicData>
+            </a:graphic>
+          </p:graphicFrame>
+        </mc:Choice>
+        <mc:Fallback xmlns="">
+          <p:graphicFrame>
+            <p:nvGraphicFramePr>
+              <p:cNvPr id="2" name="Table 2">
+                <a:extLst>
+                  <a:ext uri="{FF2B5EF4-FFF2-40B4-BE49-F238E27FC236}">
+                    <a16:creationId xmlns:a16="http://schemas.microsoft.com/office/drawing/2014/main" xmlns:a14="http://schemas.microsoft.com/office/drawing/2010/main" xmlns="" id="{D5550273-5528-43BD-8412-7F8D06306A14}"/>
+                  </a:ext>
+                </a:extLst>
+              </p:cNvPr>
+              <p:cNvGraphicFramePr>
+                <a:graphicFrameLocks noGrp="1"/>
+              </p:cNvGraphicFramePr>
+              <p:nvPr>
+                <p:extLst>
+                  <p:ext uri="{D42A27DB-BD31-4B8C-83A1-F6EECF244321}">
+                    <p14:modId xmlns:p14="http://schemas.microsoft.com/office/powerpoint/2010/main" val="2883084757"/>
+                  </p:ext>
+                </p:extLst>
+              </p:nvPr>
+            </p:nvGraphicFramePr>
+            <p:xfrm>
+              <a:off x="2032001" y="980923"/>
+              <a:ext cx="8127999" cy="2286000"/>
+            </p:xfrm>
+            <a:graphic>
+              <a:graphicData uri="http://schemas.openxmlformats.org/drawingml/2006/table">
+                <a:tbl>
+                  <a:tblPr firstRow="1" bandRow="1">
+                    <a:tableStyleId>{5940675A-B579-460E-94D1-54222C63F5DA}</a:tableStyleId>
+                  </a:tblPr>
+                  <a:tblGrid>
+                    <a:gridCol w="1075093">
+                      <a:extLst>
+                        <a:ext uri="{9D8B030D-6E8A-4147-A177-3AD203B41FA5}">
+                          <a16:colId xmlns:a16="http://schemas.microsoft.com/office/drawing/2014/main" xmlns:a14="http://schemas.microsoft.com/office/drawing/2010/main" xmlns="" val="2590844336"/>
+                        </a:ext>
+                      </a:extLst>
+                    </a:gridCol>
+                    <a:gridCol w="3331028">
+                      <a:extLst>
+                        <a:ext uri="{9D8B030D-6E8A-4147-A177-3AD203B41FA5}">
+                          <a16:colId xmlns:a16="http://schemas.microsoft.com/office/drawing/2014/main" xmlns:a14="http://schemas.microsoft.com/office/drawing/2010/main" xmlns="" val="2133703778"/>
+                        </a:ext>
+                      </a:extLst>
+                    </a:gridCol>
+                    <a:gridCol w="3721878">
+                      <a:extLst>
+                        <a:ext uri="{9D8B030D-6E8A-4147-A177-3AD203B41FA5}">
+                          <a16:colId xmlns:a16="http://schemas.microsoft.com/office/drawing/2014/main" xmlns:a14="http://schemas.microsoft.com/office/drawing/2010/main" xmlns="" val="4072587226"/>
+                        </a:ext>
+                      </a:extLst>
+                    </a:gridCol>
+                  </a:tblGrid>
+                  <a:tr h="457200">
+                    <a:tc>
+                      <a:txBody>
+                        <a:bodyPr/>
+                        <a:lstStyle/>
+                        <a:p>
+                          <a:pPr algn="ctr"/>
+                          <a:r>
+                            <a:rPr lang="en-US" sz="2400" b="1" dirty="0"/>
+                            <a:t>Month</a:t>
+                          </a:r>
+                          <a:endParaRPr lang="en-PH" sz="2400" b="1" dirty="0"/>
+                        </a:p>
+                      </a:txBody>
+                      <a:tcPr/>
+                    </a:tc>
+                    <a:tc>
+                      <a:txBody>
+                        <a:bodyPr/>
+                        <a:lstStyle/>
+                        <a:p>
+                          <a:endParaRPr lang="en-US"/>
+                        </a:p>
+                      </a:txBody>
+                      <a:tcPr>
+                        <a:blipFill rotWithShape="1">
+                          <a:blip r:embed="rId2"/>
+                          <a:stretch>
+                            <a:fillRect l="-32176" t="-10667" r="-111700" b="-430667"/>
+                          </a:stretch>
+                        </a:blipFill>
+                      </a:tcPr>
+                    </a:tc>
+                    <a:tc>
+                      <a:txBody>
+                        <a:bodyPr/>
+                        <a:lstStyle/>
+                        <a:p>
+                          <a:endParaRPr lang="en-US"/>
+                        </a:p>
+                      </a:txBody>
+                      <a:tcPr>
+                        <a:blipFill rotWithShape="1">
+                          <a:blip r:embed="rId2"/>
+                          <a:stretch>
+                            <a:fillRect l="-118331" t="-10667" b="-430667"/>
+                          </a:stretch>
+                        </a:blipFill>
+                      </a:tcPr>
+                    </a:tc>
+                    <a:extLst>
+                      <a:ext uri="{0D108BD9-81ED-4DB2-BD59-A6C34878D82A}">
+                        <a16:rowId xmlns:a16="http://schemas.microsoft.com/office/drawing/2014/main" xmlns:a14="http://schemas.microsoft.com/office/drawing/2010/main" xmlns="" val="1798310828"/>
+                      </a:ext>
+                    </a:extLst>
+                  </a:tr>
+                  <a:tr h="457200">
+                    <a:tc>
+                      <a:txBody>
+                        <a:bodyPr/>
+                        <a:lstStyle/>
+                        <a:p>
+                          <a:pPr algn="ctr"/>
+                          <a:r>
+                            <a:rPr lang="en-US" sz="2400" b="0" dirty="0"/>
+                            <a:t>1</a:t>
+                          </a:r>
+                          <a:endParaRPr lang="en-PH" sz="2400" b="0" dirty="0"/>
+                        </a:p>
+                      </a:txBody>
+                      <a:tcPr/>
+                    </a:tc>
+                    <a:tc>
+                      <a:txBody>
+                        <a:bodyPr/>
+                        <a:lstStyle/>
+                        <a:p>
+                          <a:pPr algn="ctr"/>
+                          <a:r>
+                            <a:rPr lang="en-US" sz="2400" b="0" dirty="0"/>
+                            <a:t>100</a:t>
+                          </a:r>
+                          <a:endParaRPr lang="en-PH" sz="2400" b="0" dirty="0"/>
+                        </a:p>
+                      </a:txBody>
+                      <a:tcPr/>
+                    </a:tc>
+                    <a:tc>
+                      <a:txBody>
+                        <a:bodyPr/>
+                        <a:lstStyle/>
+                        <a:p>
+                          <a:pPr marL="0" marR="0" lvl="0" indent="0" algn="ctr" defTabSz="914400" rtl="0" eaLnBrk="1" fontAlgn="auto" latinLnBrk="0" hangingPunct="1">
+                            <a:lnSpc>
+                              <a:spcPct val="100000"/>
+                            </a:lnSpc>
+                            <a:spcBef>
+                              <a:spcPts val="0"/>
+                            </a:spcBef>
+                            <a:spcAft>
+                              <a:spcPts val="0"/>
+                            </a:spcAft>
+                            <a:buClrTx/>
+                            <a:buSzTx/>
+                            <a:buFontTx/>
+                            <a:buNone/>
+                            <a:tabLst/>
+                            <a:defRPr/>
+                          </a:pPr>
+                          <a:r>
+                            <a:rPr lang="en-US" sz="2400" b="0" dirty="0"/>
+                            <a:t>110</a:t>
+                          </a:r>
+                          <a:endParaRPr lang="en-PH" sz="2400" b="0" dirty="0"/>
+                        </a:p>
+                      </a:txBody>
+                      <a:tcPr/>
+                    </a:tc>
+                    <a:extLst>
+                      <a:ext uri="{0D108BD9-81ED-4DB2-BD59-A6C34878D82A}">
+                        <a16:rowId xmlns:a16="http://schemas.microsoft.com/office/drawing/2014/main" xmlns:a14="http://schemas.microsoft.com/office/drawing/2010/main" xmlns="" val="1404954822"/>
+                      </a:ext>
+                    </a:extLst>
+                  </a:tr>
+                  <a:tr h="457200">
+                    <a:tc>
+                      <a:txBody>
+                        <a:bodyPr/>
+                        <a:lstStyle/>
+                        <a:p>
+                          <a:pPr algn="ctr"/>
+                          <a:r>
+                            <a:rPr lang="en-US" sz="2400" b="0" dirty="0"/>
+                            <a:t>2</a:t>
+                          </a:r>
+                          <a:endParaRPr lang="en-PH" sz="2400" b="0" dirty="0"/>
+                        </a:p>
+                      </a:txBody>
+                      <a:tcPr/>
+                    </a:tc>
+                    <a:tc>
+                      <a:txBody>
+                        <a:bodyPr/>
+                        <a:lstStyle/>
+                        <a:p>
+                          <a:pPr algn="ctr"/>
+                          <a:r>
+                            <a:rPr lang="en-US" sz="2400" b="0" dirty="0"/>
+                            <a:t>150</a:t>
+                          </a:r>
+                          <a:endParaRPr lang="en-PH" sz="2400" b="0" dirty="0"/>
+                        </a:p>
+                      </a:txBody>
+                      <a:tcPr/>
+                    </a:tc>
+                    <a:tc>
+                      <a:txBody>
+                        <a:bodyPr/>
+                        <a:lstStyle/>
+                        <a:p>
+                          <a:pPr marL="0" marR="0" lvl="0" indent="0" algn="ctr" defTabSz="914400" rtl="0" eaLnBrk="1" fontAlgn="auto" latinLnBrk="0" hangingPunct="1">
+                            <a:lnSpc>
+                              <a:spcPct val="100000"/>
+                            </a:lnSpc>
+                            <a:spcBef>
+                              <a:spcPts val="0"/>
+                            </a:spcBef>
+                            <a:spcAft>
+                              <a:spcPts val="0"/>
+                            </a:spcAft>
+                            <a:buClrTx/>
+                            <a:buSzTx/>
+                            <a:buFontTx/>
+                            <a:buNone/>
+                            <a:tabLst/>
+                            <a:defRPr/>
+                          </a:pPr>
+                          <a:r>
+                            <a:rPr lang="en-US" sz="2400" b="0" dirty="0"/>
+                            <a:t>140</a:t>
+                          </a:r>
+                          <a:endParaRPr lang="en-PH" sz="2400" b="0" dirty="0"/>
+                        </a:p>
+                      </a:txBody>
+                      <a:tcPr/>
+                    </a:tc>
+                    <a:extLst>
+                      <a:ext uri="{0D108BD9-81ED-4DB2-BD59-A6C34878D82A}">
+                        <a16:rowId xmlns:a16="http://schemas.microsoft.com/office/drawing/2014/main" xmlns:a14="http://schemas.microsoft.com/office/drawing/2010/main" xmlns="" val="3148427475"/>
+                      </a:ext>
+                    </a:extLst>
+                  </a:tr>
+                  <a:tr h="457200">
+                    <a:tc>
+                      <a:txBody>
+                        <a:bodyPr/>
+                        <a:lstStyle/>
+                        <a:p>
+                          <a:pPr algn="ctr"/>
+                          <a:r>
+                            <a:rPr lang="en-US" sz="2400" b="0" dirty="0"/>
+                            <a:t>3</a:t>
+                          </a:r>
+                          <a:endParaRPr lang="en-PH" sz="2400" b="0" dirty="0"/>
+                        </a:p>
+                      </a:txBody>
+                      <a:tcPr/>
+                    </a:tc>
+                    <a:tc>
+                      <a:txBody>
+                        <a:bodyPr/>
+                        <a:lstStyle/>
+                        <a:p>
+                          <a:pPr algn="ctr"/>
+                          <a:r>
+                            <a:rPr lang="en-US" sz="2400" b="0" dirty="0"/>
+                            <a:t>200</a:t>
+                          </a:r>
+                          <a:endParaRPr lang="en-PH" sz="2400" b="0" dirty="0"/>
+                        </a:p>
+                      </a:txBody>
+                      <a:tcPr/>
+                    </a:tc>
+                    <a:tc>
+                      <a:txBody>
+                        <a:bodyPr/>
+                        <a:lstStyle/>
+                        <a:p>
+                          <a:pPr marL="0" marR="0" lvl="0" indent="0" algn="ctr" defTabSz="914400" rtl="0" eaLnBrk="1" fontAlgn="auto" latinLnBrk="0" hangingPunct="1">
+                            <a:lnSpc>
+                              <a:spcPct val="100000"/>
+                            </a:lnSpc>
+                            <a:spcBef>
+                              <a:spcPts val="0"/>
+                            </a:spcBef>
+                            <a:spcAft>
+                              <a:spcPts val="0"/>
+                            </a:spcAft>
+                            <a:buClrTx/>
+                            <a:buSzTx/>
+                            <a:buFontTx/>
+                            <a:buNone/>
+                            <a:tabLst/>
+                            <a:defRPr/>
+                          </a:pPr>
+                          <a:r>
+                            <a:rPr lang="en-US" sz="2400" b="0" dirty="0"/>
+                            <a:t>210</a:t>
+                          </a:r>
+                          <a:endParaRPr lang="en-PH" sz="2400" b="0" dirty="0"/>
+                        </a:p>
+                      </a:txBody>
+                      <a:tcPr/>
+                    </a:tc>
+                    <a:extLst>
+                      <a:ext uri="{0D108BD9-81ED-4DB2-BD59-A6C34878D82A}">
+                        <a16:rowId xmlns:a16="http://schemas.microsoft.com/office/drawing/2014/main" xmlns:a14="http://schemas.microsoft.com/office/drawing/2010/main" xmlns="" val="1935952499"/>
+                      </a:ext>
+                    </a:extLst>
+                  </a:tr>
+                  <a:tr h="457200">
+                    <a:tc>
+                      <a:txBody>
+                        <a:bodyPr/>
+                        <a:lstStyle/>
+                        <a:p>
+                          <a:pPr algn="ctr"/>
+                          <a:r>
+                            <a:rPr lang="en-US" sz="2400" b="0" dirty="0"/>
+                            <a:t>4</a:t>
+                          </a:r>
+                          <a:endParaRPr lang="en-PH" sz="2400" b="0" dirty="0"/>
+                        </a:p>
+                      </a:txBody>
+                      <a:tcPr/>
+                    </a:tc>
+                    <a:tc>
+                      <a:txBody>
+                        <a:bodyPr/>
+                        <a:lstStyle/>
+                        <a:p>
+                          <a:pPr algn="ctr"/>
+                          <a:r>
+                            <a:rPr lang="en-US" sz="2400" b="0" dirty="0"/>
+                            <a:t>250</a:t>
+                          </a:r>
+                          <a:endParaRPr lang="en-PH" sz="2400" b="0" dirty="0"/>
+                        </a:p>
+                      </a:txBody>
+                      <a:tcPr/>
+                    </a:tc>
+                    <a:tc>
+                      <a:txBody>
+                        <a:bodyPr/>
+                        <a:lstStyle/>
+                        <a:p>
+                          <a:pPr marL="0" marR="0" lvl="0" indent="0" algn="ctr" defTabSz="914400" rtl="0" eaLnBrk="1" fontAlgn="auto" latinLnBrk="0" hangingPunct="1">
+                            <a:lnSpc>
+                              <a:spcPct val="100000"/>
+                            </a:lnSpc>
+                            <a:spcBef>
+                              <a:spcPts val="0"/>
+                            </a:spcBef>
+                            <a:spcAft>
+                              <a:spcPts val="0"/>
+                            </a:spcAft>
+                            <a:buClrTx/>
+                            <a:buSzTx/>
+                            <a:buFontTx/>
+                            <a:buNone/>
+                            <a:tabLst/>
+                            <a:defRPr/>
+                          </a:pPr>
+                          <a:r>
+                            <a:rPr lang="en-US" sz="2400" b="0" dirty="0"/>
+                            <a:t>240</a:t>
+                          </a:r>
+                          <a:endParaRPr lang="en-PH" sz="2400" b="0" dirty="0"/>
+                        </a:p>
+                      </a:txBody>
+                      <a:tcPr/>
+                    </a:tc>
+                    <a:extLst>
+                      <a:ext uri="{0D108BD9-81ED-4DB2-BD59-A6C34878D82A}">
+                        <a16:rowId xmlns:a16="http://schemas.microsoft.com/office/drawing/2014/main" xmlns:a14="http://schemas.microsoft.com/office/drawing/2010/main" xmlns="" val="1310842188"/>
+                      </a:ext>
+                    </a:extLst>
+                  </a:tr>
+                </a:tbl>
+              </a:graphicData>
+            </a:graphic>
+          </p:graphicFrame>
+        </mc:Fallback>
+      </mc:AlternateContent>
+      <mc:AlternateContent xmlns:mc="http://schemas.openxmlformats.org/markup-compatibility/2006" xmlns:a14="http://schemas.microsoft.com/office/drawing/2010/main">
+        <mc:Choice Requires="a14">
+          <p:sp>
+            <p:nvSpPr>
+              <p:cNvPr id="6" name="Rectangle 5">
+                <a:extLst>
+                  <a:ext uri="{FF2B5EF4-FFF2-40B4-BE49-F238E27FC236}">
+                    <a16:creationId xmlns="" xmlns:a16="http://schemas.microsoft.com/office/drawing/2014/main" id="{42C03F5E-E3ED-4350-9B3B-87690671BF01}"/>
+                  </a:ext>
+                </a:extLst>
+              </p:cNvPr>
+              <p:cNvSpPr/>
+              <p:nvPr/>
+            </p:nvSpPr>
+            <p:spPr>
+              <a:xfrm>
+                <a:off x="503854" y="3482340"/>
+                <a:ext cx="3625750" cy="2109295"/>
+              </a:xfrm>
+              <a:prstGeom prst="rect">
+                <a:avLst/>
+              </a:prstGeom>
+            </p:spPr>
+            <p:txBody>
+              <a:bodyPr wrap="square">
+                <a:spAutoFit/>
+              </a:bodyPr>
+              <a:lstStyle/>
+              <a:p>
+                <a:r>
+                  <a:rPr lang="en-PH" sz="2200" i="1" dirty="0" smtClean="0"/>
+                  <a:t>Month 1: </a:t>
+                </a:r>
+                <a14:m>
+                  <m:oMath xmlns:m="http://schemas.openxmlformats.org/officeDocument/2006/math">
+                    <m:d>
+                      <m:dPr>
+                        <m:begChr m:val="|"/>
+                        <m:endChr m:val="|"/>
+                        <m:ctrlPr>
+                          <a:rPr lang="en-PH" sz="2200" i="1" smtClean="0">
+                            <a:latin typeface="Cambria Math"/>
+                          </a:rPr>
+                        </m:ctrlPr>
+                      </m:dPr>
+                      <m:e>
+                        <m:f>
+                          <m:fPr>
+                            <m:ctrlPr>
+                              <a:rPr lang="en-PH" sz="2200" i="1" smtClean="0">
+                                <a:latin typeface="Cambria Math"/>
+                              </a:rPr>
+                            </m:ctrlPr>
+                          </m:fPr>
+                          <m:num>
+                            <m:r>
+                              <a:rPr lang="en-US" sz="2200" b="0" i="1" smtClean="0">
+                                <a:latin typeface="Cambria Math"/>
+                              </a:rPr>
+                              <m:t>100 −110</m:t>
+                            </m:r>
+                          </m:num>
+                          <m:den>
+                            <m:r>
+                              <a:rPr lang="en-US" sz="2200" b="0" i="1" smtClean="0">
+                                <a:latin typeface="Cambria Math"/>
+                              </a:rPr>
+                              <m:t>100</m:t>
+                            </m:r>
+                          </m:den>
+                        </m:f>
+                      </m:e>
+                    </m:d>
+                  </m:oMath>
+                </a14:m>
+                <a:r>
+                  <a:rPr lang="en-PH" sz="2200" dirty="0" smtClean="0"/>
+                  <a:t> = 0.10</a:t>
+                </a:r>
+              </a:p>
+              <a:p>
+                <a:r>
+                  <a:rPr lang="en-PH" sz="2200" i="1" dirty="0" smtClean="0"/>
+                  <a:t>Month </a:t>
+                </a:r>
+                <a:r>
+                  <a:rPr lang="en-PH" sz="2200" i="1" dirty="0"/>
+                  <a:t>2: </a:t>
+                </a:r>
+                <a14:m>
+                  <m:oMath xmlns:m="http://schemas.openxmlformats.org/officeDocument/2006/math">
+                    <m:d>
+                      <m:dPr>
+                        <m:begChr m:val="|"/>
+                        <m:endChr m:val="|"/>
+                        <m:ctrlPr>
+                          <a:rPr lang="en-PH" sz="2200" i="1">
+                            <a:latin typeface="Cambria Math"/>
+                          </a:rPr>
+                        </m:ctrlPr>
+                      </m:dPr>
+                      <m:e>
+                        <m:f>
+                          <m:fPr>
+                            <m:ctrlPr>
+                              <a:rPr lang="en-PH" sz="2200" i="1">
+                                <a:latin typeface="Cambria Math"/>
+                              </a:rPr>
+                            </m:ctrlPr>
+                          </m:fPr>
+                          <m:num>
+                            <m:r>
+                              <a:rPr lang="en-US" sz="2200" i="1">
+                                <a:latin typeface="Cambria Math"/>
+                              </a:rPr>
+                              <m:t>1</m:t>
+                            </m:r>
+                            <m:r>
+                              <a:rPr lang="en-US" sz="2200" b="0" i="1" smtClean="0">
+                                <a:latin typeface="Cambria Math"/>
+                              </a:rPr>
+                              <m:t>5</m:t>
+                            </m:r>
+                            <m:r>
+                              <a:rPr lang="en-US" sz="2200" i="1">
+                                <a:latin typeface="Cambria Math"/>
+                              </a:rPr>
+                              <m:t>0 −1</m:t>
+                            </m:r>
+                            <m:r>
+                              <a:rPr lang="en-US" sz="2200" b="0" i="1" smtClean="0">
+                                <a:latin typeface="Cambria Math"/>
+                              </a:rPr>
+                              <m:t>4</m:t>
+                            </m:r>
+                            <m:r>
+                              <a:rPr lang="en-US" sz="2200" i="1">
+                                <a:latin typeface="Cambria Math"/>
+                              </a:rPr>
+                              <m:t>0</m:t>
+                            </m:r>
+                          </m:num>
+                          <m:den>
+                            <m:r>
+                              <a:rPr lang="en-US" sz="2200" b="0" i="1" smtClean="0">
+                                <a:latin typeface="Cambria Math"/>
+                              </a:rPr>
+                              <m:t>150</m:t>
+                            </m:r>
+                          </m:den>
+                        </m:f>
+                      </m:e>
+                    </m:d>
+                  </m:oMath>
+                </a14:m>
+                <a:r>
+                  <a:rPr lang="en-PH" sz="2200" dirty="0"/>
+                  <a:t> = </a:t>
+                </a:r>
+                <a:r>
+                  <a:rPr lang="en-PH" sz="2200" dirty="0" smtClean="0"/>
+                  <a:t>0.0667 </a:t>
+                </a:r>
+              </a:p>
+              <a:p>
+                <a:r>
+                  <a:rPr lang="en-PH" sz="2200" i="1" dirty="0" smtClean="0"/>
+                  <a:t>Month </a:t>
+                </a:r>
+                <a:r>
+                  <a:rPr lang="en-PH" sz="2200" i="1" dirty="0"/>
+                  <a:t>3: </a:t>
+                </a:r>
+                <a14:m>
+                  <m:oMath xmlns:m="http://schemas.openxmlformats.org/officeDocument/2006/math">
+                    <m:d>
+                      <m:dPr>
+                        <m:begChr m:val="|"/>
+                        <m:endChr m:val="|"/>
+                        <m:ctrlPr>
+                          <a:rPr lang="en-PH" sz="2200" i="1">
+                            <a:latin typeface="Cambria Math"/>
+                          </a:rPr>
+                        </m:ctrlPr>
+                      </m:dPr>
+                      <m:e>
+                        <m:f>
+                          <m:fPr>
+                            <m:ctrlPr>
+                              <a:rPr lang="en-PH" sz="2200" i="1">
+                                <a:latin typeface="Cambria Math"/>
+                              </a:rPr>
+                            </m:ctrlPr>
+                          </m:fPr>
+                          <m:num>
+                            <m:r>
+                              <a:rPr lang="en-US" sz="2200" b="0" i="1" smtClean="0">
+                                <a:latin typeface="Cambria Math"/>
+                              </a:rPr>
+                              <m:t>200</m:t>
+                            </m:r>
+                            <m:r>
+                              <a:rPr lang="en-US" sz="2200" i="1">
+                                <a:latin typeface="Cambria Math"/>
+                              </a:rPr>
+                              <m:t> −</m:t>
+                            </m:r>
+                            <m:r>
+                              <a:rPr lang="en-US" sz="2200" b="0" i="1" smtClean="0">
+                                <a:latin typeface="Cambria Math"/>
+                              </a:rPr>
+                              <m:t>210</m:t>
+                            </m:r>
+                          </m:num>
+                          <m:den>
+                            <m:r>
+                              <a:rPr lang="en-US" sz="2200" b="0" i="1" smtClean="0">
+                                <a:latin typeface="Cambria Math"/>
+                              </a:rPr>
+                              <m:t>200</m:t>
+                            </m:r>
+                          </m:den>
+                        </m:f>
+                      </m:e>
+                    </m:d>
+                  </m:oMath>
+                </a14:m>
+                <a:r>
+                  <a:rPr lang="en-PH" sz="2200" dirty="0"/>
+                  <a:t> = </a:t>
+                </a:r>
+                <a:r>
+                  <a:rPr lang="en-PH" sz="2200" dirty="0" smtClean="0"/>
+                  <a:t>0.05</a:t>
+                </a:r>
+              </a:p>
+              <a:p>
+                <a:r>
+                  <a:rPr lang="en-PH" sz="2200" i="1" dirty="0"/>
+                  <a:t>Month </a:t>
+                </a:r>
+                <a:r>
+                  <a:rPr lang="en-PH" sz="2200" i="1" dirty="0" smtClean="0"/>
+                  <a:t>4: </a:t>
+                </a:r>
+                <a14:m>
+                  <m:oMath xmlns:m="http://schemas.openxmlformats.org/officeDocument/2006/math">
+                    <m:d>
+                      <m:dPr>
+                        <m:begChr m:val="|"/>
+                        <m:endChr m:val="|"/>
+                        <m:ctrlPr>
+                          <a:rPr lang="en-PH" sz="2200" i="1">
+                            <a:latin typeface="Cambria Math"/>
+                          </a:rPr>
+                        </m:ctrlPr>
+                      </m:dPr>
+                      <m:e>
+                        <m:f>
+                          <m:fPr>
+                            <m:ctrlPr>
+                              <a:rPr lang="en-PH" sz="2200" i="1">
+                                <a:latin typeface="Cambria Math"/>
+                              </a:rPr>
+                            </m:ctrlPr>
+                          </m:fPr>
+                          <m:num>
+                            <m:r>
+                              <a:rPr lang="en-US" sz="2200" i="1">
+                                <a:latin typeface="Cambria Math"/>
+                              </a:rPr>
+                              <m:t>2</m:t>
+                            </m:r>
+                            <m:r>
+                              <a:rPr lang="en-US" sz="2200" b="0" i="1" smtClean="0">
+                                <a:latin typeface="Cambria Math"/>
+                              </a:rPr>
+                              <m:t>5</m:t>
+                            </m:r>
+                            <m:r>
+                              <a:rPr lang="en-US" sz="2200" i="1">
+                                <a:latin typeface="Cambria Math"/>
+                              </a:rPr>
+                              <m:t>0 −2</m:t>
+                            </m:r>
+                            <m:r>
+                              <a:rPr lang="en-US" sz="2200" b="0" i="1" smtClean="0">
+                                <a:latin typeface="Cambria Math"/>
+                              </a:rPr>
+                              <m:t>4</m:t>
+                            </m:r>
+                            <m:r>
+                              <a:rPr lang="en-US" sz="2200" i="1">
+                                <a:latin typeface="Cambria Math"/>
+                              </a:rPr>
+                              <m:t>0</m:t>
+                            </m:r>
+                          </m:num>
+                          <m:den>
+                            <m:r>
+                              <a:rPr lang="en-US" sz="2200" i="1">
+                                <a:latin typeface="Cambria Math"/>
+                              </a:rPr>
+                              <m:t>2</m:t>
+                            </m:r>
+                            <m:r>
+                              <a:rPr lang="en-US" sz="2200" b="0" i="1" smtClean="0">
+                                <a:latin typeface="Cambria Math"/>
+                              </a:rPr>
+                              <m:t>5</m:t>
+                            </m:r>
+                            <m:r>
+                              <a:rPr lang="en-US" sz="2200" i="1">
+                                <a:latin typeface="Cambria Math"/>
+                              </a:rPr>
+                              <m:t>0</m:t>
+                            </m:r>
+                          </m:den>
+                        </m:f>
+                      </m:e>
+                    </m:d>
+                  </m:oMath>
+                </a14:m>
+                <a:r>
+                  <a:rPr lang="en-PH" sz="2200" dirty="0"/>
+                  <a:t> = </a:t>
+                </a:r>
+                <a:r>
+                  <a:rPr lang="en-PH" sz="2200" dirty="0" smtClean="0"/>
+                  <a:t>0.04</a:t>
+                </a:r>
+                <a:endParaRPr lang="en-PH" sz="2200" dirty="0"/>
+              </a:p>
+            </p:txBody>
+          </p:sp>
+        </mc:Choice>
+        <mc:Fallback xmlns="">
+          <p:sp>
+            <p:nvSpPr>
+              <p:cNvPr id="6" name="Rectangle 5">
+                <a:extLst>
+                  <a:ext uri="{FF2B5EF4-FFF2-40B4-BE49-F238E27FC236}">
+                    <a16:creationId xmlns:a16="http://schemas.microsoft.com/office/drawing/2014/main" xmlns="" id="{42C03F5E-E3ED-4350-9B3B-87690671BF01}"/>
+                  </a:ext>
+                </a:extLst>
+              </p:cNvPr>
+              <p:cNvSpPr>
+                <a:spLocks noRot="1" noChangeAspect="1" noMove="1" noResize="1" noEditPoints="1" noAdjustHandles="1" noChangeArrowheads="1" noChangeShapeType="1" noTextEdit="1"/>
+              </p:cNvSpPr>
+              <p:nvPr/>
+            </p:nvSpPr>
+            <p:spPr>
+              <a:xfrm>
+                <a:off x="503854" y="3482340"/>
+                <a:ext cx="3625750" cy="2109295"/>
+              </a:xfrm>
+              <a:prstGeom prst="rect">
+                <a:avLst/>
+              </a:prstGeom>
+              <a:blipFill rotWithShape="1">
+                <a:blip r:embed="rId3"/>
+                <a:stretch>
+                  <a:fillRect l="-2189" b="-1156"/>
+                </a:stretch>
+              </a:blipFill>
+            </p:spPr>
+            <p:txBody>
+              <a:bodyPr/>
+              <a:lstStyle/>
+              <a:p>
+                <a:r>
+                  <a:rPr lang="en-PH">
+                    <a:noFill/>
+                  </a:rPr>
+                  <a:t> </a:t>
+                </a:r>
+              </a:p>
+            </p:txBody>
+          </p:sp>
+        </mc:Fallback>
+      </mc:AlternateContent>
+      <mc:AlternateContent xmlns:mc="http://schemas.openxmlformats.org/markup-compatibility/2006" xmlns:a14="http://schemas.microsoft.com/office/drawing/2010/main">
+        <mc:Choice Requires="a14">
+          <p:sp>
+            <p:nvSpPr>
+              <p:cNvPr id="7" name="Rectangle 6">
+                <a:extLst>
+                  <a:ext uri="{FF2B5EF4-FFF2-40B4-BE49-F238E27FC236}">
+                    <a16:creationId xmlns="" xmlns:a16="http://schemas.microsoft.com/office/drawing/2014/main" id="{CA0A9E09-F04C-4419-ACA0-624D88A33C16}"/>
+                  </a:ext>
+                </a:extLst>
+              </p:cNvPr>
+              <p:cNvSpPr/>
+              <p:nvPr/>
+            </p:nvSpPr>
+            <p:spPr>
+              <a:xfrm>
+                <a:off x="4129603" y="3578382"/>
+                <a:ext cx="7427987" cy="733021"/>
+              </a:xfrm>
+              <a:prstGeom prst="rect">
+                <a:avLst/>
+              </a:prstGeom>
+            </p:spPr>
+            <p:txBody>
+              <a:bodyPr wrap="square">
+                <a:spAutoFit/>
+              </a:bodyPr>
+              <a:lstStyle/>
+              <a:p>
+                <a:pPr/>
+                <a14:m>
+                  <m:oMathPara xmlns:m="http://schemas.openxmlformats.org/officeDocument/2006/math">
+                    <m:oMathParaPr>
+                      <m:jc m:val="left"/>
+                    </m:oMathParaPr>
+                    <m:oMath xmlns:m="http://schemas.openxmlformats.org/officeDocument/2006/math">
+                      <m:r>
+                        <a:rPr lang="en-US" sz="2200" b="0" i="1" smtClean="0">
+                          <a:latin typeface="Cambria Math"/>
+                        </a:rPr>
+                        <m:t>𝑀𝐴𝑃𝐸</m:t>
+                      </m:r>
+                      <m:r>
+                        <a:rPr lang="en-US" sz="2200" i="1" smtClean="0">
+                          <a:latin typeface="Cambria Math" panose="02040503050406030204" pitchFamily="18" charset="0"/>
+                        </a:rPr>
+                        <m:t>= </m:t>
+                      </m:r>
+                      <m:f>
+                        <m:fPr>
+                          <m:ctrlPr>
+                            <a:rPr lang="en-US" sz="2200" i="1">
+                              <a:latin typeface="Cambria Math"/>
+                            </a:rPr>
+                          </m:ctrlPr>
+                        </m:fPr>
+                        <m:num>
+                          <m:r>
+                            <a:rPr lang="en-US" sz="2200" i="1" smtClean="0">
+                              <a:latin typeface="Cambria Math"/>
+                            </a:rPr>
+                            <m:t>0</m:t>
+                          </m:r>
+                          <m:r>
+                            <a:rPr lang="en-US" sz="2200" b="0" i="1" smtClean="0">
+                              <a:latin typeface="Cambria Math"/>
+                            </a:rPr>
+                            <m:t>.10+0.0667+0.05+0.04</m:t>
+                          </m:r>
+                        </m:num>
+                        <m:den>
+                          <m:r>
+                            <a:rPr lang="en-US" sz="2200" i="1">
+                              <a:latin typeface="Cambria Math" panose="02040503050406030204" pitchFamily="18" charset="0"/>
+                            </a:rPr>
+                            <m:t>4</m:t>
+                          </m:r>
+                        </m:den>
+                      </m:f>
+                      <m:r>
+                        <a:rPr lang="en-US" sz="2200" b="0" i="1" smtClean="0">
+                          <a:latin typeface="Cambria Math"/>
+                        </a:rPr>
+                        <m:t>=</m:t>
+                      </m:r>
+                      <m:f>
+                        <m:fPr>
+                          <m:ctrlPr>
+                            <a:rPr lang="en-US" sz="2200" b="0" i="1" smtClean="0">
+                              <a:latin typeface="Cambria Math"/>
+                            </a:rPr>
+                          </m:ctrlPr>
+                        </m:fPr>
+                        <m:num>
+                          <m:r>
+                            <a:rPr lang="en-US" sz="2200" b="0" i="1" smtClean="0">
+                              <a:latin typeface="Cambria Math"/>
+                            </a:rPr>
+                            <m:t>0.2567</m:t>
+                          </m:r>
+                        </m:num>
+                        <m:den>
+                          <m:r>
+                            <a:rPr lang="en-US" sz="2200" b="0" i="1" smtClean="0">
+                              <a:latin typeface="Cambria Math"/>
+                            </a:rPr>
+                            <m:t>4</m:t>
+                          </m:r>
+                        </m:den>
+                      </m:f>
+                      <m:r>
+                        <a:rPr lang="en-US" sz="2200" b="0" i="1" smtClean="0">
+                          <a:latin typeface="Cambria Math"/>
+                        </a:rPr>
+                        <m:t>=</m:t>
+                      </m:r>
+                      <m:r>
+                        <a:rPr lang="en-US" sz="2200" b="0" i="1" smtClean="0">
+                          <a:solidFill>
+                            <a:srgbClr val="C00000"/>
+                          </a:solidFill>
+                          <a:latin typeface="Cambria Math"/>
+                        </a:rPr>
+                        <m:t>0.0642</m:t>
+                      </m:r>
+                    </m:oMath>
+                  </m:oMathPara>
+                </a14:m>
+                <a:endParaRPr lang="en-US" sz="2200" b="1" dirty="0">
+                  <a:solidFill>
+                    <a:srgbClr val="C00000"/>
+                  </a:solidFill>
+                </a:endParaRPr>
+              </a:p>
+            </p:txBody>
+          </p:sp>
+        </mc:Choice>
+        <mc:Fallback xmlns="">
+          <p:sp>
+            <p:nvSpPr>
+              <p:cNvPr id="7" name="Rectangle 6">
+                <a:extLst>
+                  <a:ext uri="{FF2B5EF4-FFF2-40B4-BE49-F238E27FC236}">
+                    <a16:creationId xmlns:a16="http://schemas.microsoft.com/office/drawing/2014/main" xmlns:a14="http://schemas.microsoft.com/office/drawing/2010/main" xmlns="" id="{CA0A9E09-F04C-4419-ACA0-624D88A33C16}"/>
+                  </a:ext>
+                </a:extLst>
+              </p:cNvPr>
+              <p:cNvSpPr>
+                <a:spLocks noRot="1" noChangeAspect="1" noMove="1" noResize="1" noEditPoints="1" noAdjustHandles="1" noChangeArrowheads="1" noChangeShapeType="1" noTextEdit="1"/>
+              </p:cNvSpPr>
+              <p:nvPr/>
+            </p:nvSpPr>
+            <p:spPr>
+              <a:xfrm>
+                <a:off x="4129603" y="3578382"/>
+                <a:ext cx="7427987" cy="733021"/>
+              </a:xfrm>
+              <a:prstGeom prst="rect">
+                <a:avLst/>
+              </a:prstGeom>
+              <a:blipFill rotWithShape="1">
+                <a:blip r:embed="rId4"/>
+                <a:stretch>
+                  <a:fillRect/>
+                </a:stretch>
+              </a:blipFill>
+            </p:spPr>
+            <p:txBody>
+              <a:bodyPr/>
+              <a:lstStyle/>
+              <a:p>
+                <a:r>
+                  <a:rPr lang="en-PH">
+                    <a:noFill/>
+                  </a:rPr>
+                  <a:t> </a:t>
+                </a:r>
+              </a:p>
+            </p:txBody>
+          </p:sp>
+        </mc:Fallback>
+      </mc:AlternateContent>
+      <mc:AlternateContent xmlns:mc="http://schemas.openxmlformats.org/markup-compatibility/2006" xmlns:a14="http://schemas.microsoft.com/office/drawing/2010/main">
+        <mc:Choice Requires="a14">
+          <p:sp>
+            <p:nvSpPr>
+              <p:cNvPr id="10" name="Rectangle 9">
+                <a:extLst>
+                  <a:ext uri="{FF2B5EF4-FFF2-40B4-BE49-F238E27FC236}">
+                    <a16:creationId xmlns="" xmlns:a16="http://schemas.microsoft.com/office/drawing/2014/main" id="{CA0A9E09-F04C-4419-ACA0-624D88A33C16}"/>
+                  </a:ext>
+                </a:extLst>
+              </p:cNvPr>
+              <p:cNvSpPr/>
+              <p:nvPr/>
+            </p:nvSpPr>
+            <p:spPr>
+              <a:xfrm>
+                <a:off x="4140236" y="4653944"/>
+                <a:ext cx="7427987" cy="430887"/>
+              </a:xfrm>
+              <a:prstGeom prst="rect">
+                <a:avLst/>
+              </a:prstGeom>
+            </p:spPr>
+            <p:txBody>
+              <a:bodyPr wrap="square">
+                <a:spAutoFit/>
+              </a:bodyPr>
+              <a:lstStyle/>
+              <a:p>
+                <a:pPr/>
+                <a14:m>
+                  <m:oMathPara xmlns:m="http://schemas.openxmlformats.org/officeDocument/2006/math">
+                    <m:oMathParaPr>
+                      <m:jc m:val="left"/>
+                    </m:oMathParaPr>
+                    <m:oMath xmlns:m="http://schemas.openxmlformats.org/officeDocument/2006/math">
+                      <m:r>
+                        <a:rPr lang="en-US" sz="2200" b="0" i="1" smtClean="0">
+                          <a:latin typeface="Cambria Math"/>
+                        </a:rPr>
+                        <m:t>𝑀𝐴𝑃𝐸</m:t>
+                      </m:r>
+                      <m:r>
+                        <a:rPr lang="en-US" sz="2200" i="1" smtClean="0">
+                          <a:latin typeface="Cambria Math" panose="02040503050406030204" pitchFamily="18" charset="0"/>
+                        </a:rPr>
+                        <m:t>= </m:t>
+                      </m:r>
+                      <m:r>
+                        <a:rPr lang="en-US" sz="2200" b="0" i="1" smtClean="0">
+                          <a:latin typeface="Cambria Math"/>
+                        </a:rPr>
+                        <m:t>0.0642 ∗100=</m:t>
+                      </m:r>
+                      <m:r>
+                        <a:rPr lang="en-US" sz="2200" b="0" i="1" smtClean="0">
+                          <a:solidFill>
+                            <a:srgbClr val="C00000"/>
+                          </a:solidFill>
+                          <a:latin typeface="Cambria Math"/>
+                        </a:rPr>
+                        <m:t>6.42%</m:t>
+                      </m:r>
+                    </m:oMath>
+                  </m:oMathPara>
+                </a14:m>
+                <a:endParaRPr lang="en-US" sz="2200" b="1" dirty="0">
+                  <a:solidFill>
+                    <a:srgbClr val="C00000"/>
+                  </a:solidFill>
+                </a:endParaRPr>
+              </a:p>
+            </p:txBody>
+          </p:sp>
+        </mc:Choice>
+        <mc:Fallback xmlns="">
+          <p:sp>
+            <p:nvSpPr>
+              <p:cNvPr id="10" name="Rectangle 9">
+                <a:extLst>
+                  <a:ext uri="{FF2B5EF4-FFF2-40B4-BE49-F238E27FC236}">
+                    <a16:creationId xmlns:a16="http://schemas.microsoft.com/office/drawing/2014/main" xmlns:a14="http://schemas.microsoft.com/office/drawing/2010/main" xmlns="" id="{CA0A9E09-F04C-4419-ACA0-624D88A33C16}"/>
+                  </a:ext>
+                </a:extLst>
+              </p:cNvPr>
+              <p:cNvSpPr>
+                <a:spLocks noRot="1" noChangeAspect="1" noMove="1" noResize="1" noEditPoints="1" noAdjustHandles="1" noChangeArrowheads="1" noChangeShapeType="1" noTextEdit="1"/>
+              </p:cNvSpPr>
+              <p:nvPr/>
+            </p:nvSpPr>
+            <p:spPr>
+              <a:xfrm>
+                <a:off x="4140236" y="4653944"/>
+                <a:ext cx="7427987" cy="430887"/>
+              </a:xfrm>
+              <a:prstGeom prst="rect">
+                <a:avLst/>
+              </a:prstGeom>
+              <a:blipFill rotWithShape="1">
+                <a:blip r:embed="rId5"/>
+                <a:stretch>
+                  <a:fillRect/>
+                </a:stretch>
+              </a:blipFill>
+            </p:spPr>
+            <p:txBody>
+              <a:bodyPr/>
+              <a:lstStyle/>
+              <a:p>
+                <a:r>
+                  <a:rPr lang="en-PH">
+                    <a:noFill/>
+                  </a:rPr>
+                  <a:t> </a:t>
+                </a:r>
+              </a:p>
+            </p:txBody>
+          </p:sp>
+        </mc:Fallback>
+      </mc:AlternateContent>
+      <p:sp>
+        <p:nvSpPr>
+          <p:cNvPr id="8" name="Rectangle 7">
+            <a:extLst>
+              <a:ext uri="{FF2B5EF4-FFF2-40B4-BE49-F238E27FC236}">
+                <a16:creationId xmlns="" xmlns:a16="http://schemas.microsoft.com/office/drawing/2014/main" id="{994885C2-2BFE-4F3E-9587-E977A16051D6}"/>
+              </a:ext>
+            </a:extLst>
+          </p:cNvPr>
+          <p:cNvSpPr/>
+          <p:nvPr/>
+        </p:nvSpPr>
+        <p:spPr>
+          <a:xfrm>
+            <a:off x="495306" y="5731305"/>
+            <a:ext cx="11287654" cy="461665"/>
+          </a:xfrm>
+          <a:prstGeom prst="rect">
+            <a:avLst/>
+          </a:prstGeom>
+        </p:spPr>
+        <p:txBody>
+          <a:bodyPr wrap="square">
+            <a:spAutoFit/>
+          </a:bodyPr>
+          <a:lstStyle/>
+          <a:p>
+            <a:r>
+              <a:rPr lang="en-PH" sz="2400" dirty="0">
+                <a:solidFill>
+                  <a:srgbClr val="C00000"/>
+                </a:solidFill>
+              </a:rPr>
+              <a:t>Interpretation: </a:t>
+            </a:r>
+            <a:r>
+              <a:rPr lang="en-PH" sz="2400" dirty="0" smtClean="0"/>
+              <a:t>On average, the forecast is off by about 6.42% relative to the actual values</a:t>
+            </a:r>
+            <a:endParaRPr lang="en-PH" sz="2400" dirty="0"/>
+          </a:p>
+        </p:txBody>
+      </p:sp>
+    </p:spTree>
+    <p:extLst>
+      <p:ext uri="{BB962C8B-B14F-4D97-AF65-F5344CB8AC3E}">
+        <p14:creationId xmlns:p14="http://schemas.microsoft.com/office/powerpoint/2010/main" val="784221049"/>
+      </p:ext>
+    </p:extLst>
+  </p:cSld>
+  <p:clrMapOvr>
+    <a:masterClrMapping/>
+  </p:clrMapOvr>
+</p:sld>
+</file>
+
+<file path=ppt/slides/slide17.xml><?xml version="1.0" encoding="utf-8"?>
+<p:sld xmlns:a="http://schemas.openxmlformats.org/drawingml/2006/main" xmlns:r="http://schemas.openxmlformats.org/officeDocument/2006/relationships" xmlns:p="http://schemas.openxmlformats.org/presentationml/2006/main">
+  <p:cSld>
+    <p:spTree>
+      <p:nvGrpSpPr>
+        <p:cNvPr id="1" name=""/>
+        <p:cNvGrpSpPr/>
+        <p:nvPr/>
+      </p:nvGrpSpPr>
+      <p:grpSpPr>
+        <a:xfrm>
+          <a:off x="0" y="0"/>
+          <a:ext cx="0" cy="0"/>
+          <a:chOff x="0" y="0"/>
+          <a:chExt cx="0" cy="0"/>
+        </a:xfrm>
+      </p:grpSpPr>
+      <p:sp>
+        <p:nvSpPr>
+          <p:cNvPr id="4" name="TextBox 3"/>
           <p:cNvSpPr txBox="1"/>
           <p:nvPr/>
         </p:nvSpPr>
         <p:spPr>
           <a:xfrm>
-            <a:off x="721364" y="2562078"/>
-            <a:ext cx="10749281" cy="830997"/>
+            <a:off x="901714" y="966050"/>
+            <a:ext cx="10558668" cy="3600986"/>
           </a:xfrm>
           <a:prstGeom prst="rect">
             <a:avLst/>
@@ -6421,35 +11216,244 @@
           </a:bodyPr>
           <a:lstStyle/>
           <a:p>
-            <a:pPr algn="ctr"/>
-            <a:r>
-              <a:rPr lang="en-US" sz="4800" b="1" dirty="0">
-                <a:latin typeface="Arial" pitchFamily="34" charset="0"/>
-                <a:cs typeface="Arial" pitchFamily="34" charset="0"/>
-              </a:rPr>
-              <a:t>Thank you very much for listening</a:t>
-            </a:r>
-            <a:r>
-              <a:rPr lang="en-US" sz="3200" b="1" dirty="0">
-                <a:latin typeface="Arial" pitchFamily="34" charset="0"/>
-                <a:cs typeface="Arial" pitchFamily="34" charset="0"/>
-              </a:rPr>
-              <a:t>.</a:t>
-            </a:r>
-            <a:endParaRPr lang="en-US" sz="3200" b="1" dirty="0">
-              <a:solidFill>
-                <a:schemeClr val="accent2"/>
-              </a:solidFill>
-              <a:latin typeface="Arial" pitchFamily="34" charset="0"/>
-              <a:cs typeface="Arial" pitchFamily="34" charset="0"/>
-            </a:endParaRPr>
+            <a:r>
+              <a:rPr lang="en-US" sz="4400" b="1" dirty="0" smtClean="0"/>
+              <a:t>Takeaway</a:t>
+            </a:r>
+            <a:endParaRPr lang="en-US" sz="4400" b="1" dirty="0"/>
+          </a:p>
+          <a:p>
+            <a:endParaRPr lang="en-US" sz="1600" dirty="0"/>
+          </a:p>
+          <a:p>
+            <a:pPr marL="514350" indent="-514350">
+              <a:buAutoNum type="arabicPeriod"/>
+            </a:pPr>
+            <a:r>
+              <a:rPr lang="en-US" sz="2800" b="1" dirty="0" smtClean="0"/>
+              <a:t>MAE</a:t>
+            </a:r>
+            <a:r>
+              <a:rPr lang="en-US" sz="2800" dirty="0" smtClean="0"/>
+              <a:t> gives the average error in the same units as the data.</a:t>
+            </a:r>
+          </a:p>
+          <a:p>
+            <a:pPr marL="514350" indent="-514350">
+              <a:buAutoNum type="arabicPeriod"/>
+            </a:pPr>
+            <a:r>
+              <a:rPr lang="en-US" sz="2800" b="1" dirty="0" smtClean="0"/>
+              <a:t>MSE</a:t>
+            </a:r>
+            <a:r>
+              <a:rPr lang="en-US" sz="2800" dirty="0" smtClean="0"/>
+              <a:t> penalizes larger errors more by squaring them.</a:t>
+            </a:r>
+          </a:p>
+          <a:p>
+            <a:pPr marL="514350" indent="-514350">
+              <a:buAutoNum type="arabicPeriod"/>
+            </a:pPr>
+            <a:r>
+              <a:rPr lang="en-US" sz="2800" b="1" dirty="0" smtClean="0"/>
+              <a:t>RMSE</a:t>
+            </a:r>
+            <a:r>
+              <a:rPr lang="en-US" sz="2800" dirty="0" smtClean="0"/>
+              <a:t> brings MSE back to the original units, offering a clear view of the error magnitude.</a:t>
+            </a:r>
+          </a:p>
+          <a:p>
+            <a:pPr marL="514350" indent="-514350">
+              <a:buAutoNum type="arabicPeriod"/>
+            </a:pPr>
+            <a:r>
+              <a:rPr lang="en-US" sz="2800" b="1" dirty="0" smtClean="0"/>
+              <a:t>MAPE</a:t>
+            </a:r>
+            <a:r>
+              <a:rPr lang="en-US" sz="2800" dirty="0" smtClean="0"/>
+              <a:t> expresses errors as percentage, making it easier to compare across different scales.</a:t>
+            </a:r>
+            <a:endParaRPr lang="en-US" sz="2800" dirty="0"/>
           </a:p>
         </p:txBody>
       </p:sp>
     </p:spTree>
     <p:extLst>
       <p:ext uri="{BB962C8B-B14F-4D97-AF65-F5344CB8AC3E}">
-        <p14:creationId xmlns:p14="http://schemas.microsoft.com/office/powerpoint/2010/main" val="1328378833"/>
+        <p14:creationId xmlns:p14="http://schemas.microsoft.com/office/powerpoint/2010/main" val="4042817374"/>
+      </p:ext>
+    </p:extLst>
+  </p:cSld>
+  <p:clrMapOvr>
+    <a:masterClrMapping/>
+  </p:clrMapOvr>
+</p:sld>
+</file>
+
+<file path=ppt/slides/slide18.xml><?xml version="1.0" encoding="utf-8"?>
+<p:sld xmlns:a="http://schemas.openxmlformats.org/drawingml/2006/main" xmlns:r="http://schemas.openxmlformats.org/officeDocument/2006/relationships" xmlns:p="http://schemas.openxmlformats.org/presentationml/2006/main">
+  <p:cSld>
+    <p:spTree>
+      <p:nvGrpSpPr>
+        <p:cNvPr id="1" name=""/>
+        <p:cNvGrpSpPr/>
+        <p:nvPr/>
+      </p:nvGrpSpPr>
+      <p:grpSpPr>
+        <a:xfrm>
+          <a:off x="0" y="0"/>
+          <a:ext cx="0" cy="0"/>
+          <a:chOff x="0" y="0"/>
+          <a:chExt cx="0" cy="0"/>
+        </a:xfrm>
+      </p:grpSpPr>
+      <p:sp>
+        <p:nvSpPr>
+          <p:cNvPr id="4" name="Slide Number Placeholder 3">
+            <a:extLst>
+              <a:ext uri="{FF2B5EF4-FFF2-40B4-BE49-F238E27FC236}">
+                <a16:creationId xmlns="" xmlns:a16="http://schemas.microsoft.com/office/drawing/2014/main" id="{62E7B5B2-C921-4EA7-A2E9-CC1D800412DA}"/>
+              </a:ext>
+            </a:extLst>
+          </p:cNvPr>
+          <p:cNvSpPr>
+            <a:spLocks noGrp="1"/>
+          </p:cNvSpPr>
+          <p:nvPr>
+            <p:ph type="sldNum" sz="quarter" idx="12"/>
+          </p:nvPr>
+        </p:nvSpPr>
+        <p:spPr/>
+        <p:txBody>
+          <a:bodyPr/>
+          <a:lstStyle/>
+          <a:p>
+            <a:fld id="{52DC67D9-7476-42EA-B107-119E1B18B658}" type="slidenum">
+              <a:rPr lang="en-US" smtClean="0"/>
+              <a:t>18</a:t>
+            </a:fld>
+            <a:endParaRPr lang="en-US" dirty="0"/>
+          </a:p>
+        </p:txBody>
+      </p:sp>
+      <p:sp>
+        <p:nvSpPr>
+          <p:cNvPr id="5" name="TextBox 4">
+            <a:extLst>
+              <a:ext uri="{FF2B5EF4-FFF2-40B4-BE49-F238E27FC236}">
+                <a16:creationId xmlns="" xmlns:a16="http://schemas.microsoft.com/office/drawing/2014/main" id="{3984CB54-17A6-4F9C-BC6F-202D8A01035C}"/>
+              </a:ext>
+            </a:extLst>
+          </p:cNvPr>
+          <p:cNvSpPr txBox="1"/>
+          <p:nvPr/>
+        </p:nvSpPr>
+        <p:spPr>
+          <a:xfrm>
+            <a:off x="369902" y="2413337"/>
+            <a:ext cx="11452196" cy="1015663"/>
+          </a:xfrm>
+          <a:prstGeom prst="rect">
+            <a:avLst/>
+          </a:prstGeom>
+          <a:noFill/>
+        </p:spPr>
+        <p:txBody>
+          <a:bodyPr wrap="square" rtlCol="0">
+            <a:spAutoFit/>
+          </a:bodyPr>
+          <a:lstStyle/>
+          <a:p>
+            <a:pPr algn="ctr"/>
+            <a:r>
+              <a:rPr lang="en-US" sz="6000" b="1" dirty="0" smtClean="0"/>
+              <a:t>Various Cases</a:t>
+            </a:r>
+            <a:endParaRPr lang="en-US" sz="6000" b="1" dirty="0"/>
+          </a:p>
+        </p:txBody>
+      </p:sp>
+    </p:spTree>
+    <p:extLst>
+      <p:ext uri="{BB962C8B-B14F-4D97-AF65-F5344CB8AC3E}">
+        <p14:creationId xmlns:p14="http://schemas.microsoft.com/office/powerpoint/2010/main" val="253722523"/>
+      </p:ext>
+    </p:extLst>
+  </p:cSld>
+  <p:clrMapOvr>
+    <a:masterClrMapping/>
+  </p:clrMapOvr>
+</p:sld>
+</file>
+
+<file path=ppt/slides/slide19.xml><?xml version="1.0" encoding="utf-8"?>
+<p:sld xmlns:a="http://schemas.openxmlformats.org/drawingml/2006/main" xmlns:r="http://schemas.openxmlformats.org/officeDocument/2006/relationships" xmlns:p="http://schemas.openxmlformats.org/presentationml/2006/main">
+  <p:cSld>
+    <p:spTree>
+      <p:nvGrpSpPr>
+        <p:cNvPr id="1" name=""/>
+        <p:cNvGrpSpPr/>
+        <p:nvPr/>
+      </p:nvGrpSpPr>
+      <p:grpSpPr>
+        <a:xfrm>
+          <a:off x="0" y="0"/>
+          <a:ext cx="0" cy="0"/>
+          <a:chOff x="0" y="0"/>
+          <a:chExt cx="0" cy="0"/>
+        </a:xfrm>
+      </p:grpSpPr>
+      <p:sp>
+        <p:nvSpPr>
+          <p:cNvPr id="5" name="TextBox 4">
+            <a:extLst>
+              <a:ext uri="{FF2B5EF4-FFF2-40B4-BE49-F238E27FC236}">
+                <a16:creationId xmlns="" xmlns:a16="http://schemas.microsoft.com/office/drawing/2014/main" id="{3984CB54-17A6-4F9C-BC6F-202D8A01035C}"/>
+              </a:ext>
+            </a:extLst>
+          </p:cNvPr>
+          <p:cNvSpPr txBox="1"/>
+          <p:nvPr/>
+        </p:nvSpPr>
+        <p:spPr>
+          <a:xfrm>
+            <a:off x="369902" y="2179421"/>
+            <a:ext cx="11452196" cy="1938992"/>
+          </a:xfrm>
+          <a:prstGeom prst="rect">
+            <a:avLst/>
+          </a:prstGeom>
+          <a:noFill/>
+        </p:spPr>
+        <p:txBody>
+          <a:bodyPr wrap="square" rtlCol="0">
+            <a:spAutoFit/>
+          </a:bodyPr>
+          <a:lstStyle/>
+          <a:p>
+            <a:pPr algn="ctr"/>
+            <a:r>
+              <a:rPr lang="en-US" sz="6000" b="1" dirty="0" smtClean="0"/>
+              <a:t>Example 1: </a:t>
+            </a:r>
+          </a:p>
+          <a:p>
+            <a:pPr algn="ctr"/>
+            <a:r>
+              <a:rPr lang="en-US" sz="6000" b="1" dirty="0" smtClean="0"/>
+              <a:t>Sensitivity to Outliers</a:t>
+            </a:r>
+            <a:endParaRPr lang="en-US" sz="6000" b="1" dirty="0"/>
+          </a:p>
+        </p:txBody>
+      </p:sp>
+    </p:spTree>
+    <p:extLst>
+      <p:ext uri="{BB962C8B-B14F-4D97-AF65-F5344CB8AC3E}">
+        <p14:creationId xmlns:p14="http://schemas.microsoft.com/office/powerpoint/2010/main" val="3601320719"/>
       </p:ext>
     </p:extLst>
   </p:cSld>
@@ -6638,7 +11642,7 @@
           <p:cNvPr id="5" name="Picture 4">
             <a:extLst>
               <a:ext uri="{FF2B5EF4-FFF2-40B4-BE49-F238E27FC236}">
-                <a16:creationId xmlns:a16="http://schemas.microsoft.com/office/drawing/2014/main" id="{4A8FF7F7-BE07-4F68-A7D5-1F638CAE8FDD}"/>
+                <a16:creationId xmlns="" xmlns:a16="http://schemas.microsoft.com/office/drawing/2014/main" id="{4A8FF7F7-BE07-4F68-A7D5-1F638CAE8FDD}"/>
               </a:ext>
             </a:extLst>
           </p:cNvPr>
@@ -6667,6 +11671,3088 @@
     <p:extLst>
       <p:ext uri="{BB962C8B-B14F-4D97-AF65-F5344CB8AC3E}">
         <p14:creationId xmlns:p14="http://schemas.microsoft.com/office/powerpoint/2010/main" val="874253970"/>
+      </p:ext>
+    </p:extLst>
+  </p:cSld>
+  <p:clrMapOvr>
+    <a:masterClrMapping/>
+  </p:clrMapOvr>
+</p:sld>
+</file>
+
+<file path=ppt/slides/slide20.xml><?xml version="1.0" encoding="utf-8"?>
+<p:sld xmlns:a="http://schemas.openxmlformats.org/drawingml/2006/main" xmlns:r="http://schemas.openxmlformats.org/officeDocument/2006/relationships" xmlns:p="http://schemas.openxmlformats.org/presentationml/2006/main">
+  <p:cSld>
+    <p:spTree>
+      <p:nvGrpSpPr>
+        <p:cNvPr id="1" name=""/>
+        <p:cNvGrpSpPr/>
+        <p:nvPr/>
+      </p:nvGrpSpPr>
+      <p:grpSpPr>
+        <a:xfrm>
+          <a:off x="0" y="0"/>
+          <a:ext cx="0" cy="0"/>
+          <a:chOff x="0" y="0"/>
+          <a:chExt cx="0" cy="0"/>
+        </a:xfrm>
+      </p:grpSpPr>
+      <mc:AlternateContent xmlns:mc="http://schemas.openxmlformats.org/markup-compatibility/2006" xmlns:a14="http://schemas.microsoft.com/office/drawing/2010/main">
+        <mc:Choice Requires="a14">
+          <p:graphicFrame>
+            <p:nvGraphicFramePr>
+              <p:cNvPr id="3" name="Table 2">
+                <a:extLst>
+                  <a:ext uri="{FF2B5EF4-FFF2-40B4-BE49-F238E27FC236}">
+                    <a16:creationId xmlns="" xmlns:a16="http://schemas.microsoft.com/office/drawing/2014/main" id="{D5550273-5528-43BD-8412-7F8D06306A14}"/>
+                  </a:ext>
+                </a:extLst>
+              </p:cNvPr>
+              <p:cNvGraphicFramePr>
+                <a:graphicFrameLocks noGrp="1"/>
+              </p:cNvGraphicFramePr>
+              <p:nvPr>
+                <p:extLst>
+                  <p:ext uri="{D42A27DB-BD31-4B8C-83A1-F6EECF244321}">
+                    <p14:modId xmlns:p14="http://schemas.microsoft.com/office/powerpoint/2010/main" val="3145775552"/>
+                  </p:ext>
+                </p:extLst>
+              </p:nvPr>
+            </p:nvGraphicFramePr>
+            <p:xfrm>
+              <a:off x="2032001" y="980923"/>
+              <a:ext cx="8127999" cy="2743200"/>
+            </p:xfrm>
+            <a:graphic>
+              <a:graphicData uri="http://schemas.openxmlformats.org/drawingml/2006/table">
+                <a:tbl>
+                  <a:tblPr firstRow="1" bandRow="1">
+                    <a:tableStyleId>{5940675A-B579-460E-94D1-54222C63F5DA}</a:tableStyleId>
+                  </a:tblPr>
+                  <a:tblGrid>
+                    <a:gridCol w="1075093">
+                      <a:extLst>
+                        <a:ext uri="{9D8B030D-6E8A-4147-A177-3AD203B41FA5}">
+                          <a16:colId xmlns="" xmlns:a16="http://schemas.microsoft.com/office/drawing/2014/main" val="2590844336"/>
+                        </a:ext>
+                      </a:extLst>
+                    </a:gridCol>
+                    <a:gridCol w="3331028">
+                      <a:extLst>
+                        <a:ext uri="{9D8B030D-6E8A-4147-A177-3AD203B41FA5}">
+                          <a16:colId xmlns="" xmlns:a16="http://schemas.microsoft.com/office/drawing/2014/main" val="2133703778"/>
+                        </a:ext>
+                      </a:extLst>
+                    </a:gridCol>
+                    <a:gridCol w="3721878">
+                      <a:extLst>
+                        <a:ext uri="{9D8B030D-6E8A-4147-A177-3AD203B41FA5}">
+                          <a16:colId xmlns="" xmlns:a16="http://schemas.microsoft.com/office/drawing/2014/main" val="4072587226"/>
+                        </a:ext>
+                      </a:extLst>
+                    </a:gridCol>
+                  </a:tblGrid>
+                  <a:tr h="370840">
+                    <a:tc>
+                      <a:txBody>
+                        <a:bodyPr/>
+                        <a:lstStyle/>
+                        <a:p>
+                          <a:pPr algn="ctr"/>
+                          <a:r>
+                            <a:rPr lang="en-US" sz="2400" b="1" dirty="0"/>
+                            <a:t>Month</a:t>
+                          </a:r>
+                          <a:endParaRPr lang="en-PH" sz="2400" b="1" dirty="0"/>
+                        </a:p>
+                      </a:txBody>
+                      <a:tcPr/>
+                    </a:tc>
+                    <a:tc>
+                      <a:txBody>
+                        <a:bodyPr/>
+                        <a:lstStyle/>
+                        <a:p>
+                          <a:pPr algn="ctr"/>
+                          <a:r>
+                            <a:rPr lang="en-US" sz="2400" b="1" dirty="0"/>
+                            <a:t>Actual (</a:t>
+                          </a:r>
+                          <a14:m>
+                            <m:oMath xmlns:m="http://schemas.openxmlformats.org/officeDocument/2006/math">
+                              <m:sSub>
+                                <m:sSubPr>
+                                  <m:ctrlPr>
+                                    <a:rPr lang="en-US" sz="2400" b="1" i="1" smtClean="0">
+                                      <a:latin typeface="Cambria Math"/>
+                                    </a:rPr>
+                                  </m:ctrlPr>
+                                </m:sSubPr>
+                                <m:e>
+                                  <m:r>
+                                    <a:rPr lang="en-US" sz="2400" b="1" i="1" smtClean="0">
+                                      <a:latin typeface="Cambria Math" panose="02040503050406030204" pitchFamily="18" charset="0"/>
+                                    </a:rPr>
+                                    <m:t>𝒚</m:t>
+                                  </m:r>
+                                </m:e>
+                                <m:sub>
+                                  <m:r>
+                                    <a:rPr lang="en-US" sz="2400" b="1" i="1" smtClean="0">
+                                      <a:latin typeface="Cambria Math" panose="02040503050406030204" pitchFamily="18" charset="0"/>
+                                    </a:rPr>
+                                    <m:t>𝒊</m:t>
+                                  </m:r>
+                                </m:sub>
+                              </m:sSub>
+                            </m:oMath>
+                          </a14:m>
+                          <a:r>
+                            <a:rPr lang="en-US" sz="2400" b="1" dirty="0"/>
+                            <a:t>)</a:t>
+                          </a:r>
+                          <a:endParaRPr lang="en-PH" sz="2400" b="1" dirty="0"/>
+                        </a:p>
+                      </a:txBody>
+                      <a:tcPr/>
+                    </a:tc>
+                    <a:tc>
+                      <a:txBody>
+                        <a:bodyPr/>
+                        <a:lstStyle/>
+                        <a:p>
+                          <a:pPr marL="0" marR="0" lvl="0" indent="0" algn="ctr" defTabSz="914400" rtl="0" eaLnBrk="1" fontAlgn="auto" latinLnBrk="0" hangingPunct="1">
+                            <a:lnSpc>
+                              <a:spcPct val="100000"/>
+                            </a:lnSpc>
+                            <a:spcBef>
+                              <a:spcPts val="0"/>
+                            </a:spcBef>
+                            <a:spcAft>
+                              <a:spcPts val="0"/>
+                            </a:spcAft>
+                            <a:buClrTx/>
+                            <a:buSzTx/>
+                            <a:buFontTx/>
+                            <a:buNone/>
+                            <a:tabLst/>
+                            <a:defRPr/>
+                          </a:pPr>
+                          <a:r>
+                            <a:rPr lang="en-US" sz="2400" b="1" dirty="0"/>
+                            <a:t>Forecast (</a:t>
+                          </a:r>
+                          <a14:m>
+                            <m:oMath xmlns:m="http://schemas.openxmlformats.org/officeDocument/2006/math">
+                              <m:sSub>
+                                <m:sSubPr>
+                                  <m:ctrlPr>
+                                    <a:rPr lang="en-US" sz="2400" b="1" i="1" smtClean="0">
+                                      <a:latin typeface="Cambria Math"/>
+                                    </a:rPr>
+                                  </m:ctrlPr>
+                                </m:sSubPr>
+                                <m:e>
+                                  <m:acc>
+                                    <m:accPr>
+                                      <m:chr m:val="̂"/>
+                                      <m:ctrlPr>
+                                        <a:rPr lang="en-US" sz="2400" b="1" i="1" smtClean="0">
+                                          <a:latin typeface="Cambria Math"/>
+                                        </a:rPr>
+                                      </m:ctrlPr>
+                                    </m:accPr>
+                                    <m:e>
+                                      <m:r>
+                                        <a:rPr lang="en-US" sz="2400" b="1" i="1" smtClean="0">
+                                          <a:latin typeface="Cambria Math" panose="02040503050406030204" pitchFamily="18" charset="0"/>
+                                        </a:rPr>
+                                        <m:t>𝒚</m:t>
+                                      </m:r>
+                                    </m:e>
+                                  </m:acc>
+                                </m:e>
+                                <m:sub>
+                                  <m:r>
+                                    <a:rPr lang="en-US" sz="2400" b="1" i="1" smtClean="0">
+                                      <a:latin typeface="Cambria Math" panose="02040503050406030204" pitchFamily="18" charset="0"/>
+                                    </a:rPr>
+                                    <m:t>𝒊</m:t>
+                                  </m:r>
+                                </m:sub>
+                              </m:sSub>
+                            </m:oMath>
+                          </a14:m>
+                          <a:r>
+                            <a:rPr lang="en-US" sz="2400" b="1" dirty="0"/>
+                            <a:t>)</a:t>
+                          </a:r>
+                          <a:endParaRPr lang="en-PH" sz="2400" b="1" dirty="0"/>
+                        </a:p>
+                      </a:txBody>
+                      <a:tcPr/>
+                    </a:tc>
+                    <a:extLst>
+                      <a:ext uri="{0D108BD9-81ED-4DB2-BD59-A6C34878D82A}">
+                        <a16:rowId xmlns="" xmlns:a16="http://schemas.microsoft.com/office/drawing/2014/main" val="1798310828"/>
+                      </a:ext>
+                    </a:extLst>
+                  </a:tr>
+                  <a:tr h="370840">
+                    <a:tc>
+                      <a:txBody>
+                        <a:bodyPr/>
+                        <a:lstStyle/>
+                        <a:p>
+                          <a:pPr algn="ctr"/>
+                          <a:r>
+                            <a:rPr lang="en-US" sz="2400" b="0" dirty="0"/>
+                            <a:t>1</a:t>
+                          </a:r>
+                          <a:endParaRPr lang="en-PH" sz="2400" b="0" dirty="0"/>
+                        </a:p>
+                      </a:txBody>
+                      <a:tcPr/>
+                    </a:tc>
+                    <a:tc>
+                      <a:txBody>
+                        <a:bodyPr/>
+                        <a:lstStyle/>
+                        <a:p>
+                          <a:pPr algn="ctr"/>
+                          <a:r>
+                            <a:rPr lang="en-US" sz="2400" b="0" dirty="0"/>
+                            <a:t>100</a:t>
+                          </a:r>
+                          <a:endParaRPr lang="en-PH" sz="2400" b="0" dirty="0"/>
+                        </a:p>
+                      </a:txBody>
+                      <a:tcPr/>
+                    </a:tc>
+                    <a:tc>
+                      <a:txBody>
+                        <a:bodyPr/>
+                        <a:lstStyle/>
+                        <a:p>
+                          <a:pPr marL="0" marR="0" lvl="0" indent="0" algn="ctr" defTabSz="914400" rtl="0" eaLnBrk="1" fontAlgn="auto" latinLnBrk="0" hangingPunct="1">
+                            <a:lnSpc>
+                              <a:spcPct val="100000"/>
+                            </a:lnSpc>
+                            <a:spcBef>
+                              <a:spcPts val="0"/>
+                            </a:spcBef>
+                            <a:spcAft>
+                              <a:spcPts val="0"/>
+                            </a:spcAft>
+                            <a:buClrTx/>
+                            <a:buSzTx/>
+                            <a:buFontTx/>
+                            <a:buNone/>
+                            <a:tabLst/>
+                            <a:defRPr/>
+                          </a:pPr>
+                          <a:r>
+                            <a:rPr lang="en-US" sz="2400" b="0" dirty="0" smtClean="0"/>
+                            <a:t>105</a:t>
+                          </a:r>
+                          <a:endParaRPr lang="en-PH" sz="2400" b="0" dirty="0"/>
+                        </a:p>
+                      </a:txBody>
+                      <a:tcPr/>
+                    </a:tc>
+                    <a:extLst>
+                      <a:ext uri="{0D108BD9-81ED-4DB2-BD59-A6C34878D82A}">
+                        <a16:rowId xmlns="" xmlns:a16="http://schemas.microsoft.com/office/drawing/2014/main" val="1404954822"/>
+                      </a:ext>
+                    </a:extLst>
+                  </a:tr>
+                  <a:tr h="370840">
+                    <a:tc>
+                      <a:txBody>
+                        <a:bodyPr/>
+                        <a:lstStyle/>
+                        <a:p>
+                          <a:pPr algn="ctr"/>
+                          <a:r>
+                            <a:rPr lang="en-US" sz="2400" b="0" dirty="0"/>
+                            <a:t>2</a:t>
+                          </a:r>
+                          <a:endParaRPr lang="en-PH" sz="2400" b="0" dirty="0"/>
+                        </a:p>
+                      </a:txBody>
+                      <a:tcPr/>
+                    </a:tc>
+                    <a:tc>
+                      <a:txBody>
+                        <a:bodyPr/>
+                        <a:lstStyle/>
+                        <a:p>
+                          <a:pPr algn="ctr"/>
+                          <a:r>
+                            <a:rPr lang="en-US" sz="2400" b="0" dirty="0" smtClean="0"/>
+                            <a:t>100</a:t>
+                          </a:r>
+                          <a:endParaRPr lang="en-PH" sz="2400" b="0" dirty="0"/>
+                        </a:p>
+                      </a:txBody>
+                      <a:tcPr/>
+                    </a:tc>
+                    <a:tc>
+                      <a:txBody>
+                        <a:bodyPr/>
+                        <a:lstStyle/>
+                        <a:p>
+                          <a:pPr marL="0" marR="0" lvl="0" indent="0" algn="ctr" defTabSz="914400" rtl="0" eaLnBrk="1" fontAlgn="auto" latinLnBrk="0" hangingPunct="1">
+                            <a:lnSpc>
+                              <a:spcPct val="100000"/>
+                            </a:lnSpc>
+                            <a:spcBef>
+                              <a:spcPts val="0"/>
+                            </a:spcBef>
+                            <a:spcAft>
+                              <a:spcPts val="0"/>
+                            </a:spcAft>
+                            <a:buClrTx/>
+                            <a:buSzTx/>
+                            <a:buFontTx/>
+                            <a:buNone/>
+                            <a:tabLst/>
+                            <a:defRPr/>
+                          </a:pPr>
+                          <a:r>
+                            <a:rPr lang="en-US" sz="2400" b="0" dirty="0" smtClean="0"/>
+                            <a:t>95</a:t>
+                          </a:r>
+                          <a:endParaRPr lang="en-PH" sz="2400" b="0" dirty="0"/>
+                        </a:p>
+                      </a:txBody>
+                      <a:tcPr/>
+                    </a:tc>
+                    <a:extLst>
+                      <a:ext uri="{0D108BD9-81ED-4DB2-BD59-A6C34878D82A}">
+                        <a16:rowId xmlns="" xmlns:a16="http://schemas.microsoft.com/office/drawing/2014/main" val="3148427475"/>
+                      </a:ext>
+                    </a:extLst>
+                  </a:tr>
+                  <a:tr h="370840">
+                    <a:tc>
+                      <a:txBody>
+                        <a:bodyPr/>
+                        <a:lstStyle/>
+                        <a:p>
+                          <a:pPr algn="ctr"/>
+                          <a:r>
+                            <a:rPr lang="en-US" sz="2400" b="0" dirty="0"/>
+                            <a:t>3</a:t>
+                          </a:r>
+                          <a:endParaRPr lang="en-PH" sz="2400" b="0" dirty="0"/>
+                        </a:p>
+                      </a:txBody>
+                      <a:tcPr/>
+                    </a:tc>
+                    <a:tc>
+                      <a:txBody>
+                        <a:bodyPr/>
+                        <a:lstStyle/>
+                        <a:p>
+                          <a:pPr algn="ctr"/>
+                          <a:r>
+                            <a:rPr lang="en-US" sz="2400" b="0" dirty="0" smtClean="0"/>
+                            <a:t>100</a:t>
+                          </a:r>
+                          <a:endParaRPr lang="en-PH" sz="2400" b="0" dirty="0"/>
+                        </a:p>
+                      </a:txBody>
+                      <a:tcPr/>
+                    </a:tc>
+                    <a:tc>
+                      <a:txBody>
+                        <a:bodyPr/>
+                        <a:lstStyle/>
+                        <a:p>
+                          <a:pPr marL="0" marR="0" lvl="0" indent="0" algn="ctr" defTabSz="914400" rtl="0" eaLnBrk="1" fontAlgn="auto" latinLnBrk="0" hangingPunct="1">
+                            <a:lnSpc>
+                              <a:spcPct val="100000"/>
+                            </a:lnSpc>
+                            <a:spcBef>
+                              <a:spcPts val="0"/>
+                            </a:spcBef>
+                            <a:spcAft>
+                              <a:spcPts val="0"/>
+                            </a:spcAft>
+                            <a:buClrTx/>
+                            <a:buSzTx/>
+                            <a:buFontTx/>
+                            <a:buNone/>
+                            <a:tabLst/>
+                            <a:defRPr/>
+                          </a:pPr>
+                          <a:r>
+                            <a:rPr lang="en-US" sz="2400" b="0" dirty="0" smtClean="0"/>
+                            <a:t>100</a:t>
+                          </a:r>
+                          <a:endParaRPr lang="en-PH" sz="2400" b="0" dirty="0"/>
+                        </a:p>
+                      </a:txBody>
+                      <a:tcPr/>
+                    </a:tc>
+                    <a:extLst>
+                      <a:ext uri="{0D108BD9-81ED-4DB2-BD59-A6C34878D82A}">
+                        <a16:rowId xmlns="" xmlns:a16="http://schemas.microsoft.com/office/drawing/2014/main" val="1935952499"/>
+                      </a:ext>
+                    </a:extLst>
+                  </a:tr>
+                  <a:tr h="370840">
+                    <a:tc>
+                      <a:txBody>
+                        <a:bodyPr/>
+                        <a:lstStyle/>
+                        <a:p>
+                          <a:pPr algn="ctr"/>
+                          <a:r>
+                            <a:rPr lang="en-US" sz="2400" b="0" dirty="0"/>
+                            <a:t>4</a:t>
+                          </a:r>
+                          <a:endParaRPr lang="en-PH" sz="2400" b="0" dirty="0"/>
+                        </a:p>
+                      </a:txBody>
+                      <a:tcPr/>
+                    </a:tc>
+                    <a:tc>
+                      <a:txBody>
+                        <a:bodyPr/>
+                        <a:lstStyle/>
+                        <a:p>
+                          <a:pPr algn="ctr"/>
+                          <a:r>
+                            <a:rPr lang="en-US" sz="2400" b="0" dirty="0" smtClean="0"/>
+                            <a:t>100</a:t>
+                          </a:r>
+                          <a:endParaRPr lang="en-PH" sz="2400" b="0" dirty="0"/>
+                        </a:p>
+                      </a:txBody>
+                      <a:tcPr/>
+                    </a:tc>
+                    <a:tc>
+                      <a:txBody>
+                        <a:bodyPr/>
+                        <a:lstStyle/>
+                        <a:p>
+                          <a:pPr marL="0" marR="0" lvl="0" indent="0" algn="ctr" defTabSz="914400" rtl="0" eaLnBrk="1" fontAlgn="auto" latinLnBrk="0" hangingPunct="1">
+                            <a:lnSpc>
+                              <a:spcPct val="100000"/>
+                            </a:lnSpc>
+                            <a:spcBef>
+                              <a:spcPts val="0"/>
+                            </a:spcBef>
+                            <a:spcAft>
+                              <a:spcPts val="0"/>
+                            </a:spcAft>
+                            <a:buClrTx/>
+                            <a:buSzTx/>
+                            <a:buFontTx/>
+                            <a:buNone/>
+                            <a:tabLst/>
+                            <a:defRPr/>
+                          </a:pPr>
+                          <a:r>
+                            <a:rPr lang="en-US" sz="2400" b="0" dirty="0" smtClean="0"/>
+                            <a:t>100</a:t>
+                          </a:r>
+                          <a:endParaRPr lang="en-PH" sz="2400" b="0" dirty="0"/>
+                        </a:p>
+                      </a:txBody>
+                      <a:tcPr/>
+                    </a:tc>
+                    <a:extLst>
+                      <a:ext uri="{0D108BD9-81ED-4DB2-BD59-A6C34878D82A}">
+                        <a16:rowId xmlns="" xmlns:a16="http://schemas.microsoft.com/office/drawing/2014/main" val="1310842188"/>
+                      </a:ext>
+                    </a:extLst>
+                  </a:tr>
+                  <a:tr h="370840">
+                    <a:tc>
+                      <a:txBody>
+                        <a:bodyPr/>
+                        <a:lstStyle/>
+                        <a:p>
+                          <a:pPr algn="ctr"/>
+                          <a:r>
+                            <a:rPr lang="en-US" sz="2400" b="0" dirty="0" smtClean="0"/>
+                            <a:t>5</a:t>
+                          </a:r>
+                          <a:endParaRPr lang="en-PH" sz="2400" b="0" dirty="0"/>
+                        </a:p>
+                      </a:txBody>
+                      <a:tcPr/>
+                    </a:tc>
+                    <a:tc>
+                      <a:txBody>
+                        <a:bodyPr/>
+                        <a:lstStyle/>
+                        <a:p>
+                          <a:pPr algn="ctr"/>
+                          <a:r>
+                            <a:rPr lang="en-US" sz="2400" b="0" dirty="0" smtClean="0"/>
+                            <a:t>100</a:t>
+                          </a:r>
+                          <a:endParaRPr lang="en-PH" sz="2400" b="0" dirty="0"/>
+                        </a:p>
+                      </a:txBody>
+                      <a:tcPr/>
+                    </a:tc>
+                    <a:tc>
+                      <a:txBody>
+                        <a:bodyPr/>
+                        <a:lstStyle/>
+                        <a:p>
+                          <a:pPr marL="0" marR="0" lvl="0" indent="0" algn="ctr" defTabSz="914400" rtl="0" eaLnBrk="1" fontAlgn="auto" latinLnBrk="0" hangingPunct="1">
+                            <a:lnSpc>
+                              <a:spcPct val="100000"/>
+                            </a:lnSpc>
+                            <a:spcBef>
+                              <a:spcPts val="0"/>
+                            </a:spcBef>
+                            <a:spcAft>
+                              <a:spcPts val="0"/>
+                            </a:spcAft>
+                            <a:buClrTx/>
+                            <a:buSzTx/>
+                            <a:buFontTx/>
+                            <a:buNone/>
+                            <a:tabLst/>
+                            <a:defRPr/>
+                          </a:pPr>
+                          <a:r>
+                            <a:rPr lang="en-US" sz="2400" b="0" dirty="0" smtClean="0"/>
+                            <a:t>160</a:t>
+                          </a:r>
+                          <a:endParaRPr lang="en-PH" sz="2400" b="0" dirty="0"/>
+                        </a:p>
+                      </a:txBody>
+                      <a:tcPr/>
+                    </a:tc>
+                  </a:tr>
+                </a:tbl>
+              </a:graphicData>
+            </a:graphic>
+          </p:graphicFrame>
+        </mc:Choice>
+        <mc:Fallback xmlns="">
+          <p:graphicFrame>
+            <p:nvGraphicFramePr>
+              <p:cNvPr id="3" name="Table 2">
+                <a:extLst>
+                  <a:ext uri="{FF2B5EF4-FFF2-40B4-BE49-F238E27FC236}">
+                    <a16:creationId xmlns:a16="http://schemas.microsoft.com/office/drawing/2014/main" xmlns:a14="http://schemas.microsoft.com/office/drawing/2010/main" xmlns="" id="{D5550273-5528-43BD-8412-7F8D06306A14}"/>
+                  </a:ext>
+                </a:extLst>
+              </p:cNvPr>
+              <p:cNvGraphicFramePr>
+                <a:graphicFrameLocks noGrp="1"/>
+              </p:cNvGraphicFramePr>
+              <p:nvPr>
+                <p:extLst>
+                  <p:ext uri="{D42A27DB-BD31-4B8C-83A1-F6EECF244321}">
+                    <p14:modId xmlns:p14="http://schemas.microsoft.com/office/powerpoint/2010/main" val="3145775552"/>
+                  </p:ext>
+                </p:extLst>
+              </p:nvPr>
+            </p:nvGraphicFramePr>
+            <p:xfrm>
+              <a:off x="2032001" y="980923"/>
+              <a:ext cx="8127999" cy="2743200"/>
+            </p:xfrm>
+            <a:graphic>
+              <a:graphicData uri="http://schemas.openxmlformats.org/drawingml/2006/table">
+                <a:tbl>
+                  <a:tblPr firstRow="1" bandRow="1">
+                    <a:tableStyleId>{5940675A-B579-460E-94D1-54222C63F5DA}</a:tableStyleId>
+                  </a:tblPr>
+                  <a:tblGrid>
+                    <a:gridCol w="1075093">
+                      <a:extLst>
+                        <a:ext uri="{9D8B030D-6E8A-4147-A177-3AD203B41FA5}">
+                          <a16:colId xmlns:a16="http://schemas.microsoft.com/office/drawing/2014/main" xmlns:a14="http://schemas.microsoft.com/office/drawing/2010/main" xmlns="" val="2590844336"/>
+                        </a:ext>
+                      </a:extLst>
+                    </a:gridCol>
+                    <a:gridCol w="3331028">
+                      <a:extLst>
+                        <a:ext uri="{9D8B030D-6E8A-4147-A177-3AD203B41FA5}">
+                          <a16:colId xmlns:a16="http://schemas.microsoft.com/office/drawing/2014/main" xmlns:a14="http://schemas.microsoft.com/office/drawing/2010/main" xmlns="" val="2133703778"/>
+                        </a:ext>
+                      </a:extLst>
+                    </a:gridCol>
+                    <a:gridCol w="3721878">
+                      <a:extLst>
+                        <a:ext uri="{9D8B030D-6E8A-4147-A177-3AD203B41FA5}">
+                          <a16:colId xmlns:a16="http://schemas.microsoft.com/office/drawing/2014/main" xmlns:a14="http://schemas.microsoft.com/office/drawing/2010/main" xmlns="" val="4072587226"/>
+                        </a:ext>
+                      </a:extLst>
+                    </a:gridCol>
+                  </a:tblGrid>
+                  <a:tr h="457200">
+                    <a:tc>
+                      <a:txBody>
+                        <a:bodyPr/>
+                        <a:lstStyle/>
+                        <a:p>
+                          <a:pPr algn="ctr"/>
+                          <a:r>
+                            <a:rPr lang="en-US" sz="2400" b="1" dirty="0"/>
+                            <a:t>Month</a:t>
+                          </a:r>
+                          <a:endParaRPr lang="en-PH" sz="2400" b="1" dirty="0"/>
+                        </a:p>
+                      </a:txBody>
+                      <a:tcPr/>
+                    </a:tc>
+                    <a:tc>
+                      <a:txBody>
+                        <a:bodyPr/>
+                        <a:lstStyle/>
+                        <a:p>
+                          <a:endParaRPr lang="en-US"/>
+                        </a:p>
+                      </a:txBody>
+                      <a:tcPr>
+                        <a:blipFill rotWithShape="1">
+                          <a:blip r:embed="rId2"/>
+                          <a:stretch>
+                            <a:fillRect l="-32176" t="-10667" r="-111700" b="-530667"/>
+                          </a:stretch>
+                        </a:blipFill>
+                      </a:tcPr>
+                    </a:tc>
+                    <a:tc>
+                      <a:txBody>
+                        <a:bodyPr/>
+                        <a:lstStyle/>
+                        <a:p>
+                          <a:endParaRPr lang="en-US"/>
+                        </a:p>
+                      </a:txBody>
+                      <a:tcPr>
+                        <a:blipFill rotWithShape="1">
+                          <a:blip r:embed="rId2"/>
+                          <a:stretch>
+                            <a:fillRect l="-118331" t="-10667" b="-530667"/>
+                          </a:stretch>
+                        </a:blipFill>
+                      </a:tcPr>
+                    </a:tc>
+                    <a:extLst>
+                      <a:ext uri="{0D108BD9-81ED-4DB2-BD59-A6C34878D82A}">
+                        <a16:rowId xmlns:a16="http://schemas.microsoft.com/office/drawing/2014/main" xmlns:a14="http://schemas.microsoft.com/office/drawing/2010/main" xmlns="" val="1798310828"/>
+                      </a:ext>
+                    </a:extLst>
+                  </a:tr>
+                  <a:tr h="457200">
+                    <a:tc>
+                      <a:txBody>
+                        <a:bodyPr/>
+                        <a:lstStyle/>
+                        <a:p>
+                          <a:pPr algn="ctr"/>
+                          <a:r>
+                            <a:rPr lang="en-US" sz="2400" b="0" dirty="0"/>
+                            <a:t>1</a:t>
+                          </a:r>
+                          <a:endParaRPr lang="en-PH" sz="2400" b="0" dirty="0"/>
+                        </a:p>
+                      </a:txBody>
+                      <a:tcPr/>
+                    </a:tc>
+                    <a:tc>
+                      <a:txBody>
+                        <a:bodyPr/>
+                        <a:lstStyle/>
+                        <a:p>
+                          <a:pPr algn="ctr"/>
+                          <a:r>
+                            <a:rPr lang="en-US" sz="2400" b="0" dirty="0"/>
+                            <a:t>100</a:t>
+                          </a:r>
+                          <a:endParaRPr lang="en-PH" sz="2400" b="0" dirty="0"/>
+                        </a:p>
+                      </a:txBody>
+                      <a:tcPr/>
+                    </a:tc>
+                    <a:tc>
+                      <a:txBody>
+                        <a:bodyPr/>
+                        <a:lstStyle/>
+                        <a:p>
+                          <a:pPr marL="0" marR="0" lvl="0" indent="0" algn="ctr" defTabSz="914400" rtl="0" eaLnBrk="1" fontAlgn="auto" latinLnBrk="0" hangingPunct="1">
+                            <a:lnSpc>
+                              <a:spcPct val="100000"/>
+                            </a:lnSpc>
+                            <a:spcBef>
+                              <a:spcPts val="0"/>
+                            </a:spcBef>
+                            <a:spcAft>
+                              <a:spcPts val="0"/>
+                            </a:spcAft>
+                            <a:buClrTx/>
+                            <a:buSzTx/>
+                            <a:buFontTx/>
+                            <a:buNone/>
+                            <a:tabLst/>
+                            <a:defRPr/>
+                          </a:pPr>
+                          <a:r>
+                            <a:rPr lang="en-US" sz="2400" b="0" dirty="0" smtClean="0"/>
+                            <a:t>105</a:t>
+                          </a:r>
+                          <a:endParaRPr lang="en-PH" sz="2400" b="0" dirty="0"/>
+                        </a:p>
+                      </a:txBody>
+                      <a:tcPr/>
+                    </a:tc>
+                    <a:extLst>
+                      <a:ext uri="{0D108BD9-81ED-4DB2-BD59-A6C34878D82A}">
+                        <a16:rowId xmlns:a16="http://schemas.microsoft.com/office/drawing/2014/main" xmlns:a14="http://schemas.microsoft.com/office/drawing/2010/main" xmlns="" val="1404954822"/>
+                      </a:ext>
+                    </a:extLst>
+                  </a:tr>
+                  <a:tr h="457200">
+                    <a:tc>
+                      <a:txBody>
+                        <a:bodyPr/>
+                        <a:lstStyle/>
+                        <a:p>
+                          <a:pPr algn="ctr"/>
+                          <a:r>
+                            <a:rPr lang="en-US" sz="2400" b="0" dirty="0"/>
+                            <a:t>2</a:t>
+                          </a:r>
+                          <a:endParaRPr lang="en-PH" sz="2400" b="0" dirty="0"/>
+                        </a:p>
+                      </a:txBody>
+                      <a:tcPr/>
+                    </a:tc>
+                    <a:tc>
+                      <a:txBody>
+                        <a:bodyPr/>
+                        <a:lstStyle/>
+                        <a:p>
+                          <a:pPr algn="ctr"/>
+                          <a:r>
+                            <a:rPr lang="en-US" sz="2400" b="0" dirty="0" smtClean="0"/>
+                            <a:t>100</a:t>
+                          </a:r>
+                          <a:endParaRPr lang="en-PH" sz="2400" b="0" dirty="0"/>
+                        </a:p>
+                      </a:txBody>
+                      <a:tcPr/>
+                    </a:tc>
+                    <a:tc>
+                      <a:txBody>
+                        <a:bodyPr/>
+                        <a:lstStyle/>
+                        <a:p>
+                          <a:pPr marL="0" marR="0" lvl="0" indent="0" algn="ctr" defTabSz="914400" rtl="0" eaLnBrk="1" fontAlgn="auto" latinLnBrk="0" hangingPunct="1">
+                            <a:lnSpc>
+                              <a:spcPct val="100000"/>
+                            </a:lnSpc>
+                            <a:spcBef>
+                              <a:spcPts val="0"/>
+                            </a:spcBef>
+                            <a:spcAft>
+                              <a:spcPts val="0"/>
+                            </a:spcAft>
+                            <a:buClrTx/>
+                            <a:buSzTx/>
+                            <a:buFontTx/>
+                            <a:buNone/>
+                            <a:tabLst/>
+                            <a:defRPr/>
+                          </a:pPr>
+                          <a:r>
+                            <a:rPr lang="en-US" sz="2400" b="0" dirty="0" smtClean="0"/>
+                            <a:t>95</a:t>
+                          </a:r>
+                          <a:endParaRPr lang="en-PH" sz="2400" b="0" dirty="0"/>
+                        </a:p>
+                      </a:txBody>
+                      <a:tcPr/>
+                    </a:tc>
+                    <a:extLst>
+                      <a:ext uri="{0D108BD9-81ED-4DB2-BD59-A6C34878D82A}">
+                        <a16:rowId xmlns:a16="http://schemas.microsoft.com/office/drawing/2014/main" xmlns:a14="http://schemas.microsoft.com/office/drawing/2010/main" xmlns="" val="3148427475"/>
+                      </a:ext>
+                    </a:extLst>
+                  </a:tr>
+                  <a:tr h="457200">
+                    <a:tc>
+                      <a:txBody>
+                        <a:bodyPr/>
+                        <a:lstStyle/>
+                        <a:p>
+                          <a:pPr algn="ctr"/>
+                          <a:r>
+                            <a:rPr lang="en-US" sz="2400" b="0" dirty="0"/>
+                            <a:t>3</a:t>
+                          </a:r>
+                          <a:endParaRPr lang="en-PH" sz="2400" b="0" dirty="0"/>
+                        </a:p>
+                      </a:txBody>
+                      <a:tcPr/>
+                    </a:tc>
+                    <a:tc>
+                      <a:txBody>
+                        <a:bodyPr/>
+                        <a:lstStyle/>
+                        <a:p>
+                          <a:pPr algn="ctr"/>
+                          <a:r>
+                            <a:rPr lang="en-US" sz="2400" b="0" dirty="0" smtClean="0"/>
+                            <a:t>100</a:t>
+                          </a:r>
+                          <a:endParaRPr lang="en-PH" sz="2400" b="0" dirty="0"/>
+                        </a:p>
+                      </a:txBody>
+                      <a:tcPr/>
+                    </a:tc>
+                    <a:tc>
+                      <a:txBody>
+                        <a:bodyPr/>
+                        <a:lstStyle/>
+                        <a:p>
+                          <a:pPr marL="0" marR="0" lvl="0" indent="0" algn="ctr" defTabSz="914400" rtl="0" eaLnBrk="1" fontAlgn="auto" latinLnBrk="0" hangingPunct="1">
+                            <a:lnSpc>
+                              <a:spcPct val="100000"/>
+                            </a:lnSpc>
+                            <a:spcBef>
+                              <a:spcPts val="0"/>
+                            </a:spcBef>
+                            <a:spcAft>
+                              <a:spcPts val="0"/>
+                            </a:spcAft>
+                            <a:buClrTx/>
+                            <a:buSzTx/>
+                            <a:buFontTx/>
+                            <a:buNone/>
+                            <a:tabLst/>
+                            <a:defRPr/>
+                          </a:pPr>
+                          <a:r>
+                            <a:rPr lang="en-US" sz="2400" b="0" dirty="0" smtClean="0"/>
+                            <a:t>100</a:t>
+                          </a:r>
+                          <a:endParaRPr lang="en-PH" sz="2400" b="0" dirty="0"/>
+                        </a:p>
+                      </a:txBody>
+                      <a:tcPr/>
+                    </a:tc>
+                    <a:extLst>
+                      <a:ext uri="{0D108BD9-81ED-4DB2-BD59-A6C34878D82A}">
+                        <a16:rowId xmlns:a16="http://schemas.microsoft.com/office/drawing/2014/main" xmlns:a14="http://schemas.microsoft.com/office/drawing/2010/main" xmlns="" val="1935952499"/>
+                      </a:ext>
+                    </a:extLst>
+                  </a:tr>
+                  <a:tr h="457200">
+                    <a:tc>
+                      <a:txBody>
+                        <a:bodyPr/>
+                        <a:lstStyle/>
+                        <a:p>
+                          <a:pPr algn="ctr"/>
+                          <a:r>
+                            <a:rPr lang="en-US" sz="2400" b="0" dirty="0"/>
+                            <a:t>4</a:t>
+                          </a:r>
+                          <a:endParaRPr lang="en-PH" sz="2400" b="0" dirty="0"/>
+                        </a:p>
+                      </a:txBody>
+                      <a:tcPr/>
+                    </a:tc>
+                    <a:tc>
+                      <a:txBody>
+                        <a:bodyPr/>
+                        <a:lstStyle/>
+                        <a:p>
+                          <a:pPr algn="ctr"/>
+                          <a:r>
+                            <a:rPr lang="en-US" sz="2400" b="0" dirty="0" smtClean="0"/>
+                            <a:t>100</a:t>
+                          </a:r>
+                          <a:endParaRPr lang="en-PH" sz="2400" b="0" dirty="0"/>
+                        </a:p>
+                      </a:txBody>
+                      <a:tcPr/>
+                    </a:tc>
+                    <a:tc>
+                      <a:txBody>
+                        <a:bodyPr/>
+                        <a:lstStyle/>
+                        <a:p>
+                          <a:pPr marL="0" marR="0" lvl="0" indent="0" algn="ctr" defTabSz="914400" rtl="0" eaLnBrk="1" fontAlgn="auto" latinLnBrk="0" hangingPunct="1">
+                            <a:lnSpc>
+                              <a:spcPct val="100000"/>
+                            </a:lnSpc>
+                            <a:spcBef>
+                              <a:spcPts val="0"/>
+                            </a:spcBef>
+                            <a:spcAft>
+                              <a:spcPts val="0"/>
+                            </a:spcAft>
+                            <a:buClrTx/>
+                            <a:buSzTx/>
+                            <a:buFontTx/>
+                            <a:buNone/>
+                            <a:tabLst/>
+                            <a:defRPr/>
+                          </a:pPr>
+                          <a:r>
+                            <a:rPr lang="en-US" sz="2400" b="0" dirty="0" smtClean="0"/>
+                            <a:t>100</a:t>
+                          </a:r>
+                          <a:endParaRPr lang="en-PH" sz="2400" b="0" dirty="0"/>
+                        </a:p>
+                      </a:txBody>
+                      <a:tcPr/>
+                    </a:tc>
+                    <a:extLst>
+                      <a:ext uri="{0D108BD9-81ED-4DB2-BD59-A6C34878D82A}">
+                        <a16:rowId xmlns:a16="http://schemas.microsoft.com/office/drawing/2014/main" xmlns:a14="http://schemas.microsoft.com/office/drawing/2010/main" xmlns="" val="1310842188"/>
+                      </a:ext>
+                    </a:extLst>
+                  </a:tr>
+                  <a:tr h="457200">
+                    <a:tc>
+                      <a:txBody>
+                        <a:bodyPr/>
+                        <a:lstStyle/>
+                        <a:p>
+                          <a:pPr algn="ctr"/>
+                          <a:r>
+                            <a:rPr lang="en-US" sz="2400" b="0" dirty="0" smtClean="0"/>
+                            <a:t>5</a:t>
+                          </a:r>
+                          <a:endParaRPr lang="en-PH" sz="2400" b="0" dirty="0"/>
+                        </a:p>
+                      </a:txBody>
+                      <a:tcPr/>
+                    </a:tc>
+                    <a:tc>
+                      <a:txBody>
+                        <a:bodyPr/>
+                        <a:lstStyle/>
+                        <a:p>
+                          <a:pPr algn="ctr"/>
+                          <a:r>
+                            <a:rPr lang="en-US" sz="2400" b="0" dirty="0" smtClean="0"/>
+                            <a:t>100</a:t>
+                          </a:r>
+                          <a:endParaRPr lang="en-PH" sz="2400" b="0" dirty="0"/>
+                        </a:p>
+                      </a:txBody>
+                      <a:tcPr/>
+                    </a:tc>
+                    <a:tc>
+                      <a:txBody>
+                        <a:bodyPr/>
+                        <a:lstStyle/>
+                        <a:p>
+                          <a:pPr marL="0" marR="0" lvl="0" indent="0" algn="ctr" defTabSz="914400" rtl="0" eaLnBrk="1" fontAlgn="auto" latinLnBrk="0" hangingPunct="1">
+                            <a:lnSpc>
+                              <a:spcPct val="100000"/>
+                            </a:lnSpc>
+                            <a:spcBef>
+                              <a:spcPts val="0"/>
+                            </a:spcBef>
+                            <a:spcAft>
+                              <a:spcPts val="0"/>
+                            </a:spcAft>
+                            <a:buClrTx/>
+                            <a:buSzTx/>
+                            <a:buFontTx/>
+                            <a:buNone/>
+                            <a:tabLst/>
+                            <a:defRPr/>
+                          </a:pPr>
+                          <a:r>
+                            <a:rPr lang="en-US" sz="2400" b="0" dirty="0" smtClean="0"/>
+                            <a:t>160</a:t>
+                          </a:r>
+                          <a:endParaRPr lang="en-PH" sz="2400" b="0" dirty="0"/>
+                        </a:p>
+                      </a:txBody>
+                      <a:tcPr/>
+                    </a:tc>
+                  </a:tr>
+                </a:tbl>
+              </a:graphicData>
+            </a:graphic>
+          </p:graphicFrame>
+        </mc:Fallback>
+      </mc:AlternateContent>
+      <p:grpSp>
+        <p:nvGrpSpPr>
+          <p:cNvPr id="2" name="Group 1"/>
+          <p:cNvGrpSpPr/>
+          <p:nvPr/>
+        </p:nvGrpSpPr>
+        <p:grpSpPr>
+          <a:xfrm>
+            <a:off x="376262" y="3989513"/>
+            <a:ext cx="11351449" cy="2123658"/>
+            <a:chOff x="376262" y="3989513"/>
+            <a:chExt cx="11351449" cy="2123658"/>
+          </a:xfrm>
+        </p:grpSpPr>
+        <p:sp>
+          <p:nvSpPr>
+            <p:cNvPr id="4" name="Rectangle 3">
+              <a:extLst>
+                <a:ext uri="{FF2B5EF4-FFF2-40B4-BE49-F238E27FC236}">
+                  <a16:creationId xmlns="" xmlns:a16="http://schemas.microsoft.com/office/drawing/2014/main" id="{42C03F5E-E3ED-4350-9B3B-87690671BF01}"/>
+                </a:ext>
+              </a:extLst>
+            </p:cNvPr>
+            <p:cNvSpPr/>
+            <p:nvPr/>
+          </p:nvSpPr>
+          <p:spPr>
+            <a:xfrm>
+              <a:off x="376262" y="4143401"/>
+              <a:ext cx="2430733" cy="1815882"/>
+            </a:xfrm>
+            <a:prstGeom prst="rect">
+              <a:avLst/>
+            </a:prstGeom>
+          </p:spPr>
+          <p:txBody>
+            <a:bodyPr wrap="square">
+              <a:spAutoFit/>
+            </a:bodyPr>
+            <a:lstStyle/>
+            <a:p>
+              <a:r>
+                <a:rPr lang="en-US" sz="2800" b="0" i="1" dirty="0" smtClean="0"/>
+                <a:t>MAE: </a:t>
+              </a:r>
+              <a:r>
+                <a:rPr lang="en-US" sz="2800" b="0" i="1" dirty="0" smtClean="0">
+                  <a:solidFill>
+                    <a:srgbClr val="C00000"/>
+                  </a:solidFill>
+                </a:rPr>
+                <a:t>14</a:t>
+              </a:r>
+              <a:r>
+                <a:rPr lang="en-US" sz="2800" b="0" i="1" dirty="0" smtClean="0"/>
+                <a:t> 	</a:t>
+              </a:r>
+            </a:p>
+            <a:p>
+              <a:r>
+                <a:rPr lang="en-US" sz="2800" i="1" dirty="0" smtClean="0"/>
+                <a:t>MSE: </a:t>
+              </a:r>
+              <a:r>
+                <a:rPr lang="en-US" sz="2800" i="1" dirty="0" smtClean="0">
+                  <a:solidFill>
+                    <a:srgbClr val="C00000"/>
+                  </a:solidFill>
+                </a:rPr>
+                <a:t>730</a:t>
+              </a:r>
+            </a:p>
+            <a:p>
+              <a:r>
+                <a:rPr lang="en-US" sz="2800" b="0" i="1" dirty="0" smtClean="0"/>
+                <a:t>RMSE: </a:t>
+              </a:r>
+              <a:r>
+                <a:rPr lang="en-US" sz="2800" b="0" i="1" dirty="0" smtClean="0">
+                  <a:solidFill>
+                    <a:srgbClr val="C00000"/>
+                  </a:solidFill>
+                </a:rPr>
+                <a:t>27.02</a:t>
+              </a:r>
+            </a:p>
+            <a:p>
+              <a:r>
+                <a:rPr lang="en-US" sz="2800" i="1" dirty="0" smtClean="0"/>
+                <a:t>MAPE = </a:t>
+              </a:r>
+              <a:r>
+                <a:rPr lang="en-US" sz="2800" i="1" dirty="0" smtClean="0">
+                  <a:solidFill>
+                    <a:srgbClr val="C00000"/>
+                  </a:solidFill>
+                </a:rPr>
+                <a:t>14%</a:t>
+              </a:r>
+              <a:endParaRPr lang="en-US" sz="2800" b="0" i="1" dirty="0" smtClean="0">
+                <a:solidFill>
+                  <a:srgbClr val="C00000"/>
+                </a:solidFill>
+              </a:endParaRPr>
+            </a:p>
+          </p:txBody>
+        </p:sp>
+        <p:sp>
+          <p:nvSpPr>
+            <p:cNvPr id="6" name="Rectangle 5">
+              <a:extLst>
+                <a:ext uri="{FF2B5EF4-FFF2-40B4-BE49-F238E27FC236}">
+                  <a16:creationId xmlns="" xmlns:a16="http://schemas.microsoft.com/office/drawing/2014/main" id="{42C03F5E-E3ED-4350-9B3B-87690671BF01}"/>
+                </a:ext>
+              </a:extLst>
+            </p:cNvPr>
+            <p:cNvSpPr/>
+            <p:nvPr/>
+          </p:nvSpPr>
+          <p:spPr>
+            <a:xfrm>
+              <a:off x="3356922" y="3989513"/>
+              <a:ext cx="8370789" cy="2123658"/>
+            </a:xfrm>
+            <a:prstGeom prst="rect">
+              <a:avLst/>
+            </a:prstGeom>
+          </p:spPr>
+          <p:txBody>
+            <a:bodyPr wrap="square">
+              <a:spAutoFit/>
+            </a:bodyPr>
+            <a:lstStyle/>
+            <a:p>
+              <a:r>
+                <a:rPr lang="en-US" sz="2200" b="0" i="1" dirty="0" smtClean="0"/>
+                <a:t>MAE: Forecast is off by 14 units</a:t>
+              </a:r>
+            </a:p>
+            <a:p>
+              <a:r>
+                <a:rPr lang="en-US" sz="2200" b="0" i="1" dirty="0" smtClean="0"/>
+                <a:t>MSE: </a:t>
+              </a:r>
+              <a:r>
+                <a:rPr lang="en-US" sz="2200" i="1" dirty="0"/>
+                <a:t>S</a:t>
+              </a:r>
+              <a:r>
+                <a:rPr lang="en-US" sz="2200" b="0" i="1" dirty="0" smtClean="0"/>
+                <a:t>quaring the errors exaggerates the outlier, resulting in high MSE</a:t>
+              </a:r>
+            </a:p>
+            <a:p>
+              <a:r>
+                <a:rPr lang="en-US" sz="2200" i="1" dirty="0" smtClean="0"/>
+                <a:t>RMSE: Indicates a larger average error when the large deviation is considered</a:t>
+              </a:r>
+            </a:p>
+            <a:p>
+              <a:r>
+                <a:rPr lang="en-US" sz="2200" i="1" dirty="0" smtClean="0"/>
+                <a:t>MAPE: Shows a 14% average deviation, but note it doesn’t reflect the squared impact of the outlier as seen in MSE and RMSE</a:t>
+              </a:r>
+            </a:p>
+          </p:txBody>
+        </p:sp>
+      </p:grpSp>
+    </p:spTree>
+    <p:extLst>
+      <p:ext uri="{BB962C8B-B14F-4D97-AF65-F5344CB8AC3E}">
+        <p14:creationId xmlns:p14="http://schemas.microsoft.com/office/powerpoint/2010/main" val="3795781527"/>
+      </p:ext>
+    </p:extLst>
+  </p:cSld>
+  <p:clrMapOvr>
+    <a:masterClrMapping/>
+  </p:clrMapOvr>
+</p:sld>
+</file>
+
+<file path=ppt/slides/slide21.xml><?xml version="1.0" encoding="utf-8"?>
+<p:sld xmlns:a="http://schemas.openxmlformats.org/drawingml/2006/main" xmlns:r="http://schemas.openxmlformats.org/officeDocument/2006/relationships" xmlns:p="http://schemas.openxmlformats.org/presentationml/2006/main">
+  <p:cSld>
+    <p:spTree>
+      <p:nvGrpSpPr>
+        <p:cNvPr id="1" name=""/>
+        <p:cNvGrpSpPr/>
+        <p:nvPr/>
+      </p:nvGrpSpPr>
+      <p:grpSpPr>
+        <a:xfrm>
+          <a:off x="0" y="0"/>
+          <a:ext cx="0" cy="0"/>
+          <a:chOff x="0" y="0"/>
+          <a:chExt cx="0" cy="0"/>
+        </a:xfrm>
+      </p:grpSpPr>
+      <p:sp>
+        <p:nvSpPr>
+          <p:cNvPr id="4" name="TextBox 3"/>
+          <p:cNvSpPr txBox="1"/>
+          <p:nvPr/>
+        </p:nvSpPr>
+        <p:spPr>
+          <a:xfrm>
+            <a:off x="901714" y="966050"/>
+            <a:ext cx="10558668" cy="3600986"/>
+          </a:xfrm>
+          <a:prstGeom prst="rect">
+            <a:avLst/>
+          </a:prstGeom>
+          <a:noFill/>
+        </p:spPr>
+        <p:txBody>
+          <a:bodyPr wrap="square" rtlCol="0">
+            <a:spAutoFit/>
+          </a:bodyPr>
+          <a:lstStyle/>
+          <a:p>
+            <a:r>
+              <a:rPr lang="en-US" sz="4400" b="1" dirty="0" smtClean="0"/>
+              <a:t>Insight</a:t>
+            </a:r>
+            <a:endParaRPr lang="en-US" sz="4400" b="1" dirty="0"/>
+          </a:p>
+          <a:p>
+            <a:endParaRPr lang="en-US" sz="1600" dirty="0"/>
+          </a:p>
+          <a:p>
+            <a:pPr marL="514350" indent="-514350">
+              <a:buAutoNum type="arabicPeriod"/>
+            </a:pPr>
+            <a:r>
+              <a:rPr lang="en-US" sz="2800" b="1" dirty="0" smtClean="0"/>
+              <a:t>MAE</a:t>
+            </a:r>
+            <a:r>
+              <a:rPr lang="en-US" sz="2800" dirty="0" smtClean="0"/>
+              <a:t> and </a:t>
+            </a:r>
+            <a:r>
+              <a:rPr lang="en-US" sz="2800" b="1" dirty="0" smtClean="0"/>
+              <a:t>MAPE</a:t>
+            </a:r>
+            <a:r>
+              <a:rPr lang="en-US" sz="2800" dirty="0" smtClean="0"/>
+              <a:t> suggest a moderate average error.</a:t>
+            </a:r>
+          </a:p>
+          <a:p>
+            <a:pPr marL="514350" indent="-514350">
+              <a:buAutoNum type="arabicPeriod"/>
+            </a:pPr>
+            <a:r>
+              <a:rPr lang="en-US" sz="2800" b="1" dirty="0" smtClean="0"/>
+              <a:t>MSE</a:t>
+            </a:r>
+            <a:r>
+              <a:rPr lang="en-US" sz="2800" dirty="0" smtClean="0"/>
+              <a:t> and </a:t>
+            </a:r>
+            <a:r>
+              <a:rPr lang="en-US" sz="2800" b="1" dirty="0" smtClean="0"/>
+              <a:t>RMSE</a:t>
+            </a:r>
+            <a:r>
+              <a:rPr lang="en-US" sz="2800" dirty="0" smtClean="0"/>
+              <a:t> are heavily influenced by the outlier.</a:t>
+            </a:r>
+          </a:p>
+          <a:p>
+            <a:pPr marL="514350" indent="-514350">
+              <a:buAutoNum type="arabicPeriod"/>
+            </a:pPr>
+            <a:r>
+              <a:rPr lang="en-US" sz="2800" b="1" dirty="0" smtClean="0"/>
+              <a:t>Voting-based decision: </a:t>
+            </a:r>
+            <a:r>
+              <a:rPr lang="en-US" sz="2800" dirty="0" smtClean="0"/>
+              <a:t>In this case, if you looked at MAE or MAPE, you might underestimate the risk of the extreme error. Considering all metrics helps reveal that while most forecasts are accurate, one large error skews the overall performance significantly.</a:t>
+            </a:r>
+          </a:p>
+        </p:txBody>
+      </p:sp>
+    </p:spTree>
+    <p:extLst>
+      <p:ext uri="{BB962C8B-B14F-4D97-AF65-F5344CB8AC3E}">
+        <p14:creationId xmlns:p14="http://schemas.microsoft.com/office/powerpoint/2010/main" val="3765202573"/>
+      </p:ext>
+    </p:extLst>
+  </p:cSld>
+  <p:clrMapOvr>
+    <a:masterClrMapping/>
+  </p:clrMapOvr>
+</p:sld>
+</file>
+
+<file path=ppt/slides/slide22.xml><?xml version="1.0" encoding="utf-8"?>
+<p:sld xmlns:a="http://schemas.openxmlformats.org/drawingml/2006/main" xmlns:r="http://schemas.openxmlformats.org/officeDocument/2006/relationships" xmlns:p="http://schemas.openxmlformats.org/presentationml/2006/main">
+  <p:cSld>
+    <p:spTree>
+      <p:nvGrpSpPr>
+        <p:cNvPr id="1" name=""/>
+        <p:cNvGrpSpPr/>
+        <p:nvPr/>
+      </p:nvGrpSpPr>
+      <p:grpSpPr>
+        <a:xfrm>
+          <a:off x="0" y="0"/>
+          <a:ext cx="0" cy="0"/>
+          <a:chOff x="0" y="0"/>
+          <a:chExt cx="0" cy="0"/>
+        </a:xfrm>
+      </p:grpSpPr>
+      <p:sp>
+        <p:nvSpPr>
+          <p:cNvPr id="5" name="TextBox 4">
+            <a:extLst>
+              <a:ext uri="{FF2B5EF4-FFF2-40B4-BE49-F238E27FC236}">
+                <a16:creationId xmlns="" xmlns:a16="http://schemas.microsoft.com/office/drawing/2014/main" id="{3984CB54-17A6-4F9C-BC6F-202D8A01035C}"/>
+              </a:ext>
+            </a:extLst>
+          </p:cNvPr>
+          <p:cNvSpPr txBox="1"/>
+          <p:nvPr/>
+        </p:nvSpPr>
+        <p:spPr>
+          <a:xfrm>
+            <a:off x="369902" y="2179421"/>
+            <a:ext cx="11452196" cy="1938992"/>
+          </a:xfrm>
+          <a:prstGeom prst="rect">
+            <a:avLst/>
+          </a:prstGeom>
+          <a:noFill/>
+        </p:spPr>
+        <p:txBody>
+          <a:bodyPr wrap="square" rtlCol="0">
+            <a:spAutoFit/>
+          </a:bodyPr>
+          <a:lstStyle/>
+          <a:p>
+            <a:pPr algn="ctr"/>
+            <a:r>
+              <a:rPr lang="en-US" sz="6000" b="1" dirty="0" smtClean="0"/>
+              <a:t>Example 2: </a:t>
+            </a:r>
+          </a:p>
+          <a:p>
+            <a:pPr algn="ctr"/>
+            <a:r>
+              <a:rPr lang="en-US" sz="6000" b="1" dirty="0" smtClean="0"/>
+              <a:t>Near-Zero Actual Values</a:t>
+            </a:r>
+            <a:endParaRPr lang="en-US" sz="6000" b="1" dirty="0"/>
+          </a:p>
+        </p:txBody>
+      </p:sp>
+    </p:spTree>
+    <p:extLst>
+      <p:ext uri="{BB962C8B-B14F-4D97-AF65-F5344CB8AC3E}">
+        <p14:creationId xmlns:p14="http://schemas.microsoft.com/office/powerpoint/2010/main" val="683718093"/>
+      </p:ext>
+    </p:extLst>
+  </p:cSld>
+  <p:clrMapOvr>
+    <a:masterClrMapping/>
+  </p:clrMapOvr>
+</p:sld>
+</file>
+
+<file path=ppt/slides/slide23.xml><?xml version="1.0" encoding="utf-8"?>
+<p:sld xmlns:a="http://schemas.openxmlformats.org/drawingml/2006/main" xmlns:r="http://schemas.openxmlformats.org/officeDocument/2006/relationships" xmlns:p="http://schemas.openxmlformats.org/presentationml/2006/main">
+  <p:cSld>
+    <p:spTree>
+      <p:nvGrpSpPr>
+        <p:cNvPr id="1" name=""/>
+        <p:cNvGrpSpPr/>
+        <p:nvPr/>
+      </p:nvGrpSpPr>
+      <p:grpSpPr>
+        <a:xfrm>
+          <a:off x="0" y="0"/>
+          <a:ext cx="0" cy="0"/>
+          <a:chOff x="0" y="0"/>
+          <a:chExt cx="0" cy="0"/>
+        </a:xfrm>
+      </p:grpSpPr>
+      <mc:AlternateContent xmlns:mc="http://schemas.openxmlformats.org/markup-compatibility/2006" xmlns:a14="http://schemas.microsoft.com/office/drawing/2010/main">
+        <mc:Choice Requires="a14">
+          <p:graphicFrame>
+            <p:nvGraphicFramePr>
+              <p:cNvPr id="3" name="Table 2">
+                <a:extLst>
+                  <a:ext uri="{FF2B5EF4-FFF2-40B4-BE49-F238E27FC236}">
+                    <a16:creationId xmlns="" xmlns:a16="http://schemas.microsoft.com/office/drawing/2014/main" id="{D5550273-5528-43BD-8412-7F8D06306A14}"/>
+                  </a:ext>
+                </a:extLst>
+              </p:cNvPr>
+              <p:cNvGraphicFramePr>
+                <a:graphicFrameLocks noGrp="1"/>
+              </p:cNvGraphicFramePr>
+              <p:nvPr>
+                <p:extLst>
+                  <p:ext uri="{D42A27DB-BD31-4B8C-83A1-F6EECF244321}">
+                    <p14:modId xmlns:p14="http://schemas.microsoft.com/office/powerpoint/2010/main" val="1808884981"/>
+                  </p:ext>
+                </p:extLst>
+              </p:nvPr>
+            </p:nvGraphicFramePr>
+            <p:xfrm>
+              <a:off x="2032001" y="980923"/>
+              <a:ext cx="8127999" cy="2286000"/>
+            </p:xfrm>
+            <a:graphic>
+              <a:graphicData uri="http://schemas.openxmlformats.org/drawingml/2006/table">
+                <a:tbl>
+                  <a:tblPr firstRow="1" bandRow="1">
+                    <a:tableStyleId>{5940675A-B579-460E-94D1-54222C63F5DA}</a:tableStyleId>
+                  </a:tblPr>
+                  <a:tblGrid>
+                    <a:gridCol w="1075093">
+                      <a:extLst>
+                        <a:ext uri="{9D8B030D-6E8A-4147-A177-3AD203B41FA5}">
+                          <a16:colId xmlns="" xmlns:a16="http://schemas.microsoft.com/office/drawing/2014/main" val="2590844336"/>
+                        </a:ext>
+                      </a:extLst>
+                    </a:gridCol>
+                    <a:gridCol w="3331028">
+                      <a:extLst>
+                        <a:ext uri="{9D8B030D-6E8A-4147-A177-3AD203B41FA5}">
+                          <a16:colId xmlns="" xmlns:a16="http://schemas.microsoft.com/office/drawing/2014/main" val="2133703778"/>
+                        </a:ext>
+                      </a:extLst>
+                    </a:gridCol>
+                    <a:gridCol w="3721878">
+                      <a:extLst>
+                        <a:ext uri="{9D8B030D-6E8A-4147-A177-3AD203B41FA5}">
+                          <a16:colId xmlns="" xmlns:a16="http://schemas.microsoft.com/office/drawing/2014/main" val="4072587226"/>
+                        </a:ext>
+                      </a:extLst>
+                    </a:gridCol>
+                  </a:tblGrid>
+                  <a:tr h="370840">
+                    <a:tc>
+                      <a:txBody>
+                        <a:bodyPr/>
+                        <a:lstStyle/>
+                        <a:p>
+                          <a:pPr algn="ctr"/>
+                          <a:r>
+                            <a:rPr lang="en-US" sz="2400" b="1" dirty="0"/>
+                            <a:t>Month</a:t>
+                          </a:r>
+                          <a:endParaRPr lang="en-PH" sz="2400" b="1" dirty="0"/>
+                        </a:p>
+                      </a:txBody>
+                      <a:tcPr/>
+                    </a:tc>
+                    <a:tc>
+                      <a:txBody>
+                        <a:bodyPr/>
+                        <a:lstStyle/>
+                        <a:p>
+                          <a:pPr algn="ctr"/>
+                          <a:r>
+                            <a:rPr lang="en-US" sz="2400" b="1" dirty="0"/>
+                            <a:t>Actual (</a:t>
+                          </a:r>
+                          <a14:m>
+                            <m:oMath xmlns:m="http://schemas.openxmlformats.org/officeDocument/2006/math">
+                              <m:sSub>
+                                <m:sSubPr>
+                                  <m:ctrlPr>
+                                    <a:rPr lang="en-US" sz="2400" b="1" i="1" smtClean="0">
+                                      <a:latin typeface="Cambria Math"/>
+                                    </a:rPr>
+                                  </m:ctrlPr>
+                                </m:sSubPr>
+                                <m:e>
+                                  <m:r>
+                                    <a:rPr lang="en-US" sz="2400" b="1" i="1" smtClean="0">
+                                      <a:latin typeface="Cambria Math" panose="02040503050406030204" pitchFamily="18" charset="0"/>
+                                    </a:rPr>
+                                    <m:t>𝒚</m:t>
+                                  </m:r>
+                                </m:e>
+                                <m:sub>
+                                  <m:r>
+                                    <a:rPr lang="en-US" sz="2400" b="1" i="1" smtClean="0">
+                                      <a:latin typeface="Cambria Math" panose="02040503050406030204" pitchFamily="18" charset="0"/>
+                                    </a:rPr>
+                                    <m:t>𝒊</m:t>
+                                  </m:r>
+                                </m:sub>
+                              </m:sSub>
+                            </m:oMath>
+                          </a14:m>
+                          <a:r>
+                            <a:rPr lang="en-US" sz="2400" b="1" dirty="0"/>
+                            <a:t>)</a:t>
+                          </a:r>
+                          <a:endParaRPr lang="en-PH" sz="2400" b="1" dirty="0"/>
+                        </a:p>
+                      </a:txBody>
+                      <a:tcPr/>
+                    </a:tc>
+                    <a:tc>
+                      <a:txBody>
+                        <a:bodyPr/>
+                        <a:lstStyle/>
+                        <a:p>
+                          <a:pPr marL="0" marR="0" lvl="0" indent="0" algn="ctr" defTabSz="914400" rtl="0" eaLnBrk="1" fontAlgn="auto" latinLnBrk="0" hangingPunct="1">
+                            <a:lnSpc>
+                              <a:spcPct val="100000"/>
+                            </a:lnSpc>
+                            <a:spcBef>
+                              <a:spcPts val="0"/>
+                            </a:spcBef>
+                            <a:spcAft>
+                              <a:spcPts val="0"/>
+                            </a:spcAft>
+                            <a:buClrTx/>
+                            <a:buSzTx/>
+                            <a:buFontTx/>
+                            <a:buNone/>
+                            <a:tabLst/>
+                            <a:defRPr/>
+                          </a:pPr>
+                          <a:r>
+                            <a:rPr lang="en-US" sz="2400" b="1" dirty="0"/>
+                            <a:t>Forecast (</a:t>
+                          </a:r>
+                          <a14:m>
+                            <m:oMath xmlns:m="http://schemas.openxmlformats.org/officeDocument/2006/math">
+                              <m:sSub>
+                                <m:sSubPr>
+                                  <m:ctrlPr>
+                                    <a:rPr lang="en-US" sz="2400" b="1" i="1" smtClean="0">
+                                      <a:latin typeface="Cambria Math"/>
+                                    </a:rPr>
+                                  </m:ctrlPr>
+                                </m:sSubPr>
+                                <m:e>
+                                  <m:acc>
+                                    <m:accPr>
+                                      <m:chr m:val="̂"/>
+                                      <m:ctrlPr>
+                                        <a:rPr lang="en-US" sz="2400" b="1" i="1" smtClean="0">
+                                          <a:latin typeface="Cambria Math"/>
+                                        </a:rPr>
+                                      </m:ctrlPr>
+                                    </m:accPr>
+                                    <m:e>
+                                      <m:r>
+                                        <a:rPr lang="en-US" sz="2400" b="1" i="1" smtClean="0">
+                                          <a:latin typeface="Cambria Math" panose="02040503050406030204" pitchFamily="18" charset="0"/>
+                                        </a:rPr>
+                                        <m:t>𝒚</m:t>
+                                      </m:r>
+                                    </m:e>
+                                  </m:acc>
+                                </m:e>
+                                <m:sub>
+                                  <m:r>
+                                    <a:rPr lang="en-US" sz="2400" b="1" i="1" smtClean="0">
+                                      <a:latin typeface="Cambria Math" panose="02040503050406030204" pitchFamily="18" charset="0"/>
+                                    </a:rPr>
+                                    <m:t>𝒊</m:t>
+                                  </m:r>
+                                </m:sub>
+                              </m:sSub>
+                            </m:oMath>
+                          </a14:m>
+                          <a:r>
+                            <a:rPr lang="en-US" sz="2400" b="1" dirty="0"/>
+                            <a:t>)</a:t>
+                          </a:r>
+                          <a:endParaRPr lang="en-PH" sz="2400" b="1" dirty="0"/>
+                        </a:p>
+                      </a:txBody>
+                      <a:tcPr/>
+                    </a:tc>
+                    <a:extLst>
+                      <a:ext uri="{0D108BD9-81ED-4DB2-BD59-A6C34878D82A}">
+                        <a16:rowId xmlns="" xmlns:a16="http://schemas.microsoft.com/office/drawing/2014/main" val="1798310828"/>
+                      </a:ext>
+                    </a:extLst>
+                  </a:tr>
+                  <a:tr h="370840">
+                    <a:tc>
+                      <a:txBody>
+                        <a:bodyPr/>
+                        <a:lstStyle/>
+                        <a:p>
+                          <a:pPr algn="ctr"/>
+                          <a:r>
+                            <a:rPr lang="en-US" sz="2400" b="0" dirty="0"/>
+                            <a:t>1</a:t>
+                          </a:r>
+                          <a:endParaRPr lang="en-PH" sz="2400" b="0" dirty="0"/>
+                        </a:p>
+                      </a:txBody>
+                      <a:tcPr/>
+                    </a:tc>
+                    <a:tc>
+                      <a:txBody>
+                        <a:bodyPr/>
+                        <a:lstStyle/>
+                        <a:p>
+                          <a:pPr algn="ctr"/>
+                          <a:r>
+                            <a:rPr lang="en-US" sz="2400" b="0" dirty="0" smtClean="0"/>
+                            <a:t>0.1</a:t>
+                          </a:r>
+                          <a:endParaRPr lang="en-PH" sz="2400" b="0" dirty="0"/>
+                        </a:p>
+                      </a:txBody>
+                      <a:tcPr/>
+                    </a:tc>
+                    <a:tc>
+                      <a:txBody>
+                        <a:bodyPr/>
+                        <a:lstStyle/>
+                        <a:p>
+                          <a:pPr marL="0" marR="0" lvl="0" indent="0" algn="ctr" defTabSz="914400" rtl="0" eaLnBrk="1" fontAlgn="auto" latinLnBrk="0" hangingPunct="1">
+                            <a:lnSpc>
+                              <a:spcPct val="100000"/>
+                            </a:lnSpc>
+                            <a:spcBef>
+                              <a:spcPts val="0"/>
+                            </a:spcBef>
+                            <a:spcAft>
+                              <a:spcPts val="0"/>
+                            </a:spcAft>
+                            <a:buClrTx/>
+                            <a:buSzTx/>
+                            <a:buFontTx/>
+                            <a:buNone/>
+                            <a:tabLst/>
+                            <a:defRPr/>
+                          </a:pPr>
+                          <a:r>
+                            <a:rPr lang="en-US" sz="2400" b="0" dirty="0" smtClean="0"/>
+                            <a:t>0.3</a:t>
+                          </a:r>
+                          <a:endParaRPr lang="en-PH" sz="2400" b="0" dirty="0"/>
+                        </a:p>
+                      </a:txBody>
+                      <a:tcPr/>
+                    </a:tc>
+                    <a:extLst>
+                      <a:ext uri="{0D108BD9-81ED-4DB2-BD59-A6C34878D82A}">
+                        <a16:rowId xmlns="" xmlns:a16="http://schemas.microsoft.com/office/drawing/2014/main" val="1404954822"/>
+                      </a:ext>
+                    </a:extLst>
+                  </a:tr>
+                  <a:tr h="370840">
+                    <a:tc>
+                      <a:txBody>
+                        <a:bodyPr/>
+                        <a:lstStyle/>
+                        <a:p>
+                          <a:pPr algn="ctr"/>
+                          <a:r>
+                            <a:rPr lang="en-US" sz="2400" b="0" dirty="0"/>
+                            <a:t>2</a:t>
+                          </a:r>
+                          <a:endParaRPr lang="en-PH" sz="2400" b="0" dirty="0"/>
+                        </a:p>
+                      </a:txBody>
+                      <a:tcPr/>
+                    </a:tc>
+                    <a:tc>
+                      <a:txBody>
+                        <a:bodyPr/>
+                        <a:lstStyle/>
+                        <a:p>
+                          <a:pPr algn="ctr"/>
+                          <a:r>
+                            <a:rPr lang="en-US" sz="2400" b="0" dirty="0" smtClean="0"/>
+                            <a:t>0.2</a:t>
+                          </a:r>
+                          <a:endParaRPr lang="en-PH" sz="2400" b="0" dirty="0"/>
+                        </a:p>
+                      </a:txBody>
+                      <a:tcPr/>
+                    </a:tc>
+                    <a:tc>
+                      <a:txBody>
+                        <a:bodyPr/>
+                        <a:lstStyle/>
+                        <a:p>
+                          <a:pPr marL="0" marR="0" lvl="0" indent="0" algn="ctr" defTabSz="914400" rtl="0" eaLnBrk="1" fontAlgn="auto" latinLnBrk="0" hangingPunct="1">
+                            <a:lnSpc>
+                              <a:spcPct val="100000"/>
+                            </a:lnSpc>
+                            <a:spcBef>
+                              <a:spcPts val="0"/>
+                            </a:spcBef>
+                            <a:spcAft>
+                              <a:spcPts val="0"/>
+                            </a:spcAft>
+                            <a:buClrTx/>
+                            <a:buSzTx/>
+                            <a:buFontTx/>
+                            <a:buNone/>
+                            <a:tabLst/>
+                            <a:defRPr/>
+                          </a:pPr>
+                          <a:r>
+                            <a:rPr lang="en-US" sz="2400" b="0" dirty="0" smtClean="0"/>
+                            <a:t>0.1</a:t>
+                          </a:r>
+                          <a:endParaRPr lang="en-PH" sz="2400" b="0" dirty="0"/>
+                        </a:p>
+                      </a:txBody>
+                      <a:tcPr/>
+                    </a:tc>
+                    <a:extLst>
+                      <a:ext uri="{0D108BD9-81ED-4DB2-BD59-A6C34878D82A}">
+                        <a16:rowId xmlns="" xmlns:a16="http://schemas.microsoft.com/office/drawing/2014/main" val="3148427475"/>
+                      </a:ext>
+                    </a:extLst>
+                  </a:tr>
+                  <a:tr h="370840">
+                    <a:tc>
+                      <a:txBody>
+                        <a:bodyPr/>
+                        <a:lstStyle/>
+                        <a:p>
+                          <a:pPr algn="ctr"/>
+                          <a:r>
+                            <a:rPr lang="en-US" sz="2400" b="0" dirty="0"/>
+                            <a:t>3</a:t>
+                          </a:r>
+                          <a:endParaRPr lang="en-PH" sz="2400" b="0" dirty="0"/>
+                        </a:p>
+                      </a:txBody>
+                      <a:tcPr/>
+                    </a:tc>
+                    <a:tc>
+                      <a:txBody>
+                        <a:bodyPr/>
+                        <a:lstStyle/>
+                        <a:p>
+                          <a:pPr algn="ctr"/>
+                          <a:r>
+                            <a:rPr lang="en-US" sz="2400" b="0" dirty="0" smtClean="0"/>
+                            <a:t>0.15</a:t>
+                          </a:r>
+                          <a:endParaRPr lang="en-PH" sz="2400" b="0" dirty="0"/>
+                        </a:p>
+                      </a:txBody>
+                      <a:tcPr/>
+                    </a:tc>
+                    <a:tc>
+                      <a:txBody>
+                        <a:bodyPr/>
+                        <a:lstStyle/>
+                        <a:p>
+                          <a:pPr marL="0" marR="0" lvl="0" indent="0" algn="ctr" defTabSz="914400" rtl="0" eaLnBrk="1" fontAlgn="auto" latinLnBrk="0" hangingPunct="1">
+                            <a:lnSpc>
+                              <a:spcPct val="100000"/>
+                            </a:lnSpc>
+                            <a:spcBef>
+                              <a:spcPts val="0"/>
+                            </a:spcBef>
+                            <a:spcAft>
+                              <a:spcPts val="0"/>
+                            </a:spcAft>
+                            <a:buClrTx/>
+                            <a:buSzTx/>
+                            <a:buFontTx/>
+                            <a:buNone/>
+                            <a:tabLst/>
+                            <a:defRPr/>
+                          </a:pPr>
+                          <a:r>
+                            <a:rPr lang="en-US" sz="2400" b="0" dirty="0" smtClean="0"/>
+                            <a:t>0.2</a:t>
+                          </a:r>
+                          <a:endParaRPr lang="en-PH" sz="2400" b="0" dirty="0"/>
+                        </a:p>
+                      </a:txBody>
+                      <a:tcPr/>
+                    </a:tc>
+                    <a:extLst>
+                      <a:ext uri="{0D108BD9-81ED-4DB2-BD59-A6C34878D82A}">
+                        <a16:rowId xmlns="" xmlns:a16="http://schemas.microsoft.com/office/drawing/2014/main" val="1935952499"/>
+                      </a:ext>
+                    </a:extLst>
+                  </a:tr>
+                  <a:tr h="370840">
+                    <a:tc>
+                      <a:txBody>
+                        <a:bodyPr/>
+                        <a:lstStyle/>
+                        <a:p>
+                          <a:pPr algn="ctr"/>
+                          <a:r>
+                            <a:rPr lang="en-US" sz="2400" b="0" dirty="0"/>
+                            <a:t>4</a:t>
+                          </a:r>
+                          <a:endParaRPr lang="en-PH" sz="2400" b="0" dirty="0"/>
+                        </a:p>
+                      </a:txBody>
+                      <a:tcPr/>
+                    </a:tc>
+                    <a:tc>
+                      <a:txBody>
+                        <a:bodyPr/>
+                        <a:lstStyle/>
+                        <a:p>
+                          <a:pPr algn="ctr"/>
+                          <a:r>
+                            <a:rPr lang="en-US" sz="2400" b="0" dirty="0" smtClean="0"/>
+                            <a:t>0.05</a:t>
+                          </a:r>
+                          <a:endParaRPr lang="en-PH" sz="2400" b="0" dirty="0"/>
+                        </a:p>
+                      </a:txBody>
+                      <a:tcPr/>
+                    </a:tc>
+                    <a:tc>
+                      <a:txBody>
+                        <a:bodyPr/>
+                        <a:lstStyle/>
+                        <a:p>
+                          <a:pPr marL="0" marR="0" lvl="0" indent="0" algn="ctr" defTabSz="914400" rtl="0" eaLnBrk="1" fontAlgn="auto" latinLnBrk="0" hangingPunct="1">
+                            <a:lnSpc>
+                              <a:spcPct val="100000"/>
+                            </a:lnSpc>
+                            <a:spcBef>
+                              <a:spcPts val="0"/>
+                            </a:spcBef>
+                            <a:spcAft>
+                              <a:spcPts val="0"/>
+                            </a:spcAft>
+                            <a:buClrTx/>
+                            <a:buSzTx/>
+                            <a:buFontTx/>
+                            <a:buNone/>
+                            <a:tabLst/>
+                            <a:defRPr/>
+                          </a:pPr>
+                          <a:r>
+                            <a:rPr lang="en-US" sz="2400" b="0" dirty="0" smtClean="0"/>
+                            <a:t>0.1</a:t>
+                          </a:r>
+                          <a:endParaRPr lang="en-PH" sz="2400" b="0" dirty="0"/>
+                        </a:p>
+                      </a:txBody>
+                      <a:tcPr/>
+                    </a:tc>
+                    <a:extLst>
+                      <a:ext uri="{0D108BD9-81ED-4DB2-BD59-A6C34878D82A}">
+                        <a16:rowId xmlns="" xmlns:a16="http://schemas.microsoft.com/office/drawing/2014/main" val="1310842188"/>
+                      </a:ext>
+                    </a:extLst>
+                  </a:tr>
+                </a:tbl>
+              </a:graphicData>
+            </a:graphic>
+          </p:graphicFrame>
+        </mc:Choice>
+        <mc:Fallback xmlns="">
+          <p:graphicFrame>
+            <p:nvGraphicFramePr>
+              <p:cNvPr id="3" name="Table 2">
+                <a:extLst>
+                  <a:ext uri="{FF2B5EF4-FFF2-40B4-BE49-F238E27FC236}">
+                    <a16:creationId xmlns:a16="http://schemas.microsoft.com/office/drawing/2014/main" xmlns:a14="http://schemas.microsoft.com/office/drawing/2010/main" xmlns="" id="{D5550273-5528-43BD-8412-7F8D06306A14}"/>
+                  </a:ext>
+                </a:extLst>
+              </p:cNvPr>
+              <p:cNvGraphicFramePr>
+                <a:graphicFrameLocks noGrp="1"/>
+              </p:cNvGraphicFramePr>
+              <p:nvPr>
+                <p:extLst>
+                  <p:ext uri="{D42A27DB-BD31-4B8C-83A1-F6EECF244321}">
+                    <p14:modId xmlns:p14="http://schemas.microsoft.com/office/powerpoint/2010/main" val="1808884981"/>
+                  </p:ext>
+                </p:extLst>
+              </p:nvPr>
+            </p:nvGraphicFramePr>
+            <p:xfrm>
+              <a:off x="2032001" y="980923"/>
+              <a:ext cx="8127999" cy="2286000"/>
+            </p:xfrm>
+            <a:graphic>
+              <a:graphicData uri="http://schemas.openxmlformats.org/drawingml/2006/table">
+                <a:tbl>
+                  <a:tblPr firstRow="1" bandRow="1">
+                    <a:tableStyleId>{5940675A-B579-460E-94D1-54222C63F5DA}</a:tableStyleId>
+                  </a:tblPr>
+                  <a:tblGrid>
+                    <a:gridCol w="1075093">
+                      <a:extLst>
+                        <a:ext uri="{9D8B030D-6E8A-4147-A177-3AD203B41FA5}">
+                          <a16:colId xmlns:a16="http://schemas.microsoft.com/office/drawing/2014/main" xmlns:a14="http://schemas.microsoft.com/office/drawing/2010/main" xmlns="" val="2590844336"/>
+                        </a:ext>
+                      </a:extLst>
+                    </a:gridCol>
+                    <a:gridCol w="3331028">
+                      <a:extLst>
+                        <a:ext uri="{9D8B030D-6E8A-4147-A177-3AD203B41FA5}">
+                          <a16:colId xmlns:a16="http://schemas.microsoft.com/office/drawing/2014/main" xmlns:a14="http://schemas.microsoft.com/office/drawing/2010/main" xmlns="" val="2133703778"/>
+                        </a:ext>
+                      </a:extLst>
+                    </a:gridCol>
+                    <a:gridCol w="3721878">
+                      <a:extLst>
+                        <a:ext uri="{9D8B030D-6E8A-4147-A177-3AD203B41FA5}">
+                          <a16:colId xmlns:a16="http://schemas.microsoft.com/office/drawing/2014/main" xmlns:a14="http://schemas.microsoft.com/office/drawing/2010/main" xmlns="" val="4072587226"/>
+                        </a:ext>
+                      </a:extLst>
+                    </a:gridCol>
+                  </a:tblGrid>
+                  <a:tr h="457200">
+                    <a:tc>
+                      <a:txBody>
+                        <a:bodyPr/>
+                        <a:lstStyle/>
+                        <a:p>
+                          <a:pPr algn="ctr"/>
+                          <a:r>
+                            <a:rPr lang="en-US" sz="2400" b="1" dirty="0"/>
+                            <a:t>Month</a:t>
+                          </a:r>
+                          <a:endParaRPr lang="en-PH" sz="2400" b="1" dirty="0"/>
+                        </a:p>
+                      </a:txBody>
+                      <a:tcPr/>
+                    </a:tc>
+                    <a:tc>
+                      <a:txBody>
+                        <a:bodyPr/>
+                        <a:lstStyle/>
+                        <a:p>
+                          <a:endParaRPr lang="en-US"/>
+                        </a:p>
+                      </a:txBody>
+                      <a:tcPr>
+                        <a:blipFill rotWithShape="1">
+                          <a:blip r:embed="rId2"/>
+                          <a:stretch>
+                            <a:fillRect l="-32176" t="-10667" r="-111700" b="-430667"/>
+                          </a:stretch>
+                        </a:blipFill>
+                      </a:tcPr>
+                    </a:tc>
+                    <a:tc>
+                      <a:txBody>
+                        <a:bodyPr/>
+                        <a:lstStyle/>
+                        <a:p>
+                          <a:endParaRPr lang="en-US"/>
+                        </a:p>
+                      </a:txBody>
+                      <a:tcPr>
+                        <a:blipFill rotWithShape="1">
+                          <a:blip r:embed="rId2"/>
+                          <a:stretch>
+                            <a:fillRect l="-118331" t="-10667" b="-430667"/>
+                          </a:stretch>
+                        </a:blipFill>
+                      </a:tcPr>
+                    </a:tc>
+                    <a:extLst>
+                      <a:ext uri="{0D108BD9-81ED-4DB2-BD59-A6C34878D82A}">
+                        <a16:rowId xmlns:a16="http://schemas.microsoft.com/office/drawing/2014/main" xmlns:a14="http://schemas.microsoft.com/office/drawing/2010/main" xmlns="" val="1798310828"/>
+                      </a:ext>
+                    </a:extLst>
+                  </a:tr>
+                  <a:tr h="457200">
+                    <a:tc>
+                      <a:txBody>
+                        <a:bodyPr/>
+                        <a:lstStyle/>
+                        <a:p>
+                          <a:pPr algn="ctr"/>
+                          <a:r>
+                            <a:rPr lang="en-US" sz="2400" b="0" dirty="0"/>
+                            <a:t>1</a:t>
+                          </a:r>
+                          <a:endParaRPr lang="en-PH" sz="2400" b="0" dirty="0"/>
+                        </a:p>
+                      </a:txBody>
+                      <a:tcPr/>
+                    </a:tc>
+                    <a:tc>
+                      <a:txBody>
+                        <a:bodyPr/>
+                        <a:lstStyle/>
+                        <a:p>
+                          <a:pPr algn="ctr"/>
+                          <a:r>
+                            <a:rPr lang="en-US" sz="2400" b="0" dirty="0" smtClean="0"/>
+                            <a:t>0.1</a:t>
+                          </a:r>
+                          <a:endParaRPr lang="en-PH" sz="2400" b="0" dirty="0"/>
+                        </a:p>
+                      </a:txBody>
+                      <a:tcPr/>
+                    </a:tc>
+                    <a:tc>
+                      <a:txBody>
+                        <a:bodyPr/>
+                        <a:lstStyle/>
+                        <a:p>
+                          <a:pPr marL="0" marR="0" lvl="0" indent="0" algn="ctr" defTabSz="914400" rtl="0" eaLnBrk="1" fontAlgn="auto" latinLnBrk="0" hangingPunct="1">
+                            <a:lnSpc>
+                              <a:spcPct val="100000"/>
+                            </a:lnSpc>
+                            <a:spcBef>
+                              <a:spcPts val="0"/>
+                            </a:spcBef>
+                            <a:spcAft>
+                              <a:spcPts val="0"/>
+                            </a:spcAft>
+                            <a:buClrTx/>
+                            <a:buSzTx/>
+                            <a:buFontTx/>
+                            <a:buNone/>
+                            <a:tabLst/>
+                            <a:defRPr/>
+                          </a:pPr>
+                          <a:r>
+                            <a:rPr lang="en-US" sz="2400" b="0" dirty="0" smtClean="0"/>
+                            <a:t>0.3</a:t>
+                          </a:r>
+                          <a:endParaRPr lang="en-PH" sz="2400" b="0" dirty="0"/>
+                        </a:p>
+                      </a:txBody>
+                      <a:tcPr/>
+                    </a:tc>
+                    <a:extLst>
+                      <a:ext uri="{0D108BD9-81ED-4DB2-BD59-A6C34878D82A}">
+                        <a16:rowId xmlns:a16="http://schemas.microsoft.com/office/drawing/2014/main" xmlns:a14="http://schemas.microsoft.com/office/drawing/2010/main" xmlns="" val="1404954822"/>
+                      </a:ext>
+                    </a:extLst>
+                  </a:tr>
+                  <a:tr h="457200">
+                    <a:tc>
+                      <a:txBody>
+                        <a:bodyPr/>
+                        <a:lstStyle/>
+                        <a:p>
+                          <a:pPr algn="ctr"/>
+                          <a:r>
+                            <a:rPr lang="en-US" sz="2400" b="0" dirty="0"/>
+                            <a:t>2</a:t>
+                          </a:r>
+                          <a:endParaRPr lang="en-PH" sz="2400" b="0" dirty="0"/>
+                        </a:p>
+                      </a:txBody>
+                      <a:tcPr/>
+                    </a:tc>
+                    <a:tc>
+                      <a:txBody>
+                        <a:bodyPr/>
+                        <a:lstStyle/>
+                        <a:p>
+                          <a:pPr algn="ctr"/>
+                          <a:r>
+                            <a:rPr lang="en-US" sz="2400" b="0" dirty="0" smtClean="0"/>
+                            <a:t>0.2</a:t>
+                          </a:r>
+                          <a:endParaRPr lang="en-PH" sz="2400" b="0" dirty="0"/>
+                        </a:p>
+                      </a:txBody>
+                      <a:tcPr/>
+                    </a:tc>
+                    <a:tc>
+                      <a:txBody>
+                        <a:bodyPr/>
+                        <a:lstStyle/>
+                        <a:p>
+                          <a:pPr marL="0" marR="0" lvl="0" indent="0" algn="ctr" defTabSz="914400" rtl="0" eaLnBrk="1" fontAlgn="auto" latinLnBrk="0" hangingPunct="1">
+                            <a:lnSpc>
+                              <a:spcPct val="100000"/>
+                            </a:lnSpc>
+                            <a:spcBef>
+                              <a:spcPts val="0"/>
+                            </a:spcBef>
+                            <a:spcAft>
+                              <a:spcPts val="0"/>
+                            </a:spcAft>
+                            <a:buClrTx/>
+                            <a:buSzTx/>
+                            <a:buFontTx/>
+                            <a:buNone/>
+                            <a:tabLst/>
+                            <a:defRPr/>
+                          </a:pPr>
+                          <a:r>
+                            <a:rPr lang="en-US" sz="2400" b="0" dirty="0" smtClean="0"/>
+                            <a:t>0.1</a:t>
+                          </a:r>
+                          <a:endParaRPr lang="en-PH" sz="2400" b="0" dirty="0"/>
+                        </a:p>
+                      </a:txBody>
+                      <a:tcPr/>
+                    </a:tc>
+                    <a:extLst>
+                      <a:ext uri="{0D108BD9-81ED-4DB2-BD59-A6C34878D82A}">
+                        <a16:rowId xmlns:a16="http://schemas.microsoft.com/office/drawing/2014/main" xmlns:a14="http://schemas.microsoft.com/office/drawing/2010/main" xmlns="" val="3148427475"/>
+                      </a:ext>
+                    </a:extLst>
+                  </a:tr>
+                  <a:tr h="457200">
+                    <a:tc>
+                      <a:txBody>
+                        <a:bodyPr/>
+                        <a:lstStyle/>
+                        <a:p>
+                          <a:pPr algn="ctr"/>
+                          <a:r>
+                            <a:rPr lang="en-US" sz="2400" b="0" dirty="0"/>
+                            <a:t>3</a:t>
+                          </a:r>
+                          <a:endParaRPr lang="en-PH" sz="2400" b="0" dirty="0"/>
+                        </a:p>
+                      </a:txBody>
+                      <a:tcPr/>
+                    </a:tc>
+                    <a:tc>
+                      <a:txBody>
+                        <a:bodyPr/>
+                        <a:lstStyle/>
+                        <a:p>
+                          <a:pPr algn="ctr"/>
+                          <a:r>
+                            <a:rPr lang="en-US" sz="2400" b="0" dirty="0" smtClean="0"/>
+                            <a:t>0.15</a:t>
+                          </a:r>
+                          <a:endParaRPr lang="en-PH" sz="2400" b="0" dirty="0"/>
+                        </a:p>
+                      </a:txBody>
+                      <a:tcPr/>
+                    </a:tc>
+                    <a:tc>
+                      <a:txBody>
+                        <a:bodyPr/>
+                        <a:lstStyle/>
+                        <a:p>
+                          <a:pPr marL="0" marR="0" lvl="0" indent="0" algn="ctr" defTabSz="914400" rtl="0" eaLnBrk="1" fontAlgn="auto" latinLnBrk="0" hangingPunct="1">
+                            <a:lnSpc>
+                              <a:spcPct val="100000"/>
+                            </a:lnSpc>
+                            <a:spcBef>
+                              <a:spcPts val="0"/>
+                            </a:spcBef>
+                            <a:spcAft>
+                              <a:spcPts val="0"/>
+                            </a:spcAft>
+                            <a:buClrTx/>
+                            <a:buSzTx/>
+                            <a:buFontTx/>
+                            <a:buNone/>
+                            <a:tabLst/>
+                            <a:defRPr/>
+                          </a:pPr>
+                          <a:r>
+                            <a:rPr lang="en-US" sz="2400" b="0" dirty="0" smtClean="0"/>
+                            <a:t>0.2</a:t>
+                          </a:r>
+                          <a:endParaRPr lang="en-PH" sz="2400" b="0" dirty="0"/>
+                        </a:p>
+                      </a:txBody>
+                      <a:tcPr/>
+                    </a:tc>
+                    <a:extLst>
+                      <a:ext uri="{0D108BD9-81ED-4DB2-BD59-A6C34878D82A}">
+                        <a16:rowId xmlns:a16="http://schemas.microsoft.com/office/drawing/2014/main" xmlns:a14="http://schemas.microsoft.com/office/drawing/2010/main" xmlns="" val="1935952499"/>
+                      </a:ext>
+                    </a:extLst>
+                  </a:tr>
+                  <a:tr h="457200">
+                    <a:tc>
+                      <a:txBody>
+                        <a:bodyPr/>
+                        <a:lstStyle/>
+                        <a:p>
+                          <a:pPr algn="ctr"/>
+                          <a:r>
+                            <a:rPr lang="en-US" sz="2400" b="0" dirty="0"/>
+                            <a:t>4</a:t>
+                          </a:r>
+                          <a:endParaRPr lang="en-PH" sz="2400" b="0" dirty="0"/>
+                        </a:p>
+                      </a:txBody>
+                      <a:tcPr/>
+                    </a:tc>
+                    <a:tc>
+                      <a:txBody>
+                        <a:bodyPr/>
+                        <a:lstStyle/>
+                        <a:p>
+                          <a:pPr algn="ctr"/>
+                          <a:r>
+                            <a:rPr lang="en-US" sz="2400" b="0" dirty="0" smtClean="0"/>
+                            <a:t>0.05</a:t>
+                          </a:r>
+                          <a:endParaRPr lang="en-PH" sz="2400" b="0" dirty="0"/>
+                        </a:p>
+                      </a:txBody>
+                      <a:tcPr/>
+                    </a:tc>
+                    <a:tc>
+                      <a:txBody>
+                        <a:bodyPr/>
+                        <a:lstStyle/>
+                        <a:p>
+                          <a:pPr marL="0" marR="0" lvl="0" indent="0" algn="ctr" defTabSz="914400" rtl="0" eaLnBrk="1" fontAlgn="auto" latinLnBrk="0" hangingPunct="1">
+                            <a:lnSpc>
+                              <a:spcPct val="100000"/>
+                            </a:lnSpc>
+                            <a:spcBef>
+                              <a:spcPts val="0"/>
+                            </a:spcBef>
+                            <a:spcAft>
+                              <a:spcPts val="0"/>
+                            </a:spcAft>
+                            <a:buClrTx/>
+                            <a:buSzTx/>
+                            <a:buFontTx/>
+                            <a:buNone/>
+                            <a:tabLst/>
+                            <a:defRPr/>
+                          </a:pPr>
+                          <a:r>
+                            <a:rPr lang="en-US" sz="2400" b="0" dirty="0" smtClean="0"/>
+                            <a:t>0.1</a:t>
+                          </a:r>
+                          <a:endParaRPr lang="en-PH" sz="2400" b="0" dirty="0"/>
+                        </a:p>
+                      </a:txBody>
+                      <a:tcPr/>
+                    </a:tc>
+                    <a:extLst>
+                      <a:ext uri="{0D108BD9-81ED-4DB2-BD59-A6C34878D82A}">
+                        <a16:rowId xmlns:a16="http://schemas.microsoft.com/office/drawing/2014/main" xmlns:a14="http://schemas.microsoft.com/office/drawing/2010/main" xmlns="" val="1310842188"/>
+                      </a:ext>
+                    </a:extLst>
+                  </a:tr>
+                </a:tbl>
+              </a:graphicData>
+            </a:graphic>
+          </p:graphicFrame>
+        </mc:Fallback>
+      </mc:AlternateContent>
+      <p:grpSp>
+        <p:nvGrpSpPr>
+          <p:cNvPr id="4" name="Group 3"/>
+          <p:cNvGrpSpPr/>
+          <p:nvPr/>
+        </p:nvGrpSpPr>
+        <p:grpSpPr>
+          <a:xfrm>
+            <a:off x="376262" y="3835625"/>
+            <a:ext cx="11351449" cy="1969770"/>
+            <a:chOff x="376262" y="3989513"/>
+            <a:chExt cx="11351449" cy="1969770"/>
+          </a:xfrm>
+        </p:grpSpPr>
+        <p:sp>
+          <p:nvSpPr>
+            <p:cNvPr id="5" name="Rectangle 4">
+              <a:extLst>
+                <a:ext uri="{FF2B5EF4-FFF2-40B4-BE49-F238E27FC236}">
+                  <a16:creationId xmlns="" xmlns:a16="http://schemas.microsoft.com/office/drawing/2014/main" id="{42C03F5E-E3ED-4350-9B3B-87690671BF01}"/>
+                </a:ext>
+              </a:extLst>
+            </p:cNvPr>
+            <p:cNvSpPr/>
+            <p:nvPr/>
+          </p:nvSpPr>
+          <p:spPr>
+            <a:xfrm>
+              <a:off x="376262" y="4143401"/>
+              <a:ext cx="2622119" cy="1815882"/>
+            </a:xfrm>
+            <a:prstGeom prst="rect">
+              <a:avLst/>
+            </a:prstGeom>
+          </p:spPr>
+          <p:txBody>
+            <a:bodyPr wrap="square">
+              <a:spAutoFit/>
+            </a:bodyPr>
+            <a:lstStyle/>
+            <a:p>
+              <a:r>
+                <a:rPr lang="en-US" sz="2800" b="0" i="1" dirty="0" smtClean="0"/>
+                <a:t>MAE: </a:t>
+              </a:r>
+              <a:r>
+                <a:rPr lang="en-US" sz="2800" b="0" i="1" dirty="0" smtClean="0">
+                  <a:solidFill>
+                    <a:srgbClr val="C00000"/>
+                  </a:solidFill>
+                </a:rPr>
+                <a:t>0.1</a:t>
+              </a:r>
+              <a:r>
+                <a:rPr lang="en-US" sz="2800" b="0" i="1" dirty="0" smtClean="0"/>
+                <a:t> 	</a:t>
+              </a:r>
+            </a:p>
+            <a:p>
+              <a:r>
+                <a:rPr lang="en-US" sz="2800" i="1" dirty="0" smtClean="0"/>
+                <a:t>MSE: </a:t>
+              </a:r>
+              <a:r>
+                <a:rPr lang="en-US" sz="2800" i="1" dirty="0" smtClean="0">
+                  <a:solidFill>
+                    <a:srgbClr val="C00000"/>
+                  </a:solidFill>
+                </a:rPr>
+                <a:t>0.01375</a:t>
+              </a:r>
+            </a:p>
+            <a:p>
+              <a:r>
+                <a:rPr lang="en-US" sz="2800" b="0" i="1" dirty="0" smtClean="0"/>
+                <a:t>RMSE: </a:t>
+              </a:r>
+              <a:r>
+                <a:rPr lang="en-US" sz="2800" b="0" i="1" dirty="0" smtClean="0">
+                  <a:solidFill>
+                    <a:srgbClr val="C00000"/>
+                  </a:solidFill>
+                </a:rPr>
+                <a:t>0.117</a:t>
+              </a:r>
+            </a:p>
+            <a:p>
+              <a:r>
+                <a:rPr lang="en-US" sz="2800" i="1" dirty="0" smtClean="0"/>
+                <a:t>MAPE = </a:t>
+              </a:r>
+              <a:r>
+                <a:rPr lang="en-US" sz="2800" i="1" dirty="0" smtClean="0">
+                  <a:solidFill>
+                    <a:srgbClr val="C00000"/>
+                  </a:solidFill>
+                </a:rPr>
+                <a:t>95.83%</a:t>
+              </a:r>
+              <a:endParaRPr lang="en-US" sz="2800" b="0" i="1" dirty="0" smtClean="0">
+                <a:solidFill>
+                  <a:srgbClr val="C00000"/>
+                </a:solidFill>
+              </a:endParaRPr>
+            </a:p>
+          </p:txBody>
+        </p:sp>
+        <p:sp>
+          <p:nvSpPr>
+            <p:cNvPr id="7" name="Rectangle 6">
+              <a:extLst>
+                <a:ext uri="{FF2B5EF4-FFF2-40B4-BE49-F238E27FC236}">
+                  <a16:creationId xmlns="" xmlns:a16="http://schemas.microsoft.com/office/drawing/2014/main" id="{42C03F5E-E3ED-4350-9B3B-87690671BF01}"/>
+                </a:ext>
+              </a:extLst>
+            </p:cNvPr>
+            <p:cNvSpPr/>
+            <p:nvPr/>
+          </p:nvSpPr>
+          <p:spPr>
+            <a:xfrm>
+              <a:off x="3356922" y="3989513"/>
+              <a:ext cx="8370789" cy="1785104"/>
+            </a:xfrm>
+            <a:prstGeom prst="rect">
+              <a:avLst/>
+            </a:prstGeom>
+          </p:spPr>
+          <p:txBody>
+            <a:bodyPr wrap="square">
+              <a:spAutoFit/>
+            </a:bodyPr>
+            <a:lstStyle/>
+            <a:p>
+              <a:r>
+                <a:rPr lang="en-US" sz="2200" b="0" i="1" dirty="0" smtClean="0"/>
+                <a:t>MAE: Forecast is off by 0.1</a:t>
+              </a:r>
+            </a:p>
+            <a:p>
+              <a:r>
+                <a:rPr lang="en-US" sz="2200" b="0" i="1" dirty="0" smtClean="0"/>
+                <a:t>MSE: </a:t>
+              </a:r>
+              <a:r>
+                <a:rPr lang="en-US" sz="2200" i="1" dirty="0" smtClean="0"/>
+                <a:t>Squared error remains small due to the low absolute errors</a:t>
+              </a:r>
+              <a:endParaRPr lang="en-US" sz="2200" b="0" i="1" dirty="0" smtClean="0"/>
+            </a:p>
+            <a:p>
+              <a:r>
+                <a:rPr lang="en-US" sz="2200" i="1" dirty="0" smtClean="0"/>
+                <a:t>RMSE: Similar to MAE in this instance</a:t>
+              </a:r>
+            </a:p>
+            <a:p>
+              <a:r>
+                <a:rPr lang="en-US" sz="2200" i="1" dirty="0" smtClean="0"/>
+                <a:t>MAPE: Appears extremely high, nearly 96%, which can be misleading given the very small scale of the actual values.</a:t>
+              </a:r>
+            </a:p>
+          </p:txBody>
+        </p:sp>
+      </p:grpSp>
+    </p:spTree>
+    <p:extLst>
+      <p:ext uri="{BB962C8B-B14F-4D97-AF65-F5344CB8AC3E}">
+        <p14:creationId xmlns:p14="http://schemas.microsoft.com/office/powerpoint/2010/main" val="1237728439"/>
+      </p:ext>
+    </p:extLst>
+  </p:cSld>
+  <p:clrMapOvr>
+    <a:masterClrMapping/>
+  </p:clrMapOvr>
+</p:sld>
+</file>
+
+<file path=ppt/slides/slide24.xml><?xml version="1.0" encoding="utf-8"?>
+<p:sld xmlns:a="http://schemas.openxmlformats.org/drawingml/2006/main" xmlns:r="http://schemas.openxmlformats.org/officeDocument/2006/relationships" xmlns:p="http://schemas.openxmlformats.org/presentationml/2006/main">
+  <p:cSld>
+    <p:spTree>
+      <p:nvGrpSpPr>
+        <p:cNvPr id="1" name=""/>
+        <p:cNvGrpSpPr/>
+        <p:nvPr/>
+      </p:nvGrpSpPr>
+      <p:grpSpPr>
+        <a:xfrm>
+          <a:off x="0" y="0"/>
+          <a:ext cx="0" cy="0"/>
+          <a:chOff x="0" y="0"/>
+          <a:chExt cx="0" cy="0"/>
+        </a:xfrm>
+      </p:grpSpPr>
+      <p:sp>
+        <p:nvSpPr>
+          <p:cNvPr id="4" name="TextBox 3"/>
+          <p:cNvSpPr txBox="1"/>
+          <p:nvPr/>
+        </p:nvSpPr>
+        <p:spPr>
+          <a:xfrm>
+            <a:off x="901714" y="966050"/>
+            <a:ext cx="10558668" cy="4893647"/>
+          </a:xfrm>
+          <a:prstGeom prst="rect">
+            <a:avLst/>
+          </a:prstGeom>
+          <a:noFill/>
+        </p:spPr>
+        <p:txBody>
+          <a:bodyPr wrap="square" rtlCol="0">
+            <a:spAutoFit/>
+          </a:bodyPr>
+          <a:lstStyle/>
+          <a:p>
+            <a:r>
+              <a:rPr lang="en-US" sz="4400" b="1" dirty="0" smtClean="0"/>
+              <a:t>Insight</a:t>
+            </a:r>
+            <a:endParaRPr lang="en-US" sz="4400" b="1" dirty="0"/>
+          </a:p>
+          <a:p>
+            <a:endParaRPr lang="en-US" sz="1600" dirty="0"/>
+          </a:p>
+          <a:p>
+            <a:pPr marL="514350" indent="-514350">
+              <a:buAutoNum type="arabicPeriod"/>
+            </a:pPr>
+            <a:r>
+              <a:rPr lang="en-US" sz="2800" b="1" dirty="0" smtClean="0"/>
+              <a:t>MAE, MSE,</a:t>
+            </a:r>
+            <a:r>
+              <a:rPr lang="en-US" sz="2800" dirty="0" smtClean="0"/>
+              <a:t> and </a:t>
+            </a:r>
+            <a:r>
+              <a:rPr lang="en-US" sz="2800" b="1" dirty="0" smtClean="0"/>
+              <a:t>RMSE</a:t>
+            </a:r>
+            <a:r>
+              <a:rPr lang="en-US" sz="2800" dirty="0" smtClean="0"/>
+              <a:t> indicate relatively small errors in absolute terms.</a:t>
+            </a:r>
+          </a:p>
+          <a:p>
+            <a:pPr marL="514350" indent="-514350">
+              <a:buAutoNum type="arabicPeriod"/>
+            </a:pPr>
+            <a:r>
+              <a:rPr lang="en-US" sz="2800" b="1" dirty="0" smtClean="0"/>
+              <a:t>MAPE </a:t>
+            </a:r>
+            <a:r>
+              <a:rPr lang="en-US" sz="2800" dirty="0" smtClean="0"/>
+              <a:t>is inflated due to division by numbers close to zero, potentially distorting the true performance of the model.</a:t>
+            </a:r>
+          </a:p>
+          <a:p>
+            <a:pPr marL="514350" indent="-514350">
+              <a:buAutoNum type="arabicPeriod"/>
+            </a:pPr>
+            <a:r>
+              <a:rPr lang="en-US" sz="2800" b="1" dirty="0" smtClean="0"/>
+              <a:t>Voting-based decision: </a:t>
+            </a:r>
+            <a:r>
+              <a:rPr lang="en-US" sz="2800" dirty="0" smtClean="0"/>
+              <a:t>By considering all metrics, you see that percentage-based errors (MAPE) may not be reliable in contexts with near-zero actuals. Relying solely on MAPE would misguide model evaluation, while the combination of MAE, MSE, and RMSE gives a more balanced view.</a:t>
+            </a:r>
+          </a:p>
+        </p:txBody>
+      </p:sp>
+    </p:spTree>
+    <p:extLst>
+      <p:ext uri="{BB962C8B-B14F-4D97-AF65-F5344CB8AC3E}">
+        <p14:creationId xmlns:p14="http://schemas.microsoft.com/office/powerpoint/2010/main" val="3335243931"/>
+      </p:ext>
+    </p:extLst>
+  </p:cSld>
+  <p:clrMapOvr>
+    <a:masterClrMapping/>
+  </p:clrMapOvr>
+</p:sld>
+</file>
+
+<file path=ppt/slides/slide25.xml><?xml version="1.0" encoding="utf-8"?>
+<p:sld xmlns:a="http://schemas.openxmlformats.org/drawingml/2006/main" xmlns:r="http://schemas.openxmlformats.org/officeDocument/2006/relationships" xmlns:p="http://schemas.openxmlformats.org/presentationml/2006/main">
+  <p:cSld>
+    <p:spTree>
+      <p:nvGrpSpPr>
+        <p:cNvPr id="1" name=""/>
+        <p:cNvGrpSpPr/>
+        <p:nvPr/>
+      </p:nvGrpSpPr>
+      <p:grpSpPr>
+        <a:xfrm>
+          <a:off x="0" y="0"/>
+          <a:ext cx="0" cy="0"/>
+          <a:chOff x="0" y="0"/>
+          <a:chExt cx="0" cy="0"/>
+        </a:xfrm>
+      </p:grpSpPr>
+      <p:sp>
+        <p:nvSpPr>
+          <p:cNvPr id="4" name="Slide Number Placeholder 3">
+            <a:extLst>
+              <a:ext uri="{FF2B5EF4-FFF2-40B4-BE49-F238E27FC236}">
+                <a16:creationId xmlns="" xmlns:a16="http://schemas.microsoft.com/office/drawing/2014/main" id="{62E7B5B2-C921-4EA7-A2E9-CC1D800412DA}"/>
+              </a:ext>
+            </a:extLst>
+          </p:cNvPr>
+          <p:cNvSpPr>
+            <a:spLocks noGrp="1"/>
+          </p:cNvSpPr>
+          <p:nvPr>
+            <p:ph type="sldNum" sz="quarter" idx="12"/>
+          </p:nvPr>
+        </p:nvSpPr>
+        <p:spPr/>
+        <p:txBody>
+          <a:bodyPr/>
+          <a:lstStyle/>
+          <a:p>
+            <a:fld id="{52DC67D9-7476-42EA-B107-119E1B18B658}" type="slidenum">
+              <a:rPr lang="en-US" smtClean="0"/>
+              <a:t>25</a:t>
+            </a:fld>
+            <a:endParaRPr lang="en-US" dirty="0"/>
+          </a:p>
+        </p:txBody>
+      </p:sp>
+      <p:sp>
+        <p:nvSpPr>
+          <p:cNvPr id="5" name="TextBox 4">
+            <a:extLst>
+              <a:ext uri="{FF2B5EF4-FFF2-40B4-BE49-F238E27FC236}">
+                <a16:creationId xmlns="" xmlns:a16="http://schemas.microsoft.com/office/drawing/2014/main" id="{3984CB54-17A6-4F9C-BC6F-202D8A01035C}"/>
+              </a:ext>
+            </a:extLst>
+          </p:cNvPr>
+          <p:cNvSpPr txBox="1"/>
+          <p:nvPr/>
+        </p:nvSpPr>
+        <p:spPr>
+          <a:xfrm>
+            <a:off x="369902" y="2413337"/>
+            <a:ext cx="11452196" cy="1015663"/>
+          </a:xfrm>
+          <a:prstGeom prst="rect">
+            <a:avLst/>
+          </a:prstGeom>
+          <a:noFill/>
+        </p:spPr>
+        <p:txBody>
+          <a:bodyPr wrap="square" rtlCol="0">
+            <a:spAutoFit/>
+          </a:bodyPr>
+          <a:lstStyle/>
+          <a:p>
+            <a:pPr algn="ctr"/>
+            <a:r>
+              <a:rPr lang="en-US" sz="6000" b="1" dirty="0" smtClean="0"/>
+              <a:t>Conclusion</a:t>
+            </a:r>
+            <a:endParaRPr lang="en-US" sz="6000" b="1" dirty="0"/>
+          </a:p>
+        </p:txBody>
+      </p:sp>
+    </p:spTree>
+    <p:extLst>
+      <p:ext uri="{BB962C8B-B14F-4D97-AF65-F5344CB8AC3E}">
+        <p14:creationId xmlns:p14="http://schemas.microsoft.com/office/powerpoint/2010/main" val="3926131006"/>
+      </p:ext>
+    </p:extLst>
+  </p:cSld>
+  <p:clrMapOvr>
+    <a:masterClrMapping/>
+  </p:clrMapOvr>
+</p:sld>
+</file>
+
+<file path=ppt/slides/slide26.xml><?xml version="1.0" encoding="utf-8"?>
+<p:sld xmlns:a="http://schemas.openxmlformats.org/drawingml/2006/main" xmlns:r="http://schemas.openxmlformats.org/officeDocument/2006/relationships" xmlns:p="http://schemas.openxmlformats.org/presentationml/2006/main">
+  <p:cSld>
+    <p:spTree>
+      <p:nvGrpSpPr>
+        <p:cNvPr id="1" name=""/>
+        <p:cNvGrpSpPr/>
+        <p:nvPr/>
+      </p:nvGrpSpPr>
+      <p:grpSpPr>
+        <a:xfrm>
+          <a:off x="0" y="0"/>
+          <a:ext cx="0" cy="0"/>
+          <a:chOff x="0" y="0"/>
+          <a:chExt cx="0" cy="0"/>
+        </a:xfrm>
+      </p:grpSpPr>
+      <p:sp>
+        <p:nvSpPr>
+          <p:cNvPr id="4" name="TextBox 3"/>
+          <p:cNvSpPr txBox="1"/>
+          <p:nvPr/>
+        </p:nvSpPr>
+        <p:spPr>
+          <a:xfrm>
+            <a:off x="901714" y="966050"/>
+            <a:ext cx="10558668" cy="3970318"/>
+          </a:xfrm>
+          <a:prstGeom prst="rect">
+            <a:avLst/>
+          </a:prstGeom>
+          <a:noFill/>
+        </p:spPr>
+        <p:txBody>
+          <a:bodyPr wrap="square" rtlCol="0">
+            <a:spAutoFit/>
+          </a:bodyPr>
+          <a:lstStyle/>
+          <a:p>
+            <a:pPr marL="514350" indent="-514350">
+              <a:buAutoNum type="arabicPeriod"/>
+            </a:pPr>
+            <a:r>
+              <a:rPr lang="en-US" sz="3600" b="1" dirty="0" smtClean="0"/>
+              <a:t>Outlier Sensitivity: </a:t>
+            </a:r>
+            <a:r>
+              <a:rPr lang="en-US" sz="3600" dirty="0" smtClean="0"/>
+              <a:t>RMSE and MSE can be heavily influenced by extreme values, while MAE and MAPE might understate the risk.</a:t>
+            </a:r>
+          </a:p>
+          <a:p>
+            <a:pPr marL="514350" indent="-514350">
+              <a:buAutoNum type="arabicPeriod"/>
+            </a:pPr>
+            <a:endParaRPr lang="en-US" sz="3600" dirty="0" smtClean="0"/>
+          </a:p>
+          <a:p>
+            <a:pPr marL="514350" indent="-514350">
+              <a:buAutoNum type="arabicPeriod"/>
+            </a:pPr>
+            <a:r>
+              <a:rPr lang="en-US" sz="3600" b="1" dirty="0" smtClean="0"/>
+              <a:t>Scale Distortion: </a:t>
+            </a:r>
+            <a:r>
+              <a:rPr lang="en-US" sz="3600" dirty="0" smtClean="0"/>
+              <a:t>MAPE can be misleading when actual values are near zero, whereas MAE, MSE, and RMSE maintain their scale integrity.</a:t>
+            </a:r>
+          </a:p>
+        </p:txBody>
+      </p:sp>
+    </p:spTree>
+    <p:extLst>
+      <p:ext uri="{BB962C8B-B14F-4D97-AF65-F5344CB8AC3E}">
+        <p14:creationId xmlns:p14="http://schemas.microsoft.com/office/powerpoint/2010/main" val="2785890815"/>
+      </p:ext>
+    </p:extLst>
+  </p:cSld>
+  <p:clrMapOvr>
+    <a:masterClrMapping/>
+  </p:clrMapOvr>
+</p:sld>
+</file>
+
+<file path=ppt/slides/slide27.xml><?xml version="1.0" encoding="utf-8"?>
+<p:sld xmlns:a="http://schemas.openxmlformats.org/drawingml/2006/main" xmlns:r="http://schemas.openxmlformats.org/officeDocument/2006/relationships" xmlns:p="http://schemas.openxmlformats.org/presentationml/2006/main">
+  <p:cSld>
+    <p:spTree>
+      <p:nvGrpSpPr>
+        <p:cNvPr id="1" name=""/>
+        <p:cNvGrpSpPr/>
+        <p:nvPr/>
+      </p:nvGrpSpPr>
+      <p:grpSpPr>
+        <a:xfrm>
+          <a:off x="0" y="0"/>
+          <a:ext cx="0" cy="0"/>
+          <a:chOff x="0" y="0"/>
+          <a:chExt cx="0" cy="0"/>
+        </a:xfrm>
+      </p:grpSpPr>
+      <p:sp>
+        <p:nvSpPr>
+          <p:cNvPr id="4" name="TextBox 3"/>
+          <p:cNvSpPr txBox="1"/>
+          <p:nvPr/>
+        </p:nvSpPr>
+        <p:spPr>
+          <a:xfrm>
+            <a:off x="901714" y="785289"/>
+            <a:ext cx="10558668" cy="5262979"/>
+          </a:xfrm>
+          <a:prstGeom prst="rect">
+            <a:avLst/>
+          </a:prstGeom>
+          <a:noFill/>
+        </p:spPr>
+        <p:txBody>
+          <a:bodyPr wrap="square" rtlCol="0">
+            <a:spAutoFit/>
+          </a:bodyPr>
+          <a:lstStyle/>
+          <a:p>
+            <a:r>
+              <a:rPr lang="en-US" sz="4000" b="1" dirty="0" smtClean="0"/>
+              <a:t>Solution:</a:t>
+            </a:r>
+          </a:p>
+          <a:p>
+            <a:endParaRPr lang="en-US" sz="2000" b="1" dirty="0" smtClean="0"/>
+          </a:p>
+          <a:p>
+            <a:pPr marL="514350" indent="-514350">
+              <a:buAutoNum type="arabicPeriod"/>
+            </a:pPr>
+            <a:r>
+              <a:rPr lang="en-US" sz="3400" b="1" dirty="0" smtClean="0"/>
+              <a:t>Aggregate the insights: </a:t>
+            </a:r>
+            <a:r>
+              <a:rPr lang="en-US" sz="3400" dirty="0" smtClean="0"/>
+              <a:t>Identify if most metrics point to similar conclusion.</a:t>
+            </a:r>
+          </a:p>
+          <a:p>
+            <a:pPr marL="514350" indent="-514350">
+              <a:buAutoNum type="arabicPeriod"/>
+            </a:pPr>
+            <a:r>
+              <a:rPr lang="en-US" sz="3400" b="1" dirty="0" smtClean="0"/>
+              <a:t>Understand context: </a:t>
+            </a:r>
+            <a:r>
+              <a:rPr lang="en-US" sz="3400" dirty="0" smtClean="0"/>
+              <a:t>Consider the nature of your data (presence of outliers, scale issues) to decide which metrics should have more influence</a:t>
+            </a:r>
+          </a:p>
+          <a:p>
+            <a:pPr marL="514350" indent="-514350">
+              <a:buAutoNum type="arabicPeriod"/>
+            </a:pPr>
+            <a:r>
+              <a:rPr lang="en-US" sz="3400" b="1" dirty="0" smtClean="0"/>
+              <a:t>Balance trade-offs:</a:t>
+            </a:r>
+            <a:r>
+              <a:rPr lang="en-US" sz="3400" dirty="0" smtClean="0"/>
+              <a:t> No single metric captures all nuances. A combined judgment reduces the risk of over fitting your model evaluation to a single dimension.</a:t>
+            </a:r>
+            <a:endParaRPr lang="en-US" sz="3400" b="1" dirty="0" smtClean="0"/>
+          </a:p>
+        </p:txBody>
+      </p:sp>
+    </p:spTree>
+    <p:extLst>
+      <p:ext uri="{BB962C8B-B14F-4D97-AF65-F5344CB8AC3E}">
+        <p14:creationId xmlns:p14="http://schemas.microsoft.com/office/powerpoint/2010/main" val="1485952367"/>
+      </p:ext>
+    </p:extLst>
+  </p:cSld>
+  <p:clrMapOvr>
+    <a:masterClrMapping/>
+  </p:clrMapOvr>
+</p:sld>
+</file>
+
+<file path=ppt/slides/slide28.xml><?xml version="1.0" encoding="utf-8"?>
+<p:sld xmlns:a="http://schemas.openxmlformats.org/drawingml/2006/main" xmlns:r="http://schemas.openxmlformats.org/officeDocument/2006/relationships" xmlns:p="http://schemas.openxmlformats.org/presentationml/2006/main">
+  <p:cSld>
+    <p:spTree>
+      <p:nvGrpSpPr>
+        <p:cNvPr id="1" name=""/>
+        <p:cNvGrpSpPr/>
+        <p:nvPr/>
+      </p:nvGrpSpPr>
+      <p:grpSpPr>
+        <a:xfrm>
+          <a:off x="0" y="0"/>
+          <a:ext cx="0" cy="0"/>
+          <a:chOff x="0" y="0"/>
+          <a:chExt cx="0" cy="0"/>
+        </a:xfrm>
+      </p:grpSpPr>
+      <p:sp>
+        <p:nvSpPr>
+          <p:cNvPr id="4" name="TextBox 3"/>
+          <p:cNvSpPr txBox="1"/>
+          <p:nvPr/>
+        </p:nvSpPr>
+        <p:spPr>
+          <a:xfrm>
+            <a:off x="901714" y="838454"/>
+            <a:ext cx="10558668" cy="4524315"/>
+          </a:xfrm>
+          <a:prstGeom prst="rect">
+            <a:avLst/>
+          </a:prstGeom>
+          <a:noFill/>
+        </p:spPr>
+        <p:txBody>
+          <a:bodyPr wrap="square" rtlCol="0">
+            <a:spAutoFit/>
+          </a:bodyPr>
+          <a:lstStyle/>
+          <a:p>
+            <a:r>
+              <a:rPr lang="en-US" sz="4000" b="1" dirty="0" smtClean="0"/>
+              <a:t>Other Methods:</a:t>
+            </a:r>
+          </a:p>
+          <a:p>
+            <a:endParaRPr lang="en-US" sz="2000" b="1" dirty="0" smtClean="0"/>
+          </a:p>
+          <a:p>
+            <a:r>
+              <a:rPr lang="en-US" sz="3600" b="1" dirty="0" smtClean="0"/>
+              <a:t>Mean Absolute Scaled Error (MASE)</a:t>
+            </a:r>
+          </a:p>
+          <a:p>
+            <a:pPr marL="571500" indent="-571500">
+              <a:buFontTx/>
+              <a:buChar char="-"/>
+            </a:pPr>
+            <a:r>
+              <a:rPr lang="en-US" sz="3200" dirty="0" smtClean="0"/>
+              <a:t>Scales </a:t>
+            </a:r>
+            <a:r>
+              <a:rPr lang="en-US" sz="3200" dirty="0"/>
+              <a:t>the forecast errors by the in-sample error of a naïve forecasting model (often a simple random walk</a:t>
+            </a:r>
+            <a:r>
+              <a:rPr lang="en-US" sz="3200" dirty="0" smtClean="0"/>
+              <a:t>).</a:t>
+            </a:r>
+          </a:p>
+          <a:p>
+            <a:pPr marL="571500" indent="-571500">
+              <a:buFontTx/>
+              <a:buChar char="-"/>
+            </a:pPr>
+            <a:r>
+              <a:rPr lang="en-US" sz="3200" i="1" dirty="0"/>
+              <a:t>Scale-independence: </a:t>
+            </a:r>
+            <a:r>
+              <a:rPr lang="en-US" sz="3200" dirty="0"/>
+              <a:t>It allows you to compare errors across different datasets or time series</a:t>
+            </a:r>
+            <a:r>
+              <a:rPr lang="en-US" sz="3200" dirty="0" smtClean="0"/>
+              <a:t>.</a:t>
+            </a:r>
+          </a:p>
+          <a:p>
+            <a:pPr marL="571500" indent="-571500">
+              <a:buFontTx/>
+              <a:buChar char="-"/>
+            </a:pPr>
+            <a:r>
+              <a:rPr lang="en-US" sz="3200" i="1" dirty="0"/>
+              <a:t>Robustness:</a:t>
+            </a:r>
+            <a:r>
+              <a:rPr lang="en-US" sz="3200" dirty="0"/>
+              <a:t> It doesn’t blow up when actual values are close to zero.</a:t>
+            </a:r>
+            <a:endParaRPr lang="en-US" sz="3200" dirty="0" smtClean="0"/>
+          </a:p>
+        </p:txBody>
+      </p:sp>
+    </p:spTree>
+    <p:extLst>
+      <p:ext uri="{BB962C8B-B14F-4D97-AF65-F5344CB8AC3E}">
+        <p14:creationId xmlns:p14="http://schemas.microsoft.com/office/powerpoint/2010/main" val="1993623310"/>
+      </p:ext>
+    </p:extLst>
+  </p:cSld>
+  <p:clrMapOvr>
+    <a:masterClrMapping/>
+  </p:clrMapOvr>
+</p:sld>
+</file>
+
+<file path=ppt/slides/slide29.xml><?xml version="1.0" encoding="utf-8"?>
+<p:sld xmlns:a="http://schemas.openxmlformats.org/drawingml/2006/main" xmlns:r="http://schemas.openxmlformats.org/officeDocument/2006/relationships" xmlns:p="http://schemas.openxmlformats.org/presentationml/2006/main">
+  <p:cSld>
+    <p:spTree>
+      <p:nvGrpSpPr>
+        <p:cNvPr id="1" name=""/>
+        <p:cNvGrpSpPr/>
+        <p:nvPr/>
+      </p:nvGrpSpPr>
+      <p:grpSpPr>
+        <a:xfrm>
+          <a:off x="0" y="0"/>
+          <a:ext cx="0" cy="0"/>
+          <a:chOff x="0" y="0"/>
+          <a:chExt cx="0" cy="0"/>
+        </a:xfrm>
+      </p:grpSpPr>
+      <p:sp>
+        <p:nvSpPr>
+          <p:cNvPr id="4" name="TextBox 3"/>
+          <p:cNvSpPr txBox="1"/>
+          <p:nvPr/>
+        </p:nvSpPr>
+        <p:spPr>
+          <a:xfrm>
+            <a:off x="901714" y="838454"/>
+            <a:ext cx="10558668" cy="5016758"/>
+          </a:xfrm>
+          <a:prstGeom prst="rect">
+            <a:avLst/>
+          </a:prstGeom>
+          <a:noFill/>
+        </p:spPr>
+        <p:txBody>
+          <a:bodyPr wrap="square" rtlCol="0">
+            <a:spAutoFit/>
+          </a:bodyPr>
+          <a:lstStyle/>
+          <a:p>
+            <a:r>
+              <a:rPr lang="en-US" sz="4000" b="1" dirty="0" smtClean="0"/>
+              <a:t>Other Methods:</a:t>
+            </a:r>
+          </a:p>
+          <a:p>
+            <a:endParaRPr lang="en-US" sz="2000" b="1" dirty="0" smtClean="0"/>
+          </a:p>
+          <a:p>
+            <a:r>
+              <a:rPr lang="en-US" sz="3600" b="1" dirty="0" smtClean="0"/>
+              <a:t>Symmetric Mean Absolute Percentage Error (MASE)</a:t>
+            </a:r>
+          </a:p>
+          <a:p>
+            <a:pPr marL="571500" indent="-571500">
+              <a:buFontTx/>
+              <a:buChar char="-"/>
+            </a:pPr>
+            <a:r>
+              <a:rPr lang="en-US" sz="3200" dirty="0" smtClean="0"/>
+              <a:t>It modifies </a:t>
+            </a:r>
+            <a:r>
+              <a:rPr lang="en-US" sz="3200" dirty="0"/>
+              <a:t>the </a:t>
+            </a:r>
+            <a:r>
+              <a:rPr lang="en-US" sz="3200" i="1" dirty="0"/>
+              <a:t>MAPE</a:t>
+            </a:r>
+            <a:r>
+              <a:rPr lang="en-US" sz="3200" dirty="0"/>
+              <a:t> by using the average of the absolute values of the actual and forecasted values in the denominator, reducing sensitivity when values are small</a:t>
+            </a:r>
+            <a:r>
+              <a:rPr lang="en-US" sz="3200" dirty="0" smtClean="0"/>
+              <a:t>.</a:t>
+            </a:r>
+          </a:p>
+          <a:p>
+            <a:pPr marL="571500" indent="-571500">
+              <a:buFontTx/>
+              <a:buChar char="-"/>
+            </a:pPr>
+            <a:r>
+              <a:rPr lang="en-US" sz="3200" i="1" dirty="0"/>
+              <a:t>Symmetry: </a:t>
+            </a:r>
+            <a:r>
+              <a:rPr lang="en-US" sz="3200" dirty="0"/>
+              <a:t>It treats over-forecasts and under-forecasts more </a:t>
+            </a:r>
+            <a:r>
+              <a:rPr lang="en-US" sz="3200" dirty="0" smtClean="0"/>
+              <a:t>equally</a:t>
+            </a:r>
+          </a:p>
+          <a:p>
+            <a:pPr marL="571500" indent="-571500">
+              <a:buFontTx/>
+              <a:buChar char="-"/>
+            </a:pPr>
+            <a:r>
+              <a:rPr lang="en-US" sz="3200" i="1" dirty="0"/>
+              <a:t>Reduced bias: </a:t>
+            </a:r>
+            <a:r>
+              <a:rPr lang="en-US" sz="3200" dirty="0"/>
+              <a:t>It mitigates the extreme percentage errors that can occur in MAPE when actual values approach zero.</a:t>
+            </a:r>
+            <a:endParaRPr lang="en-US" sz="3200" dirty="0" smtClean="0"/>
+          </a:p>
+        </p:txBody>
+      </p:sp>
+    </p:spTree>
+    <p:extLst>
+      <p:ext uri="{BB962C8B-B14F-4D97-AF65-F5344CB8AC3E}">
+        <p14:creationId xmlns:p14="http://schemas.microsoft.com/office/powerpoint/2010/main" val="2253065574"/>
       </p:ext>
     </p:extLst>
   </p:cSld>
@@ -6855,7 +14941,7 @@
           <p:cNvPr id="6" name="Picture 5">
             <a:extLst>
               <a:ext uri="{FF2B5EF4-FFF2-40B4-BE49-F238E27FC236}">
-                <a16:creationId xmlns:a16="http://schemas.microsoft.com/office/drawing/2014/main" id="{C292DD58-3D63-4090-80C8-CBA19476A557}"/>
+                <a16:creationId xmlns="" xmlns:a16="http://schemas.microsoft.com/office/drawing/2014/main" id="{C292DD58-3D63-4090-80C8-CBA19476A557}"/>
               </a:ext>
             </a:extLst>
           </p:cNvPr>
@@ -6893,6 +14979,258 @@
 </p:sld>
 </file>
 
+<file path=ppt/slides/slide30.xml><?xml version="1.0" encoding="utf-8"?>
+<p:sld xmlns:a="http://schemas.openxmlformats.org/drawingml/2006/main" xmlns:r="http://schemas.openxmlformats.org/officeDocument/2006/relationships" xmlns:p="http://schemas.openxmlformats.org/presentationml/2006/main">
+  <p:cSld>
+    <p:spTree>
+      <p:nvGrpSpPr>
+        <p:cNvPr id="1" name=""/>
+        <p:cNvGrpSpPr/>
+        <p:nvPr/>
+      </p:nvGrpSpPr>
+      <p:grpSpPr>
+        <a:xfrm>
+          <a:off x="0" y="0"/>
+          <a:ext cx="0" cy="0"/>
+          <a:chOff x="0" y="0"/>
+          <a:chExt cx="0" cy="0"/>
+        </a:xfrm>
+      </p:grpSpPr>
+      <p:sp>
+        <p:nvSpPr>
+          <p:cNvPr id="4" name="TextBox 3"/>
+          <p:cNvSpPr txBox="1"/>
+          <p:nvPr/>
+        </p:nvSpPr>
+        <p:spPr>
+          <a:xfrm>
+            <a:off x="901714" y="838454"/>
+            <a:ext cx="10558668" cy="5016758"/>
+          </a:xfrm>
+          <a:prstGeom prst="rect">
+            <a:avLst/>
+          </a:prstGeom>
+          <a:noFill/>
+        </p:spPr>
+        <p:txBody>
+          <a:bodyPr wrap="square" rtlCol="0">
+            <a:spAutoFit/>
+          </a:bodyPr>
+          <a:lstStyle/>
+          <a:p>
+            <a:r>
+              <a:rPr lang="en-US" sz="4000" b="1" dirty="0" smtClean="0"/>
+              <a:t>Other Methods:</a:t>
+            </a:r>
+          </a:p>
+          <a:p>
+            <a:endParaRPr lang="en-US" sz="2000" b="1" dirty="0" smtClean="0"/>
+          </a:p>
+          <a:p>
+            <a:r>
+              <a:rPr lang="en-US" sz="3600" b="1" dirty="0" err="1" smtClean="0"/>
+              <a:t>Theil’s</a:t>
+            </a:r>
+            <a:r>
+              <a:rPr lang="en-US" sz="3600" b="1" dirty="0" smtClean="0"/>
+              <a:t> U Statistic</a:t>
+            </a:r>
+          </a:p>
+          <a:p>
+            <a:pPr marL="571500" indent="-571500">
+              <a:buFontTx/>
+              <a:buChar char="-"/>
+            </a:pPr>
+            <a:r>
+              <a:rPr lang="en-US" sz="3200" dirty="0" smtClean="0"/>
+              <a:t>It compares </a:t>
+            </a:r>
+            <a:r>
+              <a:rPr lang="en-US" sz="3200" dirty="0"/>
+              <a:t>the accuracy of your forecasting model to that of a naïve model (such as the “no change” model). A value of less than 1 indicates that your model outperforms the </a:t>
+            </a:r>
+            <a:r>
+              <a:rPr lang="en-US" sz="3200" dirty="0" smtClean="0"/>
+              <a:t>naïve benchmark.</a:t>
+            </a:r>
+          </a:p>
+          <a:p>
+            <a:pPr marL="571500" indent="-571500">
+              <a:buFontTx/>
+              <a:buChar char="-"/>
+            </a:pPr>
+            <a:r>
+              <a:rPr lang="en-US" sz="3200" i="1" dirty="0"/>
+              <a:t>Benchmarking</a:t>
+            </a:r>
+            <a:r>
+              <a:rPr lang="en-US" sz="3200" dirty="0"/>
+              <a:t>: It provides context by comparing your model against a simple alternative, which can be particularly insightful for time series data.</a:t>
+            </a:r>
+            <a:endParaRPr lang="en-US" sz="3200" dirty="0" smtClean="0"/>
+          </a:p>
+        </p:txBody>
+      </p:sp>
+    </p:spTree>
+    <p:extLst>
+      <p:ext uri="{BB962C8B-B14F-4D97-AF65-F5344CB8AC3E}">
+        <p14:creationId xmlns:p14="http://schemas.microsoft.com/office/powerpoint/2010/main" val="1884753784"/>
+      </p:ext>
+    </p:extLst>
+  </p:cSld>
+  <p:clrMapOvr>
+    <a:masterClrMapping/>
+  </p:clrMapOvr>
+</p:sld>
+</file>
+
+<file path=ppt/slides/slide31.xml><?xml version="1.0" encoding="utf-8"?>
+<p:sld xmlns:a="http://schemas.openxmlformats.org/drawingml/2006/main" xmlns:r="http://schemas.openxmlformats.org/officeDocument/2006/relationships" xmlns:p="http://schemas.openxmlformats.org/presentationml/2006/main">
+  <p:cSld>
+    <p:spTree>
+      <p:nvGrpSpPr>
+        <p:cNvPr id="1" name=""/>
+        <p:cNvGrpSpPr/>
+        <p:nvPr/>
+      </p:nvGrpSpPr>
+      <p:grpSpPr>
+        <a:xfrm>
+          <a:off x="0" y="0"/>
+          <a:ext cx="0" cy="0"/>
+          <a:chOff x="0" y="0"/>
+          <a:chExt cx="0" cy="0"/>
+        </a:xfrm>
+      </p:grpSpPr>
+      <p:sp>
+        <p:nvSpPr>
+          <p:cNvPr id="6" name="TextBox 5"/>
+          <p:cNvSpPr txBox="1"/>
+          <p:nvPr/>
+        </p:nvSpPr>
+        <p:spPr>
+          <a:xfrm>
+            <a:off x="721364" y="2562078"/>
+            <a:ext cx="10749281" cy="769441"/>
+          </a:xfrm>
+          <a:prstGeom prst="rect">
+            <a:avLst/>
+          </a:prstGeom>
+          <a:noFill/>
+        </p:spPr>
+        <p:txBody>
+          <a:bodyPr wrap="square" rtlCol="0">
+            <a:spAutoFit/>
+          </a:bodyPr>
+          <a:lstStyle/>
+          <a:p>
+            <a:pPr algn="ctr"/>
+            <a:r>
+              <a:rPr lang="en-US" sz="4400" b="1" dirty="0">
+                <a:latin typeface="Arial" pitchFamily="34" charset="0"/>
+                <a:cs typeface="Arial" pitchFamily="34" charset="0"/>
+              </a:rPr>
+              <a:t>[Code Demo]</a:t>
+            </a:r>
+            <a:endParaRPr lang="en-US" sz="2800" b="1" dirty="0">
+              <a:solidFill>
+                <a:schemeClr val="accent2"/>
+              </a:solidFill>
+              <a:latin typeface="Arial" pitchFamily="34" charset="0"/>
+              <a:cs typeface="Arial" pitchFamily="34" charset="0"/>
+            </a:endParaRPr>
+          </a:p>
+        </p:txBody>
+      </p:sp>
+    </p:spTree>
+    <p:extLst>
+      <p:ext uri="{BB962C8B-B14F-4D97-AF65-F5344CB8AC3E}">
+        <p14:creationId xmlns:p14="http://schemas.microsoft.com/office/powerpoint/2010/main" val="2581438841"/>
+      </p:ext>
+    </p:extLst>
+  </p:cSld>
+  <p:clrMapOvr>
+    <a:masterClrMapping/>
+  </p:clrMapOvr>
+</p:sld>
+</file>
+
+<file path=ppt/slides/slide32.xml><?xml version="1.0" encoding="utf-8"?>
+<p:sld xmlns:a="http://schemas.openxmlformats.org/drawingml/2006/main" xmlns:r="http://schemas.openxmlformats.org/officeDocument/2006/relationships" xmlns:p="http://schemas.openxmlformats.org/presentationml/2006/main">
+  <p:cSld>
+    <p:spTree>
+      <p:nvGrpSpPr>
+        <p:cNvPr id="1" name=""/>
+        <p:cNvGrpSpPr/>
+        <p:nvPr/>
+      </p:nvGrpSpPr>
+      <p:grpSpPr>
+        <a:xfrm>
+          <a:off x="0" y="0"/>
+          <a:ext cx="0" cy="0"/>
+          <a:chOff x="0" y="0"/>
+          <a:chExt cx="0" cy="0"/>
+        </a:xfrm>
+      </p:grpSpPr>
+      <p:sp>
+        <p:nvSpPr>
+          <p:cNvPr id="6" name="TextBox 5"/>
+          <p:cNvSpPr txBox="1"/>
+          <p:nvPr/>
+        </p:nvSpPr>
+        <p:spPr>
+          <a:xfrm>
+            <a:off x="721364" y="2562078"/>
+            <a:ext cx="10749281" cy="830997"/>
+          </a:xfrm>
+          <a:prstGeom prst="rect">
+            <a:avLst/>
+          </a:prstGeom>
+          <a:noFill/>
+        </p:spPr>
+        <p:txBody>
+          <a:bodyPr wrap="square" rtlCol="0">
+            <a:spAutoFit/>
+          </a:bodyPr>
+          <a:lstStyle/>
+          <a:p>
+            <a:pPr algn="ctr"/>
+            <a:r>
+              <a:rPr lang="en-US" sz="4800" b="1" dirty="0">
+                <a:latin typeface="Arial" pitchFamily="34" charset="0"/>
+                <a:cs typeface="Arial" pitchFamily="34" charset="0"/>
+              </a:rPr>
+              <a:t>Thank you very much for listening</a:t>
+            </a:r>
+            <a:r>
+              <a:rPr lang="en-US" sz="3200" b="1" dirty="0">
+                <a:latin typeface="Arial" pitchFamily="34" charset="0"/>
+                <a:cs typeface="Arial" pitchFamily="34" charset="0"/>
+              </a:rPr>
+              <a:t>.</a:t>
+            </a:r>
+            <a:endParaRPr lang="en-US" sz="3200" b="1" dirty="0">
+              <a:solidFill>
+                <a:schemeClr val="accent2"/>
+              </a:solidFill>
+              <a:latin typeface="Arial" pitchFamily="34" charset="0"/>
+              <a:cs typeface="Arial" pitchFamily="34" charset="0"/>
+            </a:endParaRPr>
+          </a:p>
+        </p:txBody>
+      </p:sp>
+    </p:spTree>
+    <p:extLst>
+      <p:ext uri="{BB962C8B-B14F-4D97-AF65-F5344CB8AC3E}">
+        <p14:creationId xmlns:p14="http://schemas.microsoft.com/office/powerpoint/2010/main" val="1328378833"/>
+      </p:ext>
+    </p:extLst>
+  </p:cSld>
+  <p:clrMapOvr>
+    <a:masterClrMapping/>
+  </p:clrMapOvr>
+</p:sld>
+</file>
+
 <file path=ppt/slides/slide4.xml><?xml version="1.0" encoding="utf-8"?>
 <p:sld xmlns:a="http://schemas.openxmlformats.org/drawingml/2006/main" xmlns:r="http://schemas.openxmlformats.org/officeDocument/2006/relationships" xmlns:p="http://schemas.openxmlformats.org/presentationml/2006/main">
   <p:cSld>
@@ -6915,7 +15253,7 @@
           <p:cNvPr id="4" name="Slide Number Placeholder 3">
             <a:extLst>
               <a:ext uri="{FF2B5EF4-FFF2-40B4-BE49-F238E27FC236}">
-                <a16:creationId xmlns:a16="http://schemas.microsoft.com/office/drawing/2014/main" id="{62E7B5B2-C921-4EA7-A2E9-CC1D800412DA}"/>
+                <a16:creationId xmlns="" xmlns:a16="http://schemas.microsoft.com/office/drawing/2014/main" id="{62E7B5B2-C921-4EA7-A2E9-CC1D800412DA}"/>
               </a:ext>
             </a:extLst>
           </p:cNvPr>
@@ -6944,7 +15282,7 @@
           <p:cNvPr id="5" name="TextBox 4">
             <a:extLst>
               <a:ext uri="{FF2B5EF4-FFF2-40B4-BE49-F238E27FC236}">
-                <a16:creationId xmlns:a16="http://schemas.microsoft.com/office/drawing/2014/main" id="{3984CB54-17A6-4F9C-BC6F-202D8A01035C}"/>
+                <a16:creationId xmlns="" xmlns:a16="http://schemas.microsoft.com/office/drawing/2014/main" id="{3984CB54-17A6-4F9C-BC6F-202D8A01035C}"/>
               </a:ext>
             </a:extLst>
           </p:cNvPr>
@@ -7157,7 +15495,7 @@
           <p:cNvPr id="6" name="Picture 5">
             <a:extLst>
               <a:ext uri="{FF2B5EF4-FFF2-40B4-BE49-F238E27FC236}">
-                <a16:creationId xmlns:a16="http://schemas.microsoft.com/office/drawing/2014/main" id="{D9ECFF77-FBC6-4273-BEEE-E40A37BD041E}"/>
+                <a16:creationId xmlns="" xmlns:a16="http://schemas.microsoft.com/office/drawing/2014/main" id="{D9ECFF77-FBC6-4273-BEEE-E40A37BD041E}"/>
               </a:ext>
             </a:extLst>
           </p:cNvPr>
@@ -7374,7 +15712,7 @@
           <p:cNvPr id="5" name="Picture 4">
             <a:extLst>
               <a:ext uri="{FF2B5EF4-FFF2-40B4-BE49-F238E27FC236}">
-                <a16:creationId xmlns:a16="http://schemas.microsoft.com/office/drawing/2014/main" id="{6F45C129-6C0C-480B-AEDC-9A6075F5E32A}"/>
+                <a16:creationId xmlns="" xmlns:a16="http://schemas.microsoft.com/office/drawing/2014/main" id="{6F45C129-6C0C-480B-AEDC-9A6075F5E32A}"/>
               </a:ext>
             </a:extLst>
           </p:cNvPr>
@@ -7434,7 +15772,7 @@
           <p:cNvPr id="4" name="Slide Number Placeholder 3">
             <a:extLst>
               <a:ext uri="{FF2B5EF4-FFF2-40B4-BE49-F238E27FC236}">
-                <a16:creationId xmlns:a16="http://schemas.microsoft.com/office/drawing/2014/main" id="{62E7B5B2-C921-4EA7-A2E9-CC1D800412DA}"/>
+                <a16:creationId xmlns="" xmlns:a16="http://schemas.microsoft.com/office/drawing/2014/main" id="{62E7B5B2-C921-4EA7-A2E9-CC1D800412DA}"/>
               </a:ext>
             </a:extLst>
           </p:cNvPr>
@@ -7463,7 +15801,7 @@
           <p:cNvPr id="5" name="TextBox 4">
             <a:extLst>
               <a:ext uri="{FF2B5EF4-FFF2-40B4-BE49-F238E27FC236}">
-                <a16:creationId xmlns:a16="http://schemas.microsoft.com/office/drawing/2014/main" id="{3984CB54-17A6-4F9C-BC6F-202D8A01035C}"/>
+                <a16:creationId xmlns="" xmlns:a16="http://schemas.microsoft.com/office/drawing/2014/main" id="{3984CB54-17A6-4F9C-BC6F-202D8A01035C}"/>
               </a:ext>
             </a:extLst>
           </p:cNvPr>
@@ -7531,8 +15869,8 @@
           <a:chExt cx="0" cy="0"/>
         </a:xfrm>
       </p:grpSpPr>
-      <mc:AlternateContent xmlns:mc="http://schemas.openxmlformats.org/markup-compatibility/2006">
-        <mc:Choice xmlns:a14="http://schemas.microsoft.com/office/drawing/2010/main" Requires="a14">
+      <mc:AlternateContent xmlns:mc="http://schemas.openxmlformats.org/markup-compatibility/2006" xmlns:a14="http://schemas.microsoft.com/office/drawing/2010/main">
+        <mc:Choice Requires="a14">
           <p:sp>
             <p:nvSpPr>
               <p:cNvPr id="4" name="TextBox 3"/>
@@ -7606,7 +15944,7 @@
                       <m:fPr>
                         <m:ctrlPr>
                           <a:rPr lang="en-US" sz="3600" i="1">
-                            <a:latin typeface="Cambria Math" panose="02040503050406030204" pitchFamily="18" charset="0"/>
+                            <a:latin typeface="Cambria Math"/>
                           </a:rPr>
                         </m:ctrlPr>
                       </m:fPr>
@@ -7632,7 +15970,7 @@
                         <m:chr m:val="∑"/>
                         <m:ctrlPr>
                           <a:rPr lang="en-US" sz="3600" i="1">
-                            <a:latin typeface="Cambria Math" panose="02040503050406030204" pitchFamily="18" charset="0"/>
+                            <a:latin typeface="Cambria Math"/>
                           </a:rPr>
                         </m:ctrlPr>
                       </m:naryPr>
@@ -7668,7 +16006,7 @@
                             <m:endChr m:val="|"/>
                             <m:ctrlPr>
                               <a:rPr lang="en-US" sz="3600" i="1" smtClean="0">
-                                <a:latin typeface="Cambria Math" panose="02040503050406030204" pitchFamily="18" charset="0"/>
+                                <a:latin typeface="Cambria Math"/>
                               </a:rPr>
                             </m:ctrlPr>
                           </m:dPr>
@@ -7677,7 +16015,7 @@
                               <m:sSubPr>
                                 <m:ctrlPr>
                                   <a:rPr lang="en-US" sz="3600" i="1">
-                                    <a:latin typeface="Cambria Math" panose="02040503050406030204" pitchFamily="18" charset="0"/>
+                                    <a:latin typeface="Cambria Math"/>
                                   </a:rPr>
                                 </m:ctrlPr>
                               </m:sSubPr>
@@ -7708,7 +16046,7 @@
                               <m:sSubPr>
                                 <m:ctrlPr>
                                   <a:rPr lang="en-US" sz="3600" i="1">
-                                    <a:latin typeface="Cambria Math" panose="02040503050406030204" pitchFamily="18" charset="0"/>
+                                    <a:latin typeface="Cambria Math"/>
                                   </a:rPr>
                                 </m:ctrlPr>
                               </m:sSubPr>
@@ -7718,7 +16056,7 @@
                                     <m:chr m:val="̂"/>
                                     <m:ctrlPr>
                                       <a:rPr lang="en-US" sz="3600" i="1">
-                                        <a:latin typeface="Cambria Math" panose="02040503050406030204" pitchFamily="18" charset="0"/>
+                                        <a:latin typeface="Cambria Math"/>
                                       </a:rPr>
                                     </m:ctrlPr>
                                   </m:accPr>
@@ -7752,7 +16090,7 @@
             </p:txBody>
           </p:sp>
         </mc:Choice>
-        <mc:Fallback>
+        <mc:Fallback xmlns="">
           <p:sp>
             <p:nvSpPr>
               <p:cNvPr id="4" name="TextBox 3"/>
@@ -7821,8 +16159,8 @@
           <a:chExt cx="0" cy="0"/>
         </a:xfrm>
       </p:grpSpPr>
-      <mc:AlternateContent xmlns:mc="http://schemas.openxmlformats.org/markup-compatibility/2006">
-        <mc:Choice xmlns:a14="http://schemas.microsoft.com/office/drawing/2010/main" Requires="a14">
+      <mc:AlternateContent xmlns:mc="http://schemas.openxmlformats.org/markup-compatibility/2006" xmlns:a14="http://schemas.microsoft.com/office/drawing/2010/main">
+        <mc:Choice Requires="a14">
           <p:sp>
             <p:nvSpPr>
               <p:cNvPr id="4" name="TextBox 3"/>
@@ -7902,7 +16240,7 @@
                       <m:fPr>
                         <m:ctrlPr>
                           <a:rPr lang="en-US" sz="3600" b="0" i="1" smtClean="0">
-                            <a:latin typeface="Cambria Math" panose="02040503050406030204" pitchFamily="18" charset="0"/>
+                            <a:latin typeface="Cambria Math"/>
                           </a:rPr>
                         </m:ctrlPr>
                       </m:fPr>
@@ -7928,7 +16266,7 @@
                         <m:chr m:val="∑"/>
                         <m:ctrlPr>
                           <a:rPr lang="en-US" sz="3600" b="0" i="1" smtClean="0">
-                            <a:latin typeface="Cambria Math" panose="02040503050406030204" pitchFamily="18" charset="0"/>
+                            <a:latin typeface="Cambria Math"/>
                           </a:rPr>
                         </m:ctrlPr>
                       </m:naryPr>
@@ -7962,7 +16300,7 @@
                           <m:sSupPr>
                             <m:ctrlPr>
                               <a:rPr lang="en-US" sz="3600" b="0" i="1" smtClean="0">
-                                <a:latin typeface="Cambria Math" panose="02040503050406030204" pitchFamily="18" charset="0"/>
+                                <a:latin typeface="Cambria Math"/>
                               </a:rPr>
                             </m:ctrlPr>
                           </m:sSupPr>
@@ -7971,7 +16309,7 @@
                               <m:dPr>
                                 <m:ctrlPr>
                                   <a:rPr lang="en-US" sz="3600" i="1">
-                                    <a:latin typeface="Cambria Math" panose="02040503050406030204" pitchFamily="18" charset="0"/>
+                                    <a:latin typeface="Cambria Math"/>
                                   </a:rPr>
                                 </m:ctrlPr>
                               </m:dPr>
@@ -7980,7 +16318,7 @@
                                   <m:sSubPr>
                                     <m:ctrlPr>
                                       <a:rPr lang="en-US" sz="3600" i="1">
-                                        <a:latin typeface="Cambria Math" panose="02040503050406030204" pitchFamily="18" charset="0"/>
+                                        <a:latin typeface="Cambria Math"/>
                                       </a:rPr>
                                     </m:ctrlPr>
                                   </m:sSubPr>
@@ -8011,7 +16349,7 @@
                                   <m:sSubPr>
                                     <m:ctrlPr>
                                       <a:rPr lang="en-US" sz="3600" i="1">
-                                        <a:latin typeface="Cambria Math" panose="02040503050406030204" pitchFamily="18" charset="0"/>
+                                        <a:latin typeface="Cambria Math"/>
                                       </a:rPr>
                                     </m:ctrlPr>
                                   </m:sSubPr>
@@ -8021,7 +16359,7 @@
                                         <m:chr m:val="̂"/>
                                         <m:ctrlPr>
                                           <a:rPr lang="en-US" sz="3600" i="1">
-                                            <a:latin typeface="Cambria Math" panose="02040503050406030204" pitchFamily="18" charset="0"/>
+                                            <a:latin typeface="Cambria Math"/>
                                           </a:rPr>
                                         </m:ctrlPr>
                                       </m:accPr>
@@ -8065,7 +16403,7 @@
             </p:txBody>
           </p:sp>
         </mc:Choice>
-        <mc:Fallback>
+        <mc:Fallback xmlns="">
           <p:sp>
             <p:nvSpPr>
               <p:cNvPr id="4" name="TextBox 3"/>
@@ -8657,7 +16995,7 @@
   <a:extraClrSchemeLst/>
   <a:extLst>
     <a:ext uri="{05A4C25C-085E-4340-85A3-A5531E510DB2}">
-      <thm15:themeFamily xmlns:thm15="http://schemas.microsoft.com/office/thememl/2012/main" name="Office Theme" id="{62F939B6-93AF-4DB8-9C6B-D6C7DFDC589F}" vid="{4A3C46E8-61CC-4603-A589-7422A47A8E4A}"/>
+      <thm15:themeFamily xmlns="" xmlns:thm15="http://schemas.microsoft.com/office/thememl/2012/main" name="Office Theme" id="{62F939B6-93AF-4DB8-9C6B-D6C7DFDC589F}" vid="{4A3C46E8-61CC-4603-A589-7422A47A8E4A}"/>
     </a:ext>
   </a:extLst>
 </a:theme>

--- a/CPE Electives (1 - 3)/01. Lectures Notebook/000. Presentations & Text Books/01. Presentation Slides/06.8 Measuring Forecasting Errors.pptx
+++ b/CPE Electives (1 - 3)/01. Lectures Notebook/000. Presentations & Text Books/01. Presentation Slides/06.8 Measuring Forecasting Errors.pptx
@@ -143,7 +143,7 @@
   </p:defaultTextStyle>
   <p:extLst>
     <p:ext uri="{EFAFB233-063F-42B5-8137-9DF3F51BA10A}">
-      <p15:sldGuideLst xmlns="" xmlns:p15="http://schemas.microsoft.com/office/powerpoint/2012/main">
+      <p15:sldGuideLst xmlns:p15="http://schemas.microsoft.com/office/powerpoint/2012/main">
         <p15:guide id="1" orient="horz" pos="2160">
           <p15:clr>
             <a:srgbClr val="A4A3A4"/>
@@ -157,7 +157,7 @@
       </p15:sldGuideLst>
     </p:ext>
     <p:ext uri="{2D200454-40CA-4A62-9FC3-DE9A4176ACB9}">
-      <p15:notesGuideLst xmlns="" xmlns:p15="http://schemas.microsoft.com/office/powerpoint/2012/main">
+      <p15:notesGuideLst xmlns:p15="http://schemas.microsoft.com/office/powerpoint/2012/main">
         <p15:guide id="1" orient="horz" pos="2880">
           <p15:clr>
             <a:srgbClr val="A4A3A4"/>
@@ -256,7 +256,7 @@
           <a:p>
             <a:fld id="{3B6B94FD-5702-4F25-9A4D-07294FF3292C}" type="datetimeFigureOut">
               <a:rPr lang="en-PH" smtClean="0"/>
-              <a:t>3/15/2025</a:t>
+              <a:t>28 Mar 2025</a:t>
             </a:fld>
             <a:endParaRPr lang="en-PH"/>
           </a:p>
@@ -421,7 +421,7 @@
           <a:p>
             <a:fld id="{8365AC51-C568-4371-A28D-D14CF2BCF8BA}" type="datetimeFigureOut">
               <a:rPr lang="en-US" smtClean="0"/>
-              <a:t>3/15/2025</a:t>
+              <a:t>3/28/2025</a:t>
             </a:fld>
             <a:endParaRPr lang="en-US"/>
           </a:p>
@@ -1238,7 +1238,7 @@
           <p:cNvPr id="7" name="Footer Placeholder 4">
             <a:extLst>
               <a:ext uri="{FF2B5EF4-FFF2-40B4-BE49-F238E27FC236}">
-                <a16:creationId xmlns="" xmlns:a16="http://schemas.microsoft.com/office/drawing/2014/main" id="{D057E4A9-8BC1-4D03-B0CD-00353C3D487D}"/>
+                <a16:creationId xmlns:a16="http://schemas.microsoft.com/office/drawing/2014/main" id="{D057E4A9-8BC1-4D03-B0CD-00353C3D487D}"/>
               </a:ext>
             </a:extLst>
           </p:cNvPr>
@@ -4380,7 +4380,7 @@
                       <m:fPr>
                         <m:ctrlPr>
                           <a:rPr lang="en-US" sz="3600" i="1">
-                            <a:latin typeface="Cambria Math"/>
+                            <a:latin typeface="Cambria Math" panose="02040503050406030204" pitchFamily="18" charset="0"/>
                           </a:rPr>
                         </m:ctrlPr>
                       </m:fPr>
@@ -4406,7 +4406,7 @@
                         <m:chr m:val="∑"/>
                         <m:ctrlPr>
                           <a:rPr lang="en-US" sz="3600" i="1">
-                            <a:latin typeface="Cambria Math"/>
+                            <a:latin typeface="Cambria Math" panose="02040503050406030204" pitchFamily="18" charset="0"/>
                           </a:rPr>
                         </m:ctrlPr>
                       </m:naryPr>
@@ -4442,7 +4442,7 @@
                             <m:endChr m:val="|"/>
                             <m:ctrlPr>
                               <a:rPr lang="en-US" sz="3600" i="1" smtClean="0">
-                                <a:latin typeface="Cambria Math"/>
+                                <a:latin typeface="Cambria Math" panose="02040503050406030204" pitchFamily="18" charset="0"/>
                               </a:rPr>
                             </m:ctrlPr>
                           </m:dPr>
@@ -4451,7 +4451,7 @@
                               <m:fPr>
                                 <m:ctrlPr>
                                   <a:rPr lang="en-US" sz="3600" i="1" smtClean="0">
-                                    <a:latin typeface="Cambria Math"/>
+                                    <a:latin typeface="Cambria Math" panose="02040503050406030204" pitchFamily="18" charset="0"/>
                                   </a:rPr>
                                 </m:ctrlPr>
                               </m:fPr>
@@ -4460,7 +4460,7 @@
                                   <m:sSubPr>
                                     <m:ctrlPr>
                                       <a:rPr lang="en-US" sz="3600" i="1">
-                                        <a:latin typeface="Cambria Math"/>
+                                        <a:latin typeface="Cambria Math" panose="02040503050406030204" pitchFamily="18" charset="0"/>
                                       </a:rPr>
                                     </m:ctrlPr>
                                   </m:sSubPr>
@@ -4491,7 +4491,7 @@
                                   <m:sSubPr>
                                     <m:ctrlPr>
                                       <a:rPr lang="en-US" sz="3600" i="1">
-                                        <a:latin typeface="Cambria Math"/>
+                                        <a:latin typeface="Cambria Math" panose="02040503050406030204" pitchFamily="18" charset="0"/>
                                       </a:rPr>
                                     </m:ctrlPr>
                                   </m:sSubPr>
@@ -4501,7 +4501,7 @@
                                         <m:chr m:val="̂"/>
                                         <m:ctrlPr>
                                           <a:rPr lang="en-US" sz="3600" i="1">
-                                            <a:latin typeface="Cambria Math"/>
+                                            <a:latin typeface="Cambria Math" panose="02040503050406030204" pitchFamily="18" charset="0"/>
                                           </a:rPr>
                                         </m:ctrlPr>
                                       </m:accPr>
@@ -4530,7 +4530,7 @@
                                   <m:sSubPr>
                                     <m:ctrlPr>
                                       <a:rPr lang="en-US" sz="3600" i="1">
-                                        <a:latin typeface="Cambria Math"/>
+                                        <a:latin typeface="Cambria Math" panose="02040503050406030204" pitchFamily="18" charset="0"/>
                                       </a:rPr>
                                     </m:ctrlPr>
                                   </m:sSubPr>
@@ -4715,7 +4715,7 @@
                         <m:degHide m:val="on"/>
                         <m:ctrlPr>
                           <a:rPr lang="en-US" sz="3600" b="0" i="1" smtClean="0">
-                            <a:latin typeface="Cambria Math"/>
+                            <a:latin typeface="Cambria Math" panose="02040503050406030204" pitchFamily="18" charset="0"/>
                           </a:rPr>
                         </m:ctrlPr>
                       </m:radPr>
@@ -4725,7 +4725,7 @@
                           <m:fPr>
                             <m:ctrlPr>
                               <a:rPr lang="en-US" sz="3600" i="1">
-                                <a:latin typeface="Cambria Math"/>
+                                <a:latin typeface="Cambria Math" panose="02040503050406030204" pitchFamily="18" charset="0"/>
                               </a:rPr>
                             </m:ctrlPr>
                           </m:fPr>
@@ -4751,7 +4751,7 @@
                             <m:chr m:val="∑"/>
                             <m:ctrlPr>
                               <a:rPr lang="en-US" sz="3600" i="1">
-                                <a:latin typeface="Cambria Math"/>
+                                <a:latin typeface="Cambria Math" panose="02040503050406030204" pitchFamily="18" charset="0"/>
                               </a:rPr>
                             </m:ctrlPr>
                           </m:naryPr>
@@ -4785,7 +4785,7 @@
                               <m:sSupPr>
                                 <m:ctrlPr>
                                   <a:rPr lang="en-US" sz="3600" i="1">
-                                    <a:latin typeface="Cambria Math"/>
+                                    <a:latin typeface="Cambria Math" panose="02040503050406030204" pitchFamily="18" charset="0"/>
                                   </a:rPr>
                                 </m:ctrlPr>
                               </m:sSupPr>
@@ -4794,7 +4794,7 @@
                                   <m:dPr>
                                     <m:ctrlPr>
                                       <a:rPr lang="en-US" sz="3600" i="1">
-                                        <a:latin typeface="Cambria Math"/>
+                                        <a:latin typeface="Cambria Math" panose="02040503050406030204" pitchFamily="18" charset="0"/>
                                       </a:rPr>
                                     </m:ctrlPr>
                                   </m:dPr>
@@ -4803,7 +4803,7 @@
                                       <m:sSubPr>
                                         <m:ctrlPr>
                                           <a:rPr lang="en-US" sz="3600" i="1">
-                                            <a:latin typeface="Cambria Math"/>
+                                            <a:latin typeface="Cambria Math" panose="02040503050406030204" pitchFamily="18" charset="0"/>
                                           </a:rPr>
                                         </m:ctrlPr>
                                       </m:sSubPr>
@@ -4834,7 +4834,7 @@
                                       <m:sSubPr>
                                         <m:ctrlPr>
                                           <a:rPr lang="en-US" sz="3600" i="1">
-                                            <a:latin typeface="Cambria Math"/>
+                                            <a:latin typeface="Cambria Math" panose="02040503050406030204" pitchFamily="18" charset="0"/>
                                           </a:rPr>
                                         </m:ctrlPr>
                                       </m:sSubPr>
@@ -4844,7 +4844,7 @@
                                             <m:chr m:val="̂"/>
                                             <m:ctrlPr>
                                               <a:rPr lang="en-US" sz="3600" i="1">
-                                                <a:latin typeface="Cambria Math"/>
+                                                <a:latin typeface="Cambria Math" panose="02040503050406030204" pitchFamily="18" charset="0"/>
                                               </a:rPr>
                                             </m:ctrlPr>
                                           </m:accPr>
@@ -4964,7 +4964,7 @@
           <p:cNvPr id="4" name="Slide Number Placeholder 3">
             <a:extLst>
               <a:ext uri="{FF2B5EF4-FFF2-40B4-BE49-F238E27FC236}">
-                <a16:creationId xmlns="" xmlns:a16="http://schemas.microsoft.com/office/drawing/2014/main" id="{62E7B5B2-C921-4EA7-A2E9-CC1D800412DA}"/>
+                <a16:creationId xmlns:a16="http://schemas.microsoft.com/office/drawing/2014/main" id="{62E7B5B2-C921-4EA7-A2E9-CC1D800412DA}"/>
               </a:ext>
             </a:extLst>
           </p:cNvPr>
@@ -4993,7 +4993,7 @@
           <p:cNvPr id="5" name="TextBox 4">
             <a:extLst>
               <a:ext uri="{FF2B5EF4-FFF2-40B4-BE49-F238E27FC236}">
-                <a16:creationId xmlns="" xmlns:a16="http://schemas.microsoft.com/office/drawing/2014/main" id="{3984CB54-17A6-4F9C-BC6F-202D8A01035C}"/>
+                <a16:creationId xmlns:a16="http://schemas.microsoft.com/office/drawing/2014/main" id="{3984CB54-17A6-4F9C-BC6F-202D8A01035C}"/>
               </a:ext>
             </a:extLst>
           </p:cNvPr>
@@ -5061,7 +5061,7 @@
               <p:cNvPr id="2" name="Table 2">
                 <a:extLst>
                   <a:ext uri="{FF2B5EF4-FFF2-40B4-BE49-F238E27FC236}">
-                    <a16:creationId xmlns="" xmlns:a16="http://schemas.microsoft.com/office/drawing/2014/main" id="{D5550273-5528-43BD-8412-7F8D06306A14}"/>
+                    <a16:creationId xmlns:a16="http://schemas.microsoft.com/office/drawing/2014/main" id="{D5550273-5528-43BD-8412-7F8D06306A14}"/>
                   </a:ext>
                 </a:extLst>
               </p:cNvPr>
@@ -5090,21 +5090,21 @@
                     <a:gridCol w="1075093">
                       <a:extLst>
                         <a:ext uri="{9D8B030D-6E8A-4147-A177-3AD203B41FA5}">
-                          <a16:colId xmlns="" xmlns:a16="http://schemas.microsoft.com/office/drawing/2014/main" val="2590844336"/>
+                          <a16:colId xmlns:a16="http://schemas.microsoft.com/office/drawing/2014/main" val="2590844336"/>
                         </a:ext>
                       </a:extLst>
                     </a:gridCol>
                     <a:gridCol w="3331028">
                       <a:extLst>
                         <a:ext uri="{9D8B030D-6E8A-4147-A177-3AD203B41FA5}">
-                          <a16:colId xmlns="" xmlns:a16="http://schemas.microsoft.com/office/drawing/2014/main" val="2133703778"/>
+                          <a16:colId xmlns:a16="http://schemas.microsoft.com/office/drawing/2014/main" val="2133703778"/>
                         </a:ext>
                       </a:extLst>
                     </a:gridCol>
                     <a:gridCol w="3721878">
                       <a:extLst>
                         <a:ext uri="{9D8B030D-6E8A-4147-A177-3AD203B41FA5}">
-                          <a16:colId xmlns="" xmlns:a16="http://schemas.microsoft.com/office/drawing/2014/main" val="4072587226"/>
+                          <a16:colId xmlns:a16="http://schemas.microsoft.com/office/drawing/2014/main" val="4072587226"/>
                         </a:ext>
                       </a:extLst>
                     </a:gridCol>
@@ -5141,7 +5141,7 @@
                                 <m:sSubPr>
                                   <m:ctrlPr>
                                     <a:rPr lang="en-US" sz="2400" b="1" i="1" smtClean="0">
-                                      <a:latin typeface="Cambria Math"/>
+                                      <a:latin typeface="Cambria Math" panose="02040503050406030204" pitchFamily="18" charset="0"/>
                                     </a:rPr>
                                   </m:ctrlPr>
                                 </m:sSubPr>
@@ -5205,7 +5205,7 @@
                                 <m:sSubPr>
                                   <m:ctrlPr>
                                     <a:rPr lang="en-US" sz="2400" b="1" i="1" smtClean="0">
-                                      <a:latin typeface="Cambria Math"/>
+                                      <a:latin typeface="Cambria Math" panose="02040503050406030204" pitchFamily="18" charset="0"/>
                                     </a:rPr>
                                   </m:ctrlPr>
                                 </m:sSubPr>
@@ -5215,7 +5215,7 @@
                                       <m:chr m:val="̂"/>
                                       <m:ctrlPr>
                                         <a:rPr lang="en-US" sz="2400" b="1" i="1" smtClean="0">
-                                          <a:latin typeface="Cambria Math"/>
+                                          <a:latin typeface="Cambria Math" panose="02040503050406030204" pitchFamily="18" charset="0"/>
                                         </a:rPr>
                                       </m:ctrlPr>
                                     </m:accPr>
@@ -5251,7 +5251,7 @@
                     </a:tc>
                     <a:extLst>
                       <a:ext uri="{0D108BD9-81ED-4DB2-BD59-A6C34878D82A}">
-                        <a16:rowId xmlns="" xmlns:a16="http://schemas.microsoft.com/office/drawing/2014/main" val="1798310828"/>
+                        <a16:rowId xmlns:a16="http://schemas.microsoft.com/office/drawing/2014/main" val="1798310828"/>
                       </a:ext>
                     </a:extLst>
                   </a:tr>
@@ -5319,7 +5319,7 @@
                     </a:tc>
                     <a:extLst>
                       <a:ext uri="{0D108BD9-81ED-4DB2-BD59-A6C34878D82A}">
-                        <a16:rowId xmlns="" xmlns:a16="http://schemas.microsoft.com/office/drawing/2014/main" val="1404954822"/>
+                        <a16:rowId xmlns:a16="http://schemas.microsoft.com/office/drawing/2014/main" val="1404954822"/>
                       </a:ext>
                     </a:extLst>
                   </a:tr>
@@ -5387,7 +5387,7 @@
                     </a:tc>
                     <a:extLst>
                       <a:ext uri="{0D108BD9-81ED-4DB2-BD59-A6C34878D82A}">
-                        <a16:rowId xmlns="" xmlns:a16="http://schemas.microsoft.com/office/drawing/2014/main" val="3148427475"/>
+                        <a16:rowId xmlns:a16="http://schemas.microsoft.com/office/drawing/2014/main" val="3148427475"/>
                       </a:ext>
                     </a:extLst>
                   </a:tr>
@@ -5455,7 +5455,7 @@
                     </a:tc>
                     <a:extLst>
                       <a:ext uri="{0D108BD9-81ED-4DB2-BD59-A6C34878D82A}">
-                        <a16:rowId xmlns="" xmlns:a16="http://schemas.microsoft.com/office/drawing/2014/main" val="1935952499"/>
+                        <a16:rowId xmlns:a16="http://schemas.microsoft.com/office/drawing/2014/main" val="1935952499"/>
                       </a:ext>
                     </a:extLst>
                   </a:tr>
@@ -5523,7 +5523,7 @@
                     </a:tc>
                     <a:extLst>
                       <a:ext uri="{0D108BD9-81ED-4DB2-BD59-A6C34878D82A}">
-                        <a16:rowId xmlns="" xmlns:a16="http://schemas.microsoft.com/office/drawing/2014/main" val="1310842188"/>
+                        <a16:rowId xmlns:a16="http://schemas.microsoft.com/office/drawing/2014/main" val="1310842188"/>
                       </a:ext>
                     </a:extLst>
                   </a:tr>
@@ -5925,7 +5925,7 @@
           <p:cNvPr id="6" name="Rectangle 5">
             <a:extLst>
               <a:ext uri="{FF2B5EF4-FFF2-40B4-BE49-F238E27FC236}">
-                <a16:creationId xmlns="" xmlns:a16="http://schemas.microsoft.com/office/drawing/2014/main" id="{42C03F5E-E3ED-4350-9B3B-87690671BF01}"/>
+                <a16:creationId xmlns:a16="http://schemas.microsoft.com/office/drawing/2014/main" id="{42C03F5E-E3ED-4350-9B3B-87690671BF01}"/>
               </a:ext>
             </a:extLst>
           </p:cNvPr>
@@ -6043,7 +6043,7 @@
               <p:cNvPr id="7" name="Rectangle 6">
                 <a:extLst>
                   <a:ext uri="{FF2B5EF4-FFF2-40B4-BE49-F238E27FC236}">
-                    <a16:creationId xmlns="" xmlns:a16="http://schemas.microsoft.com/office/drawing/2014/main" id="{CA0A9E09-F04C-4419-ACA0-624D88A33C16}"/>
+                    <a16:creationId xmlns:a16="http://schemas.microsoft.com/office/drawing/2014/main" id="{CA0A9E09-F04C-4419-ACA0-624D88A33C16}"/>
                   </a:ext>
                 </a:extLst>
               </p:cNvPr>
@@ -6083,7 +6083,7 @@
                       <m:fPr>
                         <m:ctrlPr>
                           <a:rPr lang="en-US" sz="3200" i="1" smtClean="0">
-                            <a:latin typeface="Cambria Math"/>
+                            <a:latin typeface="Cambria Math" panose="02040503050406030204" pitchFamily="18" charset="0"/>
                           </a:rPr>
                         </m:ctrlPr>
                       </m:fPr>
@@ -6171,7 +6171,7 @@
                       <m:fPr>
                         <m:ctrlPr>
                           <a:rPr lang="en-US" sz="3200" b="0" i="1" smtClean="0">
-                            <a:latin typeface="Cambria Math"/>
+                            <a:latin typeface="Cambria Math" panose="02040503050406030204" pitchFamily="18" charset="0"/>
                           </a:rPr>
                         </m:ctrlPr>
                       </m:fPr>
@@ -6266,7 +6266,7 @@
           <p:cNvPr id="8" name="Rectangle 7">
             <a:extLst>
               <a:ext uri="{FF2B5EF4-FFF2-40B4-BE49-F238E27FC236}">
-                <a16:creationId xmlns="" xmlns:a16="http://schemas.microsoft.com/office/drawing/2014/main" id="{994885C2-2BFE-4F3E-9587-E977A16051D6}"/>
+                <a16:creationId xmlns:a16="http://schemas.microsoft.com/office/drawing/2014/main" id="{994885C2-2BFE-4F3E-9587-E977A16051D6}"/>
               </a:ext>
             </a:extLst>
           </p:cNvPr>
@@ -6352,7 +6352,7 @@
               <p:cNvPr id="2" name="Table 2">
                 <a:extLst>
                   <a:ext uri="{FF2B5EF4-FFF2-40B4-BE49-F238E27FC236}">
-                    <a16:creationId xmlns="" xmlns:a16="http://schemas.microsoft.com/office/drawing/2014/main" id="{D5550273-5528-43BD-8412-7F8D06306A14}"/>
+                    <a16:creationId xmlns:a16="http://schemas.microsoft.com/office/drawing/2014/main" id="{D5550273-5528-43BD-8412-7F8D06306A14}"/>
                   </a:ext>
                 </a:extLst>
               </p:cNvPr>
@@ -6381,21 +6381,21 @@
                     <a:gridCol w="1075093">
                       <a:extLst>
                         <a:ext uri="{9D8B030D-6E8A-4147-A177-3AD203B41FA5}">
-                          <a16:colId xmlns="" xmlns:a16="http://schemas.microsoft.com/office/drawing/2014/main" val="2590844336"/>
+                          <a16:colId xmlns:a16="http://schemas.microsoft.com/office/drawing/2014/main" val="2590844336"/>
                         </a:ext>
                       </a:extLst>
                     </a:gridCol>
                     <a:gridCol w="3331028">
                       <a:extLst>
                         <a:ext uri="{9D8B030D-6E8A-4147-A177-3AD203B41FA5}">
-                          <a16:colId xmlns="" xmlns:a16="http://schemas.microsoft.com/office/drawing/2014/main" val="2133703778"/>
+                          <a16:colId xmlns:a16="http://schemas.microsoft.com/office/drawing/2014/main" val="2133703778"/>
                         </a:ext>
                       </a:extLst>
                     </a:gridCol>
                     <a:gridCol w="3721878">
                       <a:extLst>
                         <a:ext uri="{9D8B030D-6E8A-4147-A177-3AD203B41FA5}">
-                          <a16:colId xmlns="" xmlns:a16="http://schemas.microsoft.com/office/drawing/2014/main" val="4072587226"/>
+                          <a16:colId xmlns:a16="http://schemas.microsoft.com/office/drawing/2014/main" val="4072587226"/>
                         </a:ext>
                       </a:extLst>
                     </a:gridCol>
@@ -6432,7 +6432,7 @@
                                 <m:sSubPr>
                                   <m:ctrlPr>
                                     <a:rPr lang="en-US" sz="2400" b="1" i="1" smtClean="0">
-                                      <a:latin typeface="Cambria Math"/>
+                                      <a:latin typeface="Cambria Math" panose="02040503050406030204" pitchFamily="18" charset="0"/>
                                     </a:rPr>
                                   </m:ctrlPr>
                                 </m:sSubPr>
@@ -6496,7 +6496,7 @@
                                 <m:sSubPr>
                                   <m:ctrlPr>
                                     <a:rPr lang="en-US" sz="2400" b="1" i="1" smtClean="0">
-                                      <a:latin typeface="Cambria Math"/>
+                                      <a:latin typeface="Cambria Math" panose="02040503050406030204" pitchFamily="18" charset="0"/>
                                     </a:rPr>
                                   </m:ctrlPr>
                                 </m:sSubPr>
@@ -6506,7 +6506,7 @@
                                       <m:chr m:val="̂"/>
                                       <m:ctrlPr>
                                         <a:rPr lang="en-US" sz="2400" b="1" i="1" smtClean="0">
-                                          <a:latin typeface="Cambria Math"/>
+                                          <a:latin typeface="Cambria Math" panose="02040503050406030204" pitchFamily="18" charset="0"/>
                                         </a:rPr>
                                       </m:ctrlPr>
                                     </m:accPr>
@@ -6542,7 +6542,7 @@
                     </a:tc>
                     <a:extLst>
                       <a:ext uri="{0D108BD9-81ED-4DB2-BD59-A6C34878D82A}">
-                        <a16:rowId xmlns="" xmlns:a16="http://schemas.microsoft.com/office/drawing/2014/main" val="1798310828"/>
+                        <a16:rowId xmlns:a16="http://schemas.microsoft.com/office/drawing/2014/main" val="1798310828"/>
                       </a:ext>
                     </a:extLst>
                   </a:tr>
@@ -6610,7 +6610,7 @@
                     </a:tc>
                     <a:extLst>
                       <a:ext uri="{0D108BD9-81ED-4DB2-BD59-A6C34878D82A}">
-                        <a16:rowId xmlns="" xmlns:a16="http://schemas.microsoft.com/office/drawing/2014/main" val="1404954822"/>
+                        <a16:rowId xmlns:a16="http://schemas.microsoft.com/office/drawing/2014/main" val="1404954822"/>
                       </a:ext>
                     </a:extLst>
                   </a:tr>
@@ -6678,7 +6678,7 @@
                     </a:tc>
                     <a:extLst>
                       <a:ext uri="{0D108BD9-81ED-4DB2-BD59-A6C34878D82A}">
-                        <a16:rowId xmlns="" xmlns:a16="http://schemas.microsoft.com/office/drawing/2014/main" val="3148427475"/>
+                        <a16:rowId xmlns:a16="http://schemas.microsoft.com/office/drawing/2014/main" val="3148427475"/>
                       </a:ext>
                     </a:extLst>
                   </a:tr>
@@ -6746,7 +6746,7 @@
                     </a:tc>
                     <a:extLst>
                       <a:ext uri="{0D108BD9-81ED-4DB2-BD59-A6C34878D82A}">
-                        <a16:rowId xmlns="" xmlns:a16="http://schemas.microsoft.com/office/drawing/2014/main" val="1935952499"/>
+                        <a16:rowId xmlns:a16="http://schemas.microsoft.com/office/drawing/2014/main" val="1935952499"/>
                       </a:ext>
                     </a:extLst>
                   </a:tr>
@@ -6814,7 +6814,7 @@
                     </a:tc>
                     <a:extLst>
                       <a:ext uri="{0D108BD9-81ED-4DB2-BD59-A6C34878D82A}">
-                        <a16:rowId xmlns="" xmlns:a16="http://schemas.microsoft.com/office/drawing/2014/main" val="1310842188"/>
+                        <a16:rowId xmlns:a16="http://schemas.microsoft.com/office/drawing/2014/main" val="1310842188"/>
                       </a:ext>
                     </a:extLst>
                   </a:tr>
@@ -7216,7 +7216,7 @@
           <p:cNvPr id="6" name="Rectangle 5">
             <a:extLst>
               <a:ext uri="{FF2B5EF4-FFF2-40B4-BE49-F238E27FC236}">
-                <a16:creationId xmlns="" xmlns:a16="http://schemas.microsoft.com/office/drawing/2014/main" id="{42C03F5E-E3ED-4350-9B3B-87690671BF01}"/>
+                <a16:creationId xmlns:a16="http://schemas.microsoft.com/office/drawing/2014/main" id="{42C03F5E-E3ED-4350-9B3B-87690671BF01}"/>
               </a:ext>
             </a:extLst>
           </p:cNvPr>
@@ -7244,37 +7244,7 @@
             </a:r>
             <a:r>
               <a:rPr lang="en-PH" sz="2400" dirty="0"/>
-              <a:t>100 − 110 =  </a:t>
-            </a:r>
-            <a:r>
-              <a:rPr lang="en-PH" sz="2400" dirty="0" smtClean="0"/>
-              <a:t>-</a:t>
-            </a:r>
-            <a:r>
-              <a:rPr lang="en-PH" sz="2400" dirty="0" smtClean="0">
-                <a:solidFill>
-                  <a:srgbClr val="0070C0"/>
-                </a:solidFill>
-              </a:rPr>
-              <a:t>10</a:t>
-            </a:r>
-            <a:r>
-              <a:rPr lang="en-PH" sz="2400" dirty="0" smtClean="0"/>
-              <a:t> </a:t>
-            </a:r>
-          </a:p>
-          <a:p>
-            <a:r>
-              <a:rPr lang="en-PH" sz="2400" i="1" dirty="0" smtClean="0"/>
-              <a:t>Month </a:t>
-            </a:r>
-            <a:r>
-              <a:rPr lang="en-PH" sz="2400" i="1" dirty="0"/>
-              <a:t>2: </a:t>
-            </a:r>
-            <a:r>
-              <a:rPr lang="en-PH" sz="2400" dirty="0"/>
-              <a:t>150 − 140 =  </a:t>
+              <a:t>100 − 110 =  -</a:t>
             </a:r>
             <a:r>
               <a:rPr lang="en-PH" sz="2400" dirty="0">
@@ -7288,33 +7258,46 @@
               <a:rPr lang="en-PH" sz="2400" dirty="0"/>
               <a:t> </a:t>
             </a:r>
-            <a:endParaRPr lang="en-PH" sz="2400" dirty="0" smtClean="0"/>
-          </a:p>
-          <a:p>
-            <a:r>
-              <a:rPr lang="en-PH" sz="2400" i="1" dirty="0" smtClean="0"/>
-              <a:t>Month </a:t>
-            </a:r>
+          </a:p>
+          <a:p>
             <a:r>
               <a:rPr lang="en-PH" sz="2400" i="1" dirty="0"/>
-              <a:t>3: </a:t>
+              <a:t>Month 2: </a:t>
             </a:r>
             <a:r>
               <a:rPr lang="en-PH" sz="2400" dirty="0"/>
-              <a:t>200 − 210 = </a:t>
-            </a:r>
-            <a:r>
-              <a:rPr lang="en-PH" sz="2400" dirty="0" smtClean="0"/>
-              <a:t>-</a:t>
-            </a:r>
-            <a:r>
-              <a:rPr lang="en-PH" sz="2400" dirty="0" smtClean="0">
+              <a:t>150 − 140 =  </a:t>
+            </a:r>
+            <a:r>
+              <a:rPr lang="en-PH" sz="2400" dirty="0">
                 <a:solidFill>
                   <a:srgbClr val="0070C0"/>
                 </a:solidFill>
               </a:rPr>
               <a:t>10</a:t>
             </a:r>
+            <a:r>
+              <a:rPr lang="en-PH" sz="2400" dirty="0"/>
+              <a:t> </a:t>
+            </a:r>
+          </a:p>
+          <a:p>
+            <a:r>
+              <a:rPr lang="en-PH" sz="2400" i="1" dirty="0"/>
+              <a:t>Month 3: </a:t>
+            </a:r>
+            <a:r>
+              <a:rPr lang="en-PH" sz="2400" dirty="0"/>
+              <a:t>200 − 210 = -</a:t>
+            </a:r>
+            <a:r>
+              <a:rPr lang="en-PH" sz="2400" dirty="0">
+                <a:solidFill>
+                  <a:srgbClr val="0070C0"/>
+                </a:solidFill>
+              </a:rPr>
+              <a:t>10</a:t>
+            </a:r>
             <a:endParaRPr lang="en-PH" sz="2400" dirty="0"/>
           </a:p>
           <a:p>
@@ -7327,7 +7310,7 @@
               <a:t>250 − 240 = </a:t>
             </a:r>
             <a:r>
-              <a:rPr lang="en-PH" sz="2400" dirty="0" smtClean="0">
+              <a:rPr lang="en-PH" sz="2400" dirty="0">
                 <a:solidFill>
                   <a:srgbClr val="0070C0"/>
                 </a:solidFill>
@@ -7345,7 +7328,7 @@
               <p:cNvPr id="7" name="Rectangle 6">
                 <a:extLst>
                   <a:ext uri="{FF2B5EF4-FFF2-40B4-BE49-F238E27FC236}">
-                    <a16:creationId xmlns="" xmlns:a16="http://schemas.microsoft.com/office/drawing/2014/main" id="{CA0A9E09-F04C-4419-ACA0-624D88A33C16}"/>
+                    <a16:creationId xmlns:a16="http://schemas.microsoft.com/office/drawing/2014/main" id="{CA0A9E09-F04C-4419-ACA0-624D88A33C16}"/>
                   </a:ext>
                 </a:extLst>
               </p:cNvPr>
@@ -7402,7 +7385,7 @@
                         <m:fPr>
                           <m:ctrlPr>
                             <a:rPr lang="en-US" sz="2400" i="1" smtClean="0">
-                              <a:latin typeface="Cambria Math"/>
+                              <a:latin typeface="Cambria Math" panose="02040503050406030204" pitchFamily="18" charset="0"/>
                             </a:rPr>
                           </m:ctrlPr>
                         </m:fPr>
@@ -7411,7 +7394,7 @@
                             <m:sSupPr>
                               <m:ctrlPr>
                                 <a:rPr lang="en-US" sz="2400" i="1" smtClean="0">
-                                  <a:latin typeface="Cambria Math"/>
+                                  <a:latin typeface="Cambria Math" panose="02040503050406030204" pitchFamily="18" charset="0"/>
                                 </a:rPr>
                               </m:ctrlPr>
                             </m:sSupPr>
@@ -7442,7 +7425,7 @@
                             <m:sSupPr>
                               <m:ctrlPr>
                                 <a:rPr lang="en-US" sz="2400" i="1">
-                                  <a:latin typeface="Cambria Math"/>
+                                  <a:latin typeface="Cambria Math" panose="02040503050406030204" pitchFamily="18" charset="0"/>
                                 </a:rPr>
                               </m:ctrlPr>
                             </m:sSupPr>
@@ -7473,7 +7456,7 @@
                             <m:sSupPr>
                               <m:ctrlPr>
                                 <a:rPr lang="en-US" sz="2400" i="1">
-                                  <a:latin typeface="Cambria Math"/>
+                                  <a:latin typeface="Cambria Math" panose="02040503050406030204" pitchFamily="18" charset="0"/>
                                 </a:rPr>
                               </m:ctrlPr>
                             </m:sSupPr>
@@ -7504,7 +7487,7 @@
                             <m:sSupPr>
                               <m:ctrlPr>
                                 <a:rPr lang="en-US" sz="2400" i="1">
-                                  <a:latin typeface="Cambria Math"/>
+                                  <a:latin typeface="Cambria Math" panose="02040503050406030204" pitchFamily="18" charset="0"/>
                                 </a:rPr>
                               </m:ctrlPr>
                             </m:sSupPr>
@@ -7597,7 +7580,7 @@
           <p:cNvPr id="8" name="Rectangle 7">
             <a:extLst>
               <a:ext uri="{FF2B5EF4-FFF2-40B4-BE49-F238E27FC236}">
-                <a16:creationId xmlns="" xmlns:a16="http://schemas.microsoft.com/office/drawing/2014/main" id="{994885C2-2BFE-4F3E-9587-E977A16051D6}"/>
+                <a16:creationId xmlns:a16="http://schemas.microsoft.com/office/drawing/2014/main" id="{994885C2-2BFE-4F3E-9587-E977A16051D6}"/>
               </a:ext>
             </a:extLst>
           </p:cNvPr>
@@ -7629,13 +7612,8 @@
             </a:r>
             <a:r>
               <a:rPr lang="en-PH" sz="2400" dirty="0"/>
-              <a:t>On average, </a:t>
-            </a:r>
-            <a:r>
-              <a:rPr lang="en-PH" sz="2400" dirty="0" smtClean="0"/>
-              <a:t>the square of the error is 100, emphasizing larger errors.</a:t>
-            </a:r>
-            <a:endParaRPr lang="en-PH" sz="2400" dirty="0"/>
+              <a:t>On average, the square of the error is 100, emphasizing larger errors.</a:t>
+            </a:r>
           </a:p>
         </p:txBody>
       </p:sp>
@@ -7646,7 +7624,7 @@
               <p:cNvPr id="9" name="Rectangle 8">
                 <a:extLst>
                   <a:ext uri="{FF2B5EF4-FFF2-40B4-BE49-F238E27FC236}">
-                    <a16:creationId xmlns="" xmlns:a16="http://schemas.microsoft.com/office/drawing/2014/main" id="{CA0A9E09-F04C-4419-ACA0-624D88A33C16}"/>
+                    <a16:creationId xmlns:a16="http://schemas.microsoft.com/office/drawing/2014/main" id="{CA0A9E09-F04C-4419-ACA0-624D88A33C16}"/>
                   </a:ext>
                 </a:extLst>
               </p:cNvPr>
@@ -7698,7 +7676,7 @@
                       <m:fPr>
                         <m:ctrlPr>
                           <a:rPr lang="en-US" sz="2800" i="1" smtClean="0">
-                            <a:latin typeface="Cambria Math"/>
+                            <a:latin typeface="Cambria Math" panose="02040503050406030204" pitchFamily="18" charset="0"/>
                           </a:rPr>
                         </m:ctrlPr>
                       </m:fPr>
@@ -7795,7 +7773,7 @@
                       <m:fPr>
                         <m:ctrlPr>
                           <a:rPr lang="en-US" sz="2800" b="0" i="1" smtClean="0">
-                            <a:latin typeface="Cambria Math"/>
+                            <a:latin typeface="Cambria Math" panose="02040503050406030204" pitchFamily="18" charset="0"/>
                           </a:rPr>
                         </m:ctrlPr>
                       </m:fPr>
@@ -7835,18 +7813,13 @@
                   <a:t> </a:t>
                 </a:r>
                 <a:r>
-                  <a:rPr lang="en-US" sz="2800" b="1" dirty="0" smtClean="0">
+                  <a:rPr lang="en-US" sz="2800" b="1" dirty="0">
                     <a:solidFill>
                       <a:srgbClr val="C00000"/>
                     </a:solidFill>
                   </a:rPr>
                   <a:t>100</a:t>
                 </a:r>
-                <a:endParaRPr lang="en-US" sz="2800" b="1" dirty="0">
-                  <a:solidFill>
-                    <a:srgbClr val="C00000"/>
-                  </a:solidFill>
-                </a:endParaRPr>
               </a:p>
             </p:txBody>
           </p:sp>
@@ -7933,7 +7906,7 @@
               <p:cNvPr id="2" name="Table 2">
                 <a:extLst>
                   <a:ext uri="{FF2B5EF4-FFF2-40B4-BE49-F238E27FC236}">
-                    <a16:creationId xmlns="" xmlns:a16="http://schemas.microsoft.com/office/drawing/2014/main" id="{D5550273-5528-43BD-8412-7F8D06306A14}"/>
+                    <a16:creationId xmlns:a16="http://schemas.microsoft.com/office/drawing/2014/main" id="{D5550273-5528-43BD-8412-7F8D06306A14}"/>
                   </a:ext>
                 </a:extLst>
               </p:cNvPr>
@@ -7962,21 +7935,21 @@
                     <a:gridCol w="1075093">
                       <a:extLst>
                         <a:ext uri="{9D8B030D-6E8A-4147-A177-3AD203B41FA5}">
-                          <a16:colId xmlns="" xmlns:a16="http://schemas.microsoft.com/office/drawing/2014/main" val="2590844336"/>
+                          <a16:colId xmlns:a16="http://schemas.microsoft.com/office/drawing/2014/main" val="2590844336"/>
                         </a:ext>
                       </a:extLst>
                     </a:gridCol>
                     <a:gridCol w="3331028">
                       <a:extLst>
                         <a:ext uri="{9D8B030D-6E8A-4147-A177-3AD203B41FA5}">
-                          <a16:colId xmlns="" xmlns:a16="http://schemas.microsoft.com/office/drawing/2014/main" val="2133703778"/>
+                          <a16:colId xmlns:a16="http://schemas.microsoft.com/office/drawing/2014/main" val="2133703778"/>
                         </a:ext>
                       </a:extLst>
                     </a:gridCol>
                     <a:gridCol w="3721878">
                       <a:extLst>
                         <a:ext uri="{9D8B030D-6E8A-4147-A177-3AD203B41FA5}">
-                          <a16:colId xmlns="" xmlns:a16="http://schemas.microsoft.com/office/drawing/2014/main" val="4072587226"/>
+                          <a16:colId xmlns:a16="http://schemas.microsoft.com/office/drawing/2014/main" val="4072587226"/>
                         </a:ext>
                       </a:extLst>
                     </a:gridCol>
@@ -8013,7 +7986,7 @@
                                 <m:sSubPr>
                                   <m:ctrlPr>
                                     <a:rPr lang="en-US" sz="2400" b="1" i="1" smtClean="0">
-                                      <a:latin typeface="Cambria Math"/>
+                                      <a:latin typeface="Cambria Math" panose="02040503050406030204" pitchFamily="18" charset="0"/>
                                     </a:rPr>
                                   </m:ctrlPr>
                                 </m:sSubPr>
@@ -8077,7 +8050,7 @@
                                 <m:sSubPr>
                                   <m:ctrlPr>
                                     <a:rPr lang="en-US" sz="2400" b="1" i="1" smtClean="0">
-                                      <a:latin typeface="Cambria Math"/>
+                                      <a:latin typeface="Cambria Math" panose="02040503050406030204" pitchFamily="18" charset="0"/>
                                     </a:rPr>
                                   </m:ctrlPr>
                                 </m:sSubPr>
@@ -8087,7 +8060,7 @@
                                       <m:chr m:val="̂"/>
                                       <m:ctrlPr>
                                         <a:rPr lang="en-US" sz="2400" b="1" i="1" smtClean="0">
-                                          <a:latin typeface="Cambria Math"/>
+                                          <a:latin typeface="Cambria Math" panose="02040503050406030204" pitchFamily="18" charset="0"/>
                                         </a:rPr>
                                       </m:ctrlPr>
                                     </m:accPr>
@@ -8123,7 +8096,7 @@
                     </a:tc>
                     <a:extLst>
                       <a:ext uri="{0D108BD9-81ED-4DB2-BD59-A6C34878D82A}">
-                        <a16:rowId xmlns="" xmlns:a16="http://schemas.microsoft.com/office/drawing/2014/main" val="1798310828"/>
+                        <a16:rowId xmlns:a16="http://schemas.microsoft.com/office/drawing/2014/main" val="1798310828"/>
                       </a:ext>
                     </a:extLst>
                   </a:tr>
@@ -8191,7 +8164,7 @@
                     </a:tc>
                     <a:extLst>
                       <a:ext uri="{0D108BD9-81ED-4DB2-BD59-A6C34878D82A}">
-                        <a16:rowId xmlns="" xmlns:a16="http://schemas.microsoft.com/office/drawing/2014/main" val="1404954822"/>
+                        <a16:rowId xmlns:a16="http://schemas.microsoft.com/office/drawing/2014/main" val="1404954822"/>
                       </a:ext>
                     </a:extLst>
                   </a:tr>
@@ -8259,7 +8232,7 @@
                     </a:tc>
                     <a:extLst>
                       <a:ext uri="{0D108BD9-81ED-4DB2-BD59-A6C34878D82A}">
-                        <a16:rowId xmlns="" xmlns:a16="http://schemas.microsoft.com/office/drawing/2014/main" val="3148427475"/>
+                        <a16:rowId xmlns:a16="http://schemas.microsoft.com/office/drawing/2014/main" val="3148427475"/>
                       </a:ext>
                     </a:extLst>
                   </a:tr>
@@ -8327,7 +8300,7 @@
                     </a:tc>
                     <a:extLst>
                       <a:ext uri="{0D108BD9-81ED-4DB2-BD59-A6C34878D82A}">
-                        <a16:rowId xmlns="" xmlns:a16="http://schemas.microsoft.com/office/drawing/2014/main" val="1935952499"/>
+                        <a16:rowId xmlns:a16="http://schemas.microsoft.com/office/drawing/2014/main" val="1935952499"/>
                       </a:ext>
                     </a:extLst>
                   </a:tr>
@@ -8395,7 +8368,7 @@
                     </a:tc>
                     <a:extLst>
                       <a:ext uri="{0D108BD9-81ED-4DB2-BD59-A6C34878D82A}">
-                        <a16:rowId xmlns="" xmlns:a16="http://schemas.microsoft.com/office/drawing/2014/main" val="1310842188"/>
+                        <a16:rowId xmlns:a16="http://schemas.microsoft.com/office/drawing/2014/main" val="1310842188"/>
                       </a:ext>
                     </a:extLst>
                   </a:tr>
@@ -8797,7 +8770,7 @@
           <p:cNvPr id="6" name="Rectangle 5">
             <a:extLst>
               <a:ext uri="{FF2B5EF4-FFF2-40B4-BE49-F238E27FC236}">
-                <a16:creationId xmlns="" xmlns:a16="http://schemas.microsoft.com/office/drawing/2014/main" id="{42C03F5E-E3ED-4350-9B3B-87690671BF01}"/>
+                <a16:creationId xmlns:a16="http://schemas.microsoft.com/office/drawing/2014/main" id="{42C03F5E-E3ED-4350-9B3B-87690671BF01}"/>
               </a:ext>
             </a:extLst>
           </p:cNvPr>
@@ -8825,37 +8798,7 @@
             </a:r>
             <a:r>
               <a:rPr lang="en-PH" sz="2400" dirty="0"/>
-              <a:t>100 − 110 =  </a:t>
-            </a:r>
-            <a:r>
-              <a:rPr lang="en-PH" sz="2400" dirty="0" smtClean="0"/>
-              <a:t>-</a:t>
-            </a:r>
-            <a:r>
-              <a:rPr lang="en-PH" sz="2400" dirty="0" smtClean="0">
-                <a:solidFill>
-                  <a:srgbClr val="0070C0"/>
-                </a:solidFill>
-              </a:rPr>
-              <a:t>10</a:t>
-            </a:r>
-            <a:r>
-              <a:rPr lang="en-PH" sz="2400" dirty="0" smtClean="0"/>
-              <a:t> </a:t>
-            </a:r>
-          </a:p>
-          <a:p>
-            <a:r>
-              <a:rPr lang="en-PH" sz="2400" i="1" dirty="0" smtClean="0"/>
-              <a:t>Month </a:t>
-            </a:r>
-            <a:r>
-              <a:rPr lang="en-PH" sz="2400" i="1" dirty="0"/>
-              <a:t>2: </a:t>
-            </a:r>
-            <a:r>
-              <a:rPr lang="en-PH" sz="2400" dirty="0"/>
-              <a:t>150 − 140 =  </a:t>
+              <a:t>100 − 110 =  -</a:t>
             </a:r>
             <a:r>
               <a:rPr lang="en-PH" sz="2400" dirty="0">
@@ -8869,33 +8812,46 @@
               <a:rPr lang="en-PH" sz="2400" dirty="0"/>
               <a:t> </a:t>
             </a:r>
-            <a:endParaRPr lang="en-PH" sz="2400" dirty="0" smtClean="0"/>
-          </a:p>
-          <a:p>
-            <a:r>
-              <a:rPr lang="en-PH" sz="2400" i="1" dirty="0" smtClean="0"/>
-              <a:t>Month </a:t>
-            </a:r>
+          </a:p>
+          <a:p>
             <a:r>
               <a:rPr lang="en-PH" sz="2400" i="1" dirty="0"/>
-              <a:t>3: </a:t>
+              <a:t>Month 2: </a:t>
             </a:r>
             <a:r>
               <a:rPr lang="en-PH" sz="2400" dirty="0"/>
-              <a:t>200 − 210 = </a:t>
-            </a:r>
-            <a:r>
-              <a:rPr lang="en-PH" sz="2400" dirty="0" smtClean="0"/>
-              <a:t>-</a:t>
-            </a:r>
-            <a:r>
-              <a:rPr lang="en-PH" sz="2400" dirty="0" smtClean="0">
+              <a:t>150 − 140 =  </a:t>
+            </a:r>
+            <a:r>
+              <a:rPr lang="en-PH" sz="2400" dirty="0">
                 <a:solidFill>
                   <a:srgbClr val="0070C0"/>
                 </a:solidFill>
               </a:rPr>
               <a:t>10</a:t>
             </a:r>
+            <a:r>
+              <a:rPr lang="en-PH" sz="2400" dirty="0"/>
+              <a:t> </a:t>
+            </a:r>
+          </a:p>
+          <a:p>
+            <a:r>
+              <a:rPr lang="en-PH" sz="2400" i="1" dirty="0"/>
+              <a:t>Month 3: </a:t>
+            </a:r>
+            <a:r>
+              <a:rPr lang="en-PH" sz="2400" dirty="0"/>
+              <a:t>200 − 210 = -</a:t>
+            </a:r>
+            <a:r>
+              <a:rPr lang="en-PH" sz="2400" dirty="0">
+                <a:solidFill>
+                  <a:srgbClr val="0070C0"/>
+                </a:solidFill>
+              </a:rPr>
+              <a:t>10</a:t>
+            </a:r>
             <a:endParaRPr lang="en-PH" sz="2400" dirty="0"/>
           </a:p>
           <a:p>
@@ -8908,7 +8864,7 @@
               <a:t>250 − 240 = </a:t>
             </a:r>
             <a:r>
-              <a:rPr lang="en-PH" sz="2400" dirty="0" smtClean="0">
+              <a:rPr lang="en-PH" sz="2400" dirty="0">
                 <a:solidFill>
                   <a:srgbClr val="0070C0"/>
                 </a:solidFill>
@@ -8926,7 +8882,7 @@
               <p:cNvPr id="7" name="Rectangle 6">
                 <a:extLst>
                   <a:ext uri="{FF2B5EF4-FFF2-40B4-BE49-F238E27FC236}">
-                    <a16:creationId xmlns="" xmlns:a16="http://schemas.microsoft.com/office/drawing/2014/main" id="{CA0A9E09-F04C-4419-ACA0-624D88A33C16}"/>
+                    <a16:creationId xmlns:a16="http://schemas.microsoft.com/office/drawing/2014/main" id="{CA0A9E09-F04C-4419-ACA0-624D88A33C16}"/>
                   </a:ext>
                 </a:extLst>
               </p:cNvPr>
@@ -8990,7 +8946,7 @@
                           <m:degHide m:val="on"/>
                           <m:ctrlPr>
                             <a:rPr lang="en-US" sz="2200" i="1" smtClean="0">
-                              <a:latin typeface="Cambria Math"/>
+                              <a:latin typeface="Cambria Math" panose="02040503050406030204" pitchFamily="18" charset="0"/>
                             </a:rPr>
                           </m:ctrlPr>
                         </m:radPr>
@@ -9000,7 +8956,7 @@
                             <m:fPr>
                               <m:ctrlPr>
                                 <a:rPr lang="en-US" sz="2200" i="1">
-                                  <a:latin typeface="Cambria Math"/>
+                                  <a:latin typeface="Cambria Math" panose="02040503050406030204" pitchFamily="18" charset="0"/>
                                 </a:rPr>
                               </m:ctrlPr>
                             </m:fPr>
@@ -9009,7 +8965,7 @@
                                 <m:sSupPr>
                                   <m:ctrlPr>
                                     <a:rPr lang="en-US" sz="2200" i="1">
-                                      <a:latin typeface="Cambria Math"/>
+                                      <a:latin typeface="Cambria Math" panose="02040503050406030204" pitchFamily="18" charset="0"/>
                                     </a:rPr>
                                   </m:ctrlPr>
                                 </m:sSupPr>
@@ -9040,7 +8996,7 @@
                                 <m:sSupPr>
                                   <m:ctrlPr>
                                     <a:rPr lang="en-US" sz="2200" i="1">
-                                      <a:latin typeface="Cambria Math"/>
+                                      <a:latin typeface="Cambria Math" panose="02040503050406030204" pitchFamily="18" charset="0"/>
                                     </a:rPr>
                                   </m:ctrlPr>
                                 </m:sSupPr>
@@ -9071,7 +9027,7 @@
                                 <m:sSupPr>
                                   <m:ctrlPr>
                                     <a:rPr lang="en-US" sz="2200" i="1">
-                                      <a:latin typeface="Cambria Math"/>
+                                      <a:latin typeface="Cambria Math" panose="02040503050406030204" pitchFamily="18" charset="0"/>
                                     </a:rPr>
                                   </m:ctrlPr>
                                 </m:sSupPr>
@@ -9102,7 +9058,7 @@
                                 <m:sSupPr>
                                   <m:ctrlPr>
                                     <a:rPr lang="en-US" sz="2200" i="1">
-                                      <a:latin typeface="Cambria Math"/>
+                                      <a:latin typeface="Cambria Math" panose="02040503050406030204" pitchFamily="18" charset="0"/>
                                     </a:rPr>
                                   </m:ctrlPr>
                                 </m:sSupPr>
@@ -9197,7 +9153,7 @@
           <p:cNvPr id="8" name="Rectangle 7">
             <a:extLst>
               <a:ext uri="{FF2B5EF4-FFF2-40B4-BE49-F238E27FC236}">
-                <a16:creationId xmlns="" xmlns:a16="http://schemas.microsoft.com/office/drawing/2014/main" id="{994885C2-2BFE-4F3E-9587-E977A16051D6}"/>
+                <a16:creationId xmlns:a16="http://schemas.microsoft.com/office/drawing/2014/main" id="{994885C2-2BFE-4F3E-9587-E977A16051D6}"/>
               </a:ext>
             </a:extLst>
           </p:cNvPr>
@@ -9228,10 +9184,9 @@
               <a:t>Interpretation: </a:t>
             </a:r>
             <a:r>
-              <a:rPr lang="en-PH" sz="2400" dirty="0" smtClean="0"/>
+              <a:rPr lang="en-PH" sz="2400" dirty="0"/>
               <a:t>The RMSE is 10, matching the MAE</a:t>
             </a:r>
-            <a:endParaRPr lang="en-PH" sz="2400" dirty="0"/>
           </a:p>
         </p:txBody>
       </p:sp>
@@ -9242,7 +9197,7 @@
               <p:cNvPr id="9" name="Rectangle 8">
                 <a:extLst>
                   <a:ext uri="{FF2B5EF4-FFF2-40B4-BE49-F238E27FC236}">
-                    <a16:creationId xmlns="" xmlns:a16="http://schemas.microsoft.com/office/drawing/2014/main" id="{CA0A9E09-F04C-4419-ACA0-624D88A33C16}"/>
+                    <a16:creationId xmlns:a16="http://schemas.microsoft.com/office/drawing/2014/main" id="{CA0A9E09-F04C-4419-ACA0-624D88A33C16}"/>
                   </a:ext>
                 </a:extLst>
               </p:cNvPr>
@@ -9301,7 +9256,7 @@
                         <m:degHide m:val="on"/>
                         <m:ctrlPr>
                           <a:rPr lang="en-US" sz="2200" i="1" smtClean="0">
-                            <a:latin typeface="Cambria Math"/>
+                            <a:latin typeface="Cambria Math" panose="02040503050406030204" pitchFamily="18" charset="0"/>
                           </a:rPr>
                         </m:ctrlPr>
                       </m:radPr>
@@ -9311,7 +9266,7 @@
                           <m:fPr>
                             <m:ctrlPr>
                               <a:rPr lang="en-US" sz="2200" i="1">
-                                <a:latin typeface="Cambria Math"/>
+                                <a:latin typeface="Cambria Math" panose="02040503050406030204" pitchFamily="18" charset="0"/>
                               </a:rPr>
                             </m:ctrlPr>
                           </m:fPr>
@@ -9410,7 +9365,7 @@
                       <m:fPr>
                         <m:ctrlPr>
                           <a:rPr lang="en-US" sz="2200" b="0" i="1" smtClean="0">
-                            <a:latin typeface="Cambria Math"/>
+                            <a:latin typeface="Cambria Math" panose="02040503050406030204" pitchFamily="18" charset="0"/>
                           </a:rPr>
                         </m:ctrlPr>
                       </m:fPr>
@@ -9448,7 +9403,7 @@
                         <m:degHide m:val="on"/>
                         <m:ctrlPr>
                           <a:rPr lang="en-US" sz="2200" i="1" smtClean="0">
-                            <a:latin typeface="Cambria Math"/>
+                            <a:latin typeface="Cambria Math" panose="02040503050406030204" pitchFamily="18" charset="0"/>
                           </a:rPr>
                         </m:ctrlPr>
                       </m:radPr>
@@ -9481,18 +9436,13 @@
                   </m:oMath>
                 </a14:m>
                 <a:r>
-                  <a:rPr lang="en-US" sz="2200" b="1" dirty="0" smtClean="0">
+                  <a:rPr lang="en-US" sz="2200" b="1" dirty="0">
                     <a:solidFill>
                       <a:srgbClr val="C00000"/>
                     </a:solidFill>
                   </a:rPr>
                   <a:t> = 10</a:t>
                 </a:r>
-                <a:endParaRPr lang="en-US" sz="2200" b="1" dirty="0">
-                  <a:solidFill>
-                    <a:srgbClr val="C00000"/>
-                  </a:solidFill>
-                </a:endParaRPr>
               </a:p>
             </p:txBody>
           </p:sp>
@@ -9579,7 +9529,7 @@
               <p:cNvPr id="2" name="Table 2">
                 <a:extLst>
                   <a:ext uri="{FF2B5EF4-FFF2-40B4-BE49-F238E27FC236}">
-                    <a16:creationId xmlns="" xmlns:a16="http://schemas.microsoft.com/office/drawing/2014/main" id="{D5550273-5528-43BD-8412-7F8D06306A14}"/>
+                    <a16:creationId xmlns:a16="http://schemas.microsoft.com/office/drawing/2014/main" id="{D5550273-5528-43BD-8412-7F8D06306A14}"/>
                   </a:ext>
                 </a:extLst>
               </p:cNvPr>
@@ -9608,21 +9558,21 @@
                     <a:gridCol w="1075093">
                       <a:extLst>
                         <a:ext uri="{9D8B030D-6E8A-4147-A177-3AD203B41FA5}">
-                          <a16:colId xmlns="" xmlns:a16="http://schemas.microsoft.com/office/drawing/2014/main" val="2590844336"/>
+                          <a16:colId xmlns:a16="http://schemas.microsoft.com/office/drawing/2014/main" val="2590844336"/>
                         </a:ext>
                       </a:extLst>
                     </a:gridCol>
                     <a:gridCol w="3331028">
                       <a:extLst>
                         <a:ext uri="{9D8B030D-6E8A-4147-A177-3AD203B41FA5}">
-                          <a16:colId xmlns="" xmlns:a16="http://schemas.microsoft.com/office/drawing/2014/main" val="2133703778"/>
+                          <a16:colId xmlns:a16="http://schemas.microsoft.com/office/drawing/2014/main" val="2133703778"/>
                         </a:ext>
                       </a:extLst>
                     </a:gridCol>
                     <a:gridCol w="3721878">
                       <a:extLst>
                         <a:ext uri="{9D8B030D-6E8A-4147-A177-3AD203B41FA5}">
-                          <a16:colId xmlns="" xmlns:a16="http://schemas.microsoft.com/office/drawing/2014/main" val="4072587226"/>
+                          <a16:colId xmlns:a16="http://schemas.microsoft.com/office/drawing/2014/main" val="4072587226"/>
                         </a:ext>
                       </a:extLst>
                     </a:gridCol>
@@ -9659,7 +9609,7 @@
                                 <m:sSubPr>
                                   <m:ctrlPr>
                                     <a:rPr lang="en-US" sz="2400" b="1" i="1" smtClean="0">
-                                      <a:latin typeface="Cambria Math"/>
+                                      <a:latin typeface="Cambria Math" panose="02040503050406030204" pitchFamily="18" charset="0"/>
                                     </a:rPr>
                                   </m:ctrlPr>
                                 </m:sSubPr>
@@ -9723,7 +9673,7 @@
                                 <m:sSubPr>
                                   <m:ctrlPr>
                                     <a:rPr lang="en-US" sz="2400" b="1" i="1" smtClean="0">
-                                      <a:latin typeface="Cambria Math"/>
+                                      <a:latin typeface="Cambria Math" panose="02040503050406030204" pitchFamily="18" charset="0"/>
                                     </a:rPr>
                                   </m:ctrlPr>
                                 </m:sSubPr>
@@ -9733,7 +9683,7 @@
                                       <m:chr m:val="̂"/>
                                       <m:ctrlPr>
                                         <a:rPr lang="en-US" sz="2400" b="1" i="1" smtClean="0">
-                                          <a:latin typeface="Cambria Math"/>
+                                          <a:latin typeface="Cambria Math" panose="02040503050406030204" pitchFamily="18" charset="0"/>
                                         </a:rPr>
                                       </m:ctrlPr>
                                     </m:accPr>
@@ -9769,7 +9719,7 @@
                     </a:tc>
                     <a:extLst>
                       <a:ext uri="{0D108BD9-81ED-4DB2-BD59-A6C34878D82A}">
-                        <a16:rowId xmlns="" xmlns:a16="http://schemas.microsoft.com/office/drawing/2014/main" val="1798310828"/>
+                        <a16:rowId xmlns:a16="http://schemas.microsoft.com/office/drawing/2014/main" val="1798310828"/>
                       </a:ext>
                     </a:extLst>
                   </a:tr>
@@ -9837,7 +9787,7 @@
                     </a:tc>
                     <a:extLst>
                       <a:ext uri="{0D108BD9-81ED-4DB2-BD59-A6C34878D82A}">
-                        <a16:rowId xmlns="" xmlns:a16="http://schemas.microsoft.com/office/drawing/2014/main" val="1404954822"/>
+                        <a16:rowId xmlns:a16="http://schemas.microsoft.com/office/drawing/2014/main" val="1404954822"/>
                       </a:ext>
                     </a:extLst>
                   </a:tr>
@@ -9905,7 +9855,7 @@
                     </a:tc>
                     <a:extLst>
                       <a:ext uri="{0D108BD9-81ED-4DB2-BD59-A6C34878D82A}">
-                        <a16:rowId xmlns="" xmlns:a16="http://schemas.microsoft.com/office/drawing/2014/main" val="3148427475"/>
+                        <a16:rowId xmlns:a16="http://schemas.microsoft.com/office/drawing/2014/main" val="3148427475"/>
                       </a:ext>
                     </a:extLst>
                   </a:tr>
@@ -9973,7 +9923,7 @@
                     </a:tc>
                     <a:extLst>
                       <a:ext uri="{0D108BD9-81ED-4DB2-BD59-A6C34878D82A}">
-                        <a16:rowId xmlns="" xmlns:a16="http://schemas.microsoft.com/office/drawing/2014/main" val="1935952499"/>
+                        <a16:rowId xmlns:a16="http://schemas.microsoft.com/office/drawing/2014/main" val="1935952499"/>
                       </a:ext>
                     </a:extLst>
                   </a:tr>
@@ -10041,7 +9991,7 @@
                     </a:tc>
                     <a:extLst>
                       <a:ext uri="{0D108BD9-81ED-4DB2-BD59-A6C34878D82A}">
-                        <a16:rowId xmlns="" xmlns:a16="http://schemas.microsoft.com/office/drawing/2014/main" val="1310842188"/>
+                        <a16:rowId xmlns:a16="http://schemas.microsoft.com/office/drawing/2014/main" val="1310842188"/>
                       </a:ext>
                     </a:extLst>
                   </a:tr>
@@ -10445,7 +10395,7 @@
               <p:cNvPr id="6" name="Rectangle 5">
                 <a:extLst>
                   <a:ext uri="{FF2B5EF4-FFF2-40B4-BE49-F238E27FC236}">
-                    <a16:creationId xmlns="" xmlns:a16="http://schemas.microsoft.com/office/drawing/2014/main" id="{42C03F5E-E3ED-4350-9B3B-87690671BF01}"/>
+                    <a16:creationId xmlns:a16="http://schemas.microsoft.com/office/drawing/2014/main" id="{42C03F5E-E3ED-4350-9B3B-87690671BF01}"/>
                   </a:ext>
                 </a:extLst>
               </p:cNvPr>
@@ -10468,7 +10418,7 @@
               <a:lstStyle/>
               <a:p>
                 <a:r>
-                  <a:rPr lang="en-PH" sz="2200" i="1" dirty="0" smtClean="0"/>
+                  <a:rPr lang="en-PH" sz="2200" i="1" dirty="0"/>
                   <a:t>Month 1: </a:t>
                 </a:r>
                 <a14:m>
@@ -10479,7 +10429,7 @@
                         <m:endChr m:val="|"/>
                         <m:ctrlPr>
                           <a:rPr lang="en-PH" sz="2200" i="1" smtClean="0">
-                            <a:latin typeface="Cambria Math"/>
+                            <a:latin typeface="Cambria Math" panose="02040503050406030204" pitchFamily="18" charset="0"/>
                           </a:rPr>
                         </m:ctrlPr>
                       </m:dPr>
@@ -10488,7 +10438,7 @@
                           <m:fPr>
                             <m:ctrlPr>
                               <a:rPr lang="en-PH" sz="2200" i="1" smtClean="0">
-                                <a:latin typeface="Cambria Math"/>
+                                <a:latin typeface="Cambria Math" panose="02040503050406030204" pitchFamily="18" charset="0"/>
                               </a:rPr>
                             </m:ctrlPr>
                           </m:fPr>
@@ -10514,18 +10464,14 @@
                   </m:oMath>
                 </a14:m>
                 <a:r>
-                  <a:rPr lang="en-PH" sz="2200" dirty="0" smtClean="0"/>
+                  <a:rPr lang="en-PH" sz="2200" dirty="0"/>
                   <a:t> = 0.10</a:t>
                 </a:r>
               </a:p>
               <a:p>
                 <a:r>
-                  <a:rPr lang="en-PH" sz="2200" i="1" dirty="0" smtClean="0"/>
-                  <a:t>Month </a:t>
-                </a:r>
-                <a:r>
                   <a:rPr lang="en-PH" sz="2200" i="1" dirty="0"/>
-                  <a:t>2: </a:t>
+                  <a:t>Month 2: </a:t>
                 </a:r>
                 <a14:m>
                   <m:oMath xmlns:m="http://schemas.openxmlformats.org/officeDocument/2006/math">
@@ -10535,7 +10481,7 @@
                         <m:endChr m:val="|"/>
                         <m:ctrlPr>
                           <a:rPr lang="en-PH" sz="2200" i="1">
-                            <a:latin typeface="Cambria Math"/>
+                            <a:latin typeface="Cambria Math" panose="02040503050406030204" pitchFamily="18" charset="0"/>
                           </a:rPr>
                         </m:ctrlPr>
                       </m:dPr>
@@ -10544,7 +10490,7 @@
                           <m:fPr>
                             <m:ctrlPr>
                               <a:rPr lang="en-PH" sz="2200" i="1">
-                                <a:latin typeface="Cambria Math"/>
+                                <a:latin typeface="Cambria Math" panose="02040503050406030204" pitchFamily="18" charset="0"/>
                               </a:rPr>
                             </m:ctrlPr>
                           </m:fPr>
@@ -10595,21 +10541,13 @@
                 </a14:m>
                 <a:r>
                   <a:rPr lang="en-PH" sz="2200" dirty="0"/>
-                  <a:t> = </a:t>
-                </a:r>
-                <a:r>
-                  <a:rPr lang="en-PH" sz="2200" dirty="0" smtClean="0"/>
-                  <a:t>0.0667 </a:t>
+                  <a:t> = 0.0667 </a:t>
                 </a:r>
               </a:p>
               <a:p>
                 <a:r>
-                  <a:rPr lang="en-PH" sz="2200" i="1" dirty="0" smtClean="0"/>
-                  <a:t>Month </a:t>
-                </a:r>
-                <a:r>
                   <a:rPr lang="en-PH" sz="2200" i="1" dirty="0"/>
-                  <a:t>3: </a:t>
+                  <a:t>Month 3: </a:t>
                 </a:r>
                 <a14:m>
                   <m:oMath xmlns:m="http://schemas.openxmlformats.org/officeDocument/2006/math">
@@ -10619,7 +10557,7 @@
                         <m:endChr m:val="|"/>
                         <m:ctrlPr>
                           <a:rPr lang="en-PH" sz="2200" i="1">
-                            <a:latin typeface="Cambria Math"/>
+                            <a:latin typeface="Cambria Math" panose="02040503050406030204" pitchFamily="18" charset="0"/>
                           </a:rPr>
                         </m:ctrlPr>
                       </m:dPr>
@@ -10628,7 +10566,7 @@
                           <m:fPr>
                             <m:ctrlPr>
                               <a:rPr lang="en-PH" sz="2200" i="1">
-                                <a:latin typeface="Cambria Math"/>
+                                <a:latin typeface="Cambria Math" panose="02040503050406030204" pitchFamily="18" charset="0"/>
                               </a:rPr>
                             </m:ctrlPr>
                           </m:fPr>
@@ -10667,21 +10605,13 @@
                 </a14:m>
                 <a:r>
                   <a:rPr lang="en-PH" sz="2200" dirty="0"/>
-                  <a:t> = </a:t>
-                </a:r>
-                <a:r>
-                  <a:rPr lang="en-PH" sz="2200" dirty="0" smtClean="0"/>
-                  <a:t>0.05</a:t>
+                  <a:t> = 0.05</a:t>
                 </a:r>
               </a:p>
               <a:p>
                 <a:r>
                   <a:rPr lang="en-PH" sz="2200" i="1" dirty="0"/>
-                  <a:t>Month </a:t>
-                </a:r>
-                <a:r>
-                  <a:rPr lang="en-PH" sz="2200" i="1" dirty="0" smtClean="0"/>
-                  <a:t>4: </a:t>
+                  <a:t>Month 4: </a:t>
                 </a:r>
                 <a14:m>
                   <m:oMath xmlns:m="http://schemas.openxmlformats.org/officeDocument/2006/math">
@@ -10691,7 +10621,7 @@
                         <m:endChr m:val="|"/>
                         <m:ctrlPr>
                           <a:rPr lang="en-PH" sz="2200" i="1">
-                            <a:latin typeface="Cambria Math"/>
+                            <a:latin typeface="Cambria Math" panose="02040503050406030204" pitchFamily="18" charset="0"/>
                           </a:rPr>
                         </m:ctrlPr>
                       </m:dPr>
@@ -10700,7 +10630,7 @@
                           <m:fPr>
                             <m:ctrlPr>
                               <a:rPr lang="en-PH" sz="2200" i="1">
-                                <a:latin typeface="Cambria Math"/>
+                                <a:latin typeface="Cambria Math" panose="02040503050406030204" pitchFamily="18" charset="0"/>
                               </a:rPr>
                             </m:ctrlPr>
                           </m:fPr>
@@ -10763,13 +10693,8 @@
                 </a14:m>
                 <a:r>
                   <a:rPr lang="en-PH" sz="2200" dirty="0"/>
-                  <a:t> = </a:t>
+                  <a:t> = 0.04</a:t>
                 </a:r>
-                <a:r>
-                  <a:rPr lang="en-PH" sz="2200" dirty="0" smtClean="0"/>
-                  <a:t>0.04</a:t>
-                </a:r>
-                <a:endParaRPr lang="en-PH" sz="2200" dirty="0"/>
               </a:p>
             </p:txBody>
           </p:sp>
@@ -10826,7 +10751,7 @@
               <p:cNvPr id="7" name="Rectangle 6">
                 <a:extLst>
                   <a:ext uri="{FF2B5EF4-FFF2-40B4-BE49-F238E27FC236}">
-                    <a16:creationId xmlns="" xmlns:a16="http://schemas.microsoft.com/office/drawing/2014/main" id="{CA0A9E09-F04C-4419-ACA0-624D88A33C16}"/>
+                    <a16:creationId xmlns:a16="http://schemas.microsoft.com/office/drawing/2014/main" id="{CA0A9E09-F04C-4419-ACA0-624D88A33C16}"/>
                   </a:ext>
                 </a:extLst>
               </p:cNvPr>
@@ -10871,7 +10796,7 @@
                         <m:fPr>
                           <m:ctrlPr>
                             <a:rPr lang="en-US" sz="2200" i="1">
-                              <a:latin typeface="Cambria Math"/>
+                              <a:latin typeface="Cambria Math" panose="02040503050406030204" pitchFamily="18" charset="0"/>
                             </a:rPr>
                           </m:ctrlPr>
                         </m:fPr>
@@ -10908,7 +10833,7 @@
                         <m:fPr>
                           <m:ctrlPr>
                             <a:rPr lang="en-US" sz="2200" b="0" i="1" smtClean="0">
-                              <a:latin typeface="Cambria Math"/>
+                              <a:latin typeface="Cambria Math" panose="02040503050406030204" pitchFamily="18" charset="0"/>
                             </a:rPr>
                           </m:ctrlPr>
                         </m:fPr>
@@ -11008,7 +10933,7 @@
               <p:cNvPr id="10" name="Rectangle 9">
                 <a:extLst>
                   <a:ext uri="{FF2B5EF4-FFF2-40B4-BE49-F238E27FC236}">
-                    <a16:creationId xmlns="" xmlns:a16="http://schemas.microsoft.com/office/drawing/2014/main" id="{CA0A9E09-F04C-4419-ACA0-624D88A33C16}"/>
+                    <a16:creationId xmlns:a16="http://schemas.microsoft.com/office/drawing/2014/main" id="{CA0A9E09-F04C-4419-ACA0-624D88A33C16}"/>
                   </a:ext>
                 </a:extLst>
               </p:cNvPr>
@@ -11126,7 +11051,7 @@
           <p:cNvPr id="8" name="Rectangle 7">
             <a:extLst>
               <a:ext uri="{FF2B5EF4-FFF2-40B4-BE49-F238E27FC236}">
-                <a16:creationId xmlns="" xmlns:a16="http://schemas.microsoft.com/office/drawing/2014/main" id="{994885C2-2BFE-4F3E-9587-E977A16051D6}"/>
+                <a16:creationId xmlns:a16="http://schemas.microsoft.com/office/drawing/2014/main" id="{994885C2-2BFE-4F3E-9587-E977A16051D6}"/>
               </a:ext>
             </a:extLst>
           </p:cNvPr>
@@ -11157,10 +11082,9 @@
               <a:t>Interpretation: </a:t>
             </a:r>
             <a:r>
-              <a:rPr lang="en-PH" sz="2400" dirty="0" smtClean="0"/>
+              <a:rPr lang="en-PH" sz="2400" dirty="0"/>
               <a:t>On average, the forecast is off by about 6.42% relative to the actual values</a:t>
             </a:r>
-            <a:endParaRPr lang="en-PH" sz="2400" dirty="0"/>
           </a:p>
         </p:txBody>
       </p:sp>
@@ -11217,10 +11141,9 @@
           <a:lstStyle/>
           <a:p>
             <a:r>
-              <a:rPr lang="en-US" sz="4400" b="1" dirty="0" smtClean="0"/>
+              <a:rPr lang="en-US" sz="4400" b="1" dirty="0"/>
               <a:t>Takeaway</a:t>
             </a:r>
-            <a:endParaRPr lang="en-US" sz="4400" b="1" dirty="0"/>
           </a:p>
           <a:p>
             <a:endParaRPr lang="en-US" sz="1600" dirty="0"/>
@@ -11230,11 +11153,11 @@
               <a:buAutoNum type="arabicPeriod"/>
             </a:pPr>
             <a:r>
-              <a:rPr lang="en-US" sz="2800" b="1" dirty="0" smtClean="0"/>
+              <a:rPr lang="en-US" sz="2800" b="1" dirty="0"/>
               <a:t>MAE</a:t>
             </a:r>
             <a:r>
-              <a:rPr lang="en-US" sz="2800" dirty="0" smtClean="0"/>
+              <a:rPr lang="en-US" sz="2800" dirty="0"/>
               <a:t> gives the average error in the same units as the data.</a:t>
             </a:r>
           </a:p>
@@ -11243,11 +11166,11 @@
               <a:buAutoNum type="arabicPeriod"/>
             </a:pPr>
             <a:r>
-              <a:rPr lang="en-US" sz="2800" b="1" dirty="0" smtClean="0"/>
+              <a:rPr lang="en-US" sz="2800" b="1" dirty="0"/>
               <a:t>MSE</a:t>
             </a:r>
             <a:r>
-              <a:rPr lang="en-US" sz="2800" dirty="0" smtClean="0"/>
+              <a:rPr lang="en-US" sz="2800" dirty="0"/>
               <a:t> penalizes larger errors more by squaring them.</a:t>
             </a:r>
           </a:p>
@@ -11256,11 +11179,11 @@
               <a:buAutoNum type="arabicPeriod"/>
             </a:pPr>
             <a:r>
-              <a:rPr lang="en-US" sz="2800" b="1" dirty="0" smtClean="0"/>
+              <a:rPr lang="en-US" sz="2800" b="1" dirty="0"/>
               <a:t>RMSE</a:t>
             </a:r>
             <a:r>
-              <a:rPr lang="en-US" sz="2800" dirty="0" smtClean="0"/>
+              <a:rPr lang="en-US" sz="2800" dirty="0"/>
               <a:t> brings MSE back to the original units, offering a clear view of the error magnitude.</a:t>
             </a:r>
           </a:p>
@@ -11269,14 +11192,13 @@
               <a:buAutoNum type="arabicPeriod"/>
             </a:pPr>
             <a:r>
-              <a:rPr lang="en-US" sz="2800" b="1" dirty="0" smtClean="0"/>
+              <a:rPr lang="en-US" sz="2800" b="1" dirty="0"/>
               <a:t>MAPE</a:t>
             </a:r>
             <a:r>
-              <a:rPr lang="en-US" sz="2800" dirty="0" smtClean="0"/>
+              <a:rPr lang="en-US" sz="2800" dirty="0"/>
               <a:t> expresses errors as percentage, making it easier to compare across different scales.</a:t>
             </a:r>
-            <a:endParaRPr lang="en-US" sz="2800" dirty="0"/>
           </a:p>
         </p:txBody>
       </p:sp>
@@ -11315,7 +11237,7 @@
           <p:cNvPr id="4" name="Slide Number Placeholder 3">
             <a:extLst>
               <a:ext uri="{FF2B5EF4-FFF2-40B4-BE49-F238E27FC236}">
-                <a16:creationId xmlns="" xmlns:a16="http://schemas.microsoft.com/office/drawing/2014/main" id="{62E7B5B2-C921-4EA7-A2E9-CC1D800412DA}"/>
+                <a16:creationId xmlns:a16="http://schemas.microsoft.com/office/drawing/2014/main" id="{62E7B5B2-C921-4EA7-A2E9-CC1D800412DA}"/>
               </a:ext>
             </a:extLst>
           </p:cNvPr>
@@ -11344,7 +11266,7 @@
           <p:cNvPr id="5" name="TextBox 4">
             <a:extLst>
               <a:ext uri="{FF2B5EF4-FFF2-40B4-BE49-F238E27FC236}">
-                <a16:creationId xmlns="" xmlns:a16="http://schemas.microsoft.com/office/drawing/2014/main" id="{3984CB54-17A6-4F9C-BC6F-202D8A01035C}"/>
+                <a16:creationId xmlns:a16="http://schemas.microsoft.com/office/drawing/2014/main" id="{3984CB54-17A6-4F9C-BC6F-202D8A01035C}"/>
               </a:ext>
             </a:extLst>
           </p:cNvPr>
@@ -11369,10 +11291,9 @@
           <a:p>
             <a:pPr algn="ctr"/>
             <a:r>
-              <a:rPr lang="en-US" sz="6000" b="1" dirty="0" smtClean="0"/>
+              <a:rPr lang="en-US" sz="6000" b="1" dirty="0"/>
               <a:t>Various Cases</a:t>
             </a:r>
-            <a:endParaRPr lang="en-US" sz="6000" b="1" dirty="0"/>
           </a:p>
         </p:txBody>
       </p:sp>
@@ -11411,7 +11332,7 @@
           <p:cNvPr id="5" name="TextBox 4">
             <a:extLst>
               <a:ext uri="{FF2B5EF4-FFF2-40B4-BE49-F238E27FC236}">
-                <a16:creationId xmlns="" xmlns:a16="http://schemas.microsoft.com/office/drawing/2014/main" id="{3984CB54-17A6-4F9C-BC6F-202D8A01035C}"/>
+                <a16:creationId xmlns:a16="http://schemas.microsoft.com/office/drawing/2014/main" id="{3984CB54-17A6-4F9C-BC6F-202D8A01035C}"/>
               </a:ext>
             </a:extLst>
           </p:cNvPr>
@@ -11436,17 +11357,16 @@
           <a:p>
             <a:pPr algn="ctr"/>
             <a:r>
-              <a:rPr lang="en-US" sz="6000" b="1" dirty="0" smtClean="0"/>
+              <a:rPr lang="en-US" sz="6000" b="1" dirty="0"/>
               <a:t>Example 1: </a:t>
             </a:r>
           </a:p>
           <a:p>
             <a:pPr algn="ctr"/>
             <a:r>
-              <a:rPr lang="en-US" sz="6000" b="1" dirty="0" smtClean="0"/>
+              <a:rPr lang="en-US" sz="6000" b="1" dirty="0"/>
               <a:t>Sensitivity to Outliers</a:t>
             </a:r>
-            <a:endParaRPr lang="en-US" sz="6000" b="1" dirty="0"/>
           </a:p>
         </p:txBody>
       </p:sp>
@@ -11642,7 +11562,7 @@
           <p:cNvPr id="5" name="Picture 4">
             <a:extLst>
               <a:ext uri="{FF2B5EF4-FFF2-40B4-BE49-F238E27FC236}">
-                <a16:creationId xmlns="" xmlns:a16="http://schemas.microsoft.com/office/drawing/2014/main" id="{4A8FF7F7-BE07-4F68-A7D5-1F638CAE8FDD}"/>
+                <a16:creationId xmlns:a16="http://schemas.microsoft.com/office/drawing/2014/main" id="{4A8FF7F7-BE07-4F68-A7D5-1F638CAE8FDD}"/>
               </a:ext>
             </a:extLst>
           </p:cNvPr>
@@ -11704,7 +11624,7 @@
               <p:cNvPr id="3" name="Table 2">
                 <a:extLst>
                   <a:ext uri="{FF2B5EF4-FFF2-40B4-BE49-F238E27FC236}">
-                    <a16:creationId xmlns="" xmlns:a16="http://schemas.microsoft.com/office/drawing/2014/main" id="{D5550273-5528-43BD-8412-7F8D06306A14}"/>
+                    <a16:creationId xmlns:a16="http://schemas.microsoft.com/office/drawing/2014/main" id="{D5550273-5528-43BD-8412-7F8D06306A14}"/>
                   </a:ext>
                 </a:extLst>
               </p:cNvPr>
@@ -11733,21 +11653,21 @@
                     <a:gridCol w="1075093">
                       <a:extLst>
                         <a:ext uri="{9D8B030D-6E8A-4147-A177-3AD203B41FA5}">
-                          <a16:colId xmlns="" xmlns:a16="http://schemas.microsoft.com/office/drawing/2014/main" val="2590844336"/>
+                          <a16:colId xmlns:a16="http://schemas.microsoft.com/office/drawing/2014/main" val="2590844336"/>
                         </a:ext>
                       </a:extLst>
                     </a:gridCol>
                     <a:gridCol w="3331028">
                       <a:extLst>
                         <a:ext uri="{9D8B030D-6E8A-4147-A177-3AD203B41FA5}">
-                          <a16:colId xmlns="" xmlns:a16="http://schemas.microsoft.com/office/drawing/2014/main" val="2133703778"/>
+                          <a16:colId xmlns:a16="http://schemas.microsoft.com/office/drawing/2014/main" val="2133703778"/>
                         </a:ext>
                       </a:extLst>
                     </a:gridCol>
                     <a:gridCol w="3721878">
                       <a:extLst>
                         <a:ext uri="{9D8B030D-6E8A-4147-A177-3AD203B41FA5}">
-                          <a16:colId xmlns="" xmlns:a16="http://schemas.microsoft.com/office/drawing/2014/main" val="4072587226"/>
+                          <a16:colId xmlns:a16="http://schemas.microsoft.com/office/drawing/2014/main" val="4072587226"/>
                         </a:ext>
                       </a:extLst>
                     </a:gridCol>
@@ -11784,7 +11704,7 @@
                                 <m:sSubPr>
                                   <m:ctrlPr>
                                     <a:rPr lang="en-US" sz="2400" b="1" i="1" smtClean="0">
-                                      <a:latin typeface="Cambria Math"/>
+                                      <a:latin typeface="Cambria Math" panose="02040503050406030204" pitchFamily="18" charset="0"/>
                                     </a:rPr>
                                   </m:ctrlPr>
                                 </m:sSubPr>
@@ -11848,7 +11768,7 @@
                                 <m:sSubPr>
                                   <m:ctrlPr>
                                     <a:rPr lang="en-US" sz="2400" b="1" i="1" smtClean="0">
-                                      <a:latin typeface="Cambria Math"/>
+                                      <a:latin typeface="Cambria Math" panose="02040503050406030204" pitchFamily="18" charset="0"/>
                                     </a:rPr>
                                   </m:ctrlPr>
                                 </m:sSubPr>
@@ -11858,7 +11778,7 @@
                                       <m:chr m:val="̂"/>
                                       <m:ctrlPr>
                                         <a:rPr lang="en-US" sz="2400" b="1" i="1" smtClean="0">
-                                          <a:latin typeface="Cambria Math"/>
+                                          <a:latin typeface="Cambria Math" panose="02040503050406030204" pitchFamily="18" charset="0"/>
                                         </a:rPr>
                                       </m:ctrlPr>
                                     </m:accPr>
@@ -11894,7 +11814,7 @@
                     </a:tc>
                     <a:extLst>
                       <a:ext uri="{0D108BD9-81ED-4DB2-BD59-A6C34878D82A}">
-                        <a16:rowId xmlns="" xmlns:a16="http://schemas.microsoft.com/office/drawing/2014/main" val="1798310828"/>
+                        <a16:rowId xmlns:a16="http://schemas.microsoft.com/office/drawing/2014/main" val="1798310828"/>
                       </a:ext>
                     </a:extLst>
                   </a:tr>
@@ -11952,7 +11872,7 @@
                             <a:defRPr/>
                           </a:pPr>
                           <a:r>
-                            <a:rPr lang="en-US" sz="2400" b="0" dirty="0" smtClean="0"/>
+                            <a:rPr lang="en-US" sz="2400" b="0" dirty="0"/>
                             <a:t>105</a:t>
                           </a:r>
                           <a:endParaRPr lang="en-PH" sz="2400" b="0" dirty="0"/>
@@ -11962,7 +11882,7 @@
                     </a:tc>
                     <a:extLst>
                       <a:ext uri="{0D108BD9-81ED-4DB2-BD59-A6C34878D82A}">
-                        <a16:rowId xmlns="" xmlns:a16="http://schemas.microsoft.com/office/drawing/2014/main" val="1404954822"/>
+                        <a16:rowId xmlns:a16="http://schemas.microsoft.com/office/drawing/2014/main" val="1404954822"/>
                       </a:ext>
                     </a:extLst>
                   </a:tr>
@@ -11989,7 +11909,7 @@
                         <a:p>
                           <a:pPr algn="ctr"/>
                           <a:r>
-                            <a:rPr lang="en-US" sz="2400" b="0" dirty="0" smtClean="0"/>
+                            <a:rPr lang="en-US" sz="2400" b="0" dirty="0"/>
                             <a:t>100</a:t>
                           </a:r>
                           <a:endParaRPr lang="en-PH" sz="2400" b="0" dirty="0"/>
@@ -12020,7 +11940,7 @@
                             <a:defRPr/>
                           </a:pPr>
                           <a:r>
-                            <a:rPr lang="en-US" sz="2400" b="0" dirty="0" smtClean="0"/>
+                            <a:rPr lang="en-US" sz="2400" b="0" dirty="0"/>
                             <a:t>95</a:t>
                           </a:r>
                           <a:endParaRPr lang="en-PH" sz="2400" b="0" dirty="0"/>
@@ -12030,7 +11950,7 @@
                     </a:tc>
                     <a:extLst>
                       <a:ext uri="{0D108BD9-81ED-4DB2-BD59-A6C34878D82A}">
-                        <a16:rowId xmlns="" xmlns:a16="http://schemas.microsoft.com/office/drawing/2014/main" val="3148427475"/>
+                        <a16:rowId xmlns:a16="http://schemas.microsoft.com/office/drawing/2014/main" val="3148427475"/>
                       </a:ext>
                     </a:extLst>
                   </a:tr>
@@ -12057,7 +11977,7 @@
                         <a:p>
                           <a:pPr algn="ctr"/>
                           <a:r>
-                            <a:rPr lang="en-US" sz="2400" b="0" dirty="0" smtClean="0"/>
+                            <a:rPr lang="en-US" sz="2400" b="0" dirty="0"/>
                             <a:t>100</a:t>
                           </a:r>
                           <a:endParaRPr lang="en-PH" sz="2400" b="0" dirty="0"/>
@@ -12088,7 +12008,7 @@
                             <a:defRPr/>
                           </a:pPr>
                           <a:r>
-                            <a:rPr lang="en-US" sz="2400" b="0" dirty="0" smtClean="0"/>
+                            <a:rPr lang="en-US" sz="2400" b="0" dirty="0"/>
                             <a:t>100</a:t>
                           </a:r>
                           <a:endParaRPr lang="en-PH" sz="2400" b="0" dirty="0"/>
@@ -12098,7 +12018,7 @@
                     </a:tc>
                     <a:extLst>
                       <a:ext uri="{0D108BD9-81ED-4DB2-BD59-A6C34878D82A}">
-                        <a16:rowId xmlns="" xmlns:a16="http://schemas.microsoft.com/office/drawing/2014/main" val="1935952499"/>
+                        <a16:rowId xmlns:a16="http://schemas.microsoft.com/office/drawing/2014/main" val="1935952499"/>
                       </a:ext>
                     </a:extLst>
                   </a:tr>
@@ -12125,7 +12045,7 @@
                         <a:p>
                           <a:pPr algn="ctr"/>
                           <a:r>
-                            <a:rPr lang="en-US" sz="2400" b="0" dirty="0" smtClean="0"/>
+                            <a:rPr lang="en-US" sz="2400" b="0" dirty="0"/>
                             <a:t>100</a:t>
                           </a:r>
                           <a:endParaRPr lang="en-PH" sz="2400" b="0" dirty="0"/>
@@ -12156,7 +12076,7 @@
                             <a:defRPr/>
                           </a:pPr>
                           <a:r>
-                            <a:rPr lang="en-US" sz="2400" b="0" dirty="0" smtClean="0"/>
+                            <a:rPr lang="en-US" sz="2400" b="0" dirty="0"/>
                             <a:t>100</a:t>
                           </a:r>
                           <a:endParaRPr lang="en-PH" sz="2400" b="0" dirty="0"/>
@@ -12166,7 +12086,7 @@
                     </a:tc>
                     <a:extLst>
                       <a:ext uri="{0D108BD9-81ED-4DB2-BD59-A6C34878D82A}">
-                        <a16:rowId xmlns="" xmlns:a16="http://schemas.microsoft.com/office/drawing/2014/main" val="1310842188"/>
+                        <a16:rowId xmlns:a16="http://schemas.microsoft.com/office/drawing/2014/main" val="1310842188"/>
                       </a:ext>
                     </a:extLst>
                   </a:tr>
@@ -12178,7 +12098,7 @@
                         <a:p>
                           <a:pPr algn="ctr"/>
                           <a:r>
-                            <a:rPr lang="en-US" sz="2400" b="0" dirty="0" smtClean="0"/>
+                            <a:rPr lang="en-US" sz="2400" b="0" dirty="0"/>
                             <a:t>5</a:t>
                           </a:r>
                           <a:endParaRPr lang="en-PH" sz="2400" b="0" dirty="0"/>
@@ -12193,7 +12113,7 @@
                         <a:p>
                           <a:pPr algn="ctr"/>
                           <a:r>
-                            <a:rPr lang="en-US" sz="2400" b="0" dirty="0" smtClean="0"/>
+                            <a:rPr lang="en-US" sz="2400" b="0" dirty="0"/>
                             <a:t>100</a:t>
                           </a:r>
                           <a:endParaRPr lang="en-PH" sz="2400" b="0" dirty="0"/>
@@ -12224,7 +12144,7 @@
                             <a:defRPr/>
                           </a:pPr>
                           <a:r>
-                            <a:rPr lang="en-US" sz="2400" b="0" dirty="0" smtClean="0"/>
+                            <a:rPr lang="en-US" sz="2400" b="0" dirty="0"/>
                             <a:t>160</a:t>
                           </a:r>
                           <a:endParaRPr lang="en-PH" sz="2400" b="0" dirty="0"/>
@@ -12232,6 +12152,11 @@
                       </a:txBody>
                       <a:tcPr/>
                     </a:tc>
+                    <a:extLst>
+                      <a:ext uri="{0D108BD9-81ED-4DB2-BD59-A6C34878D82A}">
+                        <a16:rowId xmlns:a16="http://schemas.microsoft.com/office/drawing/2014/main" val="10005"/>
+                      </a:ext>
+                    </a:extLst>
                   </a:tr>
                 </a:tbl>
               </a:graphicData>
@@ -12708,7 +12633,7 @@
             <p:cNvPr id="4" name="Rectangle 3">
               <a:extLst>
                 <a:ext uri="{FF2B5EF4-FFF2-40B4-BE49-F238E27FC236}">
-                  <a16:creationId xmlns="" xmlns:a16="http://schemas.microsoft.com/office/drawing/2014/main" id="{42C03F5E-E3ED-4350-9B3B-87690671BF01}"/>
+                  <a16:creationId xmlns:a16="http://schemas.microsoft.com/office/drawing/2014/main" id="{42C03F5E-E3ED-4350-9B3B-87690671BF01}"/>
                 </a:ext>
               </a:extLst>
             </p:cNvPr>
@@ -12731,11 +12656,11 @@
             <a:lstStyle/>
             <a:p>
               <a:r>
-                <a:rPr lang="en-US" sz="2800" b="0" i="1" dirty="0" smtClean="0"/>
+                <a:rPr lang="en-US" sz="2800" b="0" i="1" dirty="0"/>
                 <a:t>MAE: </a:t>
               </a:r>
               <a:r>
-                <a:rPr lang="en-US" sz="2800" b="0" i="1" dirty="0" smtClean="0">
+                <a:rPr lang="en-US" sz="2800" b="0" i="1" dirty="0">
                   <a:solidFill>
                     <a:srgbClr val="C00000"/>
                   </a:solidFill>
@@ -12743,17 +12668,17 @@
                 <a:t>14</a:t>
               </a:r>
               <a:r>
-                <a:rPr lang="en-US" sz="2800" b="0" i="1" dirty="0" smtClean="0"/>
+                <a:rPr lang="en-US" sz="2800" b="0" i="1" dirty="0"/>
                 <a:t> 	</a:t>
               </a:r>
             </a:p>
             <a:p>
               <a:r>
-                <a:rPr lang="en-US" sz="2800" i="1" dirty="0" smtClean="0"/>
+                <a:rPr lang="en-US" sz="2800" i="1" dirty="0"/>
                 <a:t>MSE: </a:t>
               </a:r>
               <a:r>
-                <a:rPr lang="en-US" sz="2800" i="1" dirty="0" smtClean="0">
+                <a:rPr lang="en-US" sz="2800" i="1" dirty="0">
                   <a:solidFill>
                     <a:srgbClr val="C00000"/>
                   </a:solidFill>
@@ -12763,11 +12688,11 @@
             </a:p>
             <a:p>
               <a:r>
-                <a:rPr lang="en-US" sz="2800" b="0" i="1" dirty="0" smtClean="0"/>
+                <a:rPr lang="en-US" sz="2800" b="0" i="1" dirty="0"/>
                 <a:t>RMSE: </a:t>
               </a:r>
               <a:r>
-                <a:rPr lang="en-US" sz="2800" b="0" i="1" dirty="0" smtClean="0">
+                <a:rPr lang="en-US" sz="2800" b="0" i="1" dirty="0">
                   <a:solidFill>
                     <a:srgbClr val="C00000"/>
                   </a:solidFill>
@@ -12777,18 +12702,18 @@
             </a:p>
             <a:p>
               <a:r>
-                <a:rPr lang="en-US" sz="2800" i="1" dirty="0" smtClean="0"/>
+                <a:rPr lang="en-US" sz="2800" i="1" dirty="0"/>
                 <a:t>MAPE = </a:t>
               </a:r>
               <a:r>
-                <a:rPr lang="en-US" sz="2800" i="1" dirty="0" smtClean="0">
+                <a:rPr lang="en-US" sz="2800" i="1" dirty="0">
                   <a:solidFill>
                     <a:srgbClr val="C00000"/>
                   </a:solidFill>
                 </a:rPr>
                 <a:t>14%</a:t>
               </a:r>
-              <a:endParaRPr lang="en-US" sz="2800" b="0" i="1" dirty="0" smtClean="0">
+              <a:endParaRPr lang="en-US" sz="2800" b="0" i="1" dirty="0">
                 <a:solidFill>
                   <a:srgbClr val="C00000"/>
                 </a:solidFill>
@@ -12801,7 +12726,7 @@
             <p:cNvPr id="6" name="Rectangle 5">
               <a:extLst>
                 <a:ext uri="{FF2B5EF4-FFF2-40B4-BE49-F238E27FC236}">
-                  <a16:creationId xmlns="" xmlns:a16="http://schemas.microsoft.com/office/drawing/2014/main" id="{42C03F5E-E3ED-4350-9B3B-87690671BF01}"/>
+                  <a16:creationId xmlns:a16="http://schemas.microsoft.com/office/drawing/2014/main" id="{42C03F5E-E3ED-4350-9B3B-87690671BF01}"/>
                 </a:ext>
               </a:extLst>
             </p:cNvPr>
@@ -12824,13 +12749,13 @@
             <a:lstStyle/>
             <a:p>
               <a:r>
-                <a:rPr lang="en-US" sz="2200" b="0" i="1" dirty="0" smtClean="0"/>
+                <a:rPr lang="en-US" sz="2200" b="0" i="1" dirty="0"/>
                 <a:t>MAE: Forecast is off by 14 units</a:t>
               </a:r>
             </a:p>
             <a:p>
               <a:r>
-                <a:rPr lang="en-US" sz="2200" b="0" i="1" dirty="0" smtClean="0"/>
+                <a:rPr lang="en-US" sz="2200" b="0" i="1" dirty="0"/>
                 <a:t>MSE: </a:t>
               </a:r>
               <a:r>
@@ -12838,19 +12763,19 @@
                 <a:t>S</a:t>
               </a:r>
               <a:r>
-                <a:rPr lang="en-US" sz="2200" b="0" i="1" dirty="0" smtClean="0"/>
+                <a:rPr lang="en-US" sz="2200" b="0" i="1" dirty="0"/>
                 <a:t>quaring the errors exaggerates the outlier, resulting in high MSE</a:t>
               </a:r>
             </a:p>
             <a:p>
               <a:r>
-                <a:rPr lang="en-US" sz="2200" i="1" dirty="0" smtClean="0"/>
+                <a:rPr lang="en-US" sz="2200" i="1" dirty="0"/>
                 <a:t>RMSE: Indicates a larger average error when the large deviation is considered</a:t>
               </a:r>
             </a:p>
             <a:p>
               <a:r>
-                <a:rPr lang="en-US" sz="2200" i="1" dirty="0" smtClean="0"/>
+                <a:rPr lang="en-US" sz="2200" i="1" dirty="0"/>
                 <a:t>MAPE: Shows a 14% average deviation, but note it doesn’t reflect the squared impact of the outlier as seen in MSE and RMSE</a:t>
               </a:r>
             </a:p>
@@ -12910,10 +12835,9 @@
           <a:lstStyle/>
           <a:p>
             <a:r>
-              <a:rPr lang="en-US" sz="4400" b="1" dirty="0" smtClean="0"/>
+              <a:rPr lang="en-US" sz="4400" b="1" dirty="0"/>
               <a:t>Insight</a:t>
             </a:r>
-            <a:endParaRPr lang="en-US" sz="4400" b="1" dirty="0"/>
           </a:p>
           <a:p>
             <a:endParaRPr lang="en-US" sz="1600" dirty="0"/>
@@ -12923,19 +12847,19 @@
               <a:buAutoNum type="arabicPeriod"/>
             </a:pPr>
             <a:r>
-              <a:rPr lang="en-US" sz="2800" b="1" dirty="0" smtClean="0"/>
+              <a:rPr lang="en-US" sz="2800" b="1" dirty="0"/>
               <a:t>MAE</a:t>
             </a:r>
             <a:r>
-              <a:rPr lang="en-US" sz="2800" dirty="0" smtClean="0"/>
+              <a:rPr lang="en-US" sz="2800" dirty="0"/>
               <a:t> and </a:t>
             </a:r>
             <a:r>
-              <a:rPr lang="en-US" sz="2800" b="1" dirty="0" smtClean="0"/>
+              <a:rPr lang="en-US" sz="2800" b="1" dirty="0"/>
               <a:t>MAPE</a:t>
             </a:r>
             <a:r>
-              <a:rPr lang="en-US" sz="2800" dirty="0" smtClean="0"/>
+              <a:rPr lang="en-US" sz="2800" dirty="0"/>
               <a:t> suggest a moderate average error.</a:t>
             </a:r>
           </a:p>
@@ -12944,19 +12868,19 @@
               <a:buAutoNum type="arabicPeriod"/>
             </a:pPr>
             <a:r>
-              <a:rPr lang="en-US" sz="2800" b="1" dirty="0" smtClean="0"/>
+              <a:rPr lang="en-US" sz="2800" b="1" dirty="0"/>
               <a:t>MSE</a:t>
             </a:r>
             <a:r>
-              <a:rPr lang="en-US" sz="2800" dirty="0" smtClean="0"/>
+              <a:rPr lang="en-US" sz="2800" dirty="0"/>
               <a:t> and </a:t>
             </a:r>
             <a:r>
-              <a:rPr lang="en-US" sz="2800" b="1" dirty="0" smtClean="0"/>
+              <a:rPr lang="en-US" sz="2800" b="1" dirty="0"/>
               <a:t>RMSE</a:t>
             </a:r>
             <a:r>
-              <a:rPr lang="en-US" sz="2800" dirty="0" smtClean="0"/>
+              <a:rPr lang="en-US" sz="2800" dirty="0"/>
               <a:t> are heavily influenced by the outlier.</a:t>
             </a:r>
           </a:p>
@@ -12965,11 +12889,11 @@
               <a:buAutoNum type="arabicPeriod"/>
             </a:pPr>
             <a:r>
-              <a:rPr lang="en-US" sz="2800" b="1" dirty="0" smtClean="0"/>
+              <a:rPr lang="en-US" sz="2800" b="1" dirty="0"/>
               <a:t>Voting-based decision: </a:t>
             </a:r>
             <a:r>
-              <a:rPr lang="en-US" sz="2800" dirty="0" smtClean="0"/>
+              <a:rPr lang="en-US" sz="2800" dirty="0"/>
               <a:t>In this case, if you looked at MAE or MAPE, you might underestimate the risk of the extreme error. Considering all metrics helps reveal that while most forecasts are accurate, one large error skews the overall performance significantly.</a:t>
             </a:r>
           </a:p>
@@ -13010,7 +12934,7 @@
           <p:cNvPr id="5" name="TextBox 4">
             <a:extLst>
               <a:ext uri="{FF2B5EF4-FFF2-40B4-BE49-F238E27FC236}">
-                <a16:creationId xmlns="" xmlns:a16="http://schemas.microsoft.com/office/drawing/2014/main" id="{3984CB54-17A6-4F9C-BC6F-202D8A01035C}"/>
+                <a16:creationId xmlns:a16="http://schemas.microsoft.com/office/drawing/2014/main" id="{3984CB54-17A6-4F9C-BC6F-202D8A01035C}"/>
               </a:ext>
             </a:extLst>
           </p:cNvPr>
@@ -13035,17 +12959,16 @@
           <a:p>
             <a:pPr algn="ctr"/>
             <a:r>
-              <a:rPr lang="en-US" sz="6000" b="1" dirty="0" smtClean="0"/>
+              <a:rPr lang="en-US" sz="6000" b="1" dirty="0"/>
               <a:t>Example 2: </a:t>
             </a:r>
           </a:p>
           <a:p>
             <a:pPr algn="ctr"/>
             <a:r>
-              <a:rPr lang="en-US" sz="6000" b="1" dirty="0" smtClean="0"/>
+              <a:rPr lang="en-US" sz="6000" b="1" dirty="0"/>
               <a:t>Near-Zero Actual Values</a:t>
             </a:r>
-            <a:endParaRPr lang="en-US" sz="6000" b="1" dirty="0"/>
           </a:p>
         </p:txBody>
       </p:sp>
@@ -13086,7 +13009,7 @@
               <p:cNvPr id="3" name="Table 2">
                 <a:extLst>
                   <a:ext uri="{FF2B5EF4-FFF2-40B4-BE49-F238E27FC236}">
-                    <a16:creationId xmlns="" xmlns:a16="http://schemas.microsoft.com/office/drawing/2014/main" id="{D5550273-5528-43BD-8412-7F8D06306A14}"/>
+                    <a16:creationId xmlns:a16="http://schemas.microsoft.com/office/drawing/2014/main" id="{D5550273-5528-43BD-8412-7F8D06306A14}"/>
                   </a:ext>
                 </a:extLst>
               </p:cNvPr>
@@ -13115,21 +13038,21 @@
                     <a:gridCol w="1075093">
                       <a:extLst>
                         <a:ext uri="{9D8B030D-6E8A-4147-A177-3AD203B41FA5}">
-                          <a16:colId xmlns="" xmlns:a16="http://schemas.microsoft.com/office/drawing/2014/main" val="2590844336"/>
+                          <a16:colId xmlns:a16="http://schemas.microsoft.com/office/drawing/2014/main" val="2590844336"/>
                         </a:ext>
                       </a:extLst>
                     </a:gridCol>
                     <a:gridCol w="3331028">
                       <a:extLst>
                         <a:ext uri="{9D8B030D-6E8A-4147-A177-3AD203B41FA5}">
-                          <a16:colId xmlns="" xmlns:a16="http://schemas.microsoft.com/office/drawing/2014/main" val="2133703778"/>
+                          <a16:colId xmlns:a16="http://schemas.microsoft.com/office/drawing/2014/main" val="2133703778"/>
                         </a:ext>
                       </a:extLst>
                     </a:gridCol>
                     <a:gridCol w="3721878">
                       <a:extLst>
                         <a:ext uri="{9D8B030D-6E8A-4147-A177-3AD203B41FA5}">
-                          <a16:colId xmlns="" xmlns:a16="http://schemas.microsoft.com/office/drawing/2014/main" val="4072587226"/>
+                          <a16:colId xmlns:a16="http://schemas.microsoft.com/office/drawing/2014/main" val="4072587226"/>
                         </a:ext>
                       </a:extLst>
                     </a:gridCol>
@@ -13166,7 +13089,7 @@
                                 <m:sSubPr>
                                   <m:ctrlPr>
                                     <a:rPr lang="en-US" sz="2400" b="1" i="1" smtClean="0">
-                                      <a:latin typeface="Cambria Math"/>
+                                      <a:latin typeface="Cambria Math" panose="02040503050406030204" pitchFamily="18" charset="0"/>
                                     </a:rPr>
                                   </m:ctrlPr>
                                 </m:sSubPr>
@@ -13230,7 +13153,7 @@
                                 <m:sSubPr>
                                   <m:ctrlPr>
                                     <a:rPr lang="en-US" sz="2400" b="1" i="1" smtClean="0">
-                                      <a:latin typeface="Cambria Math"/>
+                                      <a:latin typeface="Cambria Math" panose="02040503050406030204" pitchFamily="18" charset="0"/>
                                     </a:rPr>
                                   </m:ctrlPr>
                                 </m:sSubPr>
@@ -13240,7 +13163,7 @@
                                       <m:chr m:val="̂"/>
                                       <m:ctrlPr>
                                         <a:rPr lang="en-US" sz="2400" b="1" i="1" smtClean="0">
-                                          <a:latin typeface="Cambria Math"/>
+                                          <a:latin typeface="Cambria Math" panose="02040503050406030204" pitchFamily="18" charset="0"/>
                                         </a:rPr>
                                       </m:ctrlPr>
                                     </m:accPr>
@@ -13276,7 +13199,7 @@
                     </a:tc>
                     <a:extLst>
                       <a:ext uri="{0D108BD9-81ED-4DB2-BD59-A6C34878D82A}">
-                        <a16:rowId xmlns="" xmlns:a16="http://schemas.microsoft.com/office/drawing/2014/main" val="1798310828"/>
+                        <a16:rowId xmlns:a16="http://schemas.microsoft.com/office/drawing/2014/main" val="1798310828"/>
                       </a:ext>
                     </a:extLst>
                   </a:tr>
@@ -13303,7 +13226,7 @@
                         <a:p>
                           <a:pPr algn="ctr"/>
                           <a:r>
-                            <a:rPr lang="en-US" sz="2400" b="0" dirty="0" smtClean="0"/>
+                            <a:rPr lang="en-US" sz="2400" b="0" dirty="0"/>
                             <a:t>0.1</a:t>
                           </a:r>
                           <a:endParaRPr lang="en-PH" sz="2400" b="0" dirty="0"/>
@@ -13334,7 +13257,7 @@
                             <a:defRPr/>
                           </a:pPr>
                           <a:r>
-                            <a:rPr lang="en-US" sz="2400" b="0" dirty="0" smtClean="0"/>
+                            <a:rPr lang="en-US" sz="2400" b="0" dirty="0"/>
                             <a:t>0.3</a:t>
                           </a:r>
                           <a:endParaRPr lang="en-PH" sz="2400" b="0" dirty="0"/>
@@ -13344,7 +13267,7 @@
                     </a:tc>
                     <a:extLst>
                       <a:ext uri="{0D108BD9-81ED-4DB2-BD59-A6C34878D82A}">
-                        <a16:rowId xmlns="" xmlns:a16="http://schemas.microsoft.com/office/drawing/2014/main" val="1404954822"/>
+                        <a16:rowId xmlns:a16="http://schemas.microsoft.com/office/drawing/2014/main" val="1404954822"/>
                       </a:ext>
                     </a:extLst>
                   </a:tr>
@@ -13371,7 +13294,7 @@
                         <a:p>
                           <a:pPr algn="ctr"/>
                           <a:r>
-                            <a:rPr lang="en-US" sz="2400" b="0" dirty="0" smtClean="0"/>
+                            <a:rPr lang="en-US" sz="2400" b="0" dirty="0"/>
                             <a:t>0.2</a:t>
                           </a:r>
                           <a:endParaRPr lang="en-PH" sz="2400" b="0" dirty="0"/>
@@ -13402,7 +13325,7 @@
                             <a:defRPr/>
                           </a:pPr>
                           <a:r>
-                            <a:rPr lang="en-US" sz="2400" b="0" dirty="0" smtClean="0"/>
+                            <a:rPr lang="en-US" sz="2400" b="0" dirty="0"/>
                             <a:t>0.1</a:t>
                           </a:r>
                           <a:endParaRPr lang="en-PH" sz="2400" b="0" dirty="0"/>
@@ -13412,7 +13335,7 @@
                     </a:tc>
                     <a:extLst>
                       <a:ext uri="{0D108BD9-81ED-4DB2-BD59-A6C34878D82A}">
-                        <a16:rowId xmlns="" xmlns:a16="http://schemas.microsoft.com/office/drawing/2014/main" val="3148427475"/>
+                        <a16:rowId xmlns:a16="http://schemas.microsoft.com/office/drawing/2014/main" val="3148427475"/>
                       </a:ext>
                     </a:extLst>
                   </a:tr>
@@ -13439,7 +13362,7 @@
                         <a:p>
                           <a:pPr algn="ctr"/>
                           <a:r>
-                            <a:rPr lang="en-US" sz="2400" b="0" dirty="0" smtClean="0"/>
+                            <a:rPr lang="en-US" sz="2400" b="0" dirty="0"/>
                             <a:t>0.15</a:t>
                           </a:r>
                           <a:endParaRPr lang="en-PH" sz="2400" b="0" dirty="0"/>
@@ -13470,7 +13393,7 @@
                             <a:defRPr/>
                           </a:pPr>
                           <a:r>
-                            <a:rPr lang="en-US" sz="2400" b="0" dirty="0" smtClean="0"/>
+                            <a:rPr lang="en-US" sz="2400" b="0" dirty="0"/>
                             <a:t>0.2</a:t>
                           </a:r>
                           <a:endParaRPr lang="en-PH" sz="2400" b="0" dirty="0"/>
@@ -13480,7 +13403,7 @@
                     </a:tc>
                     <a:extLst>
                       <a:ext uri="{0D108BD9-81ED-4DB2-BD59-A6C34878D82A}">
-                        <a16:rowId xmlns="" xmlns:a16="http://schemas.microsoft.com/office/drawing/2014/main" val="1935952499"/>
+                        <a16:rowId xmlns:a16="http://schemas.microsoft.com/office/drawing/2014/main" val="1935952499"/>
                       </a:ext>
                     </a:extLst>
                   </a:tr>
@@ -13507,7 +13430,7 @@
                         <a:p>
                           <a:pPr algn="ctr"/>
                           <a:r>
-                            <a:rPr lang="en-US" sz="2400" b="0" dirty="0" smtClean="0"/>
+                            <a:rPr lang="en-US" sz="2400" b="0" dirty="0"/>
                             <a:t>0.05</a:t>
                           </a:r>
                           <a:endParaRPr lang="en-PH" sz="2400" b="0" dirty="0"/>
@@ -13538,7 +13461,7 @@
                             <a:defRPr/>
                           </a:pPr>
                           <a:r>
-                            <a:rPr lang="en-US" sz="2400" b="0" dirty="0" smtClean="0"/>
+                            <a:rPr lang="en-US" sz="2400" b="0" dirty="0"/>
                             <a:t>0.1</a:t>
                           </a:r>
                           <a:endParaRPr lang="en-PH" sz="2400" b="0" dirty="0"/>
@@ -13548,7 +13471,7 @@
                     </a:tc>
                     <a:extLst>
                       <a:ext uri="{0D108BD9-81ED-4DB2-BD59-A6C34878D82A}">
-                        <a16:rowId xmlns="" xmlns:a16="http://schemas.microsoft.com/office/drawing/2014/main" val="1310842188"/>
+                        <a16:rowId xmlns:a16="http://schemas.microsoft.com/office/drawing/2014/main" val="1310842188"/>
                       </a:ext>
                     </a:extLst>
                   </a:tr>
@@ -13964,7 +13887,7 @@
             <p:cNvPr id="5" name="Rectangle 4">
               <a:extLst>
                 <a:ext uri="{FF2B5EF4-FFF2-40B4-BE49-F238E27FC236}">
-                  <a16:creationId xmlns="" xmlns:a16="http://schemas.microsoft.com/office/drawing/2014/main" id="{42C03F5E-E3ED-4350-9B3B-87690671BF01}"/>
+                  <a16:creationId xmlns:a16="http://schemas.microsoft.com/office/drawing/2014/main" id="{42C03F5E-E3ED-4350-9B3B-87690671BF01}"/>
                 </a:ext>
               </a:extLst>
             </p:cNvPr>
@@ -13987,11 +13910,11 @@
             <a:lstStyle/>
             <a:p>
               <a:r>
-                <a:rPr lang="en-US" sz="2800" b="0" i="1" dirty="0" smtClean="0"/>
+                <a:rPr lang="en-US" sz="2800" b="0" i="1" dirty="0"/>
                 <a:t>MAE: </a:t>
               </a:r>
               <a:r>
-                <a:rPr lang="en-US" sz="2800" b="0" i="1" dirty="0" smtClean="0">
+                <a:rPr lang="en-US" sz="2800" b="0" i="1" dirty="0">
                   <a:solidFill>
                     <a:srgbClr val="C00000"/>
                   </a:solidFill>
@@ -13999,17 +13922,17 @@
                 <a:t>0.1</a:t>
               </a:r>
               <a:r>
-                <a:rPr lang="en-US" sz="2800" b="0" i="1" dirty="0" smtClean="0"/>
+                <a:rPr lang="en-US" sz="2800" b="0" i="1" dirty="0"/>
                 <a:t> 	</a:t>
               </a:r>
             </a:p>
             <a:p>
               <a:r>
-                <a:rPr lang="en-US" sz="2800" i="1" dirty="0" smtClean="0"/>
+                <a:rPr lang="en-US" sz="2800" i="1" dirty="0"/>
                 <a:t>MSE: </a:t>
               </a:r>
               <a:r>
-                <a:rPr lang="en-US" sz="2800" i="1" dirty="0" smtClean="0">
+                <a:rPr lang="en-US" sz="2800" i="1" dirty="0">
                   <a:solidFill>
                     <a:srgbClr val="C00000"/>
                   </a:solidFill>
@@ -14019,11 +13942,11 @@
             </a:p>
             <a:p>
               <a:r>
-                <a:rPr lang="en-US" sz="2800" b="0" i="1" dirty="0" smtClean="0"/>
+                <a:rPr lang="en-US" sz="2800" b="0" i="1" dirty="0"/>
                 <a:t>RMSE: </a:t>
               </a:r>
               <a:r>
-                <a:rPr lang="en-US" sz="2800" b="0" i="1" dirty="0" smtClean="0">
+                <a:rPr lang="en-US" sz="2800" b="0" i="1" dirty="0">
                   <a:solidFill>
                     <a:srgbClr val="C00000"/>
                   </a:solidFill>
@@ -14033,18 +13956,18 @@
             </a:p>
             <a:p>
               <a:r>
-                <a:rPr lang="en-US" sz="2800" i="1" dirty="0" smtClean="0"/>
+                <a:rPr lang="en-US" sz="2800" i="1" dirty="0"/>
                 <a:t>MAPE = </a:t>
               </a:r>
               <a:r>
-                <a:rPr lang="en-US" sz="2800" i="1" dirty="0" smtClean="0">
+                <a:rPr lang="en-US" sz="2800" i="1" dirty="0">
                   <a:solidFill>
                     <a:srgbClr val="C00000"/>
                   </a:solidFill>
                 </a:rPr>
                 <a:t>95.83%</a:t>
               </a:r>
-              <a:endParaRPr lang="en-US" sz="2800" b="0" i="1" dirty="0" smtClean="0">
+              <a:endParaRPr lang="en-US" sz="2800" b="0" i="1" dirty="0">
                 <a:solidFill>
                   <a:srgbClr val="C00000"/>
                 </a:solidFill>
@@ -14057,7 +13980,7 @@
             <p:cNvPr id="7" name="Rectangle 6">
               <a:extLst>
                 <a:ext uri="{FF2B5EF4-FFF2-40B4-BE49-F238E27FC236}">
-                  <a16:creationId xmlns="" xmlns:a16="http://schemas.microsoft.com/office/drawing/2014/main" id="{42C03F5E-E3ED-4350-9B3B-87690671BF01}"/>
+                  <a16:creationId xmlns:a16="http://schemas.microsoft.com/office/drawing/2014/main" id="{42C03F5E-E3ED-4350-9B3B-87690671BF01}"/>
                 </a:ext>
               </a:extLst>
             </p:cNvPr>
@@ -14080,30 +14003,30 @@
             <a:lstStyle/>
             <a:p>
               <a:r>
-                <a:rPr lang="en-US" sz="2200" b="0" i="1" dirty="0" smtClean="0"/>
+                <a:rPr lang="en-US" sz="2200" b="0" i="1" dirty="0"/>
                 <a:t>MAE: Forecast is off by 0.1</a:t>
               </a:r>
             </a:p>
             <a:p>
               <a:r>
-                <a:rPr lang="en-US" sz="2200" b="0" i="1" dirty="0" smtClean="0"/>
+                <a:rPr lang="en-US" sz="2200" b="0" i="1" dirty="0"/>
                 <a:t>MSE: </a:t>
               </a:r>
               <a:r>
-                <a:rPr lang="en-US" sz="2200" i="1" dirty="0" smtClean="0"/>
+                <a:rPr lang="en-US" sz="2200" i="1" dirty="0"/>
                 <a:t>Squared error remains small due to the low absolute errors</a:t>
               </a:r>
-              <a:endParaRPr lang="en-US" sz="2200" b="0" i="1" dirty="0" smtClean="0"/>
+              <a:endParaRPr lang="en-US" sz="2200" b="0" i="1" dirty="0"/>
             </a:p>
             <a:p>
               <a:r>
-                <a:rPr lang="en-US" sz="2200" i="1" dirty="0" smtClean="0"/>
+                <a:rPr lang="en-US" sz="2200" i="1" dirty="0"/>
                 <a:t>RMSE: Similar to MAE in this instance</a:t>
               </a:r>
             </a:p>
             <a:p>
               <a:r>
-                <a:rPr lang="en-US" sz="2200" i="1" dirty="0" smtClean="0"/>
+                <a:rPr lang="en-US" sz="2200" i="1" dirty="0"/>
                 <a:t>MAPE: Appears extremely high, nearly 96%, which can be misleading given the very small scale of the actual values.</a:t>
               </a:r>
             </a:p>
@@ -14163,10 +14086,9 @@
           <a:lstStyle/>
           <a:p>
             <a:r>
-              <a:rPr lang="en-US" sz="4400" b="1" dirty="0" smtClean="0"/>
+              <a:rPr lang="en-US" sz="4400" b="1" dirty="0"/>
               <a:t>Insight</a:t>
             </a:r>
-            <a:endParaRPr lang="en-US" sz="4400" b="1" dirty="0"/>
           </a:p>
           <a:p>
             <a:endParaRPr lang="en-US" sz="1600" dirty="0"/>
@@ -14176,19 +14098,19 @@
               <a:buAutoNum type="arabicPeriod"/>
             </a:pPr>
             <a:r>
-              <a:rPr lang="en-US" sz="2800" b="1" dirty="0" smtClean="0"/>
+              <a:rPr lang="en-US" sz="2800" b="1" dirty="0"/>
               <a:t>MAE, MSE,</a:t>
             </a:r>
             <a:r>
-              <a:rPr lang="en-US" sz="2800" dirty="0" smtClean="0"/>
+              <a:rPr lang="en-US" sz="2800" dirty="0"/>
               <a:t> and </a:t>
             </a:r>
             <a:r>
-              <a:rPr lang="en-US" sz="2800" b="1" dirty="0" smtClean="0"/>
+              <a:rPr lang="en-US" sz="2800" b="1" dirty="0"/>
               <a:t>RMSE</a:t>
             </a:r>
             <a:r>
-              <a:rPr lang="en-US" sz="2800" dirty="0" smtClean="0"/>
+              <a:rPr lang="en-US" sz="2800" dirty="0"/>
               <a:t> indicate relatively small errors in absolute terms.</a:t>
             </a:r>
           </a:p>
@@ -14197,11 +14119,11 @@
               <a:buAutoNum type="arabicPeriod"/>
             </a:pPr>
             <a:r>
-              <a:rPr lang="en-US" sz="2800" b="1" dirty="0" smtClean="0"/>
+              <a:rPr lang="en-US" sz="2800" b="1" dirty="0"/>
               <a:t>MAPE </a:t>
             </a:r>
             <a:r>
-              <a:rPr lang="en-US" sz="2800" dirty="0" smtClean="0"/>
+              <a:rPr lang="en-US" sz="2800" dirty="0"/>
               <a:t>is inflated due to division by numbers close to zero, potentially distorting the true performance of the model.</a:t>
             </a:r>
           </a:p>
@@ -14210,11 +14132,11 @@
               <a:buAutoNum type="arabicPeriod"/>
             </a:pPr>
             <a:r>
-              <a:rPr lang="en-US" sz="2800" b="1" dirty="0" smtClean="0"/>
+              <a:rPr lang="en-US" sz="2800" b="1" dirty="0"/>
               <a:t>Voting-based decision: </a:t>
             </a:r>
             <a:r>
-              <a:rPr lang="en-US" sz="2800" dirty="0" smtClean="0"/>
+              <a:rPr lang="en-US" sz="2800" dirty="0"/>
               <a:t>By considering all metrics, you see that percentage-based errors (MAPE) may not be reliable in contexts with near-zero actuals. Relying solely on MAPE would misguide model evaluation, while the combination of MAE, MSE, and RMSE gives a more balanced view.</a:t>
             </a:r>
           </a:p>
@@ -14255,7 +14177,7 @@
           <p:cNvPr id="4" name="Slide Number Placeholder 3">
             <a:extLst>
               <a:ext uri="{FF2B5EF4-FFF2-40B4-BE49-F238E27FC236}">
-                <a16:creationId xmlns="" xmlns:a16="http://schemas.microsoft.com/office/drawing/2014/main" id="{62E7B5B2-C921-4EA7-A2E9-CC1D800412DA}"/>
+                <a16:creationId xmlns:a16="http://schemas.microsoft.com/office/drawing/2014/main" id="{62E7B5B2-C921-4EA7-A2E9-CC1D800412DA}"/>
               </a:ext>
             </a:extLst>
           </p:cNvPr>
@@ -14284,7 +14206,7 @@
           <p:cNvPr id="5" name="TextBox 4">
             <a:extLst>
               <a:ext uri="{FF2B5EF4-FFF2-40B4-BE49-F238E27FC236}">
-                <a16:creationId xmlns="" xmlns:a16="http://schemas.microsoft.com/office/drawing/2014/main" id="{3984CB54-17A6-4F9C-BC6F-202D8A01035C}"/>
+                <a16:creationId xmlns:a16="http://schemas.microsoft.com/office/drawing/2014/main" id="{3984CB54-17A6-4F9C-BC6F-202D8A01035C}"/>
               </a:ext>
             </a:extLst>
           </p:cNvPr>
@@ -14309,10 +14231,9 @@
           <a:p>
             <a:pPr algn="ctr"/>
             <a:r>
-              <a:rPr lang="en-US" sz="6000" b="1" dirty="0" smtClean="0"/>
+              <a:rPr lang="en-US" sz="6000" b="1" dirty="0"/>
               <a:t>Conclusion</a:t>
             </a:r>
-            <a:endParaRPr lang="en-US" sz="6000" b="1" dirty="0"/>
           </a:p>
         </p:txBody>
       </p:sp>
@@ -14372,11 +14293,11 @@
               <a:buAutoNum type="arabicPeriod"/>
             </a:pPr>
             <a:r>
-              <a:rPr lang="en-US" sz="3600" b="1" dirty="0" smtClean="0"/>
+              <a:rPr lang="en-US" sz="3600" b="1" dirty="0"/>
               <a:t>Outlier Sensitivity: </a:t>
             </a:r>
             <a:r>
-              <a:rPr lang="en-US" sz="3600" dirty="0" smtClean="0"/>
+              <a:rPr lang="en-US" sz="3600" dirty="0"/>
               <a:t>RMSE and MSE can be heavily influenced by extreme values, while MAE and MAPE might understate the risk.</a:t>
             </a:r>
           </a:p>
@@ -14384,18 +14305,18 @@
             <a:pPr marL="514350" indent="-514350">
               <a:buAutoNum type="arabicPeriod"/>
             </a:pPr>
-            <a:endParaRPr lang="en-US" sz="3600" dirty="0" smtClean="0"/>
+            <a:endParaRPr lang="en-US" sz="3600" dirty="0"/>
           </a:p>
           <a:p>
             <a:pPr marL="514350" indent="-514350">
               <a:buAutoNum type="arabicPeriod"/>
             </a:pPr>
             <a:r>
-              <a:rPr lang="en-US" sz="3600" b="1" dirty="0" smtClean="0"/>
+              <a:rPr lang="en-US" sz="3600" b="1" dirty="0"/>
               <a:t>Scale Distortion: </a:t>
             </a:r>
             <a:r>
-              <a:rPr lang="en-US" sz="3600" dirty="0" smtClean="0"/>
+              <a:rPr lang="en-US" sz="3600" dirty="0"/>
               <a:t>MAPE can be misleading when actual values are near zero, whereas MAE, MSE, and RMSE maintain their scale integrity.</a:t>
             </a:r>
           </a:p>
@@ -14454,23 +14375,23 @@
           <a:lstStyle/>
           <a:p>
             <a:r>
-              <a:rPr lang="en-US" sz="4000" b="1" dirty="0" smtClean="0"/>
+              <a:rPr lang="en-US" sz="4000" b="1" dirty="0"/>
               <a:t>Solution:</a:t>
             </a:r>
           </a:p>
           <a:p>
-            <a:endParaRPr lang="en-US" sz="2000" b="1" dirty="0" smtClean="0"/>
+            <a:endParaRPr lang="en-US" sz="2000" b="1" dirty="0"/>
           </a:p>
           <a:p>
             <a:pPr marL="514350" indent="-514350">
               <a:buAutoNum type="arabicPeriod"/>
             </a:pPr>
             <a:r>
-              <a:rPr lang="en-US" sz="3400" b="1" dirty="0" smtClean="0"/>
+              <a:rPr lang="en-US" sz="3400" b="1" dirty="0"/>
               <a:t>Aggregate the insights: </a:t>
             </a:r>
             <a:r>
-              <a:rPr lang="en-US" sz="3400" dirty="0" smtClean="0"/>
+              <a:rPr lang="en-US" sz="3400" dirty="0"/>
               <a:t>Identify if most metrics point to similar conclusion.</a:t>
             </a:r>
           </a:p>
@@ -14479,11 +14400,11 @@
               <a:buAutoNum type="arabicPeriod"/>
             </a:pPr>
             <a:r>
-              <a:rPr lang="en-US" sz="3400" b="1" dirty="0" smtClean="0"/>
+              <a:rPr lang="en-US" sz="3400" b="1" dirty="0"/>
               <a:t>Understand context: </a:t>
             </a:r>
             <a:r>
-              <a:rPr lang="en-US" sz="3400" dirty="0" smtClean="0"/>
+              <a:rPr lang="en-US" sz="3400" dirty="0"/>
               <a:t>Consider the nature of your data (presence of outliers, scale issues) to decide which metrics should have more influence</a:t>
             </a:r>
           </a:p>
@@ -14492,14 +14413,14 @@
               <a:buAutoNum type="arabicPeriod"/>
             </a:pPr>
             <a:r>
-              <a:rPr lang="en-US" sz="3400" b="1" dirty="0" smtClean="0"/>
+              <a:rPr lang="en-US" sz="3400" b="1" dirty="0"/>
               <a:t>Balance trade-offs:</a:t>
             </a:r>
             <a:r>
-              <a:rPr lang="en-US" sz="3400" dirty="0" smtClean="0"/>
+              <a:rPr lang="en-US" sz="3400" dirty="0"/>
               <a:t> No single metric captures all nuances. A combined judgment reduces the risk of over fitting your model evaluation to a single dimension.</a:t>
             </a:r>
-            <a:endParaRPr lang="en-US" sz="3400" b="1" dirty="0" smtClean="0"/>
+            <a:endParaRPr lang="en-US" sz="3400" b="1" dirty="0"/>
           </a:p>
         </p:txBody>
       </p:sp>
@@ -14556,16 +14477,16 @@
           <a:lstStyle/>
           <a:p>
             <a:r>
-              <a:rPr lang="en-US" sz="4000" b="1" dirty="0" smtClean="0"/>
+              <a:rPr lang="en-US" sz="4000" b="1" dirty="0"/>
               <a:t>Other Methods:</a:t>
             </a:r>
           </a:p>
           <a:p>
-            <a:endParaRPr lang="en-US" sz="2000" b="1" dirty="0" smtClean="0"/>
-          </a:p>
-          <a:p>
-            <a:r>
-              <a:rPr lang="en-US" sz="3600" b="1" dirty="0" smtClean="0"/>
+            <a:endParaRPr lang="en-US" sz="2000" b="1" dirty="0"/>
+          </a:p>
+          <a:p>
+            <a:r>
+              <a:rPr lang="en-US" sz="3600" b="1" dirty="0"/>
               <a:t>Mean Absolute Scaled Error (MASE)</a:t>
             </a:r>
           </a:p>
@@ -14575,16 +14496,8 @@
               <a:buChar char="-"/>
             </a:pPr>
             <a:r>
-              <a:rPr lang="en-US" sz="3200" dirty="0" smtClean="0"/>
-              <a:t>Scales </a:t>
-            </a:r>
-            <a:r>
               <a:rPr lang="en-US" sz="3200" dirty="0"/>
-              <a:t>the forecast errors by the in-sample error of a naïve forecasting model (often a simple random walk</a:t>
-            </a:r>
-            <a:r>
-              <a:rPr lang="en-US" sz="3200" dirty="0" smtClean="0"/>
-              <a:t>).</a:t>
+              <a:t>Scales the forecast errors by the in-sample error of a naïve forecasting model (often a simple random walk).</a:t>
             </a:r>
           </a:p>
           <a:p>
@@ -14598,11 +14511,7 @@
             </a:r>
             <a:r>
               <a:rPr lang="en-US" sz="3200" dirty="0"/>
-              <a:t>It allows you to compare errors across different datasets or time series</a:t>
-            </a:r>
-            <a:r>
-              <a:rPr lang="en-US" sz="3200" dirty="0" smtClean="0"/>
-              <a:t>.</a:t>
+              <a:t>It allows you to compare errors across different datasets or time series.</a:t>
             </a:r>
           </a:p>
           <a:p>
@@ -14618,7 +14527,6 @@
               <a:rPr lang="en-US" sz="3200" dirty="0"/>
               <a:t> It doesn’t blow up when actual values are close to zero.</a:t>
             </a:r>
-            <a:endParaRPr lang="en-US" sz="3200" dirty="0" smtClean="0"/>
           </a:p>
         </p:txBody>
       </p:sp>
@@ -14675,17 +14583,25 @@
           <a:lstStyle/>
           <a:p>
             <a:r>
-              <a:rPr lang="en-US" sz="4000" b="1" dirty="0" smtClean="0"/>
+              <a:rPr lang="en-US" sz="4000" b="1" dirty="0"/>
               <a:t>Other Methods:</a:t>
             </a:r>
           </a:p>
           <a:p>
-            <a:endParaRPr lang="en-US" sz="2000" b="1" dirty="0" smtClean="0"/>
-          </a:p>
-          <a:p>
-            <a:r>
-              <a:rPr lang="en-US" sz="3600" b="1" dirty="0" smtClean="0"/>
-              <a:t>Symmetric Mean Absolute Percentage Error (MASE)</a:t>
+            <a:endParaRPr lang="en-US" sz="2000" b="1" dirty="0"/>
+          </a:p>
+          <a:p>
+            <a:r>
+              <a:rPr lang="en-US" sz="3600" b="1" dirty="0"/>
+              <a:t>Symmetric Mean Absolute Percentage Error (</a:t>
+            </a:r>
+            <a:r>
+              <a:rPr lang="en-US" sz="3600" b="1" dirty="0" err="1"/>
+              <a:t>sMAPE</a:t>
+            </a:r>
+            <a:r>
+              <a:rPr lang="en-US" sz="3600" b="1" dirty="0"/>
+              <a:t>)</a:t>
             </a:r>
           </a:p>
           <a:p>
@@ -14694,12 +14610,8 @@
               <a:buChar char="-"/>
             </a:pPr>
             <a:r>
-              <a:rPr lang="en-US" sz="3200" dirty="0" smtClean="0"/>
-              <a:t>It modifies </a:t>
-            </a:r>
-            <a:r>
               <a:rPr lang="en-US" sz="3200" dirty="0"/>
-              <a:t>the </a:t>
+              <a:t>It modifies the </a:t>
             </a:r>
             <a:r>
               <a:rPr lang="en-US" sz="3200" i="1" dirty="0"/>
@@ -14707,11 +14619,7 @@
             </a:r>
             <a:r>
               <a:rPr lang="en-US" sz="3200" dirty="0"/>
-              <a:t> by using the average of the absolute values of the actual and forecasted values in the denominator, reducing sensitivity when values are small</a:t>
-            </a:r>
-            <a:r>
-              <a:rPr lang="en-US" sz="3200" dirty="0" smtClean="0"/>
-              <a:t>.</a:t>
+              <a:t> by using the average of the absolute values of the actual and forecasted values in the denominator, reducing sensitivity when values are small.</a:t>
             </a:r>
           </a:p>
           <a:p>
@@ -14725,11 +14633,7 @@
             </a:r>
             <a:r>
               <a:rPr lang="en-US" sz="3200" dirty="0"/>
-              <a:t>It treats over-forecasts and under-forecasts more </a:t>
-            </a:r>
-            <a:r>
-              <a:rPr lang="en-US" sz="3200" dirty="0" smtClean="0"/>
-              <a:t>equally</a:t>
+              <a:t>It treats over-forecasts and under-forecasts more equally</a:t>
             </a:r>
           </a:p>
           <a:p>
@@ -14745,7 +14649,6 @@
               <a:rPr lang="en-US" sz="3200" dirty="0"/>
               <a:t>It mitigates the extreme percentage errors that can occur in MAPE when actual values approach zero.</a:t>
             </a:r>
-            <a:endParaRPr lang="en-US" sz="3200" dirty="0" smtClean="0"/>
           </a:p>
         </p:txBody>
       </p:sp>
@@ -14941,7 +14844,7 @@
           <p:cNvPr id="6" name="Picture 5">
             <a:extLst>
               <a:ext uri="{FF2B5EF4-FFF2-40B4-BE49-F238E27FC236}">
-                <a16:creationId xmlns="" xmlns:a16="http://schemas.microsoft.com/office/drawing/2014/main" id="{C292DD58-3D63-4090-80C8-CBA19476A557}"/>
+                <a16:creationId xmlns:a16="http://schemas.microsoft.com/office/drawing/2014/main" id="{C292DD58-3D63-4090-80C8-CBA19476A557}"/>
               </a:ext>
             </a:extLst>
           </p:cNvPr>
@@ -15019,20 +14922,20 @@
           <a:lstStyle/>
           <a:p>
             <a:r>
-              <a:rPr lang="en-US" sz="4000" b="1" dirty="0" smtClean="0"/>
+              <a:rPr lang="en-US" sz="4000" b="1" dirty="0"/>
               <a:t>Other Methods:</a:t>
             </a:r>
           </a:p>
           <a:p>
-            <a:endParaRPr lang="en-US" sz="2000" b="1" dirty="0" smtClean="0"/>
-          </a:p>
-          <a:p>
-            <a:r>
-              <a:rPr lang="en-US" sz="3600" b="1" dirty="0" err="1" smtClean="0"/>
+            <a:endParaRPr lang="en-US" sz="2000" b="1" dirty="0"/>
+          </a:p>
+          <a:p>
+            <a:r>
+              <a:rPr lang="en-US" sz="3600" b="1" dirty="0" err="1"/>
               <a:t>Theil’s</a:t>
             </a:r>
             <a:r>
-              <a:rPr lang="en-US" sz="3600" b="1" dirty="0" smtClean="0"/>
+              <a:rPr lang="en-US" sz="3600" b="1" dirty="0"/>
               <a:t> U Statistic</a:t>
             </a:r>
           </a:p>
@@ -15042,16 +14945,8 @@
               <a:buChar char="-"/>
             </a:pPr>
             <a:r>
-              <a:rPr lang="en-US" sz="3200" dirty="0" smtClean="0"/>
-              <a:t>It compares </a:t>
-            </a:r>
-            <a:r>
               <a:rPr lang="en-US" sz="3200" dirty="0"/>
-              <a:t>the accuracy of your forecasting model to that of a naïve model (such as the “no change” model). A value of less than 1 indicates that your model outperforms the </a:t>
-            </a:r>
-            <a:r>
-              <a:rPr lang="en-US" sz="3200" dirty="0" smtClean="0"/>
-              <a:t>naïve benchmark.</a:t>
+              <a:t>It compares the accuracy of your forecasting model to that of a naïve model (such as the “no change” model). A value of less than 1 indicates that your model outperforms the naïve benchmark.</a:t>
             </a:r>
           </a:p>
           <a:p>
@@ -15067,7 +14962,6 @@
               <a:rPr lang="en-US" sz="3200" dirty="0"/>
               <a:t>: It provides context by comparing your model against a simple alternative, which can be particularly insightful for time series data.</a:t>
             </a:r>
-            <a:endParaRPr lang="en-US" sz="3200" dirty="0" smtClean="0"/>
           </a:p>
         </p:txBody>
       </p:sp>
@@ -15253,7 +15147,7 @@
           <p:cNvPr id="4" name="Slide Number Placeholder 3">
             <a:extLst>
               <a:ext uri="{FF2B5EF4-FFF2-40B4-BE49-F238E27FC236}">
-                <a16:creationId xmlns="" xmlns:a16="http://schemas.microsoft.com/office/drawing/2014/main" id="{62E7B5B2-C921-4EA7-A2E9-CC1D800412DA}"/>
+                <a16:creationId xmlns:a16="http://schemas.microsoft.com/office/drawing/2014/main" id="{62E7B5B2-C921-4EA7-A2E9-CC1D800412DA}"/>
               </a:ext>
             </a:extLst>
           </p:cNvPr>
@@ -15282,7 +15176,7 @@
           <p:cNvPr id="5" name="TextBox 4">
             <a:extLst>
               <a:ext uri="{FF2B5EF4-FFF2-40B4-BE49-F238E27FC236}">
-                <a16:creationId xmlns="" xmlns:a16="http://schemas.microsoft.com/office/drawing/2014/main" id="{3984CB54-17A6-4F9C-BC6F-202D8A01035C}"/>
+                <a16:creationId xmlns:a16="http://schemas.microsoft.com/office/drawing/2014/main" id="{3984CB54-17A6-4F9C-BC6F-202D8A01035C}"/>
               </a:ext>
             </a:extLst>
           </p:cNvPr>
@@ -15495,7 +15389,7 @@
           <p:cNvPr id="6" name="Picture 5">
             <a:extLst>
               <a:ext uri="{FF2B5EF4-FFF2-40B4-BE49-F238E27FC236}">
-                <a16:creationId xmlns="" xmlns:a16="http://schemas.microsoft.com/office/drawing/2014/main" id="{D9ECFF77-FBC6-4273-BEEE-E40A37BD041E}"/>
+                <a16:creationId xmlns:a16="http://schemas.microsoft.com/office/drawing/2014/main" id="{D9ECFF77-FBC6-4273-BEEE-E40A37BD041E}"/>
               </a:ext>
             </a:extLst>
           </p:cNvPr>
@@ -15712,7 +15606,7 @@
           <p:cNvPr id="5" name="Picture 4">
             <a:extLst>
               <a:ext uri="{FF2B5EF4-FFF2-40B4-BE49-F238E27FC236}">
-                <a16:creationId xmlns="" xmlns:a16="http://schemas.microsoft.com/office/drawing/2014/main" id="{6F45C129-6C0C-480B-AEDC-9A6075F5E32A}"/>
+                <a16:creationId xmlns:a16="http://schemas.microsoft.com/office/drawing/2014/main" id="{6F45C129-6C0C-480B-AEDC-9A6075F5E32A}"/>
               </a:ext>
             </a:extLst>
           </p:cNvPr>
@@ -15772,7 +15666,7 @@
           <p:cNvPr id="4" name="Slide Number Placeholder 3">
             <a:extLst>
               <a:ext uri="{FF2B5EF4-FFF2-40B4-BE49-F238E27FC236}">
-                <a16:creationId xmlns="" xmlns:a16="http://schemas.microsoft.com/office/drawing/2014/main" id="{62E7B5B2-C921-4EA7-A2E9-CC1D800412DA}"/>
+                <a16:creationId xmlns:a16="http://schemas.microsoft.com/office/drawing/2014/main" id="{62E7B5B2-C921-4EA7-A2E9-CC1D800412DA}"/>
               </a:ext>
             </a:extLst>
           </p:cNvPr>
@@ -15801,7 +15695,7 @@
           <p:cNvPr id="5" name="TextBox 4">
             <a:extLst>
               <a:ext uri="{FF2B5EF4-FFF2-40B4-BE49-F238E27FC236}">
-                <a16:creationId xmlns="" xmlns:a16="http://schemas.microsoft.com/office/drawing/2014/main" id="{3984CB54-17A6-4F9C-BC6F-202D8A01035C}"/>
+                <a16:creationId xmlns:a16="http://schemas.microsoft.com/office/drawing/2014/main" id="{3984CB54-17A6-4F9C-BC6F-202D8A01035C}"/>
               </a:ext>
             </a:extLst>
           </p:cNvPr>
@@ -15944,7 +15838,7 @@
                       <m:fPr>
                         <m:ctrlPr>
                           <a:rPr lang="en-US" sz="3600" i="1">
-                            <a:latin typeface="Cambria Math"/>
+                            <a:latin typeface="Cambria Math" panose="02040503050406030204" pitchFamily="18" charset="0"/>
                           </a:rPr>
                         </m:ctrlPr>
                       </m:fPr>
@@ -15970,7 +15864,7 @@
                         <m:chr m:val="∑"/>
                         <m:ctrlPr>
                           <a:rPr lang="en-US" sz="3600" i="1">
-                            <a:latin typeface="Cambria Math"/>
+                            <a:latin typeface="Cambria Math" panose="02040503050406030204" pitchFamily="18" charset="0"/>
                           </a:rPr>
                         </m:ctrlPr>
                       </m:naryPr>
@@ -16006,7 +15900,7 @@
                             <m:endChr m:val="|"/>
                             <m:ctrlPr>
                               <a:rPr lang="en-US" sz="3600" i="1" smtClean="0">
-                                <a:latin typeface="Cambria Math"/>
+                                <a:latin typeface="Cambria Math" panose="02040503050406030204" pitchFamily="18" charset="0"/>
                               </a:rPr>
                             </m:ctrlPr>
                           </m:dPr>
@@ -16015,7 +15909,7 @@
                               <m:sSubPr>
                                 <m:ctrlPr>
                                   <a:rPr lang="en-US" sz="3600" i="1">
-                                    <a:latin typeface="Cambria Math"/>
+                                    <a:latin typeface="Cambria Math" panose="02040503050406030204" pitchFamily="18" charset="0"/>
                                   </a:rPr>
                                 </m:ctrlPr>
                               </m:sSubPr>
@@ -16046,7 +15940,7 @@
                               <m:sSubPr>
                                 <m:ctrlPr>
                                   <a:rPr lang="en-US" sz="3600" i="1">
-                                    <a:latin typeface="Cambria Math"/>
+                                    <a:latin typeface="Cambria Math" panose="02040503050406030204" pitchFamily="18" charset="0"/>
                                   </a:rPr>
                                 </m:ctrlPr>
                               </m:sSubPr>
@@ -16056,7 +15950,7 @@
                                     <m:chr m:val="̂"/>
                                     <m:ctrlPr>
                                       <a:rPr lang="en-US" sz="3600" i="1">
-                                        <a:latin typeface="Cambria Math"/>
+                                        <a:latin typeface="Cambria Math" panose="02040503050406030204" pitchFamily="18" charset="0"/>
                                       </a:rPr>
                                     </m:ctrlPr>
                                   </m:accPr>
@@ -16240,7 +16134,7 @@
                       <m:fPr>
                         <m:ctrlPr>
                           <a:rPr lang="en-US" sz="3600" b="0" i="1" smtClean="0">
-                            <a:latin typeface="Cambria Math"/>
+                            <a:latin typeface="Cambria Math" panose="02040503050406030204" pitchFamily="18" charset="0"/>
                           </a:rPr>
                         </m:ctrlPr>
                       </m:fPr>
@@ -16266,7 +16160,7 @@
                         <m:chr m:val="∑"/>
                         <m:ctrlPr>
                           <a:rPr lang="en-US" sz="3600" b="0" i="1" smtClean="0">
-                            <a:latin typeface="Cambria Math"/>
+                            <a:latin typeface="Cambria Math" panose="02040503050406030204" pitchFamily="18" charset="0"/>
                           </a:rPr>
                         </m:ctrlPr>
                       </m:naryPr>
@@ -16300,7 +16194,7 @@
                           <m:sSupPr>
                             <m:ctrlPr>
                               <a:rPr lang="en-US" sz="3600" b="0" i="1" smtClean="0">
-                                <a:latin typeface="Cambria Math"/>
+                                <a:latin typeface="Cambria Math" panose="02040503050406030204" pitchFamily="18" charset="0"/>
                               </a:rPr>
                             </m:ctrlPr>
                           </m:sSupPr>
@@ -16309,7 +16203,7 @@
                               <m:dPr>
                                 <m:ctrlPr>
                                   <a:rPr lang="en-US" sz="3600" i="1">
-                                    <a:latin typeface="Cambria Math"/>
+                                    <a:latin typeface="Cambria Math" panose="02040503050406030204" pitchFamily="18" charset="0"/>
                                   </a:rPr>
                                 </m:ctrlPr>
                               </m:dPr>
@@ -16318,7 +16212,7 @@
                                   <m:sSubPr>
                                     <m:ctrlPr>
                                       <a:rPr lang="en-US" sz="3600" i="1">
-                                        <a:latin typeface="Cambria Math"/>
+                                        <a:latin typeface="Cambria Math" panose="02040503050406030204" pitchFamily="18" charset="0"/>
                                       </a:rPr>
                                     </m:ctrlPr>
                                   </m:sSubPr>
@@ -16349,7 +16243,7 @@
                                   <m:sSubPr>
                                     <m:ctrlPr>
                                       <a:rPr lang="en-US" sz="3600" i="1">
-                                        <a:latin typeface="Cambria Math"/>
+                                        <a:latin typeface="Cambria Math" panose="02040503050406030204" pitchFamily="18" charset="0"/>
                                       </a:rPr>
                                     </m:ctrlPr>
                                   </m:sSubPr>
@@ -16359,7 +16253,7 @@
                                         <m:chr m:val="̂"/>
                                         <m:ctrlPr>
                                           <a:rPr lang="en-US" sz="3600" i="1">
-                                            <a:latin typeface="Cambria Math"/>
+                                            <a:latin typeface="Cambria Math" panose="02040503050406030204" pitchFamily="18" charset="0"/>
                                           </a:rPr>
                                         </m:ctrlPr>
                                       </m:accPr>
@@ -16995,7 +16889,7 @@
   <a:extraClrSchemeLst/>
   <a:extLst>
     <a:ext uri="{05A4C25C-085E-4340-85A3-A5531E510DB2}">
-      <thm15:themeFamily xmlns="" xmlns:thm15="http://schemas.microsoft.com/office/thememl/2012/main" name="Office Theme" id="{62F939B6-93AF-4DB8-9C6B-D6C7DFDC589F}" vid="{4A3C46E8-61CC-4603-A589-7422A47A8E4A}"/>
+      <thm15:themeFamily xmlns:thm15="http://schemas.microsoft.com/office/thememl/2012/main" name="Office Theme" id="{62F939B6-93AF-4DB8-9C6B-D6C7DFDC589F}" vid="{4A3C46E8-61CC-4603-A589-7422A47A8E4A}"/>
     </a:ext>
   </a:extLst>
 </a:theme>
